--- a/PPT/05.자바스크립트 - 클라이언트 사이드(Event, DOM, Ajax, Web APIs).pptx
+++ b/PPT/05.자바스크립트 - 클라이언트 사이드(Event, DOM, Ajax, Web APIs).pptx
@@ -26308,7 +26308,7 @@
                 <a:latin typeface="Noto Sans CJK KR DemiLight" panose="020B0400000000000000" pitchFamily="34" charset="-128"/>
                 <a:ea typeface="Noto Sans CJK KR DemiLight" panose="020B0400000000000000" pitchFamily="34" charset="-128"/>
               </a:rPr>
-              <a:t>Event</a:t>
+              <a:t>DOM</a:t>
             </a:r>
           </a:p>
           <a:p>
@@ -26328,7 +26328,7 @@
                 <a:latin typeface="Noto Sans CJK KR DemiLight" panose="020B0400000000000000" pitchFamily="34" charset="-128"/>
                 <a:ea typeface="Noto Sans CJK KR DemiLight" panose="020B0400000000000000" pitchFamily="34" charset="-128"/>
               </a:rPr>
-              <a:t>DOM</a:t>
+              <a:t>Event</a:t>
             </a:r>
           </a:p>
           <a:p>
@@ -26903,8 +26903,19 @@
                 <a:latin typeface="Noto Sans CJK KR Regular" panose="020B0500000000000000" pitchFamily="34" charset="-127"/>
                 <a:ea typeface="Noto Sans CJK KR Regular" panose="020B0500000000000000" pitchFamily="34" charset="-127"/>
               </a:rPr>
-              <a:t> Event</a:t>
-            </a:r>
+              <a:t> window.document </a:t>
+            </a:r>
+            <a:r>
+              <a:rPr lang="ko-KR" altLang="en-US">
+                <a:latin typeface="Noto Sans CJK KR Regular" panose="020B0500000000000000" pitchFamily="34" charset="-127"/>
+                <a:ea typeface="Noto Sans CJK KR Regular" panose="020B0500000000000000" pitchFamily="34" charset="-127"/>
+              </a:rPr>
+              <a:t>등</a:t>
+            </a:r>
+            <a:endParaRPr lang="en-US" altLang="ko-KR">
+              <a:latin typeface="Noto Sans CJK KR Regular" panose="020B0500000000000000" pitchFamily="34" charset="-127"/>
+              <a:ea typeface="Noto Sans CJK KR Regular" panose="020B0500000000000000" pitchFamily="34" charset="-127"/>
+            </a:endParaRPr>
           </a:p>
           <a:p>
             <a:pPr lvl="2">
@@ -26917,19 +26928,8 @@
                 <a:latin typeface="Noto Sans CJK KR Regular" panose="020B0500000000000000" pitchFamily="34" charset="-127"/>
                 <a:ea typeface="Noto Sans CJK KR Regular" panose="020B0500000000000000" pitchFamily="34" charset="-127"/>
               </a:rPr>
-              <a:t> window.document </a:t>
-            </a:r>
-            <a:r>
-              <a:rPr lang="ko-KR" altLang="en-US">
-                <a:latin typeface="Noto Sans CJK KR Regular" panose="020B0500000000000000" pitchFamily="34" charset="-127"/>
-                <a:ea typeface="Noto Sans CJK KR Regular" panose="020B0500000000000000" pitchFamily="34" charset="-127"/>
-              </a:rPr>
-              <a:t>등</a:t>
-            </a:r>
-            <a:endParaRPr lang="en-US" altLang="ko-KR">
-              <a:latin typeface="Noto Sans CJK KR Regular" panose="020B0500000000000000" pitchFamily="34" charset="-127"/>
-              <a:ea typeface="Noto Sans CJK KR Regular" panose="020B0500000000000000" pitchFamily="34" charset="-127"/>
-            </a:endParaRPr>
+              <a:t> Event</a:t>
+            </a:r>
           </a:p>
           <a:p>
             <a:pPr lvl="2">

--- a/PPT/05.자바스크립트 - 클라이언트 사이드(Event, DOM, Ajax, Web APIs).pptx
+++ b/PPT/05.자바스크립트 - 클라이언트 사이드(Event, DOM, Ajax, Web APIs).pptx
@@ -5,7 +5,7 @@
     <p:sldMasterId id="2147483648" r:id="rId1"/>
   </p:sldMasterIdLst>
   <p:notesMasterIdLst>
-    <p:notesMasterId r:id="rId20"/>
+    <p:notesMasterId r:id="rId21"/>
   </p:notesMasterIdLst>
   <p:sldIdLst>
     <p:sldId id="283" r:id="rId2"/>
@@ -21,11 +21,12 @@
     <p:sldId id="343" r:id="rId12"/>
     <p:sldId id="344" r:id="rId13"/>
     <p:sldId id="345" r:id="rId14"/>
-    <p:sldId id="346" r:id="rId15"/>
-    <p:sldId id="347" r:id="rId16"/>
-    <p:sldId id="348" r:id="rId17"/>
-    <p:sldId id="349" r:id="rId18"/>
-    <p:sldId id="350" r:id="rId19"/>
+    <p:sldId id="367" r:id="rId15"/>
+    <p:sldId id="346" r:id="rId16"/>
+    <p:sldId id="347" r:id="rId17"/>
+    <p:sldId id="348" r:id="rId18"/>
+    <p:sldId id="349" r:id="rId19"/>
+    <p:sldId id="350" r:id="rId20"/>
   </p:sldIdLst>
   <p:sldSz cx="12192000" cy="6858000"/>
   <p:notesSz cx="6858000" cy="9144000"/>
@@ -252,7 +253,7 @@
             <a:fld id="{C5EB0431-1611-1744-95F0-8172773087C5}" type="datetimeFigureOut">
               <a:rPr lang="en-US" altLang="ko-Kore-KR" smtClean="0"/>
               <a:pPr/>
-              <a:t>4/13/2025</a:t>
+              <a:t>4/14/2025</a:t>
             </a:fld>
             <a:endParaRPr lang="ko-Kore-KR"/>
           </a:p>
@@ -672,7 +673,7 @@
           <a:p>
             <a:fld id="{C62242F5-E27B-40F7-BCE5-D1802FB26DAD}" type="datetime1">
               <a:rPr kumimoji="1" lang="ko-KR" altLang="en-US" smtClean="0"/>
-              <a:t>2025-04-13</a:t>
+              <a:t>2025-04-14</a:t>
             </a:fld>
             <a:endParaRPr kumimoji="1" lang="ko-KR" altLang="en-US"/>
           </a:p>
@@ -870,7 +871,7 @@
           <a:p>
             <a:fld id="{61256B47-E040-4E87-BA3D-2F84D0803561}" type="datetime1">
               <a:rPr kumimoji="1" lang="ko-KR" altLang="en-US" smtClean="0"/>
-              <a:t>2025-04-13</a:t>
+              <a:t>2025-04-14</a:t>
             </a:fld>
             <a:endParaRPr kumimoji="1" lang="ko-KR" altLang="en-US"/>
           </a:p>
@@ -1078,7 +1079,7 @@
           <a:p>
             <a:fld id="{6B9F999E-77AD-487F-961B-3498EA270D69}" type="datetime1">
               <a:rPr kumimoji="1" lang="ko-KR" altLang="en-US" smtClean="0"/>
-              <a:t>2025-04-13</a:t>
+              <a:t>2025-04-14</a:t>
             </a:fld>
             <a:endParaRPr kumimoji="1" lang="ko-KR" altLang="en-US"/>
           </a:p>
@@ -1276,7 +1277,7 @@
           <a:p>
             <a:fld id="{F70921BC-C4D8-4F24-8CD7-2DB99AFE8982}" type="datetime1">
               <a:rPr kumimoji="1" lang="ko-KR" altLang="en-US" smtClean="0"/>
-              <a:t>2025-04-13</a:t>
+              <a:t>2025-04-14</a:t>
             </a:fld>
             <a:endParaRPr kumimoji="1" lang="ko-KR" altLang="en-US"/>
           </a:p>
@@ -1551,7 +1552,7 @@
           <a:p>
             <a:fld id="{0E62366B-D9B5-4570-8EB3-6989D7068DA4}" type="datetime1">
               <a:rPr kumimoji="1" lang="ko-KR" altLang="en-US" smtClean="0"/>
-              <a:t>2025-04-13</a:t>
+              <a:t>2025-04-14</a:t>
             </a:fld>
             <a:endParaRPr kumimoji="1" lang="ko-KR" altLang="en-US"/>
           </a:p>
@@ -1816,7 +1817,7 @@
           <a:p>
             <a:fld id="{7E5A7133-6798-4A4C-B2DF-38A451D019C9}" type="datetime1">
               <a:rPr kumimoji="1" lang="ko-KR" altLang="en-US" smtClean="0"/>
-              <a:t>2025-04-13</a:t>
+              <a:t>2025-04-14</a:t>
             </a:fld>
             <a:endParaRPr kumimoji="1" lang="ko-KR" altLang="en-US"/>
           </a:p>
@@ -2228,7 +2229,7 @@
           <a:p>
             <a:fld id="{7F16D5B3-EEAC-47EA-935E-B6E73B304D41}" type="datetime1">
               <a:rPr kumimoji="1" lang="ko-KR" altLang="en-US" smtClean="0"/>
-              <a:t>2025-04-13</a:t>
+              <a:t>2025-04-14</a:t>
             </a:fld>
             <a:endParaRPr kumimoji="1" lang="ko-KR" altLang="en-US"/>
           </a:p>
@@ -2369,7 +2370,7 @@
           <a:p>
             <a:fld id="{39E310AA-4945-4A37-AD34-AD8CDBAD4FD9}" type="datetime1">
               <a:rPr kumimoji="1" lang="ko-KR" altLang="en-US" smtClean="0"/>
-              <a:t>2025-04-13</a:t>
+              <a:t>2025-04-14</a:t>
             </a:fld>
             <a:endParaRPr kumimoji="1" lang="ko-KR" altLang="en-US"/>
           </a:p>
@@ -2482,7 +2483,7 @@
           <a:p>
             <a:fld id="{2D808F86-ACF7-40A2-9A15-2517A889A9C6}" type="datetime1">
               <a:rPr kumimoji="1" lang="ko-KR" altLang="en-US" smtClean="0"/>
-              <a:t>2025-04-13</a:t>
+              <a:t>2025-04-14</a:t>
             </a:fld>
             <a:endParaRPr kumimoji="1" lang="ko-KR" altLang="en-US"/>
           </a:p>
@@ -2793,7 +2794,7 @@
           <a:p>
             <a:fld id="{6511A317-AC83-4316-9808-85D31F530754}" type="datetime1">
               <a:rPr kumimoji="1" lang="ko-KR" altLang="en-US" smtClean="0"/>
-              <a:t>2025-04-13</a:t>
+              <a:t>2025-04-14</a:t>
             </a:fld>
             <a:endParaRPr kumimoji="1" lang="ko-KR" altLang="en-US"/>
           </a:p>
@@ -3081,7 +3082,7 @@
           <a:p>
             <a:fld id="{7F203D7C-ED94-4E5F-AA1D-6DEF9949E809}" type="datetime1">
               <a:rPr kumimoji="1" lang="ko-KR" altLang="en-US" smtClean="0"/>
-              <a:t>2025-04-13</a:t>
+              <a:t>2025-04-14</a:t>
             </a:fld>
             <a:endParaRPr kumimoji="1" lang="ko-KR" altLang="en-US"/>
           </a:p>
@@ -3324,7 +3325,7 @@
           <a:p>
             <a:fld id="{3646939E-1144-4C23-8FD2-9C17581264C0}" type="datetime1">
               <a:rPr kumimoji="1" lang="ko-KR" altLang="en-US" smtClean="0"/>
-              <a:t>2025-04-13</a:t>
+              <a:t>2025-04-14</a:t>
             </a:fld>
             <a:endParaRPr kumimoji="1" lang="ko-KR" altLang="en-US"/>
           </a:p>
@@ -13323,7 +13324,7 @@
           <a:lstStyle/>
           <a:p>
             <a:r>
-              <a:rPr kumimoji="1" lang="ko-KR" altLang="en-US" sz="1600" spc="-60">
+              <a:rPr kumimoji="1" lang="ko-KR" altLang="en-US" sz="1600" spc="-60" dirty="0">
                 <a:solidFill>
                   <a:srgbClr val="FF9E1B"/>
                 </a:solidFill>
@@ -13356,7 +13357,7 @@
                 <a:latin typeface="Noto Sans CJK KR DemiLight" panose="020B0400000000000000" pitchFamily="34" charset="-128"/>
                 <a:ea typeface="Noto Sans CJK KR DemiLight" panose="020B0400000000000000" pitchFamily="34" charset="-128"/>
               </a:rPr>
-              <a:t>  노드 생성</a:t>
+              <a:t>  요소노드의 내부 컨텐츠 제어</a:t>
             </a:r>
             <a:endParaRPr kumimoji="1" lang="ko-KR" altLang="en-US" sz="1600" spc="-60" dirty="0">
               <a:solidFill>
@@ -13373,10 +13374,10 @@
       </p:sp>
       <p:pic>
         <p:nvPicPr>
-          <p:cNvPr id="4" name="그림 3" descr="모니터, 앉아있는, 컴퓨터, 노트북이(가) 표시된 사진&#10;&#10;자동 생성된 설명">
-            <a:extLst>
-              <a:ext uri="{FF2B5EF4-FFF2-40B4-BE49-F238E27FC236}">
-                <a16:creationId xmlns:a16="http://schemas.microsoft.com/office/drawing/2014/main" id="{11B22562-0242-7846-B4EF-7B0B4FAA194A}"/>
+          <p:cNvPr id="9" name="그림 8" descr="모니터, 앉아있는, 컴퓨터, 노트북이(가) 표시된 사진&#10;&#10;자동 생성된 설명">
+            <a:extLst>
+              <a:ext uri="{FF2B5EF4-FFF2-40B4-BE49-F238E27FC236}">
+                <a16:creationId xmlns:a16="http://schemas.microsoft.com/office/drawing/2014/main" id="{FF6495D1-8783-E242-8224-4FB3EE8FE1E4}"/>
               </a:ext>
             </a:extLst>
           </p:cNvPr>
@@ -13403,10 +13404,292 @@
       </p:pic>
       <p:sp>
         <p:nvSpPr>
+          <p:cNvPr id="5" name="Text Box 3">
+            <a:extLst>
+              <a:ext uri="{FF2B5EF4-FFF2-40B4-BE49-F238E27FC236}">
+                <a16:creationId xmlns:a16="http://schemas.microsoft.com/office/drawing/2014/main" id="{51A18909-3721-4924-A1B6-35C35C00F700}"/>
+              </a:ext>
+            </a:extLst>
+          </p:cNvPr>
+          <p:cNvSpPr txBox="1">
+            <a:spLocks noChangeArrowheads="1"/>
+          </p:cNvSpPr>
+          <p:nvPr/>
+        </p:nvSpPr>
+        <p:spPr bwMode="auto">
+          <a:xfrm>
+            <a:off x="395288" y="836613"/>
+            <a:ext cx="10171112" cy="2954655"/>
+          </a:xfrm>
+          <a:prstGeom prst="rect">
+            <a:avLst/>
+          </a:prstGeom>
+          <a:noFill/>
+          <a:ln w="9525">
+            <a:noFill/>
+            <a:miter lim="800000"/>
+            <a:headEnd/>
+            <a:tailEnd/>
+          </a:ln>
+        </p:spPr>
+        <p:txBody>
+          <a:bodyPr wrap="square">
+            <a:spAutoFit/>
+          </a:bodyPr>
+          <a:lstStyle/>
+          <a:p>
+            <a:pPr>
+              <a:buFont typeface="맑은 고딕" pitchFamily="50" charset="-127"/>
+              <a:buChar char="▶"/>
+              <a:defRPr/>
+            </a:pPr>
+            <a:r>
+              <a:rPr lang="en-US" altLang="ko-KR" sz="2000">
+                <a:latin typeface="Noto Sans CJK KR Regular" panose="020B0500000000000000" pitchFamily="34" charset="-127"/>
+                <a:ea typeface="Noto Sans CJK KR Regular" panose="020B0500000000000000" pitchFamily="34" charset="-127"/>
+              </a:rPr>
+              <a:t> elem.textContent</a:t>
+            </a:r>
+          </a:p>
+          <a:p>
+            <a:pPr lvl="1">
+              <a:buFontTx/>
+              <a:buChar char="•"/>
+              <a:defRPr/>
+            </a:pPr>
+            <a:r>
+              <a:rPr lang="ko-KR" altLang="en-US">
+                <a:latin typeface="Noto Sans CJK KR Regular" panose="020B0500000000000000" pitchFamily="34" charset="-127"/>
+                <a:ea typeface="Noto Sans CJK KR Regular" panose="020B0500000000000000" pitchFamily="34" charset="-127"/>
+              </a:rPr>
+              <a:t> </a:t>
+            </a:r>
+            <a:r>
+              <a:rPr lang="en-US" altLang="ko-KR" b="0">
+                <a:latin typeface="Noto Sans CJK KR Regular" panose="020B0500000000000000" pitchFamily="34" charset="-127"/>
+                <a:ea typeface="Noto Sans CJK KR Regular" panose="020B0500000000000000" pitchFamily="34" charset="-127"/>
+              </a:rPr>
+              <a:t>elem</a:t>
+            </a:r>
+            <a:r>
+              <a:rPr lang="ko-KR" altLang="en-US" b="0">
+                <a:latin typeface="Noto Sans CJK KR Regular" panose="020B0500000000000000" pitchFamily="34" charset="-127"/>
+                <a:ea typeface="Noto Sans CJK KR Regular" panose="020B0500000000000000" pitchFamily="34" charset="-127"/>
+              </a:rPr>
+              <a:t>의 내부 </a:t>
+            </a:r>
+            <a:r>
+              <a:rPr lang="ko-KR" altLang="en-US">
+                <a:latin typeface="Noto Sans CJK KR Regular" panose="020B0500000000000000" pitchFamily="34" charset="-127"/>
+                <a:ea typeface="Noto Sans CJK KR Regular" panose="020B0500000000000000" pitchFamily="34" charset="-127"/>
+              </a:rPr>
+              <a:t>텍스트 노드의 값을 꺼내거나 수정</a:t>
+            </a:r>
+            <a:endParaRPr lang="en-US" altLang="ko-KR" b="0">
+              <a:latin typeface="Noto Sans CJK KR Regular" panose="020B0500000000000000" pitchFamily="34" charset="-127"/>
+              <a:ea typeface="Noto Sans CJK KR Regular" panose="020B0500000000000000" pitchFamily="34" charset="-127"/>
+            </a:endParaRPr>
+          </a:p>
+          <a:p>
+            <a:pPr lvl="1">
+              <a:buFontTx/>
+              <a:buChar char="•"/>
+              <a:defRPr/>
+            </a:pPr>
+            <a:endParaRPr lang="en-US" altLang="ko-KR">
+              <a:latin typeface="Noto Sans CJK KR Regular" panose="020B0500000000000000" pitchFamily="34" charset="-127"/>
+              <a:ea typeface="Noto Sans CJK KR Regular" panose="020B0500000000000000" pitchFamily="34" charset="-127"/>
+            </a:endParaRPr>
+          </a:p>
+          <a:p>
+            <a:pPr>
+              <a:buFont typeface="맑은 고딕" pitchFamily="50" charset="-127"/>
+              <a:buChar char="▶"/>
+              <a:defRPr/>
+            </a:pPr>
+            <a:r>
+              <a:rPr lang="en-US" altLang="ko-KR" sz="2000">
+                <a:latin typeface="Noto Sans CJK KR Regular" panose="020B0500000000000000" pitchFamily="34" charset="-127"/>
+                <a:ea typeface="Noto Sans CJK KR Regular" panose="020B0500000000000000" pitchFamily="34" charset="-127"/>
+              </a:rPr>
+              <a:t> elem.innerHTML</a:t>
+            </a:r>
+          </a:p>
+          <a:p>
+            <a:pPr lvl="1">
+              <a:buFontTx/>
+              <a:buChar char="•"/>
+              <a:defRPr/>
+            </a:pPr>
+            <a:r>
+              <a:rPr lang="ko-KR" altLang="en-US">
+                <a:latin typeface="Noto Sans CJK KR Regular" panose="020B0500000000000000" pitchFamily="34" charset="-127"/>
+                <a:ea typeface="Noto Sans CJK KR Regular" panose="020B0500000000000000" pitchFamily="34" charset="-127"/>
+              </a:rPr>
+              <a:t> </a:t>
+            </a:r>
+            <a:r>
+              <a:rPr lang="en-US" altLang="ko-KR" b="0">
+                <a:latin typeface="Noto Sans CJK KR Regular" panose="020B0500000000000000" pitchFamily="34" charset="-127"/>
+                <a:ea typeface="Noto Sans CJK KR Regular" panose="020B0500000000000000" pitchFamily="34" charset="-127"/>
+              </a:rPr>
+              <a:t>elem</a:t>
+            </a:r>
+            <a:r>
+              <a:rPr lang="ko-KR" altLang="en-US" b="0">
+                <a:latin typeface="Noto Sans CJK KR Regular" panose="020B0500000000000000" pitchFamily="34" charset="-127"/>
+                <a:ea typeface="Noto Sans CJK KR Regular" panose="020B0500000000000000" pitchFamily="34" charset="-127"/>
+              </a:rPr>
+              <a:t>의 내부 </a:t>
+            </a:r>
+            <a:r>
+              <a:rPr lang="en-US" altLang="ko-KR" b="0">
+                <a:latin typeface="Noto Sans CJK KR Regular" panose="020B0500000000000000" pitchFamily="34" charset="-127"/>
+                <a:ea typeface="Noto Sans CJK KR Regular" panose="020B0500000000000000" pitchFamily="34" charset="-127"/>
+              </a:rPr>
+              <a:t>HTML </a:t>
+            </a:r>
+            <a:r>
+              <a:rPr lang="ko-KR" altLang="en-US" b="0">
+                <a:latin typeface="Noto Sans CJK KR Regular" panose="020B0500000000000000" pitchFamily="34" charset="-127"/>
+                <a:ea typeface="Noto Sans CJK KR Regular" panose="020B0500000000000000" pitchFamily="34" charset="-127"/>
+              </a:rPr>
+              <a:t>코드의 값을 꺼내거나 수정</a:t>
+            </a:r>
+            <a:endParaRPr lang="en-US" altLang="ko-KR" b="0">
+              <a:latin typeface="Noto Sans CJK KR Regular" panose="020B0500000000000000" pitchFamily="34" charset="-127"/>
+              <a:ea typeface="Noto Sans CJK KR Regular" panose="020B0500000000000000" pitchFamily="34" charset="-127"/>
+            </a:endParaRPr>
+          </a:p>
+          <a:p>
+            <a:pPr lvl="1">
+              <a:buFontTx/>
+              <a:buChar char="•"/>
+              <a:defRPr/>
+            </a:pPr>
+            <a:r>
+              <a:rPr lang="en-US" altLang="ko-KR">
+                <a:latin typeface="Noto Sans CJK KR Regular" panose="020B0500000000000000" pitchFamily="34" charset="-127"/>
+                <a:ea typeface="Noto Sans CJK KR Regular" panose="020B0500000000000000" pitchFamily="34" charset="-127"/>
+              </a:rPr>
+              <a:t> elem </a:t>
+            </a:r>
+            <a:r>
+              <a:rPr lang="ko-KR" altLang="en-US">
+                <a:latin typeface="Noto Sans CJK KR Regular" panose="020B0500000000000000" pitchFamily="34" charset="-127"/>
+                <a:ea typeface="Noto Sans CJK KR Regular" panose="020B0500000000000000" pitchFamily="34" charset="-127"/>
+              </a:rPr>
+              <a:t>자신은 제외</a:t>
+            </a:r>
+            <a:endParaRPr lang="en-US" altLang="ko-KR" b="0">
+              <a:latin typeface="Noto Sans CJK KR Regular" panose="020B0500000000000000" pitchFamily="34" charset="-127"/>
+              <a:ea typeface="Noto Sans CJK KR Regular" panose="020B0500000000000000" pitchFamily="34" charset="-127"/>
+            </a:endParaRPr>
+          </a:p>
+          <a:p>
+            <a:pPr lvl="1">
+              <a:buFontTx/>
+              <a:buChar char="•"/>
+              <a:defRPr/>
+            </a:pPr>
+            <a:endParaRPr lang="en-US" altLang="ko-KR">
+              <a:latin typeface="Noto Sans CJK KR Regular" panose="020B0500000000000000" pitchFamily="34" charset="-127"/>
+              <a:ea typeface="Noto Sans CJK KR Regular" panose="020B0500000000000000" pitchFamily="34" charset="-127"/>
+            </a:endParaRPr>
+          </a:p>
+          <a:p>
+            <a:pPr>
+              <a:buFont typeface="맑은 고딕" pitchFamily="50" charset="-127"/>
+              <a:buChar char="▶"/>
+              <a:defRPr/>
+            </a:pPr>
+            <a:r>
+              <a:rPr lang="en-US" altLang="ko-KR" sz="2000">
+                <a:latin typeface="Noto Sans CJK KR Regular" panose="020B0500000000000000" pitchFamily="34" charset="-127"/>
+                <a:ea typeface="Noto Sans CJK KR Regular" panose="020B0500000000000000" pitchFamily="34" charset="-127"/>
+              </a:rPr>
+              <a:t> elem.outerHTML</a:t>
+            </a:r>
+          </a:p>
+          <a:p>
+            <a:pPr lvl="1">
+              <a:buFontTx/>
+              <a:buChar char="•"/>
+              <a:defRPr/>
+            </a:pPr>
+            <a:r>
+              <a:rPr lang="ko-KR" altLang="en-US">
+                <a:latin typeface="Noto Sans CJK KR Regular" panose="020B0500000000000000" pitchFamily="34" charset="-127"/>
+                <a:ea typeface="Noto Sans CJK KR Regular" panose="020B0500000000000000" pitchFamily="34" charset="-127"/>
+              </a:rPr>
+              <a:t> </a:t>
+            </a:r>
+            <a:r>
+              <a:rPr lang="en-US" altLang="ko-KR" b="0">
+                <a:latin typeface="Noto Sans CJK KR Regular" panose="020B0500000000000000" pitchFamily="34" charset="-127"/>
+                <a:ea typeface="Noto Sans CJK KR Regular" panose="020B0500000000000000" pitchFamily="34" charset="-127"/>
+              </a:rPr>
+              <a:t>elem</a:t>
+            </a:r>
+            <a:r>
+              <a:rPr lang="ko-KR" altLang="en-US" b="0">
+                <a:latin typeface="Noto Sans CJK KR Regular" panose="020B0500000000000000" pitchFamily="34" charset="-127"/>
+                <a:ea typeface="Noto Sans CJK KR Regular" panose="020B0500000000000000" pitchFamily="34" charset="-127"/>
+              </a:rPr>
+              <a:t>의 내부 </a:t>
+            </a:r>
+            <a:r>
+              <a:rPr lang="en-US" altLang="ko-KR" b="0">
+                <a:latin typeface="Noto Sans CJK KR Regular" panose="020B0500000000000000" pitchFamily="34" charset="-127"/>
+                <a:ea typeface="Noto Sans CJK KR Regular" panose="020B0500000000000000" pitchFamily="34" charset="-127"/>
+              </a:rPr>
+              <a:t>HTML </a:t>
+            </a:r>
+            <a:r>
+              <a:rPr lang="ko-KR" altLang="en-US" b="0">
+                <a:latin typeface="Noto Sans CJK KR Regular" panose="020B0500000000000000" pitchFamily="34" charset="-127"/>
+                <a:ea typeface="Noto Sans CJK KR Regular" panose="020B0500000000000000" pitchFamily="34" charset="-127"/>
+              </a:rPr>
+              <a:t>코드의 값을 꺼내거나 수정</a:t>
+            </a:r>
+            <a:endParaRPr lang="en-US" altLang="ko-KR" b="0">
+              <a:latin typeface="Noto Sans CJK KR Regular" panose="020B0500000000000000" pitchFamily="34" charset="-127"/>
+              <a:ea typeface="Noto Sans CJK KR Regular" panose="020B0500000000000000" pitchFamily="34" charset="-127"/>
+            </a:endParaRPr>
+          </a:p>
+          <a:p>
+            <a:pPr lvl="1">
+              <a:buFontTx/>
+              <a:buChar char="•"/>
+              <a:defRPr/>
+            </a:pPr>
+            <a:r>
+              <a:rPr lang="en-US" altLang="ko-KR">
+                <a:latin typeface="Noto Sans CJK KR Regular" panose="020B0500000000000000" pitchFamily="34" charset="-127"/>
+                <a:ea typeface="Noto Sans CJK KR Regular" panose="020B0500000000000000" pitchFamily="34" charset="-127"/>
+              </a:rPr>
+              <a:t> elem </a:t>
+            </a:r>
+            <a:r>
+              <a:rPr lang="ko-KR" altLang="en-US">
+                <a:latin typeface="Noto Sans CJK KR Regular" panose="020B0500000000000000" pitchFamily="34" charset="-127"/>
+                <a:ea typeface="Noto Sans CJK KR Regular" panose="020B0500000000000000" pitchFamily="34" charset="-127"/>
+              </a:rPr>
+              <a:t>자신을 포함</a:t>
+            </a:r>
+            <a:endParaRPr lang="en-US" altLang="ko-KR" b="0" dirty="0">
+              <a:latin typeface="Noto Sans CJK KR Regular" panose="020B0500000000000000" pitchFamily="34" charset="-127"/>
+              <a:ea typeface="Noto Sans CJK KR Regular" panose="020B0500000000000000" pitchFamily="34" charset="-127"/>
+            </a:endParaRPr>
+          </a:p>
+        </p:txBody>
+      </p:sp>
+      <p:sp>
+        <p:nvSpPr>
           <p:cNvPr id="2" name="슬라이드 번호 개체 틀 1">
             <a:extLst>
               <a:ext uri="{FF2B5EF4-FFF2-40B4-BE49-F238E27FC236}">
-                <a16:creationId xmlns:a16="http://schemas.microsoft.com/office/drawing/2014/main" id="{C903C940-4878-447B-88DC-FCEAD9FA9392}"/>
+                <a16:creationId xmlns:a16="http://schemas.microsoft.com/office/drawing/2014/main" id="{0444DF98-9344-426E-9DEE-A545B1A5766A}"/>
               </a:ext>
             </a:extLst>
           </p:cNvPr>
@@ -13425,6 +13708,253 @@
             <a:fld id="{3D1FA427-4C48-8040-8FB9-DF0FCDFDEE83}" type="slidenum">
               <a:rPr kumimoji="1" lang="ko-KR" altLang="en-US" smtClean="0"/>
               <a:t>14</a:t>
+            </a:fld>
+            <a:endParaRPr kumimoji="1" lang="ko-KR" altLang="en-US"/>
+          </a:p>
+        </p:txBody>
+      </p:sp>
+      <p:pic>
+        <p:nvPicPr>
+          <p:cNvPr id="6" name="그림 5" descr="코딩아이콘.png">
+            <a:extLst>
+              <a:ext uri="{FF2B5EF4-FFF2-40B4-BE49-F238E27FC236}">
+                <a16:creationId xmlns:a16="http://schemas.microsoft.com/office/drawing/2014/main" id="{AC9B2C7A-6A0A-41F4-A7BE-19A2D605E6C5}"/>
+              </a:ext>
+            </a:extLst>
+          </p:cNvPr>
+          <p:cNvPicPr>
+            <a:picLocks noChangeAspect="1"/>
+          </p:cNvPicPr>
+          <p:nvPr/>
+        </p:nvPicPr>
+        <p:blipFill>
+          <a:blip r:embed="rId3" cstate="print"/>
+          <a:stretch>
+            <a:fillRect/>
+          </a:stretch>
+        </p:blipFill>
+        <p:spPr>
+          <a:xfrm flipH="1">
+            <a:off x="11062105" y="692696"/>
+            <a:ext cx="504056" cy="440660"/>
+          </a:xfrm>
+          <a:prstGeom prst="rect">
+            <a:avLst/>
+          </a:prstGeom>
+        </p:spPr>
+      </p:pic>
+      <p:sp>
+        <p:nvSpPr>
+          <p:cNvPr id="7" name="TextBox 6">
+            <a:extLst>
+              <a:ext uri="{FF2B5EF4-FFF2-40B4-BE49-F238E27FC236}">
+                <a16:creationId xmlns:a16="http://schemas.microsoft.com/office/drawing/2014/main" id="{7F605C33-39E1-4C23-B23D-38762CB6112E}"/>
+              </a:ext>
+            </a:extLst>
+          </p:cNvPr>
+          <p:cNvSpPr txBox="1"/>
+          <p:nvPr/>
+        </p:nvSpPr>
+        <p:spPr>
+          <a:xfrm>
+            <a:off x="6021545" y="764704"/>
+            <a:ext cx="5025155" cy="369332"/>
+          </a:xfrm>
+          <a:prstGeom prst="rect">
+            <a:avLst/>
+          </a:prstGeom>
+          <a:noFill/>
+        </p:spPr>
+        <p:txBody>
+          <a:bodyPr wrap="square" rtlCol="0">
+            <a:spAutoFit/>
+          </a:bodyPr>
+          <a:lstStyle/>
+          <a:p>
+            <a:pPr algn="r"/>
+            <a:r>
+              <a:rPr lang="en-US" altLang="ko-KR">
+                <a:solidFill>
+                  <a:schemeClr val="tx1">
+                    <a:lumMod val="65000"/>
+                    <a:lumOff val="35000"/>
+                  </a:schemeClr>
+                </a:solidFill>
+              </a:rPr>
+              <a:t>05-01.html</a:t>
+            </a:r>
+            <a:endParaRPr lang="ko-KR" altLang="en-US" dirty="0">
+              <a:solidFill>
+                <a:schemeClr val="tx1">
+                  <a:lumMod val="65000"/>
+                  <a:lumOff val="35000"/>
+                </a:schemeClr>
+              </a:solidFill>
+            </a:endParaRPr>
+          </a:p>
+        </p:txBody>
+      </p:sp>
+    </p:spTree>
+    <p:extLst>
+      <p:ext uri="{BB962C8B-B14F-4D97-AF65-F5344CB8AC3E}">
+        <p14:creationId xmlns:p14="http://schemas.microsoft.com/office/powerpoint/2010/main" val="2690705161"/>
+      </p:ext>
+    </p:extLst>
+  </p:cSld>
+  <p:clrMapOvr>
+    <a:masterClrMapping/>
+  </p:clrMapOvr>
+</p:sld>
+</file>
+
+<file path=ppt/slides/slide15.xml><?xml version="1.0" encoding="utf-8"?>
+<p:sld xmlns:a="http://schemas.openxmlformats.org/drawingml/2006/main" xmlns:r="http://schemas.openxmlformats.org/officeDocument/2006/relationships" xmlns:p="http://schemas.openxmlformats.org/presentationml/2006/main">
+  <p:cSld>
+    <p:spTree>
+      <p:nvGrpSpPr>
+        <p:cNvPr id="1" name=""/>
+        <p:cNvGrpSpPr/>
+        <p:nvPr/>
+      </p:nvGrpSpPr>
+      <p:grpSpPr>
+        <a:xfrm>
+          <a:off x="0" y="0"/>
+          <a:ext cx="0" cy="0"/>
+          <a:chOff x="0" y="0"/>
+          <a:chExt cx="0" cy="0"/>
+        </a:xfrm>
+      </p:grpSpPr>
+      <p:sp>
+        <p:nvSpPr>
+          <p:cNvPr id="12" name="TextBox 11">
+            <a:extLst>
+              <a:ext uri="{FF2B5EF4-FFF2-40B4-BE49-F238E27FC236}">
+                <a16:creationId xmlns:a16="http://schemas.microsoft.com/office/drawing/2014/main" id="{10ACD4E5-1FFB-574E-8F99-C84FF7F7144F}"/>
+              </a:ext>
+            </a:extLst>
+          </p:cNvPr>
+          <p:cNvSpPr txBox="1"/>
+          <p:nvPr/>
+        </p:nvSpPr>
+        <p:spPr>
+          <a:xfrm>
+            <a:off x="563667" y="443389"/>
+            <a:ext cx="4713514" cy="338554"/>
+          </a:xfrm>
+          <a:prstGeom prst="rect">
+            <a:avLst/>
+          </a:prstGeom>
+          <a:noFill/>
+        </p:spPr>
+        <p:txBody>
+          <a:bodyPr wrap="square" rtlCol="0">
+            <a:spAutoFit/>
+          </a:bodyPr>
+          <a:lstStyle/>
+          <a:p>
+            <a:r>
+              <a:rPr kumimoji="1" lang="ko-KR" altLang="en-US" sz="1600" spc="-60">
+                <a:solidFill>
+                  <a:srgbClr val="FF9E1B"/>
+                </a:solidFill>
+                <a:latin typeface="Noto Sans CJK KR Medium" panose="020B0500000000000000" pitchFamily="34" charset="-128"/>
+                <a:ea typeface="Noto Sans CJK KR Medium" panose="020B0500000000000000" pitchFamily="34" charset="-128"/>
+              </a:rPr>
+              <a:t>강의  </a:t>
+            </a:r>
+            <a:r>
+              <a:rPr kumimoji="1" lang="en-US" altLang="ko-KR" sz="1600" spc="-60">
+                <a:solidFill>
+                  <a:schemeClr val="tx1">
+                    <a:lumMod val="75000"/>
+                    <a:lumOff val="25000"/>
+                  </a:schemeClr>
+                </a:solidFill>
+                <a:latin typeface="Noto Sans CJK KR DemiLight" panose="020B0400000000000000" pitchFamily="34" charset="-128"/>
+                <a:ea typeface="Noto Sans CJK KR DemiLight" panose="020B0400000000000000" pitchFamily="34" charset="-128"/>
+              </a:rPr>
+              <a:t>|</a:t>
+            </a:r>
+            <a:r>
+              <a:rPr kumimoji="1" lang="ko-KR" altLang="en-US" sz="1600" spc="-60">
+                <a:solidFill>
+                  <a:schemeClr val="tx1">
+                    <a:lumMod val="75000"/>
+                    <a:lumOff val="25000"/>
+                  </a:schemeClr>
+                </a:solidFill>
+                <a:latin typeface="Noto Sans CJK KR DemiLight" panose="020B0400000000000000" pitchFamily="34" charset="-128"/>
+                <a:ea typeface="Noto Sans CJK KR DemiLight" panose="020B0400000000000000" pitchFamily="34" charset="-128"/>
+              </a:rPr>
+              <a:t>  노드 생성</a:t>
+            </a:r>
+            <a:endParaRPr kumimoji="1" lang="ko-KR" altLang="en-US" sz="1600" spc="-60" dirty="0">
+              <a:solidFill>
+                <a:schemeClr val="tx1">
+                  <a:lumMod val="75000"/>
+                  <a:lumOff val="25000"/>
+                </a:schemeClr>
+              </a:solidFill>
+              <a:latin typeface="Noto Sans CJK KR DemiLight" panose="020B0400000000000000" pitchFamily="34" charset="-128"/>
+              <a:ea typeface="Noto Sans CJK KR DemiLight" panose="020B0400000000000000" pitchFamily="34" charset="-128"/>
+            </a:endParaRPr>
+          </a:p>
+        </p:txBody>
+      </p:sp>
+      <p:pic>
+        <p:nvPicPr>
+          <p:cNvPr id="4" name="그림 3" descr="모니터, 앉아있는, 컴퓨터, 노트북이(가) 표시된 사진&#10;&#10;자동 생성된 설명">
+            <a:extLst>
+              <a:ext uri="{FF2B5EF4-FFF2-40B4-BE49-F238E27FC236}">
+                <a16:creationId xmlns:a16="http://schemas.microsoft.com/office/drawing/2014/main" id="{11B22562-0242-7846-B4EF-7B0B4FAA194A}"/>
+              </a:ext>
+            </a:extLst>
+          </p:cNvPr>
+          <p:cNvPicPr>
+            <a:picLocks noChangeAspect="1"/>
+          </p:cNvPicPr>
+          <p:nvPr/>
+        </p:nvPicPr>
+        <p:blipFill>
+          <a:blip r:embed="rId2"/>
+          <a:stretch>
+            <a:fillRect/>
+          </a:stretch>
+        </p:blipFill>
+        <p:spPr>
+          <a:xfrm>
+            <a:off x="10478767" y="491271"/>
+            <a:ext cx="1087394" cy="170709"/>
+          </a:xfrm>
+          <a:prstGeom prst="rect">
+            <a:avLst/>
+          </a:prstGeom>
+        </p:spPr>
+      </p:pic>
+      <p:sp>
+        <p:nvSpPr>
+          <p:cNvPr id="2" name="슬라이드 번호 개체 틀 1">
+            <a:extLst>
+              <a:ext uri="{FF2B5EF4-FFF2-40B4-BE49-F238E27FC236}">
+                <a16:creationId xmlns:a16="http://schemas.microsoft.com/office/drawing/2014/main" id="{C903C940-4878-447B-88DC-FCEAD9FA9392}"/>
+              </a:ext>
+            </a:extLst>
+          </p:cNvPr>
+          <p:cNvSpPr>
+            <a:spLocks noGrp="1"/>
+          </p:cNvSpPr>
+          <p:nvPr>
+            <p:ph type="sldNum" sz="quarter" idx="12"/>
+          </p:nvPr>
+        </p:nvSpPr>
+        <p:spPr/>
+        <p:txBody>
+          <a:bodyPr/>
+          <a:lstStyle/>
+          <a:p>
+            <a:fld id="{3D1FA427-4C48-8040-8FB9-DF0FCDFDEE83}" type="slidenum">
+              <a:rPr kumimoji="1" lang="ko-KR" altLang="en-US" smtClean="0"/>
+              <a:t>15</a:t>
             </a:fld>
             <a:endParaRPr kumimoji="1" lang="ko-KR" altLang="en-US"/>
           </a:p>
@@ -14639,7 +15169,7 @@
 </p:sld>
 </file>
 
-<file path=ppt/slides/slide15.xml><?xml version="1.0" encoding="utf-8"?>
+<file path=ppt/slides/slide16.xml><?xml version="1.0" encoding="utf-8"?>
 <p:sld xmlns:a="http://schemas.openxmlformats.org/drawingml/2006/main" xmlns:r="http://schemas.openxmlformats.org/officeDocument/2006/relationships" xmlns:p="http://schemas.openxmlformats.org/presentationml/2006/main">
   <p:cSld>
     <p:spTree>
@@ -14786,7 +15316,7 @@
           <a:p>
             <a:fld id="{3D1FA427-4C48-8040-8FB9-DF0FCDFDEE83}" type="slidenum">
               <a:rPr kumimoji="1" lang="ko-KR" altLang="en-US" smtClean="0"/>
-              <a:t>15</a:t>
+              <a:t>16</a:t>
             </a:fld>
             <a:endParaRPr kumimoji="1" lang="ko-KR" altLang="en-US"/>
           </a:p>
@@ -18185,2753 +18715,6 @@
 </p:sld>
 </file>
 
-<file path=ppt/slides/slide16.xml><?xml version="1.0" encoding="utf-8"?>
-<p:sld xmlns:a="http://schemas.openxmlformats.org/drawingml/2006/main" xmlns:r="http://schemas.openxmlformats.org/officeDocument/2006/relationships" xmlns:p="http://schemas.openxmlformats.org/presentationml/2006/main">
-  <p:cSld>
-    <p:spTree>
-      <p:nvGrpSpPr>
-        <p:cNvPr id="1" name=""/>
-        <p:cNvGrpSpPr/>
-        <p:nvPr/>
-      </p:nvGrpSpPr>
-      <p:grpSpPr>
-        <a:xfrm>
-          <a:off x="0" y="0"/>
-          <a:ext cx="0" cy="0"/>
-          <a:chOff x="0" y="0"/>
-          <a:chExt cx="0" cy="0"/>
-        </a:xfrm>
-      </p:grpSpPr>
-      <p:sp>
-        <p:nvSpPr>
-          <p:cNvPr id="12" name="TextBox 11">
-            <a:extLst>
-              <a:ext uri="{FF2B5EF4-FFF2-40B4-BE49-F238E27FC236}">
-                <a16:creationId xmlns:a16="http://schemas.microsoft.com/office/drawing/2014/main" id="{10ACD4E5-1FFB-574E-8F99-C84FF7F7144F}"/>
-              </a:ext>
-            </a:extLst>
-          </p:cNvPr>
-          <p:cNvSpPr txBox="1"/>
-          <p:nvPr/>
-        </p:nvSpPr>
-        <p:spPr>
-          <a:xfrm>
-            <a:off x="563667" y="443389"/>
-            <a:ext cx="4713514" cy="338554"/>
-          </a:xfrm>
-          <a:prstGeom prst="rect">
-            <a:avLst/>
-          </a:prstGeom>
-          <a:noFill/>
-        </p:spPr>
-        <p:txBody>
-          <a:bodyPr wrap="square" rtlCol="0">
-            <a:spAutoFit/>
-          </a:bodyPr>
-          <a:lstStyle/>
-          <a:p>
-            <a:r>
-              <a:rPr kumimoji="1" lang="ko-KR" altLang="en-US" sz="1600" spc="-60">
-                <a:solidFill>
-                  <a:srgbClr val="FF9E1B"/>
-                </a:solidFill>
-                <a:latin typeface="Noto Sans CJK KR Medium" panose="020B0500000000000000" pitchFamily="34" charset="-128"/>
-                <a:ea typeface="Noto Sans CJK KR Medium" panose="020B0500000000000000" pitchFamily="34" charset="-128"/>
-              </a:rPr>
-              <a:t>강의  </a:t>
-            </a:r>
-            <a:r>
-              <a:rPr kumimoji="1" lang="en-US" altLang="ko-KR" sz="1600" spc="-60">
-                <a:solidFill>
-                  <a:schemeClr val="tx1">
-                    <a:lumMod val="75000"/>
-                    <a:lumOff val="25000"/>
-                  </a:schemeClr>
-                </a:solidFill>
-                <a:latin typeface="Noto Sans CJK KR DemiLight" panose="020B0400000000000000" pitchFamily="34" charset="-128"/>
-                <a:ea typeface="Noto Sans CJK KR DemiLight" panose="020B0400000000000000" pitchFamily="34" charset="-128"/>
-              </a:rPr>
-              <a:t>|</a:t>
-            </a:r>
-            <a:r>
-              <a:rPr kumimoji="1" lang="ko-KR" altLang="en-US" sz="1600" spc="-60">
-                <a:solidFill>
-                  <a:schemeClr val="tx1">
-                    <a:lumMod val="75000"/>
-                    <a:lumOff val="25000"/>
-                  </a:schemeClr>
-                </a:solidFill>
-                <a:latin typeface="Noto Sans CJK KR DemiLight" panose="020B0400000000000000" pitchFamily="34" charset="-128"/>
-                <a:ea typeface="Noto Sans CJK KR DemiLight" panose="020B0400000000000000" pitchFamily="34" charset="-128"/>
-              </a:rPr>
-              <a:t>  노드 삽입</a:t>
-            </a:r>
-            <a:endParaRPr kumimoji="1" lang="ko-KR" altLang="en-US" sz="1600" spc="-60" dirty="0">
-              <a:solidFill>
-                <a:schemeClr val="tx1">
-                  <a:lumMod val="75000"/>
-                  <a:lumOff val="25000"/>
-                </a:schemeClr>
-              </a:solidFill>
-              <a:latin typeface="Noto Sans CJK KR DemiLight" panose="020B0400000000000000" pitchFamily="34" charset="-128"/>
-              <a:ea typeface="Noto Sans CJK KR DemiLight" panose="020B0400000000000000" pitchFamily="34" charset="-128"/>
-            </a:endParaRPr>
-          </a:p>
-        </p:txBody>
-      </p:sp>
-      <p:pic>
-        <p:nvPicPr>
-          <p:cNvPr id="4" name="그림 3" descr="모니터, 앉아있는, 컴퓨터, 노트북이(가) 표시된 사진&#10;&#10;자동 생성된 설명">
-            <a:extLst>
-              <a:ext uri="{FF2B5EF4-FFF2-40B4-BE49-F238E27FC236}">
-                <a16:creationId xmlns:a16="http://schemas.microsoft.com/office/drawing/2014/main" id="{11B22562-0242-7846-B4EF-7B0B4FAA194A}"/>
-              </a:ext>
-            </a:extLst>
-          </p:cNvPr>
-          <p:cNvPicPr>
-            <a:picLocks noChangeAspect="1"/>
-          </p:cNvPicPr>
-          <p:nvPr/>
-        </p:nvPicPr>
-        <p:blipFill>
-          <a:blip r:embed="rId2"/>
-          <a:stretch>
-            <a:fillRect/>
-          </a:stretch>
-        </p:blipFill>
-        <p:spPr>
-          <a:xfrm>
-            <a:off x="10478767" y="491271"/>
-            <a:ext cx="1087394" cy="170709"/>
-          </a:xfrm>
-          <a:prstGeom prst="rect">
-            <a:avLst/>
-          </a:prstGeom>
-        </p:spPr>
-      </p:pic>
-      <p:sp>
-        <p:nvSpPr>
-          <p:cNvPr id="2" name="슬라이드 번호 개체 틀 1">
-            <a:extLst>
-              <a:ext uri="{FF2B5EF4-FFF2-40B4-BE49-F238E27FC236}">
-                <a16:creationId xmlns:a16="http://schemas.microsoft.com/office/drawing/2014/main" id="{C903C940-4878-447B-88DC-FCEAD9FA9392}"/>
-              </a:ext>
-            </a:extLst>
-          </p:cNvPr>
-          <p:cNvSpPr>
-            <a:spLocks noGrp="1"/>
-          </p:cNvSpPr>
-          <p:nvPr>
-            <p:ph type="sldNum" sz="quarter" idx="12"/>
-          </p:nvPr>
-        </p:nvSpPr>
-        <p:spPr/>
-        <p:txBody>
-          <a:bodyPr/>
-          <a:lstStyle/>
-          <a:p>
-            <a:fld id="{3D1FA427-4C48-8040-8FB9-DF0FCDFDEE83}" type="slidenum">
-              <a:rPr kumimoji="1" lang="ko-KR" altLang="en-US" smtClean="0"/>
-              <a:t>16</a:t>
-            </a:fld>
-            <a:endParaRPr kumimoji="1" lang="ko-KR" altLang="en-US"/>
-          </a:p>
-        </p:txBody>
-      </p:sp>
-      <p:sp>
-        <p:nvSpPr>
-          <p:cNvPr id="5" name="Text Box 15">
-            <a:extLst>
-              <a:ext uri="{FF2B5EF4-FFF2-40B4-BE49-F238E27FC236}">
-                <a16:creationId xmlns:a16="http://schemas.microsoft.com/office/drawing/2014/main" id="{4F207672-20FE-4EAC-AC32-273384413525}"/>
-              </a:ext>
-            </a:extLst>
-          </p:cNvPr>
-          <p:cNvSpPr txBox="1">
-            <a:spLocks noChangeArrowheads="1"/>
-          </p:cNvSpPr>
-          <p:nvPr/>
-        </p:nvSpPr>
-        <p:spPr bwMode="auto">
-          <a:xfrm>
-            <a:off x="395288" y="836613"/>
-            <a:ext cx="8353425" cy="946150"/>
-          </a:xfrm>
-          <a:prstGeom prst="rect">
-            <a:avLst/>
-          </a:prstGeom>
-          <a:noFill/>
-          <a:ln w="9525">
-            <a:noFill/>
-            <a:miter lim="800000"/>
-            <a:headEnd/>
-            <a:tailEnd/>
-          </a:ln>
-        </p:spPr>
-        <p:txBody>
-          <a:bodyPr>
-            <a:spAutoFit/>
-          </a:bodyPr>
-          <a:lstStyle/>
-          <a:p>
-            <a:pPr>
-              <a:buFont typeface="맑은 고딕" pitchFamily="50" charset="-127"/>
-              <a:buChar char="▶"/>
-            </a:pPr>
-            <a:r>
-              <a:rPr lang="en-US" altLang="ko-KR" sz="2000" dirty="0">
-                <a:latin typeface="Noto Sans CJK KR Regular" panose="020B0500000000000000" pitchFamily="34" charset="-127"/>
-                <a:ea typeface="Noto Sans CJK KR Regular" panose="020B0500000000000000" pitchFamily="34" charset="-127"/>
-              </a:rPr>
-              <a:t> </a:t>
-            </a:r>
-            <a:r>
-              <a:rPr lang="ko-KR" altLang="en-US" sz="2000" dirty="0" err="1">
-                <a:latin typeface="Noto Sans CJK KR Regular" panose="020B0500000000000000" pitchFamily="34" charset="-127"/>
-                <a:ea typeface="Noto Sans CJK KR Regular" panose="020B0500000000000000" pitchFamily="34" charset="-127"/>
-              </a:rPr>
-              <a:t>노드</a:t>
-            </a:r>
-            <a:r>
-              <a:rPr lang="ko-KR" altLang="en-US" sz="2000" dirty="0">
-                <a:latin typeface="Noto Sans CJK KR Regular" panose="020B0500000000000000" pitchFamily="34" charset="-127"/>
-                <a:ea typeface="Noto Sans CJK KR Regular" panose="020B0500000000000000" pitchFamily="34" charset="-127"/>
-              </a:rPr>
-              <a:t> 삽입</a:t>
-            </a:r>
-            <a:endParaRPr lang="en-US" altLang="ko-KR" sz="2000" dirty="0">
-              <a:latin typeface="Noto Sans CJK KR Regular" panose="020B0500000000000000" pitchFamily="34" charset="-127"/>
-              <a:ea typeface="Noto Sans CJK KR Regular" panose="020B0500000000000000" pitchFamily="34" charset="-127"/>
-            </a:endParaRPr>
-          </a:p>
-          <a:p>
-            <a:pPr lvl="1">
-              <a:buFontTx/>
-              <a:buChar char="•"/>
-            </a:pPr>
-            <a:r>
-              <a:rPr lang="en-US" altLang="ko-KR" b="0" dirty="0">
-                <a:latin typeface="Noto Sans CJK KR Regular" panose="020B0500000000000000" pitchFamily="34" charset="-127"/>
-                <a:ea typeface="Noto Sans CJK KR Regular" panose="020B0500000000000000" pitchFamily="34" charset="-127"/>
-              </a:rPr>
-              <a:t> </a:t>
-            </a:r>
-            <a:r>
-              <a:rPr lang="ko-KR" altLang="en-US" b="0" dirty="0" err="1">
-                <a:latin typeface="Noto Sans CJK KR Regular" panose="020B0500000000000000" pitchFamily="34" charset="-127"/>
-                <a:ea typeface="Noto Sans CJK KR Regular" panose="020B0500000000000000" pitchFamily="34" charset="-127"/>
-              </a:rPr>
-              <a:t>요소노드</a:t>
-            </a:r>
-            <a:r>
-              <a:rPr lang="en-US" altLang="ko-KR" b="0" dirty="0">
-                <a:latin typeface="Noto Sans CJK KR Regular" panose="020B0500000000000000" pitchFamily="34" charset="-127"/>
-                <a:ea typeface="Noto Sans CJK KR Regular" panose="020B0500000000000000" pitchFamily="34" charset="-127"/>
-              </a:rPr>
-              <a:t>.</a:t>
-            </a:r>
-            <a:r>
-              <a:rPr lang="en-US" altLang="ko-KR" b="0" dirty="0" err="1">
-                <a:latin typeface="Noto Sans CJK KR Regular" panose="020B0500000000000000" pitchFamily="34" charset="-127"/>
-                <a:ea typeface="Noto Sans CJK KR Regular" panose="020B0500000000000000" pitchFamily="34" charset="-127"/>
-              </a:rPr>
-              <a:t>insertBefore</a:t>
-            </a:r>
-            <a:r>
-              <a:rPr lang="en-US" altLang="ko-KR" b="0" dirty="0">
-                <a:latin typeface="Noto Sans CJK KR Regular" panose="020B0500000000000000" pitchFamily="34" charset="-127"/>
-                <a:ea typeface="Noto Sans CJK KR Regular" panose="020B0500000000000000" pitchFamily="34" charset="-127"/>
-              </a:rPr>
-              <a:t>(</a:t>
-            </a:r>
-            <a:r>
-              <a:rPr lang="en-US" altLang="ko-KR" b="0" dirty="0" err="1">
-                <a:latin typeface="Noto Sans CJK KR Regular" panose="020B0500000000000000" pitchFamily="34" charset="-127"/>
-                <a:ea typeface="Noto Sans CJK KR Regular" panose="020B0500000000000000" pitchFamily="34" charset="-127"/>
-              </a:rPr>
-              <a:t>newNode</a:t>
-            </a:r>
-            <a:r>
-              <a:rPr lang="en-US" altLang="ko-KR" b="0" dirty="0">
-                <a:latin typeface="Noto Sans CJK KR Regular" panose="020B0500000000000000" pitchFamily="34" charset="-127"/>
-                <a:ea typeface="Noto Sans CJK KR Regular" panose="020B0500000000000000" pitchFamily="34" charset="-127"/>
-              </a:rPr>
-              <a:t>, </a:t>
-            </a:r>
-            <a:r>
-              <a:rPr lang="en-US" altLang="ko-KR" b="0" dirty="0" err="1">
-                <a:latin typeface="Noto Sans CJK KR Regular" panose="020B0500000000000000" pitchFamily="34" charset="-127"/>
-                <a:ea typeface="Noto Sans CJK KR Regular" panose="020B0500000000000000" pitchFamily="34" charset="-127"/>
-              </a:rPr>
-              <a:t>targetNode</a:t>
-            </a:r>
-            <a:r>
-              <a:rPr lang="en-US" altLang="ko-KR" b="0" dirty="0">
-                <a:latin typeface="Noto Sans CJK KR Regular" panose="020B0500000000000000" pitchFamily="34" charset="-127"/>
-                <a:ea typeface="Noto Sans CJK KR Regular" panose="020B0500000000000000" pitchFamily="34" charset="-127"/>
-              </a:rPr>
-              <a:t>)</a:t>
-            </a:r>
-          </a:p>
-          <a:p>
-            <a:pPr marL="1143000" lvl="2" indent="-228600">
-              <a:buFontTx/>
-              <a:buChar char="•"/>
-            </a:pPr>
-            <a:r>
-              <a:rPr lang="ko-KR" altLang="en-US" b="0" dirty="0">
-                <a:latin typeface="Noto Sans CJK KR Regular" panose="020B0500000000000000" pitchFamily="34" charset="-127"/>
-                <a:ea typeface="Noto Sans CJK KR Regular" panose="020B0500000000000000" pitchFamily="34" charset="-127"/>
-              </a:rPr>
-              <a:t>지정한 </a:t>
-            </a:r>
-            <a:r>
-              <a:rPr lang="ko-KR" altLang="en-US" b="0" dirty="0" err="1">
-                <a:latin typeface="Noto Sans CJK KR Regular" panose="020B0500000000000000" pitchFamily="34" charset="-127"/>
-                <a:ea typeface="Noto Sans CJK KR Regular" panose="020B0500000000000000" pitchFamily="34" charset="-127"/>
-              </a:rPr>
-              <a:t>노드를</a:t>
-            </a:r>
-            <a:r>
-              <a:rPr lang="en-US" altLang="ko-KR" b="0" dirty="0">
-                <a:latin typeface="Noto Sans CJK KR Regular" panose="020B0500000000000000" pitchFamily="34" charset="-127"/>
-                <a:ea typeface="Noto Sans CJK KR Regular" panose="020B0500000000000000" pitchFamily="34" charset="-127"/>
-              </a:rPr>
-              <a:t>(</a:t>
-            </a:r>
-            <a:r>
-              <a:rPr lang="en-US" altLang="ko-KR" b="0" dirty="0" err="1">
-                <a:latin typeface="Noto Sans CJK KR Regular" panose="020B0500000000000000" pitchFamily="34" charset="-127"/>
-                <a:ea typeface="Noto Sans CJK KR Regular" panose="020B0500000000000000" pitchFamily="34" charset="-127"/>
-              </a:rPr>
-              <a:t>newNode</a:t>
-            </a:r>
-            <a:r>
-              <a:rPr lang="en-US" altLang="ko-KR" b="0" dirty="0">
-                <a:latin typeface="Noto Sans CJK KR Regular" panose="020B0500000000000000" pitchFamily="34" charset="-127"/>
-                <a:ea typeface="Noto Sans CJK KR Regular" panose="020B0500000000000000" pitchFamily="34" charset="-127"/>
-              </a:rPr>
-              <a:t>) </a:t>
-            </a:r>
-            <a:r>
-              <a:rPr lang="en-US" altLang="ko-KR" b="0" dirty="0" err="1">
-                <a:latin typeface="Noto Sans CJK KR Regular" panose="020B0500000000000000" pitchFamily="34" charset="-127"/>
-                <a:ea typeface="Noto Sans CJK KR Regular" panose="020B0500000000000000" pitchFamily="34" charset="-127"/>
-              </a:rPr>
-              <a:t>targetNode</a:t>
-            </a:r>
-            <a:r>
-              <a:rPr lang="en-US" altLang="ko-KR" b="0" dirty="0">
-                <a:latin typeface="Noto Sans CJK KR Regular" panose="020B0500000000000000" pitchFamily="34" charset="-127"/>
-                <a:ea typeface="Noto Sans CJK KR Regular" panose="020B0500000000000000" pitchFamily="34" charset="-127"/>
-              </a:rPr>
-              <a:t> </a:t>
-            </a:r>
-            <a:r>
-              <a:rPr lang="ko-KR" altLang="en-US" b="0" dirty="0">
-                <a:latin typeface="Noto Sans CJK KR Regular" panose="020B0500000000000000" pitchFamily="34" charset="-127"/>
-                <a:ea typeface="Noto Sans CJK KR Regular" panose="020B0500000000000000" pitchFamily="34" charset="-127"/>
-              </a:rPr>
-              <a:t>앞에 삽입</a:t>
-            </a:r>
-          </a:p>
-        </p:txBody>
-      </p:sp>
-      <p:sp>
-        <p:nvSpPr>
-          <p:cNvPr id="6" name="Text Box 4">
-            <a:extLst>
-              <a:ext uri="{FF2B5EF4-FFF2-40B4-BE49-F238E27FC236}">
-                <a16:creationId xmlns:a16="http://schemas.microsoft.com/office/drawing/2014/main" id="{9017E5F1-8C70-47B3-B21B-AFA1BE3D6CD2}"/>
-              </a:ext>
-            </a:extLst>
-          </p:cNvPr>
-          <p:cNvSpPr txBox="1">
-            <a:spLocks noChangeArrowheads="1"/>
-          </p:cNvSpPr>
-          <p:nvPr/>
-        </p:nvSpPr>
-        <p:spPr bwMode="auto">
-          <a:xfrm>
-            <a:off x="228600" y="2068513"/>
-            <a:ext cx="8093075" cy="641350"/>
-          </a:xfrm>
-          <a:prstGeom prst="rect">
-            <a:avLst/>
-          </a:prstGeom>
-          <a:solidFill>
-            <a:schemeClr val="bg1"/>
-          </a:solidFill>
-          <a:ln w="9525">
-            <a:noFill/>
-            <a:miter lim="800000"/>
-            <a:headEnd/>
-            <a:tailEnd/>
-          </a:ln>
-        </p:spPr>
-        <p:txBody>
-          <a:bodyPr>
-            <a:spAutoFit/>
-          </a:bodyPr>
-          <a:lstStyle/>
-          <a:p>
-            <a:pPr marL="800100" lvl="1" indent="-342900">
-              <a:buFont typeface="굴림" pitchFamily="50" charset="-127"/>
-              <a:buChar char="☞"/>
-            </a:pPr>
-            <a:r>
-              <a:rPr lang="en-US" altLang="ko-KR">
-                <a:solidFill>
-                  <a:srgbClr val="0000FF"/>
-                </a:solidFill>
-                <a:latin typeface="Consolas" panose="020B0609020204030204" pitchFamily="49" charset="0"/>
-              </a:rPr>
-              <a:t>const</a:t>
-            </a:r>
-            <a:r>
-              <a:rPr lang="en-US" altLang="ko-KR">
-                <a:latin typeface="Consolas" panose="020B0609020204030204" pitchFamily="49" charset="0"/>
-                <a:ea typeface="맑은 고딕" pitchFamily="50" charset="-127"/>
-              </a:rPr>
-              <a:t> </a:t>
-            </a:r>
-            <a:r>
-              <a:rPr lang="en-US" altLang="ko-KR" dirty="0">
-                <a:latin typeface="Consolas" panose="020B0609020204030204" pitchFamily="49" charset="0"/>
-                <a:ea typeface="맑은 고딕" pitchFamily="50" charset="-127"/>
-              </a:rPr>
-              <a:t>purchases = </a:t>
-            </a:r>
-            <a:r>
-              <a:rPr lang="en-US" altLang="ko-KR" dirty="0" err="1">
-                <a:latin typeface="Consolas" panose="020B0609020204030204" pitchFamily="49" charset="0"/>
-                <a:ea typeface="맑은 고딕" pitchFamily="50" charset="-127"/>
-              </a:rPr>
-              <a:t>document.getElementById</a:t>
-            </a:r>
-            <a:r>
-              <a:rPr lang="en-US" altLang="ko-KR" dirty="0">
-                <a:latin typeface="Consolas" panose="020B0609020204030204" pitchFamily="49" charset="0"/>
-                <a:ea typeface="맑은 고딕" pitchFamily="50" charset="-127"/>
-              </a:rPr>
-              <a:t>("purchases");</a:t>
-            </a:r>
-          </a:p>
-          <a:p>
-            <a:pPr marL="800100" lvl="1" indent="-342900">
-              <a:buFont typeface="굴림" pitchFamily="50" charset="-127"/>
-              <a:buChar char="☞"/>
-            </a:pPr>
-            <a:r>
-              <a:rPr lang="en-US" altLang="ko-KR" dirty="0" err="1">
-                <a:latin typeface="Consolas" panose="020B0609020204030204" pitchFamily="49" charset="0"/>
-                <a:ea typeface="맑은 고딕" pitchFamily="50" charset="-127"/>
-              </a:rPr>
-              <a:t>purchases.insertBefore</a:t>
-            </a:r>
-            <a:r>
-              <a:rPr lang="en-US" altLang="ko-KR" dirty="0">
-                <a:latin typeface="Consolas" panose="020B0609020204030204" pitchFamily="49" charset="0"/>
-                <a:ea typeface="맑은 고딕" pitchFamily="50" charset="-127"/>
-              </a:rPr>
-              <a:t>(</a:t>
-            </a:r>
-            <a:r>
-              <a:rPr lang="en-US" altLang="ko-KR" dirty="0" err="1">
-                <a:latin typeface="Consolas" panose="020B0609020204030204" pitchFamily="49" charset="0"/>
-                <a:ea typeface="맑은 고딕" pitchFamily="50" charset="-127"/>
-              </a:rPr>
-              <a:t>newLiNode</a:t>
-            </a:r>
-            <a:r>
-              <a:rPr lang="en-US" altLang="ko-KR" dirty="0">
-                <a:latin typeface="Consolas" panose="020B0609020204030204" pitchFamily="49" charset="0"/>
-                <a:ea typeface="맑은 고딕" pitchFamily="50" charset="-127"/>
-              </a:rPr>
-              <a:t>, </a:t>
-            </a:r>
-            <a:r>
-              <a:rPr lang="en-US" altLang="ko-KR">
-                <a:latin typeface="Consolas" panose="020B0609020204030204" pitchFamily="49" charset="0"/>
-                <a:ea typeface="맑은 고딕" pitchFamily="50" charset="-127"/>
-              </a:rPr>
-              <a:t>purchases.firstChild);</a:t>
-            </a:r>
-          </a:p>
-        </p:txBody>
-      </p:sp>
-      <p:sp>
-        <p:nvSpPr>
-          <p:cNvPr id="7" name="Rectangle 5">
-            <a:extLst>
-              <a:ext uri="{FF2B5EF4-FFF2-40B4-BE49-F238E27FC236}">
-                <a16:creationId xmlns:a16="http://schemas.microsoft.com/office/drawing/2014/main" id="{9F6454EC-D51C-43CA-B916-D3DDEDF0D8DC}"/>
-              </a:ext>
-            </a:extLst>
-          </p:cNvPr>
-          <p:cNvSpPr>
-            <a:spLocks noChangeArrowheads="1"/>
-          </p:cNvSpPr>
-          <p:nvPr/>
-        </p:nvSpPr>
-        <p:spPr bwMode="auto">
-          <a:xfrm>
-            <a:off x="8153400" y="1989138"/>
-            <a:ext cx="762000" cy="381000"/>
-          </a:xfrm>
-          <a:prstGeom prst="rect">
-            <a:avLst/>
-          </a:prstGeom>
-          <a:solidFill>
-            <a:srgbClr val="CC99FF"/>
-          </a:solidFill>
-          <a:ln w="9525">
-            <a:solidFill>
-              <a:schemeClr val="tx1"/>
-            </a:solidFill>
-            <a:miter lim="800000"/>
-            <a:headEnd/>
-            <a:tailEnd/>
-          </a:ln>
-        </p:spPr>
-        <p:txBody>
-          <a:bodyPr wrap="none" anchor="ctr"/>
-          <a:lstStyle/>
-          <a:p>
-            <a:pPr algn="ctr"/>
-            <a:r>
-              <a:rPr lang="en-US" altLang="ko-KR" sz="1600">
-                <a:latin typeface="Noto Sans CJK KR Regular" panose="020B0500000000000000" pitchFamily="34" charset="-127"/>
-                <a:ea typeface="Noto Sans CJK KR Regular" panose="020B0500000000000000" pitchFamily="34" charset="-127"/>
-              </a:rPr>
-              <a:t>li</a:t>
-            </a:r>
-          </a:p>
-        </p:txBody>
-      </p:sp>
-      <p:sp>
-        <p:nvSpPr>
-          <p:cNvPr id="8" name="Rectangle 6">
-            <a:extLst>
-              <a:ext uri="{FF2B5EF4-FFF2-40B4-BE49-F238E27FC236}">
-                <a16:creationId xmlns:a16="http://schemas.microsoft.com/office/drawing/2014/main" id="{EFB74564-D6FC-4018-B8EE-97CBAA25D7C3}"/>
-              </a:ext>
-            </a:extLst>
-          </p:cNvPr>
-          <p:cNvSpPr>
-            <a:spLocks noChangeArrowheads="1"/>
-          </p:cNvSpPr>
-          <p:nvPr/>
-        </p:nvSpPr>
-        <p:spPr bwMode="auto">
-          <a:xfrm>
-            <a:off x="8153400" y="2522538"/>
-            <a:ext cx="762000" cy="381000"/>
-          </a:xfrm>
-          <a:prstGeom prst="rect">
-            <a:avLst/>
-          </a:prstGeom>
-          <a:solidFill>
-            <a:srgbClr val="FFFFFF"/>
-          </a:solidFill>
-          <a:ln w="9525">
-            <a:solidFill>
-              <a:schemeClr val="tx1"/>
-            </a:solidFill>
-            <a:miter lim="800000"/>
-            <a:headEnd/>
-            <a:tailEnd/>
-          </a:ln>
-        </p:spPr>
-        <p:txBody>
-          <a:bodyPr wrap="none" anchor="ctr"/>
-          <a:lstStyle/>
-          <a:p>
-            <a:pPr algn="ctr"/>
-            <a:r>
-              <a:rPr lang="ko-KR" altLang="en-US" sz="1600">
-                <a:latin typeface="Noto Sans CJK KR Regular" panose="020B0500000000000000" pitchFamily="34" charset="-127"/>
-                <a:ea typeface="Noto Sans CJK KR Regular" panose="020B0500000000000000" pitchFamily="34" charset="-127"/>
-              </a:rPr>
-              <a:t>우유</a:t>
-            </a:r>
-          </a:p>
-        </p:txBody>
-      </p:sp>
-      <p:cxnSp>
-        <p:nvCxnSpPr>
-          <p:cNvPr id="9" name="AutoShape 7">
-            <a:extLst>
-              <a:ext uri="{FF2B5EF4-FFF2-40B4-BE49-F238E27FC236}">
-                <a16:creationId xmlns:a16="http://schemas.microsoft.com/office/drawing/2014/main" id="{E9567AF6-B815-4BFF-9252-66370D054922}"/>
-              </a:ext>
-            </a:extLst>
-          </p:cNvPr>
-          <p:cNvCxnSpPr>
-            <a:cxnSpLocks noChangeShapeType="1"/>
-            <a:stCxn id="8" idx="0"/>
-            <a:endCxn id="7" idx="2"/>
-          </p:cNvCxnSpPr>
-          <p:nvPr/>
-        </p:nvCxnSpPr>
-        <p:spPr bwMode="auto">
-          <a:xfrm flipV="1">
-            <a:off x="8534400" y="2370138"/>
-            <a:ext cx="0" cy="152400"/>
-          </a:xfrm>
-          <a:prstGeom prst="straightConnector1">
-            <a:avLst/>
-          </a:prstGeom>
-          <a:noFill/>
-          <a:ln w="9525">
-            <a:solidFill>
-              <a:schemeClr val="tx1"/>
-            </a:solidFill>
-            <a:round/>
-            <a:headEnd/>
-            <a:tailEnd/>
-          </a:ln>
-        </p:spPr>
-      </p:cxnSp>
-      <p:sp>
-        <p:nvSpPr>
-          <p:cNvPr id="10" name="Rectangle 8">
-            <a:extLst>
-              <a:ext uri="{FF2B5EF4-FFF2-40B4-BE49-F238E27FC236}">
-                <a16:creationId xmlns:a16="http://schemas.microsoft.com/office/drawing/2014/main" id="{93650B4B-6EC3-49BB-8D80-1BDAE11C87AA}"/>
-              </a:ext>
-            </a:extLst>
-          </p:cNvPr>
-          <p:cNvSpPr>
-            <a:spLocks noChangeArrowheads="1"/>
-          </p:cNvSpPr>
-          <p:nvPr/>
-        </p:nvSpPr>
-        <p:spPr bwMode="auto">
-          <a:xfrm>
-            <a:off x="1195388" y="4735513"/>
-            <a:ext cx="762000" cy="381000"/>
-          </a:xfrm>
-          <a:prstGeom prst="rect">
-            <a:avLst/>
-          </a:prstGeom>
-          <a:solidFill>
-            <a:srgbClr val="FFFF99"/>
-          </a:solidFill>
-          <a:ln w="9525">
-            <a:solidFill>
-              <a:schemeClr val="tx1"/>
-            </a:solidFill>
-            <a:miter lim="800000"/>
-            <a:headEnd/>
-            <a:tailEnd/>
-          </a:ln>
-        </p:spPr>
-        <p:txBody>
-          <a:bodyPr wrap="none" anchor="ctr"/>
-          <a:lstStyle/>
-          <a:p>
-            <a:pPr algn="ctr"/>
-            <a:r>
-              <a:rPr lang="en-US" altLang="ko-KR" sz="1600">
-                <a:latin typeface="Noto Sans CJK KR Regular" panose="020B0500000000000000" pitchFamily="34" charset="-127"/>
-                <a:ea typeface="Noto Sans CJK KR Regular" panose="020B0500000000000000" pitchFamily="34" charset="-127"/>
-              </a:rPr>
-              <a:t>li</a:t>
-            </a:r>
-          </a:p>
-        </p:txBody>
-      </p:sp>
-      <p:sp>
-        <p:nvSpPr>
-          <p:cNvPr id="11" name="Rectangle 9">
-            <a:extLst>
-              <a:ext uri="{FF2B5EF4-FFF2-40B4-BE49-F238E27FC236}">
-                <a16:creationId xmlns:a16="http://schemas.microsoft.com/office/drawing/2014/main" id="{C9159BFD-6391-48AA-B7E6-03350C53EAE5}"/>
-              </a:ext>
-            </a:extLst>
-          </p:cNvPr>
-          <p:cNvSpPr>
-            <a:spLocks noChangeArrowheads="1"/>
-          </p:cNvSpPr>
-          <p:nvPr/>
-        </p:nvSpPr>
-        <p:spPr bwMode="auto">
-          <a:xfrm>
-            <a:off x="2033588" y="4735513"/>
-            <a:ext cx="762000" cy="381000"/>
-          </a:xfrm>
-          <a:prstGeom prst="rect">
-            <a:avLst/>
-          </a:prstGeom>
-          <a:solidFill>
-            <a:srgbClr val="CCFFCC"/>
-          </a:solidFill>
-          <a:ln w="9525">
-            <a:solidFill>
-              <a:schemeClr val="tx1"/>
-            </a:solidFill>
-            <a:miter lim="800000"/>
-            <a:headEnd/>
-            <a:tailEnd/>
-          </a:ln>
-        </p:spPr>
-        <p:txBody>
-          <a:bodyPr wrap="none" anchor="ctr"/>
-          <a:lstStyle/>
-          <a:p>
-            <a:pPr algn="ctr"/>
-            <a:r>
-              <a:rPr lang="en-US" altLang="ko-KR" sz="1600">
-                <a:latin typeface="Noto Sans CJK KR Regular" panose="020B0500000000000000" pitchFamily="34" charset="-127"/>
-                <a:ea typeface="Noto Sans CJK KR Regular" panose="020B0500000000000000" pitchFamily="34" charset="-127"/>
-              </a:rPr>
-              <a:t>li</a:t>
-            </a:r>
-          </a:p>
-        </p:txBody>
-      </p:sp>
-      <p:sp>
-        <p:nvSpPr>
-          <p:cNvPr id="13" name="Rectangle 10">
-            <a:extLst>
-              <a:ext uri="{FF2B5EF4-FFF2-40B4-BE49-F238E27FC236}">
-                <a16:creationId xmlns:a16="http://schemas.microsoft.com/office/drawing/2014/main" id="{05F3746E-CD27-493A-901C-F4296EAC6952}"/>
-              </a:ext>
-            </a:extLst>
-          </p:cNvPr>
-          <p:cNvSpPr>
-            <a:spLocks noChangeArrowheads="1"/>
-          </p:cNvSpPr>
-          <p:nvPr/>
-        </p:nvSpPr>
-        <p:spPr bwMode="auto">
-          <a:xfrm>
-            <a:off x="2414588" y="3897313"/>
-            <a:ext cx="1600200" cy="381000"/>
-          </a:xfrm>
-          <a:prstGeom prst="rect">
-            <a:avLst/>
-          </a:prstGeom>
-          <a:solidFill>
-            <a:srgbClr val="FFCCFF"/>
-          </a:solidFill>
-          <a:ln w="9525">
-            <a:solidFill>
-              <a:schemeClr val="tx1"/>
-            </a:solidFill>
-            <a:miter lim="800000"/>
-            <a:headEnd/>
-            <a:tailEnd/>
-          </a:ln>
-        </p:spPr>
-        <p:txBody>
-          <a:bodyPr wrap="none" anchor="ctr"/>
-          <a:lstStyle/>
-          <a:p>
-            <a:pPr algn="ctr"/>
-            <a:r>
-              <a:rPr lang="en-US" altLang="ko-KR" sz="1600">
-                <a:solidFill>
-                  <a:srgbClr val="FF0000"/>
-                </a:solidFill>
-                <a:latin typeface="Noto Sans CJK KR Regular" panose="020B0500000000000000" pitchFamily="34" charset="-127"/>
-                <a:ea typeface="Noto Sans CJK KR Regular" panose="020B0500000000000000" pitchFamily="34" charset="-127"/>
-              </a:rPr>
-              <a:t>id</a:t>
-            </a:r>
-            <a:r>
-              <a:rPr lang="en-US" altLang="ko-KR" sz="1600">
-                <a:solidFill>
-                  <a:srgbClr val="000000"/>
-                </a:solidFill>
-                <a:latin typeface="Noto Sans CJK KR Regular" panose="020B0500000000000000" pitchFamily="34" charset="-127"/>
-                <a:ea typeface="Noto Sans CJK KR Regular" panose="020B0500000000000000" pitchFamily="34" charset="-127"/>
-              </a:rPr>
-              <a:t>=</a:t>
-            </a:r>
-            <a:r>
-              <a:rPr lang="en-US" altLang="ko-KR" sz="1600">
-                <a:solidFill>
-                  <a:srgbClr val="0000FF"/>
-                </a:solidFill>
-                <a:latin typeface="Noto Sans CJK KR Regular" panose="020B0500000000000000" pitchFamily="34" charset="-127"/>
-                <a:ea typeface="Noto Sans CJK KR Regular" panose="020B0500000000000000" pitchFamily="34" charset="-127"/>
-              </a:rPr>
-              <a:t>"purchases"</a:t>
-            </a:r>
-          </a:p>
-        </p:txBody>
-      </p:sp>
-      <p:sp>
-        <p:nvSpPr>
-          <p:cNvPr id="14" name="Rectangle 11">
-            <a:extLst>
-              <a:ext uri="{FF2B5EF4-FFF2-40B4-BE49-F238E27FC236}">
-                <a16:creationId xmlns:a16="http://schemas.microsoft.com/office/drawing/2014/main" id="{4A85253F-09EA-4DC3-A5B5-1B5C25FEAC8E}"/>
-              </a:ext>
-            </a:extLst>
-          </p:cNvPr>
-          <p:cNvSpPr>
-            <a:spLocks noChangeArrowheads="1"/>
-          </p:cNvSpPr>
-          <p:nvPr/>
-        </p:nvSpPr>
-        <p:spPr bwMode="auto">
-          <a:xfrm>
-            <a:off x="1195388" y="5268913"/>
-            <a:ext cx="762000" cy="381000"/>
-          </a:xfrm>
-          <a:prstGeom prst="rect">
-            <a:avLst/>
-          </a:prstGeom>
-          <a:solidFill>
-            <a:srgbClr val="FFFFFF"/>
-          </a:solidFill>
-          <a:ln w="9525">
-            <a:solidFill>
-              <a:schemeClr val="tx1"/>
-            </a:solidFill>
-            <a:miter lim="800000"/>
-            <a:headEnd/>
-            <a:tailEnd/>
-          </a:ln>
-        </p:spPr>
-        <p:txBody>
-          <a:bodyPr wrap="none" anchor="ctr"/>
-          <a:lstStyle/>
-          <a:p>
-            <a:pPr algn="ctr"/>
-            <a:r>
-              <a:rPr lang="ko-KR" altLang="en-US" sz="1600">
-                <a:latin typeface="Noto Sans CJK KR Regular" panose="020B0500000000000000" pitchFamily="34" charset="-127"/>
-                <a:ea typeface="Noto Sans CJK KR Regular" panose="020B0500000000000000" pitchFamily="34" charset="-127"/>
-              </a:rPr>
-              <a:t>두부</a:t>
-            </a:r>
-          </a:p>
-        </p:txBody>
-      </p:sp>
-      <p:sp>
-        <p:nvSpPr>
-          <p:cNvPr id="15" name="Rectangle 12">
-            <a:extLst>
-              <a:ext uri="{FF2B5EF4-FFF2-40B4-BE49-F238E27FC236}">
-                <a16:creationId xmlns:a16="http://schemas.microsoft.com/office/drawing/2014/main" id="{2A2098C3-42BB-46C2-ACA4-1932EFB434D9}"/>
-              </a:ext>
-            </a:extLst>
-          </p:cNvPr>
-          <p:cNvSpPr>
-            <a:spLocks noChangeArrowheads="1"/>
-          </p:cNvSpPr>
-          <p:nvPr/>
-        </p:nvSpPr>
-        <p:spPr bwMode="auto">
-          <a:xfrm>
-            <a:off x="2033588" y="5268913"/>
-            <a:ext cx="762000" cy="381000"/>
-          </a:xfrm>
-          <a:prstGeom prst="rect">
-            <a:avLst/>
-          </a:prstGeom>
-          <a:solidFill>
-            <a:srgbClr val="FFFFFF"/>
-          </a:solidFill>
-          <a:ln w="9525">
-            <a:solidFill>
-              <a:schemeClr val="tx1"/>
-            </a:solidFill>
-            <a:miter lim="800000"/>
-            <a:headEnd/>
-            <a:tailEnd/>
-          </a:ln>
-        </p:spPr>
-        <p:txBody>
-          <a:bodyPr wrap="none" anchor="ctr"/>
-          <a:lstStyle/>
-          <a:p>
-            <a:pPr algn="ctr"/>
-            <a:r>
-              <a:rPr lang="ko-KR" altLang="en-US" sz="1600">
-                <a:latin typeface="Noto Sans CJK KR Regular" panose="020B0500000000000000" pitchFamily="34" charset="-127"/>
-                <a:ea typeface="Noto Sans CJK KR Regular" panose="020B0500000000000000" pitchFamily="34" charset="-127"/>
-              </a:rPr>
-              <a:t>계란</a:t>
-            </a:r>
-          </a:p>
-        </p:txBody>
-      </p:sp>
-      <p:cxnSp>
-        <p:nvCxnSpPr>
-          <p:cNvPr id="16" name="AutoShape 13">
-            <a:extLst>
-              <a:ext uri="{FF2B5EF4-FFF2-40B4-BE49-F238E27FC236}">
-                <a16:creationId xmlns:a16="http://schemas.microsoft.com/office/drawing/2014/main" id="{D409CCFC-4A8E-414C-A767-77321E014FFA}"/>
-              </a:ext>
-            </a:extLst>
-          </p:cNvPr>
-          <p:cNvCxnSpPr>
-            <a:cxnSpLocks noChangeShapeType="1"/>
-            <a:stCxn id="10" idx="2"/>
-            <a:endCxn id="14" idx="0"/>
-          </p:cNvCxnSpPr>
-          <p:nvPr/>
-        </p:nvCxnSpPr>
-        <p:spPr bwMode="auto">
-          <a:xfrm>
-            <a:off x="1576388" y="5116513"/>
-            <a:ext cx="0" cy="152400"/>
-          </a:xfrm>
-          <a:prstGeom prst="straightConnector1">
-            <a:avLst/>
-          </a:prstGeom>
-          <a:noFill/>
-          <a:ln w="9525">
-            <a:solidFill>
-              <a:schemeClr val="tx1"/>
-            </a:solidFill>
-            <a:round/>
-            <a:headEnd/>
-            <a:tailEnd/>
-          </a:ln>
-        </p:spPr>
-      </p:cxnSp>
-      <p:cxnSp>
-        <p:nvCxnSpPr>
-          <p:cNvPr id="17" name="AutoShape 14">
-            <a:extLst>
-              <a:ext uri="{FF2B5EF4-FFF2-40B4-BE49-F238E27FC236}">
-                <a16:creationId xmlns:a16="http://schemas.microsoft.com/office/drawing/2014/main" id="{18FE5F9F-B364-437B-B599-9997C88AB1BC}"/>
-              </a:ext>
-            </a:extLst>
-          </p:cNvPr>
-          <p:cNvCxnSpPr>
-            <a:cxnSpLocks noChangeShapeType="1"/>
-            <a:stCxn id="11" idx="2"/>
-            <a:endCxn id="15" idx="0"/>
-          </p:cNvCxnSpPr>
-          <p:nvPr/>
-        </p:nvCxnSpPr>
-        <p:spPr bwMode="auto">
-          <a:xfrm>
-            <a:off x="2414588" y="5116513"/>
-            <a:ext cx="0" cy="152400"/>
-          </a:xfrm>
-          <a:prstGeom prst="straightConnector1">
-            <a:avLst/>
-          </a:prstGeom>
-          <a:noFill/>
-          <a:ln w="9525">
-            <a:solidFill>
-              <a:schemeClr val="tx1"/>
-            </a:solidFill>
-            <a:round/>
-            <a:headEnd/>
-            <a:tailEnd/>
-          </a:ln>
-        </p:spPr>
-      </p:cxnSp>
-      <p:cxnSp>
-        <p:nvCxnSpPr>
-          <p:cNvPr id="18" name="AutoShape 15">
-            <a:extLst>
-              <a:ext uri="{FF2B5EF4-FFF2-40B4-BE49-F238E27FC236}">
-                <a16:creationId xmlns:a16="http://schemas.microsoft.com/office/drawing/2014/main" id="{6E7C2C57-8ECE-48F3-A10E-FF5CCB4AC6EB}"/>
-              </a:ext>
-            </a:extLst>
-          </p:cNvPr>
-          <p:cNvCxnSpPr>
-            <a:cxnSpLocks noChangeShapeType="1"/>
-            <a:stCxn id="11" idx="0"/>
-            <a:endCxn id="27" idx="2"/>
-          </p:cNvCxnSpPr>
-          <p:nvPr/>
-        </p:nvCxnSpPr>
-        <p:spPr bwMode="auto">
-          <a:xfrm flipH="1" flipV="1">
-            <a:off x="1576388" y="4506913"/>
-            <a:ext cx="838200" cy="228600"/>
-          </a:xfrm>
-          <a:prstGeom prst="straightConnector1">
-            <a:avLst/>
-          </a:prstGeom>
-          <a:noFill/>
-          <a:ln w="9525">
-            <a:solidFill>
-              <a:schemeClr val="tx1"/>
-            </a:solidFill>
-            <a:round/>
-            <a:headEnd/>
-            <a:tailEnd/>
-          </a:ln>
-        </p:spPr>
-      </p:cxnSp>
-      <p:cxnSp>
-        <p:nvCxnSpPr>
-          <p:cNvPr id="19" name="AutoShape 16">
-            <a:extLst>
-              <a:ext uri="{FF2B5EF4-FFF2-40B4-BE49-F238E27FC236}">
-                <a16:creationId xmlns:a16="http://schemas.microsoft.com/office/drawing/2014/main" id="{0A600EB4-C078-418F-9DFC-8BFB51717284}"/>
-              </a:ext>
-            </a:extLst>
-          </p:cNvPr>
-          <p:cNvCxnSpPr>
-            <a:cxnSpLocks noChangeShapeType="1"/>
-            <a:stCxn id="10" idx="0"/>
-            <a:endCxn id="27" idx="2"/>
-          </p:cNvCxnSpPr>
-          <p:nvPr/>
-        </p:nvCxnSpPr>
-        <p:spPr bwMode="auto">
-          <a:xfrm flipV="1">
-            <a:off x="1576388" y="4506913"/>
-            <a:ext cx="0" cy="228600"/>
-          </a:xfrm>
-          <a:prstGeom prst="straightConnector1">
-            <a:avLst/>
-          </a:prstGeom>
-          <a:noFill/>
-          <a:ln w="9525">
-            <a:solidFill>
-              <a:schemeClr val="tx1"/>
-            </a:solidFill>
-            <a:round/>
-            <a:headEnd/>
-            <a:tailEnd/>
-          </a:ln>
-        </p:spPr>
-      </p:cxnSp>
-      <p:cxnSp>
-        <p:nvCxnSpPr>
-          <p:cNvPr id="20" name="AutoShape 17">
-            <a:extLst>
-              <a:ext uri="{FF2B5EF4-FFF2-40B4-BE49-F238E27FC236}">
-                <a16:creationId xmlns:a16="http://schemas.microsoft.com/office/drawing/2014/main" id="{9B9635D7-2A08-4B40-A169-567FD4B230A3}"/>
-              </a:ext>
-            </a:extLst>
-          </p:cNvPr>
-          <p:cNvCxnSpPr>
-            <a:cxnSpLocks noChangeShapeType="1"/>
-            <a:stCxn id="27" idx="3"/>
-            <a:endCxn id="13" idx="1"/>
-          </p:cNvCxnSpPr>
-          <p:nvPr/>
-        </p:nvCxnSpPr>
-        <p:spPr bwMode="auto">
-          <a:xfrm flipV="1">
-            <a:off x="1957388" y="4087813"/>
-            <a:ext cx="457200" cy="228600"/>
-          </a:xfrm>
-          <a:prstGeom prst="straightConnector1">
-            <a:avLst/>
-          </a:prstGeom>
-          <a:noFill/>
-          <a:ln w="9525">
-            <a:solidFill>
-              <a:schemeClr val="tx1"/>
-            </a:solidFill>
-            <a:prstDash val="lgDash"/>
-            <a:round/>
-            <a:headEnd/>
-            <a:tailEnd/>
-          </a:ln>
-        </p:spPr>
-      </p:cxnSp>
-      <p:sp>
-        <p:nvSpPr>
-          <p:cNvPr id="21" name="Rectangle 18">
-            <a:extLst>
-              <a:ext uri="{FF2B5EF4-FFF2-40B4-BE49-F238E27FC236}">
-                <a16:creationId xmlns:a16="http://schemas.microsoft.com/office/drawing/2014/main" id="{86AF88D0-F4C2-4F50-BDC5-A2A87AC95FF0}"/>
-              </a:ext>
-            </a:extLst>
-          </p:cNvPr>
-          <p:cNvSpPr>
-            <a:spLocks noChangeArrowheads="1"/>
-          </p:cNvSpPr>
-          <p:nvPr/>
-        </p:nvSpPr>
-        <p:spPr bwMode="auto">
-          <a:xfrm>
-            <a:off x="1195388" y="3135313"/>
-            <a:ext cx="762000" cy="381000"/>
-          </a:xfrm>
-          <a:prstGeom prst="rect">
-            <a:avLst/>
-          </a:prstGeom>
-          <a:solidFill>
-            <a:schemeClr val="accent1"/>
-          </a:solidFill>
-          <a:ln w="9525">
-            <a:solidFill>
-              <a:schemeClr val="tx1"/>
-            </a:solidFill>
-            <a:miter lim="800000"/>
-            <a:headEnd/>
-            <a:tailEnd/>
-          </a:ln>
-        </p:spPr>
-        <p:txBody>
-          <a:bodyPr wrap="none" anchor="ctr"/>
-          <a:lstStyle/>
-          <a:p>
-            <a:pPr algn="ctr"/>
-            <a:r>
-              <a:rPr lang="en-US" altLang="ko-KR" sz="1600">
-                <a:latin typeface="Noto Sans CJK KR Regular" panose="020B0500000000000000" pitchFamily="34" charset="-127"/>
-                <a:ea typeface="Noto Sans CJK KR Regular" panose="020B0500000000000000" pitchFamily="34" charset="-127"/>
-              </a:rPr>
-              <a:t>html</a:t>
-            </a:r>
-          </a:p>
-        </p:txBody>
-      </p:sp>
-      <p:sp>
-        <p:nvSpPr>
-          <p:cNvPr id="22" name="Rectangle 19">
-            <a:extLst>
-              <a:ext uri="{FF2B5EF4-FFF2-40B4-BE49-F238E27FC236}">
-                <a16:creationId xmlns:a16="http://schemas.microsoft.com/office/drawing/2014/main" id="{C4738B41-E89E-4921-9021-932C45E8085F}"/>
-              </a:ext>
-            </a:extLst>
-          </p:cNvPr>
-          <p:cNvSpPr>
-            <a:spLocks noChangeArrowheads="1"/>
-          </p:cNvSpPr>
-          <p:nvPr/>
-        </p:nvSpPr>
-        <p:spPr bwMode="auto">
-          <a:xfrm>
-            <a:off x="1195388" y="3592513"/>
-            <a:ext cx="762000" cy="381000"/>
-          </a:xfrm>
-          <a:prstGeom prst="rect">
-            <a:avLst/>
-          </a:prstGeom>
-          <a:solidFill>
-            <a:schemeClr val="accent1"/>
-          </a:solidFill>
-          <a:ln w="9525">
-            <a:solidFill>
-              <a:schemeClr val="tx1"/>
-            </a:solidFill>
-            <a:miter lim="800000"/>
-            <a:headEnd/>
-            <a:tailEnd/>
-          </a:ln>
-        </p:spPr>
-        <p:txBody>
-          <a:bodyPr wrap="none" anchor="ctr"/>
-          <a:lstStyle/>
-          <a:p>
-            <a:pPr algn="ctr"/>
-            <a:r>
-              <a:rPr lang="en-US" altLang="ko-KR" sz="1600">
-                <a:latin typeface="Noto Sans CJK KR Regular" panose="020B0500000000000000" pitchFamily="34" charset="-127"/>
-                <a:ea typeface="Noto Sans CJK KR Regular" panose="020B0500000000000000" pitchFamily="34" charset="-127"/>
-              </a:rPr>
-              <a:t>body</a:t>
-            </a:r>
-          </a:p>
-        </p:txBody>
-      </p:sp>
-      <p:cxnSp>
-        <p:nvCxnSpPr>
-          <p:cNvPr id="23" name="AutoShape 20">
-            <a:extLst>
-              <a:ext uri="{FF2B5EF4-FFF2-40B4-BE49-F238E27FC236}">
-                <a16:creationId xmlns:a16="http://schemas.microsoft.com/office/drawing/2014/main" id="{0F00FEC1-B513-4643-9618-E2A9E3FC0E87}"/>
-              </a:ext>
-            </a:extLst>
-          </p:cNvPr>
-          <p:cNvCxnSpPr>
-            <a:cxnSpLocks noChangeShapeType="1"/>
-            <a:stCxn id="21" idx="2"/>
-            <a:endCxn id="22" idx="0"/>
-          </p:cNvCxnSpPr>
-          <p:nvPr/>
-        </p:nvCxnSpPr>
-        <p:spPr bwMode="auto">
-          <a:xfrm>
-            <a:off x="1576388" y="3516313"/>
-            <a:ext cx="0" cy="76200"/>
-          </a:xfrm>
-          <a:prstGeom prst="straightConnector1">
-            <a:avLst/>
-          </a:prstGeom>
-          <a:noFill/>
-          <a:ln w="9525">
-            <a:solidFill>
-              <a:schemeClr val="tx1"/>
-            </a:solidFill>
-            <a:round/>
-            <a:headEnd/>
-            <a:tailEnd/>
-          </a:ln>
-        </p:spPr>
-      </p:cxnSp>
-      <p:cxnSp>
-        <p:nvCxnSpPr>
-          <p:cNvPr id="24" name="AutoShape 21">
-            <a:extLst>
-              <a:ext uri="{FF2B5EF4-FFF2-40B4-BE49-F238E27FC236}">
-                <a16:creationId xmlns:a16="http://schemas.microsoft.com/office/drawing/2014/main" id="{9DD17DD6-ABA2-42DF-B2B7-51E24BD11B81}"/>
-              </a:ext>
-            </a:extLst>
-          </p:cNvPr>
-          <p:cNvCxnSpPr>
-            <a:cxnSpLocks noChangeShapeType="1"/>
-            <a:stCxn id="27" idx="0"/>
-            <a:endCxn id="22" idx="2"/>
-          </p:cNvCxnSpPr>
-          <p:nvPr/>
-        </p:nvCxnSpPr>
-        <p:spPr bwMode="auto">
-          <a:xfrm flipV="1">
-            <a:off x="1576388" y="3973513"/>
-            <a:ext cx="0" cy="152400"/>
-          </a:xfrm>
-          <a:prstGeom prst="straightConnector1">
-            <a:avLst/>
-          </a:prstGeom>
-          <a:noFill/>
-          <a:ln w="9525">
-            <a:solidFill>
-              <a:schemeClr val="tx1"/>
-            </a:solidFill>
-            <a:round/>
-            <a:headEnd/>
-            <a:tailEnd/>
-          </a:ln>
-        </p:spPr>
-      </p:cxnSp>
-      <p:sp>
-        <p:nvSpPr>
-          <p:cNvPr id="25" name="Rectangle 22">
-            <a:extLst>
-              <a:ext uri="{FF2B5EF4-FFF2-40B4-BE49-F238E27FC236}">
-                <a16:creationId xmlns:a16="http://schemas.microsoft.com/office/drawing/2014/main" id="{E9378A03-4AC1-4E39-A1D7-0FF3E9992E53}"/>
-              </a:ext>
-            </a:extLst>
-          </p:cNvPr>
-          <p:cNvSpPr>
-            <a:spLocks noChangeArrowheads="1"/>
-          </p:cNvSpPr>
-          <p:nvPr/>
-        </p:nvSpPr>
-        <p:spPr bwMode="auto">
-          <a:xfrm>
-            <a:off x="1042988" y="2982913"/>
-            <a:ext cx="3048000" cy="2743200"/>
-          </a:xfrm>
-          <a:prstGeom prst="rect">
-            <a:avLst/>
-          </a:prstGeom>
-          <a:noFill/>
-          <a:ln w="9525">
-            <a:solidFill>
-              <a:schemeClr val="tx1"/>
-            </a:solidFill>
-            <a:miter lim="800000"/>
-            <a:headEnd/>
-            <a:tailEnd/>
-          </a:ln>
-        </p:spPr>
-        <p:txBody>
-          <a:bodyPr wrap="none" anchor="ctr"/>
-          <a:lstStyle/>
-          <a:p>
-            <a:pPr algn="ctr"/>
-            <a:endParaRPr lang="ko-KR" altLang="en-US">
-              <a:latin typeface="Noto Sans CJK KR Regular" panose="020B0500000000000000" pitchFamily="34" charset="-127"/>
-              <a:ea typeface="Noto Sans CJK KR Regular" panose="020B0500000000000000" pitchFamily="34" charset="-127"/>
-            </a:endParaRPr>
-          </a:p>
-        </p:txBody>
-      </p:sp>
-      <p:sp>
-        <p:nvSpPr>
-          <p:cNvPr id="26" name="Text Box 23">
-            <a:extLst>
-              <a:ext uri="{FF2B5EF4-FFF2-40B4-BE49-F238E27FC236}">
-                <a16:creationId xmlns:a16="http://schemas.microsoft.com/office/drawing/2014/main" id="{9680A0A9-7113-4082-B31C-4B15F3748D36}"/>
-              </a:ext>
-            </a:extLst>
-          </p:cNvPr>
-          <p:cNvSpPr txBox="1">
-            <a:spLocks noChangeArrowheads="1"/>
-          </p:cNvSpPr>
-          <p:nvPr/>
-        </p:nvSpPr>
-        <p:spPr bwMode="auto">
-          <a:xfrm>
-            <a:off x="2779713" y="3005138"/>
-            <a:ext cx="1343638" cy="369332"/>
-          </a:xfrm>
-          <a:prstGeom prst="rect">
-            <a:avLst/>
-          </a:prstGeom>
-          <a:noFill/>
-          <a:ln w="9525">
-            <a:noFill/>
-            <a:miter lim="800000"/>
-            <a:headEnd/>
-            <a:tailEnd/>
-          </a:ln>
-        </p:spPr>
-        <p:txBody>
-          <a:bodyPr wrap="none">
-            <a:spAutoFit/>
-          </a:bodyPr>
-          <a:lstStyle/>
-          <a:p>
-            <a:r>
-              <a:rPr lang="en-US" altLang="ko-KR">
-                <a:latin typeface="Noto Sans CJK KR Regular" panose="020B0500000000000000" pitchFamily="34" charset="-127"/>
-                <a:ea typeface="Noto Sans CJK KR Regular" panose="020B0500000000000000" pitchFamily="34" charset="-127"/>
-              </a:rPr>
-              <a:t>document</a:t>
-            </a:r>
-          </a:p>
-        </p:txBody>
-      </p:sp>
-      <p:sp>
-        <p:nvSpPr>
-          <p:cNvPr id="27" name="Rectangle 24">
-            <a:extLst>
-              <a:ext uri="{FF2B5EF4-FFF2-40B4-BE49-F238E27FC236}">
-                <a16:creationId xmlns:a16="http://schemas.microsoft.com/office/drawing/2014/main" id="{2BF95C8E-4289-4664-AC7C-DD32282411C9}"/>
-              </a:ext>
-            </a:extLst>
-          </p:cNvPr>
-          <p:cNvSpPr>
-            <a:spLocks noChangeArrowheads="1"/>
-          </p:cNvSpPr>
-          <p:nvPr/>
-        </p:nvSpPr>
-        <p:spPr bwMode="auto">
-          <a:xfrm>
-            <a:off x="1195388" y="4125913"/>
-            <a:ext cx="762000" cy="381000"/>
-          </a:xfrm>
-          <a:prstGeom prst="rect">
-            <a:avLst/>
-          </a:prstGeom>
-          <a:solidFill>
-            <a:schemeClr val="accent1"/>
-          </a:solidFill>
-          <a:ln w="9525">
-            <a:solidFill>
-              <a:schemeClr val="tx1"/>
-            </a:solidFill>
-            <a:miter lim="800000"/>
-            <a:headEnd/>
-            <a:tailEnd/>
-          </a:ln>
-        </p:spPr>
-        <p:txBody>
-          <a:bodyPr wrap="none" anchor="ctr"/>
-          <a:lstStyle/>
-          <a:p>
-            <a:pPr algn="ctr"/>
-            <a:r>
-              <a:rPr lang="en-US" altLang="ko-KR" sz="1600">
-                <a:latin typeface="Noto Sans CJK KR Regular" panose="020B0500000000000000" pitchFamily="34" charset="-127"/>
-                <a:ea typeface="Noto Sans CJK KR Regular" panose="020B0500000000000000" pitchFamily="34" charset="-127"/>
-              </a:rPr>
-              <a:t>ul</a:t>
-            </a:r>
-          </a:p>
-        </p:txBody>
-      </p:sp>
-      <p:sp>
-        <p:nvSpPr>
-          <p:cNvPr id="28" name="Rectangle 25">
-            <a:extLst>
-              <a:ext uri="{FF2B5EF4-FFF2-40B4-BE49-F238E27FC236}">
-                <a16:creationId xmlns:a16="http://schemas.microsoft.com/office/drawing/2014/main" id="{E3E13D8C-CFC6-4CD4-AAC6-5A00418EB5EC}"/>
-              </a:ext>
-            </a:extLst>
-          </p:cNvPr>
-          <p:cNvSpPr>
-            <a:spLocks noChangeArrowheads="1"/>
-          </p:cNvSpPr>
-          <p:nvPr/>
-        </p:nvSpPr>
-        <p:spPr bwMode="auto">
-          <a:xfrm>
-            <a:off x="6224588" y="4735513"/>
-            <a:ext cx="762000" cy="381000"/>
-          </a:xfrm>
-          <a:prstGeom prst="rect">
-            <a:avLst/>
-          </a:prstGeom>
-          <a:solidFill>
-            <a:srgbClr val="CCFFCC"/>
-          </a:solidFill>
-          <a:ln w="9525">
-            <a:solidFill>
-              <a:schemeClr val="tx1"/>
-            </a:solidFill>
-            <a:miter lim="800000"/>
-            <a:headEnd/>
-            <a:tailEnd/>
-          </a:ln>
-        </p:spPr>
-        <p:txBody>
-          <a:bodyPr wrap="none" anchor="ctr"/>
-          <a:lstStyle/>
-          <a:p>
-            <a:pPr algn="ctr"/>
-            <a:r>
-              <a:rPr lang="en-US" altLang="ko-KR" sz="1600">
-                <a:latin typeface="Noto Sans CJK KR Regular" panose="020B0500000000000000" pitchFamily="34" charset="-127"/>
-                <a:ea typeface="Noto Sans CJK KR Regular" panose="020B0500000000000000" pitchFamily="34" charset="-127"/>
-              </a:rPr>
-              <a:t>li</a:t>
-            </a:r>
-          </a:p>
-        </p:txBody>
-      </p:sp>
-      <p:sp>
-        <p:nvSpPr>
-          <p:cNvPr id="29" name="Rectangle 26">
-            <a:extLst>
-              <a:ext uri="{FF2B5EF4-FFF2-40B4-BE49-F238E27FC236}">
-                <a16:creationId xmlns:a16="http://schemas.microsoft.com/office/drawing/2014/main" id="{4D06B540-759E-4773-8347-D22473249060}"/>
-              </a:ext>
-            </a:extLst>
-          </p:cNvPr>
-          <p:cNvSpPr>
-            <a:spLocks noChangeArrowheads="1"/>
-          </p:cNvSpPr>
-          <p:nvPr/>
-        </p:nvSpPr>
-        <p:spPr bwMode="auto">
-          <a:xfrm>
-            <a:off x="2871788" y="4735513"/>
-            <a:ext cx="762000" cy="381000"/>
-          </a:xfrm>
-          <a:prstGeom prst="rect">
-            <a:avLst/>
-          </a:prstGeom>
-          <a:solidFill>
-            <a:srgbClr val="C0C0C0"/>
-          </a:solidFill>
-          <a:ln w="9525">
-            <a:solidFill>
-              <a:schemeClr val="tx1"/>
-            </a:solidFill>
-            <a:miter lim="800000"/>
-            <a:headEnd/>
-            <a:tailEnd/>
-          </a:ln>
-        </p:spPr>
-        <p:txBody>
-          <a:bodyPr wrap="none" anchor="ctr"/>
-          <a:lstStyle/>
-          <a:p>
-            <a:pPr algn="ctr"/>
-            <a:r>
-              <a:rPr lang="en-US" altLang="ko-KR" sz="1600">
-                <a:latin typeface="Noto Sans CJK KR Regular" panose="020B0500000000000000" pitchFamily="34" charset="-127"/>
-                <a:ea typeface="Noto Sans CJK KR Regular" panose="020B0500000000000000" pitchFamily="34" charset="-127"/>
-              </a:rPr>
-              <a:t>li</a:t>
-            </a:r>
-          </a:p>
-        </p:txBody>
-      </p:sp>
-      <p:sp>
-        <p:nvSpPr>
-          <p:cNvPr id="30" name="Rectangle 27">
-            <a:extLst>
-              <a:ext uri="{FF2B5EF4-FFF2-40B4-BE49-F238E27FC236}">
-                <a16:creationId xmlns:a16="http://schemas.microsoft.com/office/drawing/2014/main" id="{CF8CDE61-61BA-432C-A30B-BC486F28A973}"/>
-              </a:ext>
-            </a:extLst>
-          </p:cNvPr>
-          <p:cNvSpPr>
-            <a:spLocks noChangeArrowheads="1"/>
-          </p:cNvSpPr>
-          <p:nvPr/>
-        </p:nvSpPr>
-        <p:spPr bwMode="auto">
-          <a:xfrm>
-            <a:off x="5767388" y="3897313"/>
-            <a:ext cx="1600200" cy="381000"/>
-          </a:xfrm>
-          <a:prstGeom prst="rect">
-            <a:avLst/>
-          </a:prstGeom>
-          <a:solidFill>
-            <a:srgbClr val="FFCCFF"/>
-          </a:solidFill>
-          <a:ln w="9525">
-            <a:solidFill>
-              <a:schemeClr val="tx1"/>
-            </a:solidFill>
-            <a:miter lim="800000"/>
-            <a:headEnd/>
-            <a:tailEnd/>
-          </a:ln>
-        </p:spPr>
-        <p:txBody>
-          <a:bodyPr wrap="none" anchor="ctr"/>
-          <a:lstStyle/>
-          <a:p>
-            <a:pPr algn="ctr"/>
-            <a:r>
-              <a:rPr lang="en-US" altLang="ko-KR" sz="1600">
-                <a:solidFill>
-                  <a:srgbClr val="FF0000"/>
-                </a:solidFill>
-                <a:latin typeface="Noto Sans CJK KR Regular" panose="020B0500000000000000" pitchFamily="34" charset="-127"/>
-                <a:ea typeface="Noto Sans CJK KR Regular" panose="020B0500000000000000" pitchFamily="34" charset="-127"/>
-              </a:rPr>
-              <a:t>id</a:t>
-            </a:r>
-            <a:r>
-              <a:rPr lang="en-US" altLang="ko-KR" sz="1600">
-                <a:solidFill>
-                  <a:srgbClr val="000000"/>
-                </a:solidFill>
-                <a:latin typeface="Noto Sans CJK KR Regular" panose="020B0500000000000000" pitchFamily="34" charset="-127"/>
-                <a:ea typeface="Noto Sans CJK KR Regular" panose="020B0500000000000000" pitchFamily="34" charset="-127"/>
-              </a:rPr>
-              <a:t>=</a:t>
-            </a:r>
-            <a:r>
-              <a:rPr lang="en-US" altLang="ko-KR" sz="1600">
-                <a:solidFill>
-                  <a:srgbClr val="0000FF"/>
-                </a:solidFill>
-                <a:latin typeface="Noto Sans CJK KR Regular" panose="020B0500000000000000" pitchFamily="34" charset="-127"/>
-                <a:ea typeface="Noto Sans CJK KR Regular" panose="020B0500000000000000" pitchFamily="34" charset="-127"/>
-              </a:rPr>
-              <a:t>"purchases"</a:t>
-            </a:r>
-          </a:p>
-        </p:txBody>
-      </p:sp>
-      <p:sp>
-        <p:nvSpPr>
-          <p:cNvPr id="31" name="Rectangle 28">
-            <a:extLst>
-              <a:ext uri="{FF2B5EF4-FFF2-40B4-BE49-F238E27FC236}">
-                <a16:creationId xmlns:a16="http://schemas.microsoft.com/office/drawing/2014/main" id="{4101E153-1852-416B-A030-4C0C0FEE9C12}"/>
-              </a:ext>
-            </a:extLst>
-          </p:cNvPr>
-          <p:cNvSpPr>
-            <a:spLocks noChangeArrowheads="1"/>
-          </p:cNvSpPr>
-          <p:nvPr/>
-        </p:nvSpPr>
-        <p:spPr bwMode="auto">
-          <a:xfrm>
-            <a:off x="6224588" y="5268913"/>
-            <a:ext cx="762000" cy="381000"/>
-          </a:xfrm>
-          <a:prstGeom prst="rect">
-            <a:avLst/>
-          </a:prstGeom>
-          <a:solidFill>
-            <a:srgbClr val="FFFFFF"/>
-          </a:solidFill>
-          <a:ln w="9525">
-            <a:solidFill>
-              <a:schemeClr val="tx1"/>
-            </a:solidFill>
-            <a:miter lim="800000"/>
-            <a:headEnd/>
-            <a:tailEnd/>
-          </a:ln>
-        </p:spPr>
-        <p:txBody>
-          <a:bodyPr wrap="none" anchor="ctr"/>
-          <a:lstStyle/>
-          <a:p>
-            <a:pPr algn="ctr"/>
-            <a:r>
-              <a:rPr lang="ko-KR" altLang="en-US" sz="1600">
-                <a:latin typeface="Noto Sans CJK KR Regular" panose="020B0500000000000000" pitchFamily="34" charset="-127"/>
-                <a:ea typeface="Noto Sans CJK KR Regular" panose="020B0500000000000000" pitchFamily="34" charset="-127"/>
-              </a:rPr>
-              <a:t>계란</a:t>
-            </a:r>
-          </a:p>
-        </p:txBody>
-      </p:sp>
-      <p:sp>
-        <p:nvSpPr>
-          <p:cNvPr id="32" name="Rectangle 29">
-            <a:extLst>
-              <a:ext uri="{FF2B5EF4-FFF2-40B4-BE49-F238E27FC236}">
-                <a16:creationId xmlns:a16="http://schemas.microsoft.com/office/drawing/2014/main" id="{9050FD1A-0F1B-4385-8511-75E9C97A48F3}"/>
-              </a:ext>
-            </a:extLst>
-          </p:cNvPr>
-          <p:cNvSpPr>
-            <a:spLocks noChangeArrowheads="1"/>
-          </p:cNvSpPr>
-          <p:nvPr/>
-        </p:nvSpPr>
-        <p:spPr bwMode="auto">
-          <a:xfrm>
-            <a:off x="2871788" y="5268913"/>
-            <a:ext cx="762000" cy="381000"/>
-          </a:xfrm>
-          <a:prstGeom prst="rect">
-            <a:avLst/>
-          </a:prstGeom>
-          <a:solidFill>
-            <a:srgbClr val="FFFFFF"/>
-          </a:solidFill>
-          <a:ln w="9525">
-            <a:solidFill>
-              <a:schemeClr val="tx1"/>
-            </a:solidFill>
-            <a:miter lim="800000"/>
-            <a:headEnd/>
-            <a:tailEnd/>
-          </a:ln>
-        </p:spPr>
-        <p:txBody>
-          <a:bodyPr wrap="none" anchor="ctr"/>
-          <a:lstStyle/>
-          <a:p>
-            <a:pPr algn="ctr"/>
-            <a:r>
-              <a:rPr lang="ko-KR" altLang="en-US" sz="1600">
-                <a:latin typeface="Noto Sans CJK KR Regular" panose="020B0500000000000000" pitchFamily="34" charset="-127"/>
-                <a:ea typeface="Noto Sans CJK KR Regular" panose="020B0500000000000000" pitchFamily="34" charset="-127"/>
-              </a:rPr>
-              <a:t>라면</a:t>
-            </a:r>
-          </a:p>
-        </p:txBody>
-      </p:sp>
-      <p:cxnSp>
-        <p:nvCxnSpPr>
-          <p:cNvPr id="33" name="AutoShape 30">
-            <a:extLst>
-              <a:ext uri="{FF2B5EF4-FFF2-40B4-BE49-F238E27FC236}">
-                <a16:creationId xmlns:a16="http://schemas.microsoft.com/office/drawing/2014/main" id="{C51DFBB1-032C-48FC-B05C-00F63C2385D0}"/>
-              </a:ext>
-            </a:extLst>
-          </p:cNvPr>
-          <p:cNvCxnSpPr>
-            <a:cxnSpLocks noChangeShapeType="1"/>
-            <a:stCxn id="28" idx="2"/>
-            <a:endCxn id="31" idx="0"/>
-          </p:cNvCxnSpPr>
-          <p:nvPr/>
-        </p:nvCxnSpPr>
-        <p:spPr bwMode="auto">
-          <a:xfrm>
-            <a:off x="6605588" y="5116513"/>
-            <a:ext cx="0" cy="152400"/>
-          </a:xfrm>
-          <a:prstGeom prst="straightConnector1">
-            <a:avLst/>
-          </a:prstGeom>
-          <a:noFill/>
-          <a:ln w="9525">
-            <a:solidFill>
-              <a:schemeClr val="tx1"/>
-            </a:solidFill>
-            <a:round/>
-            <a:headEnd/>
-            <a:tailEnd/>
-          </a:ln>
-        </p:spPr>
-      </p:cxnSp>
-      <p:cxnSp>
-        <p:nvCxnSpPr>
-          <p:cNvPr id="34" name="AutoShape 31">
-            <a:extLst>
-              <a:ext uri="{FF2B5EF4-FFF2-40B4-BE49-F238E27FC236}">
-                <a16:creationId xmlns:a16="http://schemas.microsoft.com/office/drawing/2014/main" id="{41017EBF-6729-4AAD-BD5B-8D97816459A1}"/>
-              </a:ext>
-            </a:extLst>
-          </p:cNvPr>
-          <p:cNvCxnSpPr>
-            <a:cxnSpLocks noChangeShapeType="1"/>
-            <a:stCxn id="29" idx="2"/>
-            <a:endCxn id="32" idx="0"/>
-          </p:cNvCxnSpPr>
-          <p:nvPr/>
-        </p:nvCxnSpPr>
-        <p:spPr bwMode="auto">
-          <a:xfrm>
-            <a:off x="3252788" y="5116513"/>
-            <a:ext cx="0" cy="152400"/>
-          </a:xfrm>
-          <a:prstGeom prst="straightConnector1">
-            <a:avLst/>
-          </a:prstGeom>
-          <a:noFill/>
-          <a:ln w="9525">
-            <a:solidFill>
-              <a:schemeClr val="tx1"/>
-            </a:solidFill>
-            <a:round/>
-            <a:headEnd/>
-            <a:tailEnd/>
-          </a:ln>
-        </p:spPr>
-      </p:cxnSp>
-      <p:cxnSp>
-        <p:nvCxnSpPr>
-          <p:cNvPr id="35" name="AutoShape 32">
-            <a:extLst>
-              <a:ext uri="{FF2B5EF4-FFF2-40B4-BE49-F238E27FC236}">
-                <a16:creationId xmlns:a16="http://schemas.microsoft.com/office/drawing/2014/main" id="{C0C3AF29-A820-4427-B6CB-6435A9CAA37A}"/>
-              </a:ext>
-            </a:extLst>
-          </p:cNvPr>
-          <p:cNvCxnSpPr>
-            <a:cxnSpLocks noChangeShapeType="1"/>
-            <a:stCxn id="28" idx="0"/>
-            <a:endCxn id="48" idx="2"/>
-          </p:cNvCxnSpPr>
-          <p:nvPr/>
-        </p:nvCxnSpPr>
-        <p:spPr bwMode="auto">
-          <a:xfrm rot="16200000" flipV="1">
-            <a:off x="5653088" y="3783013"/>
-            <a:ext cx="228600" cy="1676400"/>
-          </a:xfrm>
-          <a:prstGeom prst="straightConnector1">
-            <a:avLst/>
-          </a:prstGeom>
-          <a:noFill/>
-          <a:ln w="9525">
-            <a:solidFill>
-              <a:schemeClr val="tx1"/>
-            </a:solidFill>
-            <a:round/>
-            <a:headEnd/>
-            <a:tailEnd/>
-          </a:ln>
-        </p:spPr>
-      </p:cxnSp>
-      <p:cxnSp>
-        <p:nvCxnSpPr>
-          <p:cNvPr id="36" name="AutoShape 33">
-            <a:extLst>
-              <a:ext uri="{FF2B5EF4-FFF2-40B4-BE49-F238E27FC236}">
-                <a16:creationId xmlns:a16="http://schemas.microsoft.com/office/drawing/2014/main" id="{0C4F49BF-EA60-4992-8508-E06F4250EBD0}"/>
-              </a:ext>
-            </a:extLst>
-          </p:cNvPr>
-          <p:cNvCxnSpPr>
-            <a:cxnSpLocks noChangeShapeType="1"/>
-            <a:stCxn id="29" idx="0"/>
-            <a:endCxn id="27" idx="2"/>
-          </p:cNvCxnSpPr>
-          <p:nvPr/>
-        </p:nvCxnSpPr>
-        <p:spPr bwMode="auto">
-          <a:xfrm flipH="1" flipV="1">
-            <a:off x="1576388" y="4506913"/>
-            <a:ext cx="1676400" cy="228600"/>
-          </a:xfrm>
-          <a:prstGeom prst="straightConnector1">
-            <a:avLst/>
-          </a:prstGeom>
-          <a:noFill/>
-          <a:ln w="9525">
-            <a:solidFill>
-              <a:schemeClr val="tx1"/>
-            </a:solidFill>
-            <a:round/>
-            <a:headEnd/>
-            <a:tailEnd/>
-          </a:ln>
-        </p:spPr>
-      </p:cxnSp>
-      <p:cxnSp>
-        <p:nvCxnSpPr>
-          <p:cNvPr id="37" name="AutoShape 34">
-            <a:extLst>
-              <a:ext uri="{FF2B5EF4-FFF2-40B4-BE49-F238E27FC236}">
-                <a16:creationId xmlns:a16="http://schemas.microsoft.com/office/drawing/2014/main" id="{F8E72C80-4EE8-4409-9B11-02546C15B0CE}"/>
-              </a:ext>
-            </a:extLst>
-          </p:cNvPr>
-          <p:cNvCxnSpPr>
-            <a:cxnSpLocks noChangeShapeType="1"/>
-            <a:stCxn id="48" idx="3"/>
-            <a:endCxn id="30" idx="1"/>
-          </p:cNvCxnSpPr>
-          <p:nvPr/>
-        </p:nvCxnSpPr>
-        <p:spPr bwMode="auto">
-          <a:xfrm flipV="1">
-            <a:off x="5310188" y="4087813"/>
-            <a:ext cx="457200" cy="228600"/>
-          </a:xfrm>
-          <a:prstGeom prst="straightConnector1">
-            <a:avLst/>
-          </a:prstGeom>
-          <a:noFill/>
-          <a:ln w="9525">
-            <a:solidFill>
-              <a:schemeClr val="tx1"/>
-            </a:solidFill>
-            <a:prstDash val="lgDash"/>
-            <a:round/>
-            <a:headEnd/>
-            <a:tailEnd/>
-          </a:ln>
-        </p:spPr>
-      </p:cxnSp>
-      <p:sp>
-        <p:nvSpPr>
-          <p:cNvPr id="38" name="Rectangle 35">
-            <a:extLst>
-              <a:ext uri="{FF2B5EF4-FFF2-40B4-BE49-F238E27FC236}">
-                <a16:creationId xmlns:a16="http://schemas.microsoft.com/office/drawing/2014/main" id="{DA8AF80E-A96B-4FD7-8AC8-B48C673C13DF}"/>
-              </a:ext>
-            </a:extLst>
-          </p:cNvPr>
-          <p:cNvSpPr>
-            <a:spLocks noChangeArrowheads="1"/>
-          </p:cNvSpPr>
-          <p:nvPr/>
-        </p:nvSpPr>
-        <p:spPr bwMode="auto">
-          <a:xfrm>
-            <a:off x="4548188" y="3135313"/>
-            <a:ext cx="762000" cy="381000"/>
-          </a:xfrm>
-          <a:prstGeom prst="rect">
-            <a:avLst/>
-          </a:prstGeom>
-          <a:solidFill>
-            <a:schemeClr val="accent1"/>
-          </a:solidFill>
-          <a:ln w="9525">
-            <a:solidFill>
-              <a:schemeClr val="tx1"/>
-            </a:solidFill>
-            <a:miter lim="800000"/>
-            <a:headEnd/>
-            <a:tailEnd/>
-          </a:ln>
-        </p:spPr>
-        <p:txBody>
-          <a:bodyPr wrap="none" anchor="ctr"/>
-          <a:lstStyle/>
-          <a:p>
-            <a:pPr algn="ctr"/>
-            <a:r>
-              <a:rPr lang="en-US" altLang="ko-KR" sz="1600">
-                <a:latin typeface="Noto Sans CJK KR Regular" panose="020B0500000000000000" pitchFamily="34" charset="-127"/>
-                <a:ea typeface="Noto Sans CJK KR Regular" panose="020B0500000000000000" pitchFamily="34" charset="-127"/>
-              </a:rPr>
-              <a:t>html</a:t>
-            </a:r>
-          </a:p>
-        </p:txBody>
-      </p:sp>
-      <p:sp>
-        <p:nvSpPr>
-          <p:cNvPr id="39" name="Rectangle 36">
-            <a:extLst>
-              <a:ext uri="{FF2B5EF4-FFF2-40B4-BE49-F238E27FC236}">
-                <a16:creationId xmlns:a16="http://schemas.microsoft.com/office/drawing/2014/main" id="{364DEA2B-370D-47CE-8394-0F10FB76A2CD}"/>
-              </a:ext>
-            </a:extLst>
-          </p:cNvPr>
-          <p:cNvSpPr>
-            <a:spLocks noChangeArrowheads="1"/>
-          </p:cNvSpPr>
-          <p:nvPr/>
-        </p:nvSpPr>
-        <p:spPr bwMode="auto">
-          <a:xfrm>
-            <a:off x="4548188" y="3592513"/>
-            <a:ext cx="762000" cy="381000"/>
-          </a:xfrm>
-          <a:prstGeom prst="rect">
-            <a:avLst/>
-          </a:prstGeom>
-          <a:solidFill>
-            <a:schemeClr val="accent1"/>
-          </a:solidFill>
-          <a:ln w="9525">
-            <a:solidFill>
-              <a:schemeClr val="tx1"/>
-            </a:solidFill>
-            <a:miter lim="800000"/>
-            <a:headEnd/>
-            <a:tailEnd/>
-          </a:ln>
-        </p:spPr>
-        <p:txBody>
-          <a:bodyPr wrap="none" anchor="ctr"/>
-          <a:lstStyle/>
-          <a:p>
-            <a:pPr algn="ctr"/>
-            <a:r>
-              <a:rPr lang="en-US" altLang="ko-KR" sz="1600">
-                <a:latin typeface="Noto Sans CJK KR Regular" panose="020B0500000000000000" pitchFamily="34" charset="-127"/>
-                <a:ea typeface="Noto Sans CJK KR Regular" panose="020B0500000000000000" pitchFamily="34" charset="-127"/>
-              </a:rPr>
-              <a:t>body</a:t>
-            </a:r>
-          </a:p>
-        </p:txBody>
-      </p:sp>
-      <p:cxnSp>
-        <p:nvCxnSpPr>
-          <p:cNvPr id="40" name="AutoShape 37">
-            <a:extLst>
-              <a:ext uri="{FF2B5EF4-FFF2-40B4-BE49-F238E27FC236}">
-                <a16:creationId xmlns:a16="http://schemas.microsoft.com/office/drawing/2014/main" id="{AC42A69D-D317-4B4E-B478-82A0AA5BB5EA}"/>
-              </a:ext>
-            </a:extLst>
-          </p:cNvPr>
-          <p:cNvCxnSpPr>
-            <a:cxnSpLocks noChangeShapeType="1"/>
-            <a:stCxn id="38" idx="2"/>
-            <a:endCxn id="39" idx="0"/>
-          </p:cNvCxnSpPr>
-          <p:nvPr/>
-        </p:nvCxnSpPr>
-        <p:spPr bwMode="auto">
-          <a:xfrm>
-            <a:off x="4929188" y="3516313"/>
-            <a:ext cx="0" cy="76200"/>
-          </a:xfrm>
-          <a:prstGeom prst="straightConnector1">
-            <a:avLst/>
-          </a:prstGeom>
-          <a:noFill/>
-          <a:ln w="9525">
-            <a:solidFill>
-              <a:schemeClr val="tx1"/>
-            </a:solidFill>
-            <a:round/>
-            <a:headEnd/>
-            <a:tailEnd/>
-          </a:ln>
-        </p:spPr>
-      </p:cxnSp>
-      <p:cxnSp>
-        <p:nvCxnSpPr>
-          <p:cNvPr id="41" name="AutoShape 38">
-            <a:extLst>
-              <a:ext uri="{FF2B5EF4-FFF2-40B4-BE49-F238E27FC236}">
-                <a16:creationId xmlns:a16="http://schemas.microsoft.com/office/drawing/2014/main" id="{60091309-286E-480F-B7DC-7D84BF393B4F}"/>
-              </a:ext>
-            </a:extLst>
-          </p:cNvPr>
-          <p:cNvCxnSpPr>
-            <a:cxnSpLocks noChangeShapeType="1"/>
-            <a:stCxn id="48" idx="0"/>
-            <a:endCxn id="39" idx="2"/>
-          </p:cNvCxnSpPr>
-          <p:nvPr/>
-        </p:nvCxnSpPr>
-        <p:spPr bwMode="auto">
-          <a:xfrm flipV="1">
-            <a:off x="4929188" y="3973513"/>
-            <a:ext cx="0" cy="152400"/>
-          </a:xfrm>
-          <a:prstGeom prst="straightConnector1">
-            <a:avLst/>
-          </a:prstGeom>
-          <a:noFill/>
-          <a:ln w="9525">
-            <a:solidFill>
-              <a:schemeClr val="tx1"/>
-            </a:solidFill>
-            <a:round/>
-            <a:headEnd/>
-            <a:tailEnd/>
-          </a:ln>
-        </p:spPr>
-      </p:cxnSp>
-      <p:sp>
-        <p:nvSpPr>
-          <p:cNvPr id="42" name="Rectangle 39">
-            <a:extLst>
-              <a:ext uri="{FF2B5EF4-FFF2-40B4-BE49-F238E27FC236}">
-                <a16:creationId xmlns:a16="http://schemas.microsoft.com/office/drawing/2014/main" id="{4ABD5D92-9A8C-4736-8653-C3704830FDDA}"/>
-              </a:ext>
-            </a:extLst>
-          </p:cNvPr>
-          <p:cNvSpPr>
-            <a:spLocks noChangeArrowheads="1"/>
-          </p:cNvSpPr>
-          <p:nvPr/>
-        </p:nvSpPr>
-        <p:spPr bwMode="auto">
-          <a:xfrm>
-            <a:off x="4395788" y="2982913"/>
-            <a:ext cx="3581400" cy="2743200"/>
-          </a:xfrm>
-          <a:prstGeom prst="rect">
-            <a:avLst/>
-          </a:prstGeom>
-          <a:noFill/>
-          <a:ln w="9525">
-            <a:solidFill>
-              <a:schemeClr val="tx1"/>
-            </a:solidFill>
-            <a:miter lim="800000"/>
-            <a:headEnd/>
-            <a:tailEnd/>
-          </a:ln>
-        </p:spPr>
-        <p:txBody>
-          <a:bodyPr wrap="none" anchor="ctr"/>
-          <a:lstStyle/>
-          <a:p>
-            <a:pPr algn="ctr"/>
-            <a:endParaRPr lang="ko-KR" altLang="en-US">
-              <a:latin typeface="Noto Sans CJK KR Regular" panose="020B0500000000000000" pitchFamily="34" charset="-127"/>
-              <a:ea typeface="Noto Sans CJK KR Regular" panose="020B0500000000000000" pitchFamily="34" charset="-127"/>
-            </a:endParaRPr>
-          </a:p>
-        </p:txBody>
-      </p:sp>
-      <p:sp>
-        <p:nvSpPr>
-          <p:cNvPr id="43" name="Text Box 40">
-            <a:extLst>
-              <a:ext uri="{FF2B5EF4-FFF2-40B4-BE49-F238E27FC236}">
-                <a16:creationId xmlns:a16="http://schemas.microsoft.com/office/drawing/2014/main" id="{83CEC993-4932-49C4-8FDB-7C28E037D65D}"/>
-              </a:ext>
-            </a:extLst>
-          </p:cNvPr>
-          <p:cNvSpPr txBox="1">
-            <a:spLocks noChangeArrowheads="1"/>
-          </p:cNvSpPr>
-          <p:nvPr/>
-        </p:nvSpPr>
-        <p:spPr bwMode="auto">
-          <a:xfrm>
-            <a:off x="6132513" y="3005138"/>
-            <a:ext cx="1343638" cy="369332"/>
-          </a:xfrm>
-          <a:prstGeom prst="rect">
-            <a:avLst/>
-          </a:prstGeom>
-          <a:noFill/>
-          <a:ln w="9525">
-            <a:noFill/>
-            <a:miter lim="800000"/>
-            <a:headEnd/>
-            <a:tailEnd/>
-          </a:ln>
-        </p:spPr>
-        <p:txBody>
-          <a:bodyPr wrap="none">
-            <a:spAutoFit/>
-          </a:bodyPr>
-          <a:lstStyle/>
-          <a:p>
-            <a:r>
-              <a:rPr lang="en-US" altLang="ko-KR">
-                <a:latin typeface="Noto Sans CJK KR Regular" panose="020B0500000000000000" pitchFamily="34" charset="-127"/>
-                <a:ea typeface="Noto Sans CJK KR Regular" panose="020B0500000000000000" pitchFamily="34" charset="-127"/>
-              </a:rPr>
-              <a:t>document</a:t>
-            </a:r>
-          </a:p>
-        </p:txBody>
-      </p:sp>
-      <p:sp>
-        <p:nvSpPr>
-          <p:cNvPr id="44" name="Rectangle 41">
-            <a:extLst>
-              <a:ext uri="{FF2B5EF4-FFF2-40B4-BE49-F238E27FC236}">
-                <a16:creationId xmlns:a16="http://schemas.microsoft.com/office/drawing/2014/main" id="{BAFAD75E-FCAF-47B3-B050-381B2652FE61}"/>
-              </a:ext>
-            </a:extLst>
-          </p:cNvPr>
-          <p:cNvSpPr>
-            <a:spLocks noChangeArrowheads="1"/>
-          </p:cNvSpPr>
-          <p:nvPr/>
-        </p:nvSpPr>
-        <p:spPr bwMode="auto">
-          <a:xfrm>
-            <a:off x="4548188" y="4735513"/>
-            <a:ext cx="762000" cy="381000"/>
-          </a:xfrm>
-          <a:prstGeom prst="rect">
-            <a:avLst/>
-          </a:prstGeom>
-          <a:solidFill>
-            <a:srgbClr val="CC99FF"/>
-          </a:solidFill>
-          <a:ln w="9525">
-            <a:solidFill>
-              <a:schemeClr val="tx1"/>
-            </a:solidFill>
-            <a:miter lim="800000"/>
-            <a:headEnd/>
-            <a:tailEnd/>
-          </a:ln>
-        </p:spPr>
-        <p:txBody>
-          <a:bodyPr wrap="none" anchor="ctr"/>
-          <a:lstStyle/>
-          <a:p>
-            <a:pPr algn="ctr"/>
-            <a:r>
-              <a:rPr lang="en-US" altLang="ko-KR" sz="1600">
-                <a:latin typeface="Noto Sans CJK KR Regular" panose="020B0500000000000000" pitchFamily="34" charset="-127"/>
-                <a:ea typeface="Noto Sans CJK KR Regular" panose="020B0500000000000000" pitchFamily="34" charset="-127"/>
-              </a:rPr>
-              <a:t>li</a:t>
-            </a:r>
-          </a:p>
-        </p:txBody>
-      </p:sp>
-      <p:sp>
-        <p:nvSpPr>
-          <p:cNvPr id="45" name="Rectangle 42">
-            <a:extLst>
-              <a:ext uri="{FF2B5EF4-FFF2-40B4-BE49-F238E27FC236}">
-                <a16:creationId xmlns:a16="http://schemas.microsoft.com/office/drawing/2014/main" id="{3D8EED75-F248-4B47-BDE0-37502951212A}"/>
-              </a:ext>
-            </a:extLst>
-          </p:cNvPr>
-          <p:cNvSpPr>
-            <a:spLocks noChangeArrowheads="1"/>
-          </p:cNvSpPr>
-          <p:nvPr/>
-        </p:nvSpPr>
-        <p:spPr bwMode="auto">
-          <a:xfrm>
-            <a:off x="4548188" y="5268913"/>
-            <a:ext cx="762000" cy="381000"/>
-          </a:xfrm>
-          <a:prstGeom prst="rect">
-            <a:avLst/>
-          </a:prstGeom>
-          <a:solidFill>
-            <a:srgbClr val="FFFFFF"/>
-          </a:solidFill>
-          <a:ln w="9525">
-            <a:solidFill>
-              <a:schemeClr val="tx1"/>
-            </a:solidFill>
-            <a:miter lim="800000"/>
-            <a:headEnd/>
-            <a:tailEnd/>
-          </a:ln>
-        </p:spPr>
-        <p:txBody>
-          <a:bodyPr wrap="none" anchor="ctr"/>
-          <a:lstStyle/>
-          <a:p>
-            <a:pPr algn="ctr"/>
-            <a:r>
-              <a:rPr lang="ko-KR" altLang="en-US" sz="1600">
-                <a:latin typeface="Noto Sans CJK KR Regular" panose="020B0500000000000000" pitchFamily="34" charset="-127"/>
-                <a:ea typeface="Noto Sans CJK KR Regular" panose="020B0500000000000000" pitchFamily="34" charset="-127"/>
-              </a:rPr>
-              <a:t>우유</a:t>
-            </a:r>
-          </a:p>
-        </p:txBody>
-      </p:sp>
-      <p:cxnSp>
-        <p:nvCxnSpPr>
-          <p:cNvPr id="46" name="AutoShape 43">
-            <a:extLst>
-              <a:ext uri="{FF2B5EF4-FFF2-40B4-BE49-F238E27FC236}">
-                <a16:creationId xmlns:a16="http://schemas.microsoft.com/office/drawing/2014/main" id="{AA82F381-746B-463C-9F2A-0C8AFECA2472}"/>
-              </a:ext>
-            </a:extLst>
-          </p:cNvPr>
-          <p:cNvCxnSpPr>
-            <a:cxnSpLocks noChangeShapeType="1"/>
-            <a:stCxn id="45" idx="0"/>
-            <a:endCxn id="44" idx="2"/>
-          </p:cNvCxnSpPr>
-          <p:nvPr/>
-        </p:nvCxnSpPr>
-        <p:spPr bwMode="auto">
-          <a:xfrm flipV="1">
-            <a:off x="4929188" y="5116513"/>
-            <a:ext cx="0" cy="152400"/>
-          </a:xfrm>
-          <a:prstGeom prst="straightConnector1">
-            <a:avLst/>
-          </a:prstGeom>
-          <a:noFill/>
-          <a:ln w="9525">
-            <a:solidFill>
-              <a:schemeClr val="tx1"/>
-            </a:solidFill>
-            <a:round/>
-            <a:headEnd/>
-            <a:tailEnd/>
-          </a:ln>
-        </p:spPr>
-      </p:cxnSp>
-      <p:cxnSp>
-        <p:nvCxnSpPr>
-          <p:cNvPr id="47" name="AutoShape 44">
-            <a:extLst>
-              <a:ext uri="{FF2B5EF4-FFF2-40B4-BE49-F238E27FC236}">
-                <a16:creationId xmlns:a16="http://schemas.microsoft.com/office/drawing/2014/main" id="{DE179339-9B27-4706-8717-87E5F363DACA}"/>
-              </a:ext>
-            </a:extLst>
-          </p:cNvPr>
-          <p:cNvCxnSpPr>
-            <a:cxnSpLocks noChangeShapeType="1"/>
-            <a:stCxn id="48" idx="2"/>
-            <a:endCxn id="44" idx="0"/>
-          </p:cNvCxnSpPr>
-          <p:nvPr/>
-        </p:nvCxnSpPr>
-        <p:spPr bwMode="auto">
-          <a:xfrm rot="5400000">
-            <a:off x="4814888" y="4621212"/>
-            <a:ext cx="228600" cy="3175"/>
-          </a:xfrm>
-          <a:prstGeom prst="straightConnector1">
-            <a:avLst/>
-          </a:prstGeom>
-          <a:noFill/>
-          <a:ln w="9525">
-            <a:solidFill>
-              <a:schemeClr val="tx1"/>
-            </a:solidFill>
-            <a:round/>
-            <a:headEnd/>
-            <a:tailEnd/>
-          </a:ln>
-        </p:spPr>
-      </p:cxnSp>
-      <p:sp>
-        <p:nvSpPr>
-          <p:cNvPr id="48" name="Rectangle 45">
-            <a:extLst>
-              <a:ext uri="{FF2B5EF4-FFF2-40B4-BE49-F238E27FC236}">
-                <a16:creationId xmlns:a16="http://schemas.microsoft.com/office/drawing/2014/main" id="{8C03104C-E54F-4A69-A5D8-4F1B5158BBFA}"/>
-              </a:ext>
-            </a:extLst>
-          </p:cNvPr>
-          <p:cNvSpPr>
-            <a:spLocks noChangeArrowheads="1"/>
-          </p:cNvSpPr>
-          <p:nvPr/>
-        </p:nvSpPr>
-        <p:spPr bwMode="auto">
-          <a:xfrm>
-            <a:off x="4548188" y="4125913"/>
-            <a:ext cx="762000" cy="381000"/>
-          </a:xfrm>
-          <a:prstGeom prst="rect">
-            <a:avLst/>
-          </a:prstGeom>
-          <a:solidFill>
-            <a:schemeClr val="accent1"/>
-          </a:solidFill>
-          <a:ln w="9525">
-            <a:solidFill>
-              <a:schemeClr val="tx1"/>
-            </a:solidFill>
-            <a:miter lim="800000"/>
-            <a:headEnd/>
-            <a:tailEnd/>
-          </a:ln>
-        </p:spPr>
-        <p:txBody>
-          <a:bodyPr wrap="none" anchor="ctr"/>
-          <a:lstStyle/>
-          <a:p>
-            <a:pPr algn="ctr"/>
-            <a:r>
-              <a:rPr lang="en-US" altLang="ko-KR" sz="1600">
-                <a:latin typeface="Noto Sans CJK KR Regular" panose="020B0500000000000000" pitchFamily="34" charset="-127"/>
-                <a:ea typeface="Noto Sans CJK KR Regular" panose="020B0500000000000000" pitchFamily="34" charset="-127"/>
-              </a:rPr>
-              <a:t>ul</a:t>
-            </a:r>
-          </a:p>
-        </p:txBody>
-      </p:sp>
-      <p:sp>
-        <p:nvSpPr>
-          <p:cNvPr id="49" name="Rectangle 46">
-            <a:extLst>
-              <a:ext uri="{FF2B5EF4-FFF2-40B4-BE49-F238E27FC236}">
-                <a16:creationId xmlns:a16="http://schemas.microsoft.com/office/drawing/2014/main" id="{8FEB3475-5223-4D97-94EB-B30B97681E45}"/>
-              </a:ext>
-            </a:extLst>
-          </p:cNvPr>
-          <p:cNvSpPr>
-            <a:spLocks noChangeArrowheads="1"/>
-          </p:cNvSpPr>
-          <p:nvPr/>
-        </p:nvSpPr>
-        <p:spPr bwMode="auto">
-          <a:xfrm>
-            <a:off x="5386388" y="4735513"/>
-            <a:ext cx="762000" cy="381000"/>
-          </a:xfrm>
-          <a:prstGeom prst="rect">
-            <a:avLst/>
-          </a:prstGeom>
-          <a:solidFill>
-            <a:srgbClr val="FFFF99"/>
-          </a:solidFill>
-          <a:ln w="9525">
-            <a:solidFill>
-              <a:schemeClr val="tx1"/>
-            </a:solidFill>
-            <a:miter lim="800000"/>
-            <a:headEnd/>
-            <a:tailEnd/>
-          </a:ln>
-        </p:spPr>
-        <p:txBody>
-          <a:bodyPr wrap="none" anchor="ctr"/>
-          <a:lstStyle/>
-          <a:p>
-            <a:pPr algn="ctr"/>
-            <a:r>
-              <a:rPr lang="en-US" altLang="ko-KR" sz="1600">
-                <a:latin typeface="Noto Sans CJK KR Regular" panose="020B0500000000000000" pitchFamily="34" charset="-127"/>
-                <a:ea typeface="Noto Sans CJK KR Regular" panose="020B0500000000000000" pitchFamily="34" charset="-127"/>
-              </a:rPr>
-              <a:t>li</a:t>
-            </a:r>
-          </a:p>
-        </p:txBody>
-      </p:sp>
-      <p:sp>
-        <p:nvSpPr>
-          <p:cNvPr id="50" name="Rectangle 47">
-            <a:extLst>
-              <a:ext uri="{FF2B5EF4-FFF2-40B4-BE49-F238E27FC236}">
-                <a16:creationId xmlns:a16="http://schemas.microsoft.com/office/drawing/2014/main" id="{B3706DCF-ABBE-4FA5-A1CC-FB4D6F215C8C}"/>
-              </a:ext>
-            </a:extLst>
-          </p:cNvPr>
-          <p:cNvSpPr>
-            <a:spLocks noChangeArrowheads="1"/>
-          </p:cNvSpPr>
-          <p:nvPr/>
-        </p:nvSpPr>
-        <p:spPr bwMode="auto">
-          <a:xfrm>
-            <a:off x="5386388" y="5268913"/>
-            <a:ext cx="762000" cy="381000"/>
-          </a:xfrm>
-          <a:prstGeom prst="rect">
-            <a:avLst/>
-          </a:prstGeom>
-          <a:solidFill>
-            <a:srgbClr val="FFFFFF"/>
-          </a:solidFill>
-          <a:ln w="9525">
-            <a:solidFill>
-              <a:schemeClr val="tx1"/>
-            </a:solidFill>
-            <a:miter lim="800000"/>
-            <a:headEnd/>
-            <a:tailEnd/>
-          </a:ln>
-        </p:spPr>
-        <p:txBody>
-          <a:bodyPr wrap="none" anchor="ctr"/>
-          <a:lstStyle/>
-          <a:p>
-            <a:pPr algn="ctr"/>
-            <a:r>
-              <a:rPr lang="ko-KR" altLang="en-US" sz="1600">
-                <a:latin typeface="Noto Sans CJK KR Regular" panose="020B0500000000000000" pitchFamily="34" charset="-127"/>
-                <a:ea typeface="Noto Sans CJK KR Regular" panose="020B0500000000000000" pitchFamily="34" charset="-127"/>
-              </a:rPr>
-              <a:t>두부</a:t>
-            </a:r>
-          </a:p>
-        </p:txBody>
-      </p:sp>
-      <p:cxnSp>
-        <p:nvCxnSpPr>
-          <p:cNvPr id="51" name="AutoShape 48">
-            <a:extLst>
-              <a:ext uri="{FF2B5EF4-FFF2-40B4-BE49-F238E27FC236}">
-                <a16:creationId xmlns:a16="http://schemas.microsoft.com/office/drawing/2014/main" id="{EFC4527C-479B-4D1B-8618-49215B3C72FD}"/>
-              </a:ext>
-            </a:extLst>
-          </p:cNvPr>
-          <p:cNvCxnSpPr>
-            <a:cxnSpLocks noChangeShapeType="1"/>
-            <a:stCxn id="49" idx="2"/>
-            <a:endCxn id="50" idx="0"/>
-          </p:cNvCxnSpPr>
-          <p:nvPr/>
-        </p:nvCxnSpPr>
-        <p:spPr bwMode="auto">
-          <a:xfrm>
-            <a:off x="5767388" y="5116513"/>
-            <a:ext cx="0" cy="152400"/>
-          </a:xfrm>
-          <a:prstGeom prst="straightConnector1">
-            <a:avLst/>
-          </a:prstGeom>
-          <a:noFill/>
-          <a:ln w="9525">
-            <a:solidFill>
-              <a:schemeClr val="tx1"/>
-            </a:solidFill>
-            <a:round/>
-            <a:headEnd/>
-            <a:tailEnd/>
-          </a:ln>
-        </p:spPr>
-      </p:cxnSp>
-      <p:cxnSp>
-        <p:nvCxnSpPr>
-          <p:cNvPr id="52" name="AutoShape 49">
-            <a:extLst>
-              <a:ext uri="{FF2B5EF4-FFF2-40B4-BE49-F238E27FC236}">
-                <a16:creationId xmlns:a16="http://schemas.microsoft.com/office/drawing/2014/main" id="{4A9AA237-4C14-482E-A1A2-E9E245119D2E}"/>
-              </a:ext>
-            </a:extLst>
-          </p:cNvPr>
-          <p:cNvCxnSpPr>
-            <a:cxnSpLocks noChangeShapeType="1"/>
-            <a:stCxn id="48" idx="2"/>
-            <a:endCxn id="49" idx="0"/>
-          </p:cNvCxnSpPr>
-          <p:nvPr/>
-        </p:nvCxnSpPr>
-        <p:spPr bwMode="auto">
-          <a:xfrm rot="16200000" flipH="1">
-            <a:off x="5233988" y="4202113"/>
-            <a:ext cx="228600" cy="838200"/>
-          </a:xfrm>
-          <a:prstGeom prst="straightConnector1">
-            <a:avLst/>
-          </a:prstGeom>
-          <a:noFill/>
-          <a:ln w="9525">
-            <a:solidFill>
-              <a:schemeClr val="tx1"/>
-            </a:solidFill>
-            <a:round/>
-            <a:headEnd/>
-            <a:tailEnd/>
-          </a:ln>
-        </p:spPr>
-      </p:cxnSp>
-      <p:sp>
-        <p:nvSpPr>
-          <p:cNvPr id="53" name="Rectangle 50">
-            <a:extLst>
-              <a:ext uri="{FF2B5EF4-FFF2-40B4-BE49-F238E27FC236}">
-                <a16:creationId xmlns:a16="http://schemas.microsoft.com/office/drawing/2014/main" id="{2F43BB03-F0D1-497A-9B50-3C8779DDFEBC}"/>
-              </a:ext>
-            </a:extLst>
-          </p:cNvPr>
-          <p:cNvSpPr>
-            <a:spLocks noChangeArrowheads="1"/>
-          </p:cNvSpPr>
-          <p:nvPr/>
-        </p:nvSpPr>
-        <p:spPr bwMode="auto">
-          <a:xfrm>
-            <a:off x="7062788" y="4735513"/>
-            <a:ext cx="762000" cy="381000"/>
-          </a:xfrm>
-          <a:prstGeom prst="rect">
-            <a:avLst/>
-          </a:prstGeom>
-          <a:solidFill>
-            <a:srgbClr val="C0C0C0"/>
-          </a:solidFill>
-          <a:ln w="9525">
-            <a:solidFill>
-              <a:schemeClr val="tx1"/>
-            </a:solidFill>
-            <a:miter lim="800000"/>
-            <a:headEnd/>
-            <a:tailEnd/>
-          </a:ln>
-        </p:spPr>
-        <p:txBody>
-          <a:bodyPr wrap="none" anchor="ctr"/>
-          <a:lstStyle/>
-          <a:p>
-            <a:pPr algn="ctr"/>
-            <a:r>
-              <a:rPr lang="en-US" altLang="ko-KR" sz="1600">
-                <a:latin typeface="Noto Sans CJK KR Regular" panose="020B0500000000000000" pitchFamily="34" charset="-127"/>
-                <a:ea typeface="Noto Sans CJK KR Regular" panose="020B0500000000000000" pitchFamily="34" charset="-127"/>
-              </a:rPr>
-              <a:t>li</a:t>
-            </a:r>
-          </a:p>
-        </p:txBody>
-      </p:sp>
-      <p:sp>
-        <p:nvSpPr>
-          <p:cNvPr id="54" name="Rectangle 51">
-            <a:extLst>
-              <a:ext uri="{FF2B5EF4-FFF2-40B4-BE49-F238E27FC236}">
-                <a16:creationId xmlns:a16="http://schemas.microsoft.com/office/drawing/2014/main" id="{CDA8941B-4D2C-4E9C-B2AF-DFCB0B0A8219}"/>
-              </a:ext>
-            </a:extLst>
-          </p:cNvPr>
-          <p:cNvSpPr>
-            <a:spLocks noChangeArrowheads="1"/>
-          </p:cNvSpPr>
-          <p:nvPr/>
-        </p:nvSpPr>
-        <p:spPr bwMode="auto">
-          <a:xfrm>
-            <a:off x="7062788" y="5268913"/>
-            <a:ext cx="762000" cy="381000"/>
-          </a:xfrm>
-          <a:prstGeom prst="rect">
-            <a:avLst/>
-          </a:prstGeom>
-          <a:solidFill>
-            <a:srgbClr val="FFFFFF"/>
-          </a:solidFill>
-          <a:ln w="9525">
-            <a:solidFill>
-              <a:schemeClr val="tx1"/>
-            </a:solidFill>
-            <a:miter lim="800000"/>
-            <a:headEnd/>
-            <a:tailEnd/>
-          </a:ln>
-        </p:spPr>
-        <p:txBody>
-          <a:bodyPr wrap="none" anchor="ctr"/>
-          <a:lstStyle/>
-          <a:p>
-            <a:pPr algn="ctr"/>
-            <a:r>
-              <a:rPr lang="ko-KR" altLang="en-US" sz="1600">
-                <a:latin typeface="Noto Sans CJK KR Regular" panose="020B0500000000000000" pitchFamily="34" charset="-127"/>
-                <a:ea typeface="Noto Sans CJK KR Regular" panose="020B0500000000000000" pitchFamily="34" charset="-127"/>
-              </a:rPr>
-              <a:t>라면</a:t>
-            </a:r>
-          </a:p>
-        </p:txBody>
-      </p:sp>
-      <p:cxnSp>
-        <p:nvCxnSpPr>
-          <p:cNvPr id="55" name="AutoShape 52">
-            <a:extLst>
-              <a:ext uri="{FF2B5EF4-FFF2-40B4-BE49-F238E27FC236}">
-                <a16:creationId xmlns:a16="http://schemas.microsoft.com/office/drawing/2014/main" id="{28B94F00-7C1A-4783-849A-802C459B760C}"/>
-              </a:ext>
-            </a:extLst>
-          </p:cNvPr>
-          <p:cNvCxnSpPr>
-            <a:cxnSpLocks noChangeShapeType="1"/>
-            <a:stCxn id="53" idx="2"/>
-            <a:endCxn id="54" idx="0"/>
-          </p:cNvCxnSpPr>
-          <p:nvPr/>
-        </p:nvCxnSpPr>
-        <p:spPr bwMode="auto">
-          <a:xfrm>
-            <a:off x="7443788" y="5116513"/>
-            <a:ext cx="0" cy="152400"/>
-          </a:xfrm>
-          <a:prstGeom prst="straightConnector1">
-            <a:avLst/>
-          </a:prstGeom>
-          <a:noFill/>
-          <a:ln w="9525">
-            <a:solidFill>
-              <a:schemeClr val="tx1"/>
-            </a:solidFill>
-            <a:round/>
-            <a:headEnd/>
-            <a:tailEnd/>
-          </a:ln>
-        </p:spPr>
-      </p:cxnSp>
-      <p:cxnSp>
-        <p:nvCxnSpPr>
-          <p:cNvPr id="56" name="AutoShape 53">
-            <a:extLst>
-              <a:ext uri="{FF2B5EF4-FFF2-40B4-BE49-F238E27FC236}">
-                <a16:creationId xmlns:a16="http://schemas.microsoft.com/office/drawing/2014/main" id="{259D0D18-5388-46AF-A2D1-1B17C3FBF431}"/>
-              </a:ext>
-            </a:extLst>
-          </p:cNvPr>
-          <p:cNvCxnSpPr>
-            <a:cxnSpLocks noChangeShapeType="1"/>
-            <a:stCxn id="48" idx="2"/>
-            <a:endCxn id="53" idx="0"/>
-          </p:cNvCxnSpPr>
-          <p:nvPr/>
-        </p:nvCxnSpPr>
-        <p:spPr bwMode="auto">
-          <a:xfrm>
-            <a:off x="4929188" y="4506913"/>
-            <a:ext cx="2514600" cy="228600"/>
-          </a:xfrm>
-          <a:prstGeom prst="straightConnector1">
-            <a:avLst/>
-          </a:prstGeom>
-          <a:noFill/>
-          <a:ln w="9525">
-            <a:solidFill>
-              <a:schemeClr val="tx1"/>
-            </a:solidFill>
-            <a:round/>
-            <a:headEnd/>
-            <a:tailEnd/>
-          </a:ln>
-        </p:spPr>
-      </p:cxnSp>
-      <p:cxnSp>
-        <p:nvCxnSpPr>
-          <p:cNvPr id="57" name="직선 화살표 연결선 56">
-            <a:extLst>
-              <a:ext uri="{FF2B5EF4-FFF2-40B4-BE49-F238E27FC236}">
-                <a16:creationId xmlns:a16="http://schemas.microsoft.com/office/drawing/2014/main" id="{BFB375C6-6689-401F-A01D-28B403492E63}"/>
-              </a:ext>
-            </a:extLst>
-          </p:cNvPr>
-          <p:cNvCxnSpPr>
-            <a:cxnSpLocks noChangeShapeType="1"/>
-            <a:stCxn id="25" idx="3"/>
-            <a:endCxn id="42" idx="1"/>
-          </p:cNvCxnSpPr>
-          <p:nvPr/>
-        </p:nvCxnSpPr>
-        <p:spPr bwMode="auto">
-          <a:xfrm>
-            <a:off x="4090988" y="4354513"/>
-            <a:ext cx="304800" cy="1587"/>
-          </a:xfrm>
-          <a:prstGeom prst="straightConnector1">
-            <a:avLst/>
-          </a:prstGeom>
-          <a:noFill/>
-          <a:ln w="31750" algn="ctr">
-            <a:solidFill>
-              <a:schemeClr val="tx1"/>
-            </a:solidFill>
-            <a:round/>
-            <a:headEnd/>
-            <a:tailEnd type="arrow" w="med" len="med"/>
-          </a:ln>
-        </p:spPr>
-      </p:cxnSp>
-      <p:pic>
-        <p:nvPicPr>
-          <p:cNvPr id="58" name="그림 57" descr="코딩아이콘.png">
-            <a:extLst>
-              <a:ext uri="{FF2B5EF4-FFF2-40B4-BE49-F238E27FC236}">
-                <a16:creationId xmlns:a16="http://schemas.microsoft.com/office/drawing/2014/main" id="{E70B5E04-D094-43FE-92C9-6D18BD6E7901}"/>
-              </a:ext>
-            </a:extLst>
-          </p:cNvPr>
-          <p:cNvPicPr>
-            <a:picLocks noChangeAspect="1"/>
-          </p:cNvPicPr>
-          <p:nvPr/>
-        </p:nvPicPr>
-        <p:blipFill>
-          <a:blip r:embed="rId3" cstate="print"/>
-          <a:stretch>
-            <a:fillRect/>
-          </a:stretch>
-        </p:blipFill>
-        <p:spPr>
-          <a:xfrm flipH="1">
-            <a:off x="11062105" y="692696"/>
-            <a:ext cx="504056" cy="440660"/>
-          </a:xfrm>
-          <a:prstGeom prst="rect">
-            <a:avLst/>
-          </a:prstGeom>
-        </p:spPr>
-      </p:pic>
-      <p:sp>
-        <p:nvSpPr>
-          <p:cNvPr id="59" name="TextBox 58">
-            <a:extLst>
-              <a:ext uri="{FF2B5EF4-FFF2-40B4-BE49-F238E27FC236}">
-                <a16:creationId xmlns:a16="http://schemas.microsoft.com/office/drawing/2014/main" id="{38F3E018-06DF-44FF-A995-C3794657BFEF}"/>
-              </a:ext>
-            </a:extLst>
-          </p:cNvPr>
-          <p:cNvSpPr txBox="1"/>
-          <p:nvPr/>
-        </p:nvSpPr>
-        <p:spPr>
-          <a:xfrm>
-            <a:off x="7389697" y="764704"/>
-            <a:ext cx="3657003" cy="369332"/>
-          </a:xfrm>
-          <a:prstGeom prst="rect">
-            <a:avLst/>
-          </a:prstGeom>
-          <a:noFill/>
-        </p:spPr>
-        <p:txBody>
-          <a:bodyPr wrap="square" rtlCol="0">
-            <a:spAutoFit/>
-          </a:bodyPr>
-          <a:lstStyle/>
-          <a:p>
-            <a:pPr algn="r"/>
-            <a:r>
-              <a:rPr lang="en-US" altLang="ko-KR">
-                <a:solidFill>
-                  <a:schemeClr val="tx1">
-                    <a:lumMod val="65000"/>
-                    <a:lumOff val="35000"/>
-                  </a:schemeClr>
-                </a:solidFill>
-                <a:latin typeface="Noto Sans CJK KR Regular" panose="020B0500000000000000" pitchFamily="34" charset="-127"/>
-                <a:ea typeface="Noto Sans CJK KR Regular" panose="020B0500000000000000" pitchFamily="34" charset="-127"/>
-              </a:rPr>
-              <a:t>ex05-01.html</a:t>
-            </a:r>
-            <a:endParaRPr lang="ko-KR" altLang="en-US" dirty="0">
-              <a:solidFill>
-                <a:schemeClr val="tx1">
-                  <a:lumMod val="65000"/>
-                  <a:lumOff val="35000"/>
-                </a:schemeClr>
-              </a:solidFill>
-              <a:latin typeface="Noto Sans CJK KR Regular" panose="020B0500000000000000" pitchFamily="34" charset="-127"/>
-              <a:ea typeface="Noto Sans CJK KR Regular" panose="020B0500000000000000" pitchFamily="34" charset="-127"/>
-            </a:endParaRPr>
-          </a:p>
-        </p:txBody>
-      </p:sp>
-    </p:spTree>
-    <p:extLst>
-      <p:ext uri="{BB962C8B-B14F-4D97-AF65-F5344CB8AC3E}">
-        <p14:creationId xmlns:p14="http://schemas.microsoft.com/office/powerpoint/2010/main" val="2458271092"/>
-      </p:ext>
-    </p:extLst>
-  </p:cSld>
-  <p:clrMapOvr>
-    <a:masterClrMapping/>
-  </p:clrMapOvr>
-</p:sld>
-</file>
-
 <file path=ppt/slides/slide17.xml><?xml version="1.0" encoding="utf-8"?>
 <p:sld xmlns:a="http://schemas.openxmlformats.org/drawingml/2006/main" xmlns:r="http://schemas.openxmlformats.org/officeDocument/2006/relationships" xmlns:p="http://schemas.openxmlformats.org/presentationml/2006/main">
   <p:cSld>
@@ -21011,7 +18794,7 @@
                 <a:latin typeface="Noto Sans CJK KR DemiLight" panose="020B0400000000000000" pitchFamily="34" charset="-128"/>
                 <a:ea typeface="Noto Sans CJK KR DemiLight" panose="020B0400000000000000" pitchFamily="34" charset="-128"/>
               </a:rPr>
-              <a:t>  노드 삭제</a:t>
+              <a:t>  노드 삽입</a:t>
             </a:r>
             <a:endParaRPr kumimoji="1" lang="ko-KR" altLang="en-US" sz="1600" spc="-60" dirty="0">
               <a:solidFill>
@@ -21090,7 +18873,7 @@
           <p:cNvPr id="5" name="Text Box 15">
             <a:extLst>
               <a:ext uri="{FF2B5EF4-FFF2-40B4-BE49-F238E27FC236}">
-                <a16:creationId xmlns:a16="http://schemas.microsoft.com/office/drawing/2014/main" id="{C92A1410-6E6D-47DC-A391-0771D752DEA6}"/>
+                <a16:creationId xmlns:a16="http://schemas.microsoft.com/office/drawing/2014/main" id="{4F207672-20FE-4EAC-AC32-273384413525}"/>
               </a:ext>
             </a:extLst>
           </p:cNvPr>
@@ -21144,7 +18927,7 @@
                 <a:latin typeface="Noto Sans CJK KR Regular" panose="020B0500000000000000" pitchFamily="34" charset="-127"/>
                 <a:ea typeface="Noto Sans CJK KR Regular" panose="020B0500000000000000" pitchFamily="34" charset="-127"/>
               </a:rPr>
-              <a:t> 삭제</a:t>
+              <a:t> 삽입</a:t>
             </a:r>
             <a:endParaRPr lang="en-US" altLang="ko-KR" sz="2000" dirty="0">
               <a:latin typeface="Noto Sans CJK KR Regular" panose="020B0500000000000000" pitchFamily="34" charset="-127"/>
@@ -21182,7 +18965,7 @@
                 <a:latin typeface="Noto Sans CJK KR Regular" panose="020B0500000000000000" pitchFamily="34" charset="-127"/>
                 <a:ea typeface="Noto Sans CJK KR Regular" panose="020B0500000000000000" pitchFamily="34" charset="-127"/>
               </a:rPr>
-              <a:t>removeChild</a:t>
+              <a:t>insertBefore</a:t>
             </a:r>
             <a:r>
               <a:rPr lang="en-US" altLang="ko-KR" b="0" dirty="0">
@@ -21196,7 +18979,21 @@
                 <a:latin typeface="Noto Sans CJK KR Regular" panose="020B0500000000000000" pitchFamily="34" charset="-127"/>
                 <a:ea typeface="Noto Sans CJK KR Regular" panose="020B0500000000000000" pitchFamily="34" charset="-127"/>
               </a:rPr>
-              <a:t>childNode</a:t>
+              <a:t>newNode</a:t>
+            </a:r>
+            <a:r>
+              <a:rPr lang="en-US" altLang="ko-KR" b="0" dirty="0">
+                <a:latin typeface="Noto Sans CJK KR Regular" panose="020B0500000000000000" pitchFamily="34" charset="-127"/>
+                <a:ea typeface="Noto Sans CJK KR Regular" panose="020B0500000000000000" pitchFamily="34" charset="-127"/>
+              </a:rPr>
+              <a:t>, </a:t>
+            </a:r>
+            <a:r>
+              <a:rPr lang="en-US" altLang="ko-KR" b="0" dirty="0" err="1">
+                <a:latin typeface="Noto Sans CJK KR Regular" panose="020B0500000000000000" pitchFamily="34" charset="-127"/>
+                <a:ea typeface="Noto Sans CJK KR Regular" panose="020B0500000000000000" pitchFamily="34" charset="-127"/>
+              </a:rPr>
+              <a:t>targetNode</a:t>
             </a:r>
             <a:r>
               <a:rPr lang="en-US" altLang="ko-KR" b="0" dirty="0">
@@ -21237,7 +19034,7 @@
                 <a:latin typeface="Noto Sans CJK KR Regular" panose="020B0500000000000000" pitchFamily="34" charset="-127"/>
                 <a:ea typeface="Noto Sans CJK KR Regular" panose="020B0500000000000000" pitchFamily="34" charset="-127"/>
               </a:rPr>
-              <a:t>childNode</a:t>
+              <a:t>newNode</a:t>
             </a:r>
             <a:r>
               <a:rPr lang="en-US" altLang="ko-KR" b="0" dirty="0">
@@ -21247,23 +19044,26 @@
               <a:t>) </a:t>
             </a:r>
             <a:r>
+              <a:rPr lang="en-US" altLang="ko-KR" b="0" dirty="0" err="1">
+                <a:latin typeface="Noto Sans CJK KR Regular" panose="020B0500000000000000" pitchFamily="34" charset="-127"/>
+                <a:ea typeface="Noto Sans CJK KR Regular" panose="020B0500000000000000" pitchFamily="34" charset="-127"/>
+              </a:rPr>
+              <a:t>targetNode</a:t>
+            </a:r>
+            <a:r>
+              <a:rPr lang="en-US" altLang="ko-KR" b="0" dirty="0">
+                <a:latin typeface="Noto Sans CJK KR Regular" panose="020B0500000000000000" pitchFamily="34" charset="-127"/>
+                <a:ea typeface="Noto Sans CJK KR Regular" panose="020B0500000000000000" pitchFamily="34" charset="-127"/>
+              </a:rPr>
+              <a:t> </a:t>
+            </a:r>
+            <a:r>
               <a:rPr lang="ko-KR" altLang="en-US" b="0" dirty="0">
                 <a:latin typeface="Noto Sans CJK KR Regular" panose="020B0500000000000000" pitchFamily="34" charset="-127"/>
                 <a:ea typeface="Noto Sans CJK KR Regular" panose="020B0500000000000000" pitchFamily="34" charset="-127"/>
               </a:rPr>
-              <a:t>삭제한다</a:t>
-            </a:r>
-            <a:r>
-              <a:rPr lang="en-US" altLang="ko-KR" b="0" dirty="0">
-                <a:latin typeface="Noto Sans CJK KR Regular" panose="020B0500000000000000" pitchFamily="34" charset="-127"/>
-                <a:ea typeface="Noto Sans CJK KR Regular" panose="020B0500000000000000" pitchFamily="34" charset="-127"/>
-              </a:rPr>
-              <a:t>.</a:t>
-            </a:r>
-            <a:endParaRPr lang="ko-KR" altLang="en-US" b="0" dirty="0">
-              <a:latin typeface="Noto Sans CJK KR Regular" panose="020B0500000000000000" pitchFamily="34" charset="-127"/>
-              <a:ea typeface="Noto Sans CJK KR Regular" panose="020B0500000000000000" pitchFamily="34" charset="-127"/>
-            </a:endParaRPr>
+              <a:t>앞에 삽입</a:t>
+            </a:r>
           </a:p>
         </p:txBody>
       </p:sp>
@@ -21272,7 +19072,7 @@
           <p:cNvPr id="6" name="Text Box 4">
             <a:extLst>
               <a:ext uri="{FF2B5EF4-FFF2-40B4-BE49-F238E27FC236}">
-                <a16:creationId xmlns:a16="http://schemas.microsoft.com/office/drawing/2014/main" id="{BD3AED4F-D056-420D-9B2B-E708356DBA08}"/>
+                <a16:creationId xmlns:a16="http://schemas.microsoft.com/office/drawing/2014/main" id="{9017E5F1-8C70-47B3-B21B-AFA1BE3D6CD2}"/>
               </a:ext>
             </a:extLst>
           </p:cNvPr>
@@ -21283,7 +19083,7 @@
         </p:nvSpPr>
         <p:spPr bwMode="auto">
           <a:xfrm>
-            <a:off x="228600" y="1989138"/>
+            <a:off x="228600" y="2068513"/>
             <a:ext cx="8093075" cy="641350"/>
           </a:xfrm>
           <a:prstGeom prst="rect">
@@ -21323,7 +19123,28 @@
                 <a:latin typeface="Consolas" panose="020B0609020204030204" pitchFamily="49" charset="0"/>
                 <a:ea typeface="맑은 고딕" pitchFamily="50" charset="-127"/>
               </a:rPr>
-              <a:t> purchases = document.getElementById("purchases");</a:t>
+              <a:t> </a:t>
+            </a:r>
+            <a:r>
+              <a:rPr lang="en-US" altLang="ko-KR" dirty="0">
+                <a:latin typeface="Consolas" panose="020B0609020204030204" pitchFamily="49" charset="0"/>
+                <a:ea typeface="맑은 고딕" pitchFamily="50" charset="-127"/>
+              </a:rPr>
+              <a:t>purchases = </a:t>
+            </a:r>
+            <a:r>
+              <a:rPr lang="en-US" altLang="ko-KR" dirty="0" err="1">
+                <a:latin typeface="Consolas" panose="020B0609020204030204" pitchFamily="49" charset="0"/>
+                <a:ea typeface="맑은 고딕" pitchFamily="50" charset="-127"/>
+              </a:rPr>
+              <a:t>document.getElementById</a:t>
+            </a:r>
+            <a:r>
+              <a:rPr lang="en-US" altLang="ko-KR" dirty="0">
+                <a:latin typeface="Consolas" panose="020B0609020204030204" pitchFamily="49" charset="0"/>
+                <a:ea typeface="맑은 고딕" pitchFamily="50" charset="-127"/>
+              </a:rPr>
+              <a:t>("purchases");</a:t>
             </a:r>
           </a:p>
           <a:p>
@@ -21332,11 +19153,39 @@
               <a:buChar char="☞"/>
             </a:pPr>
             <a:r>
+              <a:rPr lang="en-US" altLang="ko-KR" dirty="0" err="1">
+                <a:latin typeface="Consolas" panose="020B0609020204030204" pitchFamily="49" charset="0"/>
+                <a:ea typeface="맑은 고딕" pitchFamily="50" charset="-127"/>
+              </a:rPr>
+              <a:t>purchases.insertBefore</a:t>
+            </a:r>
+            <a:r>
+              <a:rPr lang="en-US" altLang="ko-KR" dirty="0">
+                <a:latin typeface="Consolas" panose="020B0609020204030204" pitchFamily="49" charset="0"/>
+                <a:ea typeface="맑은 고딕" pitchFamily="50" charset="-127"/>
+              </a:rPr>
+              <a:t>(</a:t>
+            </a:r>
+            <a:r>
+              <a:rPr lang="en-US" altLang="ko-KR" dirty="0" err="1">
+                <a:latin typeface="Consolas" panose="020B0609020204030204" pitchFamily="49" charset="0"/>
+                <a:ea typeface="맑은 고딕" pitchFamily="50" charset="-127"/>
+              </a:rPr>
+              <a:t>newLiNode</a:t>
+            </a:r>
+            <a:r>
+              <a:rPr lang="en-US" altLang="ko-KR" dirty="0">
+                <a:latin typeface="Consolas" panose="020B0609020204030204" pitchFamily="49" charset="0"/>
+                <a:ea typeface="맑은 고딕" pitchFamily="50" charset="-127"/>
+              </a:rPr>
+              <a:t>, </a:t>
+            </a:r>
+            <a:r>
               <a:rPr lang="en-US" altLang="ko-KR">
                 <a:latin typeface="Consolas" panose="020B0609020204030204" pitchFamily="49" charset="0"/>
                 <a:ea typeface="맑은 고딕" pitchFamily="50" charset="-127"/>
               </a:rPr>
-              <a:t>purchases.removeChild(purchases.firstChild);</a:t>
+              <a:t>purchases.firstChild);</a:t>
             </a:r>
           </a:p>
         </p:txBody>
@@ -21346,7 +19195,7 @@
           <p:cNvPr id="7" name="Rectangle 5">
             <a:extLst>
               <a:ext uri="{FF2B5EF4-FFF2-40B4-BE49-F238E27FC236}">
-                <a16:creationId xmlns:a16="http://schemas.microsoft.com/office/drawing/2014/main" id="{C220F55B-8F32-4460-8C38-4F8070477937}"/>
+                <a16:creationId xmlns:a16="http://schemas.microsoft.com/office/drawing/2014/main" id="{9F6454EC-D51C-43CA-B916-D3DDEDF0D8DC}"/>
               </a:ext>
             </a:extLst>
           </p:cNvPr>
@@ -21357,7 +19206,140 @@
         </p:nvSpPr>
         <p:spPr bwMode="auto">
           <a:xfrm>
-            <a:off x="763588" y="4605338"/>
+            <a:off x="8153400" y="1989138"/>
+            <a:ext cx="762000" cy="381000"/>
+          </a:xfrm>
+          <a:prstGeom prst="rect">
+            <a:avLst/>
+          </a:prstGeom>
+          <a:solidFill>
+            <a:srgbClr val="CC99FF"/>
+          </a:solidFill>
+          <a:ln w="9525">
+            <a:solidFill>
+              <a:schemeClr val="tx1"/>
+            </a:solidFill>
+            <a:miter lim="800000"/>
+            <a:headEnd/>
+            <a:tailEnd/>
+          </a:ln>
+        </p:spPr>
+        <p:txBody>
+          <a:bodyPr wrap="none" anchor="ctr"/>
+          <a:lstStyle/>
+          <a:p>
+            <a:pPr algn="ctr"/>
+            <a:r>
+              <a:rPr lang="en-US" altLang="ko-KR" sz="1600">
+                <a:latin typeface="Noto Sans CJK KR Regular" panose="020B0500000000000000" pitchFamily="34" charset="-127"/>
+                <a:ea typeface="Noto Sans CJK KR Regular" panose="020B0500000000000000" pitchFamily="34" charset="-127"/>
+              </a:rPr>
+              <a:t>li</a:t>
+            </a:r>
+          </a:p>
+        </p:txBody>
+      </p:sp>
+      <p:sp>
+        <p:nvSpPr>
+          <p:cNvPr id="8" name="Rectangle 6">
+            <a:extLst>
+              <a:ext uri="{FF2B5EF4-FFF2-40B4-BE49-F238E27FC236}">
+                <a16:creationId xmlns:a16="http://schemas.microsoft.com/office/drawing/2014/main" id="{EFB74564-D6FC-4018-B8EE-97CBAA25D7C3}"/>
+              </a:ext>
+            </a:extLst>
+          </p:cNvPr>
+          <p:cNvSpPr>
+            <a:spLocks noChangeArrowheads="1"/>
+          </p:cNvSpPr>
+          <p:nvPr/>
+        </p:nvSpPr>
+        <p:spPr bwMode="auto">
+          <a:xfrm>
+            <a:off x="8153400" y="2522538"/>
+            <a:ext cx="762000" cy="381000"/>
+          </a:xfrm>
+          <a:prstGeom prst="rect">
+            <a:avLst/>
+          </a:prstGeom>
+          <a:solidFill>
+            <a:srgbClr val="FFFFFF"/>
+          </a:solidFill>
+          <a:ln w="9525">
+            <a:solidFill>
+              <a:schemeClr val="tx1"/>
+            </a:solidFill>
+            <a:miter lim="800000"/>
+            <a:headEnd/>
+            <a:tailEnd/>
+          </a:ln>
+        </p:spPr>
+        <p:txBody>
+          <a:bodyPr wrap="none" anchor="ctr"/>
+          <a:lstStyle/>
+          <a:p>
+            <a:pPr algn="ctr"/>
+            <a:r>
+              <a:rPr lang="ko-KR" altLang="en-US" sz="1600">
+                <a:latin typeface="Noto Sans CJK KR Regular" panose="020B0500000000000000" pitchFamily="34" charset="-127"/>
+                <a:ea typeface="Noto Sans CJK KR Regular" panose="020B0500000000000000" pitchFamily="34" charset="-127"/>
+              </a:rPr>
+              <a:t>우유</a:t>
+            </a:r>
+          </a:p>
+        </p:txBody>
+      </p:sp>
+      <p:cxnSp>
+        <p:nvCxnSpPr>
+          <p:cNvPr id="9" name="AutoShape 7">
+            <a:extLst>
+              <a:ext uri="{FF2B5EF4-FFF2-40B4-BE49-F238E27FC236}">
+                <a16:creationId xmlns:a16="http://schemas.microsoft.com/office/drawing/2014/main" id="{E9567AF6-B815-4BFF-9252-66370D054922}"/>
+              </a:ext>
+            </a:extLst>
+          </p:cNvPr>
+          <p:cNvCxnSpPr>
+            <a:cxnSpLocks noChangeShapeType="1"/>
+            <a:stCxn id="8" idx="0"/>
+            <a:endCxn id="7" idx="2"/>
+          </p:cNvCxnSpPr>
+          <p:nvPr/>
+        </p:nvCxnSpPr>
+        <p:spPr bwMode="auto">
+          <a:xfrm flipV="1">
+            <a:off x="8534400" y="2370138"/>
+            <a:ext cx="0" cy="152400"/>
+          </a:xfrm>
+          <a:prstGeom prst="straightConnector1">
+            <a:avLst/>
+          </a:prstGeom>
+          <a:noFill/>
+          <a:ln w="9525">
+            <a:solidFill>
+              <a:schemeClr val="tx1"/>
+            </a:solidFill>
+            <a:round/>
+            <a:headEnd/>
+            <a:tailEnd/>
+          </a:ln>
+        </p:spPr>
+      </p:cxnSp>
+      <p:sp>
+        <p:nvSpPr>
+          <p:cNvPr id="10" name="Rectangle 8">
+            <a:extLst>
+              <a:ext uri="{FF2B5EF4-FFF2-40B4-BE49-F238E27FC236}">
+                <a16:creationId xmlns:a16="http://schemas.microsoft.com/office/drawing/2014/main" id="{93650B4B-6EC3-49BB-8D80-1BDAE11C87AA}"/>
+              </a:ext>
+            </a:extLst>
+          </p:cNvPr>
+          <p:cNvSpPr>
+            <a:spLocks noChangeArrowheads="1"/>
+          </p:cNvSpPr>
+          <p:nvPr/>
+        </p:nvSpPr>
+        <p:spPr bwMode="auto">
+          <a:xfrm>
+            <a:off x="1195388" y="4735513"/>
             <a:ext cx="762000" cy="381000"/>
           </a:xfrm>
           <a:prstGeom prst="rect">
@@ -21392,10 +19374,10 @@
       </p:sp>
       <p:sp>
         <p:nvSpPr>
-          <p:cNvPr id="8" name="Rectangle 6">
-            <a:extLst>
-              <a:ext uri="{FF2B5EF4-FFF2-40B4-BE49-F238E27FC236}">
-                <a16:creationId xmlns:a16="http://schemas.microsoft.com/office/drawing/2014/main" id="{43E86AC2-339C-4244-9E35-B8550DB0A187}"/>
+          <p:cNvPr id="11" name="Rectangle 9">
+            <a:extLst>
+              <a:ext uri="{FF2B5EF4-FFF2-40B4-BE49-F238E27FC236}">
+                <a16:creationId xmlns:a16="http://schemas.microsoft.com/office/drawing/2014/main" id="{C9159BFD-6391-48AA-B7E6-03350C53EAE5}"/>
               </a:ext>
             </a:extLst>
           </p:cNvPr>
@@ -21406,7 +19388,7 @@
         </p:nvSpPr>
         <p:spPr bwMode="auto">
           <a:xfrm>
-            <a:off x="1601788" y="4605338"/>
+            <a:off x="2033588" y="4735513"/>
             <a:ext cx="762000" cy="381000"/>
           </a:xfrm>
           <a:prstGeom prst="rect">
@@ -21441,10 +19423,10 @@
       </p:sp>
       <p:sp>
         <p:nvSpPr>
-          <p:cNvPr id="9" name="Rectangle 7">
-            <a:extLst>
-              <a:ext uri="{FF2B5EF4-FFF2-40B4-BE49-F238E27FC236}">
-                <a16:creationId xmlns:a16="http://schemas.microsoft.com/office/drawing/2014/main" id="{62042858-ACD6-4090-AAE6-22942D017038}"/>
+          <p:cNvPr id="13" name="Rectangle 10">
+            <a:extLst>
+              <a:ext uri="{FF2B5EF4-FFF2-40B4-BE49-F238E27FC236}">
+                <a16:creationId xmlns:a16="http://schemas.microsoft.com/office/drawing/2014/main" id="{05F3746E-CD27-493A-901C-F4296EAC6952}"/>
               </a:ext>
             </a:extLst>
           </p:cNvPr>
@@ -21455,7 +19437,709 @@
         </p:nvSpPr>
         <p:spPr bwMode="auto">
           <a:xfrm>
-            <a:off x="3278188" y="4605338"/>
+            <a:off x="2414588" y="3897313"/>
+            <a:ext cx="1600200" cy="381000"/>
+          </a:xfrm>
+          <a:prstGeom prst="rect">
+            <a:avLst/>
+          </a:prstGeom>
+          <a:solidFill>
+            <a:srgbClr val="FFCCFF"/>
+          </a:solidFill>
+          <a:ln w="9525">
+            <a:solidFill>
+              <a:schemeClr val="tx1"/>
+            </a:solidFill>
+            <a:miter lim="800000"/>
+            <a:headEnd/>
+            <a:tailEnd/>
+          </a:ln>
+        </p:spPr>
+        <p:txBody>
+          <a:bodyPr wrap="none" anchor="ctr"/>
+          <a:lstStyle/>
+          <a:p>
+            <a:pPr algn="ctr"/>
+            <a:r>
+              <a:rPr lang="en-US" altLang="ko-KR" sz="1600">
+                <a:solidFill>
+                  <a:srgbClr val="FF0000"/>
+                </a:solidFill>
+                <a:latin typeface="Noto Sans CJK KR Regular" panose="020B0500000000000000" pitchFamily="34" charset="-127"/>
+                <a:ea typeface="Noto Sans CJK KR Regular" panose="020B0500000000000000" pitchFamily="34" charset="-127"/>
+              </a:rPr>
+              <a:t>id</a:t>
+            </a:r>
+            <a:r>
+              <a:rPr lang="en-US" altLang="ko-KR" sz="1600">
+                <a:solidFill>
+                  <a:srgbClr val="000000"/>
+                </a:solidFill>
+                <a:latin typeface="Noto Sans CJK KR Regular" panose="020B0500000000000000" pitchFamily="34" charset="-127"/>
+                <a:ea typeface="Noto Sans CJK KR Regular" panose="020B0500000000000000" pitchFamily="34" charset="-127"/>
+              </a:rPr>
+              <a:t>=</a:t>
+            </a:r>
+            <a:r>
+              <a:rPr lang="en-US" altLang="ko-KR" sz="1600">
+                <a:solidFill>
+                  <a:srgbClr val="0000FF"/>
+                </a:solidFill>
+                <a:latin typeface="Noto Sans CJK KR Regular" panose="020B0500000000000000" pitchFamily="34" charset="-127"/>
+                <a:ea typeface="Noto Sans CJK KR Regular" panose="020B0500000000000000" pitchFamily="34" charset="-127"/>
+              </a:rPr>
+              <a:t>"purchases"</a:t>
+            </a:r>
+          </a:p>
+        </p:txBody>
+      </p:sp>
+      <p:sp>
+        <p:nvSpPr>
+          <p:cNvPr id="14" name="Rectangle 11">
+            <a:extLst>
+              <a:ext uri="{FF2B5EF4-FFF2-40B4-BE49-F238E27FC236}">
+                <a16:creationId xmlns:a16="http://schemas.microsoft.com/office/drawing/2014/main" id="{4A85253F-09EA-4DC3-A5B5-1B5C25FEAC8E}"/>
+              </a:ext>
+            </a:extLst>
+          </p:cNvPr>
+          <p:cNvSpPr>
+            <a:spLocks noChangeArrowheads="1"/>
+          </p:cNvSpPr>
+          <p:nvPr/>
+        </p:nvSpPr>
+        <p:spPr bwMode="auto">
+          <a:xfrm>
+            <a:off x="1195388" y="5268913"/>
+            <a:ext cx="762000" cy="381000"/>
+          </a:xfrm>
+          <a:prstGeom prst="rect">
+            <a:avLst/>
+          </a:prstGeom>
+          <a:solidFill>
+            <a:srgbClr val="FFFFFF"/>
+          </a:solidFill>
+          <a:ln w="9525">
+            <a:solidFill>
+              <a:schemeClr val="tx1"/>
+            </a:solidFill>
+            <a:miter lim="800000"/>
+            <a:headEnd/>
+            <a:tailEnd/>
+          </a:ln>
+        </p:spPr>
+        <p:txBody>
+          <a:bodyPr wrap="none" anchor="ctr"/>
+          <a:lstStyle/>
+          <a:p>
+            <a:pPr algn="ctr"/>
+            <a:r>
+              <a:rPr lang="ko-KR" altLang="en-US" sz="1600">
+                <a:latin typeface="Noto Sans CJK KR Regular" panose="020B0500000000000000" pitchFamily="34" charset="-127"/>
+                <a:ea typeface="Noto Sans CJK KR Regular" panose="020B0500000000000000" pitchFamily="34" charset="-127"/>
+              </a:rPr>
+              <a:t>두부</a:t>
+            </a:r>
+          </a:p>
+        </p:txBody>
+      </p:sp>
+      <p:sp>
+        <p:nvSpPr>
+          <p:cNvPr id="15" name="Rectangle 12">
+            <a:extLst>
+              <a:ext uri="{FF2B5EF4-FFF2-40B4-BE49-F238E27FC236}">
+                <a16:creationId xmlns:a16="http://schemas.microsoft.com/office/drawing/2014/main" id="{2A2098C3-42BB-46C2-ACA4-1932EFB434D9}"/>
+              </a:ext>
+            </a:extLst>
+          </p:cNvPr>
+          <p:cNvSpPr>
+            <a:spLocks noChangeArrowheads="1"/>
+          </p:cNvSpPr>
+          <p:nvPr/>
+        </p:nvSpPr>
+        <p:spPr bwMode="auto">
+          <a:xfrm>
+            <a:off x="2033588" y="5268913"/>
+            <a:ext cx="762000" cy="381000"/>
+          </a:xfrm>
+          <a:prstGeom prst="rect">
+            <a:avLst/>
+          </a:prstGeom>
+          <a:solidFill>
+            <a:srgbClr val="FFFFFF"/>
+          </a:solidFill>
+          <a:ln w="9525">
+            <a:solidFill>
+              <a:schemeClr val="tx1"/>
+            </a:solidFill>
+            <a:miter lim="800000"/>
+            <a:headEnd/>
+            <a:tailEnd/>
+          </a:ln>
+        </p:spPr>
+        <p:txBody>
+          <a:bodyPr wrap="none" anchor="ctr"/>
+          <a:lstStyle/>
+          <a:p>
+            <a:pPr algn="ctr"/>
+            <a:r>
+              <a:rPr lang="ko-KR" altLang="en-US" sz="1600">
+                <a:latin typeface="Noto Sans CJK KR Regular" panose="020B0500000000000000" pitchFamily="34" charset="-127"/>
+                <a:ea typeface="Noto Sans CJK KR Regular" panose="020B0500000000000000" pitchFamily="34" charset="-127"/>
+              </a:rPr>
+              <a:t>계란</a:t>
+            </a:r>
+          </a:p>
+        </p:txBody>
+      </p:sp>
+      <p:cxnSp>
+        <p:nvCxnSpPr>
+          <p:cNvPr id="16" name="AutoShape 13">
+            <a:extLst>
+              <a:ext uri="{FF2B5EF4-FFF2-40B4-BE49-F238E27FC236}">
+                <a16:creationId xmlns:a16="http://schemas.microsoft.com/office/drawing/2014/main" id="{D409CCFC-4A8E-414C-A767-77321E014FFA}"/>
+              </a:ext>
+            </a:extLst>
+          </p:cNvPr>
+          <p:cNvCxnSpPr>
+            <a:cxnSpLocks noChangeShapeType="1"/>
+            <a:stCxn id="10" idx="2"/>
+            <a:endCxn id="14" idx="0"/>
+          </p:cNvCxnSpPr>
+          <p:nvPr/>
+        </p:nvCxnSpPr>
+        <p:spPr bwMode="auto">
+          <a:xfrm>
+            <a:off x="1576388" y="5116513"/>
+            <a:ext cx="0" cy="152400"/>
+          </a:xfrm>
+          <a:prstGeom prst="straightConnector1">
+            <a:avLst/>
+          </a:prstGeom>
+          <a:noFill/>
+          <a:ln w="9525">
+            <a:solidFill>
+              <a:schemeClr val="tx1"/>
+            </a:solidFill>
+            <a:round/>
+            <a:headEnd/>
+            <a:tailEnd/>
+          </a:ln>
+        </p:spPr>
+      </p:cxnSp>
+      <p:cxnSp>
+        <p:nvCxnSpPr>
+          <p:cNvPr id="17" name="AutoShape 14">
+            <a:extLst>
+              <a:ext uri="{FF2B5EF4-FFF2-40B4-BE49-F238E27FC236}">
+                <a16:creationId xmlns:a16="http://schemas.microsoft.com/office/drawing/2014/main" id="{18FE5F9F-B364-437B-B599-9997C88AB1BC}"/>
+              </a:ext>
+            </a:extLst>
+          </p:cNvPr>
+          <p:cNvCxnSpPr>
+            <a:cxnSpLocks noChangeShapeType="1"/>
+            <a:stCxn id="11" idx="2"/>
+            <a:endCxn id="15" idx="0"/>
+          </p:cNvCxnSpPr>
+          <p:nvPr/>
+        </p:nvCxnSpPr>
+        <p:spPr bwMode="auto">
+          <a:xfrm>
+            <a:off x="2414588" y="5116513"/>
+            <a:ext cx="0" cy="152400"/>
+          </a:xfrm>
+          <a:prstGeom prst="straightConnector1">
+            <a:avLst/>
+          </a:prstGeom>
+          <a:noFill/>
+          <a:ln w="9525">
+            <a:solidFill>
+              <a:schemeClr val="tx1"/>
+            </a:solidFill>
+            <a:round/>
+            <a:headEnd/>
+            <a:tailEnd/>
+          </a:ln>
+        </p:spPr>
+      </p:cxnSp>
+      <p:cxnSp>
+        <p:nvCxnSpPr>
+          <p:cNvPr id="18" name="AutoShape 15">
+            <a:extLst>
+              <a:ext uri="{FF2B5EF4-FFF2-40B4-BE49-F238E27FC236}">
+                <a16:creationId xmlns:a16="http://schemas.microsoft.com/office/drawing/2014/main" id="{6E7C2C57-8ECE-48F3-A10E-FF5CCB4AC6EB}"/>
+              </a:ext>
+            </a:extLst>
+          </p:cNvPr>
+          <p:cNvCxnSpPr>
+            <a:cxnSpLocks noChangeShapeType="1"/>
+            <a:stCxn id="11" idx="0"/>
+            <a:endCxn id="27" idx="2"/>
+          </p:cNvCxnSpPr>
+          <p:nvPr/>
+        </p:nvCxnSpPr>
+        <p:spPr bwMode="auto">
+          <a:xfrm flipH="1" flipV="1">
+            <a:off x="1576388" y="4506913"/>
+            <a:ext cx="838200" cy="228600"/>
+          </a:xfrm>
+          <a:prstGeom prst="straightConnector1">
+            <a:avLst/>
+          </a:prstGeom>
+          <a:noFill/>
+          <a:ln w="9525">
+            <a:solidFill>
+              <a:schemeClr val="tx1"/>
+            </a:solidFill>
+            <a:round/>
+            <a:headEnd/>
+            <a:tailEnd/>
+          </a:ln>
+        </p:spPr>
+      </p:cxnSp>
+      <p:cxnSp>
+        <p:nvCxnSpPr>
+          <p:cNvPr id="19" name="AutoShape 16">
+            <a:extLst>
+              <a:ext uri="{FF2B5EF4-FFF2-40B4-BE49-F238E27FC236}">
+                <a16:creationId xmlns:a16="http://schemas.microsoft.com/office/drawing/2014/main" id="{0A600EB4-C078-418F-9DFC-8BFB51717284}"/>
+              </a:ext>
+            </a:extLst>
+          </p:cNvPr>
+          <p:cNvCxnSpPr>
+            <a:cxnSpLocks noChangeShapeType="1"/>
+            <a:stCxn id="10" idx="0"/>
+            <a:endCxn id="27" idx="2"/>
+          </p:cNvCxnSpPr>
+          <p:nvPr/>
+        </p:nvCxnSpPr>
+        <p:spPr bwMode="auto">
+          <a:xfrm flipV="1">
+            <a:off x="1576388" y="4506913"/>
+            <a:ext cx="0" cy="228600"/>
+          </a:xfrm>
+          <a:prstGeom prst="straightConnector1">
+            <a:avLst/>
+          </a:prstGeom>
+          <a:noFill/>
+          <a:ln w="9525">
+            <a:solidFill>
+              <a:schemeClr val="tx1"/>
+            </a:solidFill>
+            <a:round/>
+            <a:headEnd/>
+            <a:tailEnd/>
+          </a:ln>
+        </p:spPr>
+      </p:cxnSp>
+      <p:cxnSp>
+        <p:nvCxnSpPr>
+          <p:cNvPr id="20" name="AutoShape 17">
+            <a:extLst>
+              <a:ext uri="{FF2B5EF4-FFF2-40B4-BE49-F238E27FC236}">
+                <a16:creationId xmlns:a16="http://schemas.microsoft.com/office/drawing/2014/main" id="{9B9635D7-2A08-4B40-A169-567FD4B230A3}"/>
+              </a:ext>
+            </a:extLst>
+          </p:cNvPr>
+          <p:cNvCxnSpPr>
+            <a:cxnSpLocks noChangeShapeType="1"/>
+            <a:stCxn id="27" idx="3"/>
+            <a:endCxn id="13" idx="1"/>
+          </p:cNvCxnSpPr>
+          <p:nvPr/>
+        </p:nvCxnSpPr>
+        <p:spPr bwMode="auto">
+          <a:xfrm flipV="1">
+            <a:off x="1957388" y="4087813"/>
+            <a:ext cx="457200" cy="228600"/>
+          </a:xfrm>
+          <a:prstGeom prst="straightConnector1">
+            <a:avLst/>
+          </a:prstGeom>
+          <a:noFill/>
+          <a:ln w="9525">
+            <a:solidFill>
+              <a:schemeClr val="tx1"/>
+            </a:solidFill>
+            <a:prstDash val="lgDash"/>
+            <a:round/>
+            <a:headEnd/>
+            <a:tailEnd/>
+          </a:ln>
+        </p:spPr>
+      </p:cxnSp>
+      <p:sp>
+        <p:nvSpPr>
+          <p:cNvPr id="21" name="Rectangle 18">
+            <a:extLst>
+              <a:ext uri="{FF2B5EF4-FFF2-40B4-BE49-F238E27FC236}">
+                <a16:creationId xmlns:a16="http://schemas.microsoft.com/office/drawing/2014/main" id="{86AF88D0-F4C2-4F50-BDC5-A2A87AC95FF0}"/>
+              </a:ext>
+            </a:extLst>
+          </p:cNvPr>
+          <p:cNvSpPr>
+            <a:spLocks noChangeArrowheads="1"/>
+          </p:cNvSpPr>
+          <p:nvPr/>
+        </p:nvSpPr>
+        <p:spPr bwMode="auto">
+          <a:xfrm>
+            <a:off x="1195388" y="3135313"/>
+            <a:ext cx="762000" cy="381000"/>
+          </a:xfrm>
+          <a:prstGeom prst="rect">
+            <a:avLst/>
+          </a:prstGeom>
+          <a:solidFill>
+            <a:schemeClr val="accent1"/>
+          </a:solidFill>
+          <a:ln w="9525">
+            <a:solidFill>
+              <a:schemeClr val="tx1"/>
+            </a:solidFill>
+            <a:miter lim="800000"/>
+            <a:headEnd/>
+            <a:tailEnd/>
+          </a:ln>
+        </p:spPr>
+        <p:txBody>
+          <a:bodyPr wrap="none" anchor="ctr"/>
+          <a:lstStyle/>
+          <a:p>
+            <a:pPr algn="ctr"/>
+            <a:r>
+              <a:rPr lang="en-US" altLang="ko-KR" sz="1600">
+                <a:latin typeface="Noto Sans CJK KR Regular" panose="020B0500000000000000" pitchFamily="34" charset="-127"/>
+                <a:ea typeface="Noto Sans CJK KR Regular" panose="020B0500000000000000" pitchFamily="34" charset="-127"/>
+              </a:rPr>
+              <a:t>html</a:t>
+            </a:r>
+          </a:p>
+        </p:txBody>
+      </p:sp>
+      <p:sp>
+        <p:nvSpPr>
+          <p:cNvPr id="22" name="Rectangle 19">
+            <a:extLst>
+              <a:ext uri="{FF2B5EF4-FFF2-40B4-BE49-F238E27FC236}">
+                <a16:creationId xmlns:a16="http://schemas.microsoft.com/office/drawing/2014/main" id="{C4738B41-E89E-4921-9021-932C45E8085F}"/>
+              </a:ext>
+            </a:extLst>
+          </p:cNvPr>
+          <p:cNvSpPr>
+            <a:spLocks noChangeArrowheads="1"/>
+          </p:cNvSpPr>
+          <p:nvPr/>
+        </p:nvSpPr>
+        <p:spPr bwMode="auto">
+          <a:xfrm>
+            <a:off x="1195388" y="3592513"/>
+            <a:ext cx="762000" cy="381000"/>
+          </a:xfrm>
+          <a:prstGeom prst="rect">
+            <a:avLst/>
+          </a:prstGeom>
+          <a:solidFill>
+            <a:schemeClr val="accent1"/>
+          </a:solidFill>
+          <a:ln w="9525">
+            <a:solidFill>
+              <a:schemeClr val="tx1"/>
+            </a:solidFill>
+            <a:miter lim="800000"/>
+            <a:headEnd/>
+            <a:tailEnd/>
+          </a:ln>
+        </p:spPr>
+        <p:txBody>
+          <a:bodyPr wrap="none" anchor="ctr"/>
+          <a:lstStyle/>
+          <a:p>
+            <a:pPr algn="ctr"/>
+            <a:r>
+              <a:rPr lang="en-US" altLang="ko-KR" sz="1600">
+                <a:latin typeface="Noto Sans CJK KR Regular" panose="020B0500000000000000" pitchFamily="34" charset="-127"/>
+                <a:ea typeface="Noto Sans CJK KR Regular" panose="020B0500000000000000" pitchFamily="34" charset="-127"/>
+              </a:rPr>
+              <a:t>body</a:t>
+            </a:r>
+          </a:p>
+        </p:txBody>
+      </p:sp>
+      <p:cxnSp>
+        <p:nvCxnSpPr>
+          <p:cNvPr id="23" name="AutoShape 20">
+            <a:extLst>
+              <a:ext uri="{FF2B5EF4-FFF2-40B4-BE49-F238E27FC236}">
+                <a16:creationId xmlns:a16="http://schemas.microsoft.com/office/drawing/2014/main" id="{0F00FEC1-B513-4643-9618-E2A9E3FC0E87}"/>
+              </a:ext>
+            </a:extLst>
+          </p:cNvPr>
+          <p:cNvCxnSpPr>
+            <a:cxnSpLocks noChangeShapeType="1"/>
+            <a:stCxn id="21" idx="2"/>
+            <a:endCxn id="22" idx="0"/>
+          </p:cNvCxnSpPr>
+          <p:nvPr/>
+        </p:nvCxnSpPr>
+        <p:spPr bwMode="auto">
+          <a:xfrm>
+            <a:off x="1576388" y="3516313"/>
+            <a:ext cx="0" cy="76200"/>
+          </a:xfrm>
+          <a:prstGeom prst="straightConnector1">
+            <a:avLst/>
+          </a:prstGeom>
+          <a:noFill/>
+          <a:ln w="9525">
+            <a:solidFill>
+              <a:schemeClr val="tx1"/>
+            </a:solidFill>
+            <a:round/>
+            <a:headEnd/>
+            <a:tailEnd/>
+          </a:ln>
+        </p:spPr>
+      </p:cxnSp>
+      <p:cxnSp>
+        <p:nvCxnSpPr>
+          <p:cNvPr id="24" name="AutoShape 21">
+            <a:extLst>
+              <a:ext uri="{FF2B5EF4-FFF2-40B4-BE49-F238E27FC236}">
+                <a16:creationId xmlns:a16="http://schemas.microsoft.com/office/drawing/2014/main" id="{9DD17DD6-ABA2-42DF-B2B7-51E24BD11B81}"/>
+              </a:ext>
+            </a:extLst>
+          </p:cNvPr>
+          <p:cNvCxnSpPr>
+            <a:cxnSpLocks noChangeShapeType="1"/>
+            <a:stCxn id="27" idx="0"/>
+            <a:endCxn id="22" idx="2"/>
+          </p:cNvCxnSpPr>
+          <p:nvPr/>
+        </p:nvCxnSpPr>
+        <p:spPr bwMode="auto">
+          <a:xfrm flipV="1">
+            <a:off x="1576388" y="3973513"/>
+            <a:ext cx="0" cy="152400"/>
+          </a:xfrm>
+          <a:prstGeom prst="straightConnector1">
+            <a:avLst/>
+          </a:prstGeom>
+          <a:noFill/>
+          <a:ln w="9525">
+            <a:solidFill>
+              <a:schemeClr val="tx1"/>
+            </a:solidFill>
+            <a:round/>
+            <a:headEnd/>
+            <a:tailEnd/>
+          </a:ln>
+        </p:spPr>
+      </p:cxnSp>
+      <p:sp>
+        <p:nvSpPr>
+          <p:cNvPr id="25" name="Rectangle 22">
+            <a:extLst>
+              <a:ext uri="{FF2B5EF4-FFF2-40B4-BE49-F238E27FC236}">
+                <a16:creationId xmlns:a16="http://schemas.microsoft.com/office/drawing/2014/main" id="{E9378A03-4AC1-4E39-A1D7-0FF3E9992E53}"/>
+              </a:ext>
+            </a:extLst>
+          </p:cNvPr>
+          <p:cNvSpPr>
+            <a:spLocks noChangeArrowheads="1"/>
+          </p:cNvSpPr>
+          <p:nvPr/>
+        </p:nvSpPr>
+        <p:spPr bwMode="auto">
+          <a:xfrm>
+            <a:off x="1042988" y="2982913"/>
+            <a:ext cx="3048000" cy="2743200"/>
+          </a:xfrm>
+          <a:prstGeom prst="rect">
+            <a:avLst/>
+          </a:prstGeom>
+          <a:noFill/>
+          <a:ln w="9525">
+            <a:solidFill>
+              <a:schemeClr val="tx1"/>
+            </a:solidFill>
+            <a:miter lim="800000"/>
+            <a:headEnd/>
+            <a:tailEnd/>
+          </a:ln>
+        </p:spPr>
+        <p:txBody>
+          <a:bodyPr wrap="none" anchor="ctr"/>
+          <a:lstStyle/>
+          <a:p>
+            <a:pPr algn="ctr"/>
+            <a:endParaRPr lang="ko-KR" altLang="en-US">
+              <a:latin typeface="Noto Sans CJK KR Regular" panose="020B0500000000000000" pitchFamily="34" charset="-127"/>
+              <a:ea typeface="Noto Sans CJK KR Regular" panose="020B0500000000000000" pitchFamily="34" charset="-127"/>
+            </a:endParaRPr>
+          </a:p>
+        </p:txBody>
+      </p:sp>
+      <p:sp>
+        <p:nvSpPr>
+          <p:cNvPr id="26" name="Text Box 23">
+            <a:extLst>
+              <a:ext uri="{FF2B5EF4-FFF2-40B4-BE49-F238E27FC236}">
+                <a16:creationId xmlns:a16="http://schemas.microsoft.com/office/drawing/2014/main" id="{9680A0A9-7113-4082-B31C-4B15F3748D36}"/>
+              </a:ext>
+            </a:extLst>
+          </p:cNvPr>
+          <p:cNvSpPr txBox="1">
+            <a:spLocks noChangeArrowheads="1"/>
+          </p:cNvSpPr>
+          <p:nvPr/>
+        </p:nvSpPr>
+        <p:spPr bwMode="auto">
+          <a:xfrm>
+            <a:off x="2779713" y="3005138"/>
+            <a:ext cx="1343638" cy="369332"/>
+          </a:xfrm>
+          <a:prstGeom prst="rect">
+            <a:avLst/>
+          </a:prstGeom>
+          <a:noFill/>
+          <a:ln w="9525">
+            <a:noFill/>
+            <a:miter lim="800000"/>
+            <a:headEnd/>
+            <a:tailEnd/>
+          </a:ln>
+        </p:spPr>
+        <p:txBody>
+          <a:bodyPr wrap="none">
+            <a:spAutoFit/>
+          </a:bodyPr>
+          <a:lstStyle/>
+          <a:p>
+            <a:r>
+              <a:rPr lang="en-US" altLang="ko-KR">
+                <a:latin typeface="Noto Sans CJK KR Regular" panose="020B0500000000000000" pitchFamily="34" charset="-127"/>
+                <a:ea typeface="Noto Sans CJK KR Regular" panose="020B0500000000000000" pitchFamily="34" charset="-127"/>
+              </a:rPr>
+              <a:t>document</a:t>
+            </a:r>
+          </a:p>
+        </p:txBody>
+      </p:sp>
+      <p:sp>
+        <p:nvSpPr>
+          <p:cNvPr id="27" name="Rectangle 24">
+            <a:extLst>
+              <a:ext uri="{FF2B5EF4-FFF2-40B4-BE49-F238E27FC236}">
+                <a16:creationId xmlns:a16="http://schemas.microsoft.com/office/drawing/2014/main" id="{2BF95C8E-4289-4664-AC7C-DD32282411C9}"/>
+              </a:ext>
+            </a:extLst>
+          </p:cNvPr>
+          <p:cNvSpPr>
+            <a:spLocks noChangeArrowheads="1"/>
+          </p:cNvSpPr>
+          <p:nvPr/>
+        </p:nvSpPr>
+        <p:spPr bwMode="auto">
+          <a:xfrm>
+            <a:off x="1195388" y="4125913"/>
+            <a:ext cx="762000" cy="381000"/>
+          </a:xfrm>
+          <a:prstGeom prst="rect">
+            <a:avLst/>
+          </a:prstGeom>
+          <a:solidFill>
+            <a:schemeClr val="accent1"/>
+          </a:solidFill>
+          <a:ln w="9525">
+            <a:solidFill>
+              <a:schemeClr val="tx1"/>
+            </a:solidFill>
+            <a:miter lim="800000"/>
+            <a:headEnd/>
+            <a:tailEnd/>
+          </a:ln>
+        </p:spPr>
+        <p:txBody>
+          <a:bodyPr wrap="none" anchor="ctr"/>
+          <a:lstStyle/>
+          <a:p>
+            <a:pPr algn="ctr"/>
+            <a:r>
+              <a:rPr lang="en-US" altLang="ko-KR" sz="1600">
+                <a:latin typeface="Noto Sans CJK KR Regular" panose="020B0500000000000000" pitchFamily="34" charset="-127"/>
+                <a:ea typeface="Noto Sans CJK KR Regular" panose="020B0500000000000000" pitchFamily="34" charset="-127"/>
+              </a:rPr>
+              <a:t>ul</a:t>
+            </a:r>
+          </a:p>
+        </p:txBody>
+      </p:sp>
+      <p:sp>
+        <p:nvSpPr>
+          <p:cNvPr id="28" name="Rectangle 25">
+            <a:extLst>
+              <a:ext uri="{FF2B5EF4-FFF2-40B4-BE49-F238E27FC236}">
+                <a16:creationId xmlns:a16="http://schemas.microsoft.com/office/drawing/2014/main" id="{E3E13D8C-CFC6-4CD4-AAC6-5A00418EB5EC}"/>
+              </a:ext>
+            </a:extLst>
+          </p:cNvPr>
+          <p:cNvSpPr>
+            <a:spLocks noChangeArrowheads="1"/>
+          </p:cNvSpPr>
+          <p:nvPr/>
+        </p:nvSpPr>
+        <p:spPr bwMode="auto">
+          <a:xfrm>
+            <a:off x="6224588" y="4735513"/>
+            <a:ext cx="762000" cy="381000"/>
+          </a:xfrm>
+          <a:prstGeom prst="rect">
+            <a:avLst/>
+          </a:prstGeom>
+          <a:solidFill>
+            <a:srgbClr val="CCFFCC"/>
+          </a:solidFill>
+          <a:ln w="9525">
+            <a:solidFill>
+              <a:schemeClr val="tx1"/>
+            </a:solidFill>
+            <a:miter lim="800000"/>
+            <a:headEnd/>
+            <a:tailEnd/>
+          </a:ln>
+        </p:spPr>
+        <p:txBody>
+          <a:bodyPr wrap="none" anchor="ctr"/>
+          <a:lstStyle/>
+          <a:p>
+            <a:pPr algn="ctr"/>
+            <a:r>
+              <a:rPr lang="en-US" altLang="ko-KR" sz="1600">
+                <a:latin typeface="Noto Sans CJK KR Regular" panose="020B0500000000000000" pitchFamily="34" charset="-127"/>
+                <a:ea typeface="Noto Sans CJK KR Regular" panose="020B0500000000000000" pitchFamily="34" charset="-127"/>
+              </a:rPr>
+              <a:t>li</a:t>
+            </a:r>
+          </a:p>
+        </p:txBody>
+      </p:sp>
+      <p:sp>
+        <p:nvSpPr>
+          <p:cNvPr id="29" name="Rectangle 26">
+            <a:extLst>
+              <a:ext uri="{FF2B5EF4-FFF2-40B4-BE49-F238E27FC236}">
+                <a16:creationId xmlns:a16="http://schemas.microsoft.com/office/drawing/2014/main" id="{4D06B540-759E-4773-8347-D22473249060}"/>
+              </a:ext>
+            </a:extLst>
+          </p:cNvPr>
+          <p:cNvSpPr>
+            <a:spLocks noChangeArrowheads="1"/>
+          </p:cNvSpPr>
+          <p:nvPr/>
+        </p:nvSpPr>
+        <p:spPr bwMode="auto">
+          <a:xfrm>
+            <a:off x="2871788" y="4735513"/>
             <a:ext cx="762000" cy="381000"/>
           </a:xfrm>
           <a:prstGeom prst="rect">
@@ -21490,10 +20174,10 @@
       </p:sp>
       <p:sp>
         <p:nvSpPr>
-          <p:cNvPr id="10" name="Rectangle 8">
-            <a:extLst>
-              <a:ext uri="{FF2B5EF4-FFF2-40B4-BE49-F238E27FC236}">
-                <a16:creationId xmlns:a16="http://schemas.microsoft.com/office/drawing/2014/main" id="{0849E7CD-9709-4851-9C39-AC4DEFB37E2C}"/>
+          <p:cNvPr id="30" name="Rectangle 27">
+            <a:extLst>
+              <a:ext uri="{FF2B5EF4-FFF2-40B4-BE49-F238E27FC236}">
+                <a16:creationId xmlns:a16="http://schemas.microsoft.com/office/drawing/2014/main" id="{CF8CDE61-61BA-432C-A30B-BC486F28A973}"/>
               </a:ext>
             </a:extLst>
           </p:cNvPr>
@@ -21504,7 +20188,7 @@
         </p:nvSpPr>
         <p:spPr bwMode="auto">
           <a:xfrm>
-            <a:off x="1982788" y="3767138"/>
+            <a:off x="5767388" y="3897313"/>
             <a:ext cx="1600200" cy="381000"/>
           </a:xfrm>
           <a:prstGeom prst="rect">
@@ -21562,10 +20246,10 @@
       </p:sp>
       <p:sp>
         <p:nvSpPr>
-          <p:cNvPr id="11" name="Rectangle 9">
-            <a:extLst>
-              <a:ext uri="{FF2B5EF4-FFF2-40B4-BE49-F238E27FC236}">
-                <a16:creationId xmlns:a16="http://schemas.microsoft.com/office/drawing/2014/main" id="{78582557-46C5-4DA1-9F13-7D977A869732}"/>
+          <p:cNvPr id="31" name="Rectangle 28">
+            <a:extLst>
+              <a:ext uri="{FF2B5EF4-FFF2-40B4-BE49-F238E27FC236}">
+                <a16:creationId xmlns:a16="http://schemas.microsoft.com/office/drawing/2014/main" id="{4101E153-1852-416B-A030-4C0C0FEE9C12}"/>
               </a:ext>
             </a:extLst>
           </p:cNvPr>
@@ -21576,7 +20260,7 @@
         </p:nvSpPr>
         <p:spPr bwMode="auto">
           <a:xfrm>
-            <a:off x="763588" y="5138738"/>
+            <a:off x="6224588" y="5268913"/>
             <a:ext cx="762000" cy="381000"/>
           </a:xfrm>
           <a:prstGeom prst="rect">
@@ -21600,21 +20284,21 @@
           <a:p>
             <a:pPr algn="ctr"/>
             <a:r>
-              <a:rPr lang="ko-KR" altLang="en-US" sz="1600" dirty="0">
-                <a:latin typeface="Noto Sans CJK KR Regular" panose="020B0500000000000000" pitchFamily="34" charset="-127"/>
-                <a:ea typeface="Noto Sans CJK KR Regular" panose="020B0500000000000000" pitchFamily="34" charset="-127"/>
-              </a:rPr>
-              <a:t>두부</a:t>
+              <a:rPr lang="ko-KR" altLang="en-US" sz="1600">
+                <a:latin typeface="Noto Sans CJK KR Regular" panose="020B0500000000000000" pitchFamily="34" charset="-127"/>
+                <a:ea typeface="Noto Sans CJK KR Regular" panose="020B0500000000000000" pitchFamily="34" charset="-127"/>
+              </a:rPr>
+              <a:t>계란</a:t>
             </a:r>
           </a:p>
         </p:txBody>
       </p:sp>
       <p:sp>
         <p:nvSpPr>
-          <p:cNvPr id="13" name="Rectangle 10">
-            <a:extLst>
-              <a:ext uri="{FF2B5EF4-FFF2-40B4-BE49-F238E27FC236}">
-                <a16:creationId xmlns:a16="http://schemas.microsoft.com/office/drawing/2014/main" id="{39C492DE-D988-4796-95F1-087A8E04BBC6}"/>
+          <p:cNvPr id="32" name="Rectangle 29">
+            <a:extLst>
+              <a:ext uri="{FF2B5EF4-FFF2-40B4-BE49-F238E27FC236}">
+                <a16:creationId xmlns:a16="http://schemas.microsoft.com/office/drawing/2014/main" id="{9050FD1A-0F1B-4385-8511-75E9C97A48F3}"/>
               </a:ext>
             </a:extLst>
           </p:cNvPr>
@@ -21625,7 +20309,7 @@
         </p:nvSpPr>
         <p:spPr bwMode="auto">
           <a:xfrm>
-            <a:off x="1601788" y="5138738"/>
+            <a:off x="2871788" y="5268913"/>
             <a:ext cx="762000" cy="381000"/>
           </a:xfrm>
           <a:prstGeom prst="rect">
@@ -21649,21 +20333,246 @@
           <a:p>
             <a:pPr algn="ctr"/>
             <a:r>
-              <a:rPr lang="ko-KR" altLang="en-US" sz="1600" dirty="0">
-                <a:latin typeface="Noto Sans CJK KR Regular" panose="020B0500000000000000" pitchFamily="34" charset="-127"/>
-                <a:ea typeface="Noto Sans CJK KR Regular" panose="020B0500000000000000" pitchFamily="34" charset="-127"/>
-              </a:rPr>
-              <a:t>계란</a:t>
+              <a:rPr lang="ko-KR" altLang="en-US" sz="1600">
+                <a:latin typeface="Noto Sans CJK KR Regular" panose="020B0500000000000000" pitchFamily="34" charset="-127"/>
+                <a:ea typeface="Noto Sans CJK KR Regular" panose="020B0500000000000000" pitchFamily="34" charset="-127"/>
+              </a:rPr>
+              <a:t>라면</a:t>
+            </a:r>
+          </a:p>
+        </p:txBody>
+      </p:sp>
+      <p:cxnSp>
+        <p:nvCxnSpPr>
+          <p:cNvPr id="33" name="AutoShape 30">
+            <a:extLst>
+              <a:ext uri="{FF2B5EF4-FFF2-40B4-BE49-F238E27FC236}">
+                <a16:creationId xmlns:a16="http://schemas.microsoft.com/office/drawing/2014/main" id="{C51DFBB1-032C-48FC-B05C-00F63C2385D0}"/>
+              </a:ext>
+            </a:extLst>
+          </p:cNvPr>
+          <p:cNvCxnSpPr>
+            <a:cxnSpLocks noChangeShapeType="1"/>
+            <a:stCxn id="28" idx="2"/>
+            <a:endCxn id="31" idx="0"/>
+          </p:cNvCxnSpPr>
+          <p:nvPr/>
+        </p:nvCxnSpPr>
+        <p:spPr bwMode="auto">
+          <a:xfrm>
+            <a:off x="6605588" y="5116513"/>
+            <a:ext cx="0" cy="152400"/>
+          </a:xfrm>
+          <a:prstGeom prst="straightConnector1">
+            <a:avLst/>
+          </a:prstGeom>
+          <a:noFill/>
+          <a:ln w="9525">
+            <a:solidFill>
+              <a:schemeClr val="tx1"/>
+            </a:solidFill>
+            <a:round/>
+            <a:headEnd/>
+            <a:tailEnd/>
+          </a:ln>
+        </p:spPr>
+      </p:cxnSp>
+      <p:cxnSp>
+        <p:nvCxnSpPr>
+          <p:cNvPr id="34" name="AutoShape 31">
+            <a:extLst>
+              <a:ext uri="{FF2B5EF4-FFF2-40B4-BE49-F238E27FC236}">
+                <a16:creationId xmlns:a16="http://schemas.microsoft.com/office/drawing/2014/main" id="{41017EBF-6729-4AAD-BD5B-8D97816459A1}"/>
+              </a:ext>
+            </a:extLst>
+          </p:cNvPr>
+          <p:cNvCxnSpPr>
+            <a:cxnSpLocks noChangeShapeType="1"/>
+            <a:stCxn id="29" idx="2"/>
+            <a:endCxn id="32" idx="0"/>
+          </p:cNvCxnSpPr>
+          <p:nvPr/>
+        </p:nvCxnSpPr>
+        <p:spPr bwMode="auto">
+          <a:xfrm>
+            <a:off x="3252788" y="5116513"/>
+            <a:ext cx="0" cy="152400"/>
+          </a:xfrm>
+          <a:prstGeom prst="straightConnector1">
+            <a:avLst/>
+          </a:prstGeom>
+          <a:noFill/>
+          <a:ln w="9525">
+            <a:solidFill>
+              <a:schemeClr val="tx1"/>
+            </a:solidFill>
+            <a:round/>
+            <a:headEnd/>
+            <a:tailEnd/>
+          </a:ln>
+        </p:spPr>
+      </p:cxnSp>
+      <p:cxnSp>
+        <p:nvCxnSpPr>
+          <p:cNvPr id="35" name="AutoShape 32">
+            <a:extLst>
+              <a:ext uri="{FF2B5EF4-FFF2-40B4-BE49-F238E27FC236}">
+                <a16:creationId xmlns:a16="http://schemas.microsoft.com/office/drawing/2014/main" id="{C0C3AF29-A820-4427-B6CB-6435A9CAA37A}"/>
+              </a:ext>
+            </a:extLst>
+          </p:cNvPr>
+          <p:cNvCxnSpPr>
+            <a:cxnSpLocks noChangeShapeType="1"/>
+            <a:stCxn id="28" idx="0"/>
+            <a:endCxn id="48" idx="2"/>
+          </p:cNvCxnSpPr>
+          <p:nvPr/>
+        </p:nvCxnSpPr>
+        <p:spPr bwMode="auto">
+          <a:xfrm rot="16200000" flipV="1">
+            <a:off x="5653088" y="3783013"/>
+            <a:ext cx="228600" cy="1676400"/>
+          </a:xfrm>
+          <a:prstGeom prst="straightConnector1">
+            <a:avLst/>
+          </a:prstGeom>
+          <a:noFill/>
+          <a:ln w="9525">
+            <a:solidFill>
+              <a:schemeClr val="tx1"/>
+            </a:solidFill>
+            <a:round/>
+            <a:headEnd/>
+            <a:tailEnd/>
+          </a:ln>
+        </p:spPr>
+      </p:cxnSp>
+      <p:cxnSp>
+        <p:nvCxnSpPr>
+          <p:cNvPr id="36" name="AutoShape 33">
+            <a:extLst>
+              <a:ext uri="{FF2B5EF4-FFF2-40B4-BE49-F238E27FC236}">
+                <a16:creationId xmlns:a16="http://schemas.microsoft.com/office/drawing/2014/main" id="{0C4F49BF-EA60-4992-8508-E06F4250EBD0}"/>
+              </a:ext>
+            </a:extLst>
+          </p:cNvPr>
+          <p:cNvCxnSpPr>
+            <a:cxnSpLocks noChangeShapeType="1"/>
+            <a:stCxn id="29" idx="0"/>
+            <a:endCxn id="27" idx="2"/>
+          </p:cNvCxnSpPr>
+          <p:nvPr/>
+        </p:nvCxnSpPr>
+        <p:spPr bwMode="auto">
+          <a:xfrm flipH="1" flipV="1">
+            <a:off x="1576388" y="4506913"/>
+            <a:ext cx="1676400" cy="228600"/>
+          </a:xfrm>
+          <a:prstGeom prst="straightConnector1">
+            <a:avLst/>
+          </a:prstGeom>
+          <a:noFill/>
+          <a:ln w="9525">
+            <a:solidFill>
+              <a:schemeClr val="tx1"/>
+            </a:solidFill>
+            <a:round/>
+            <a:headEnd/>
+            <a:tailEnd/>
+          </a:ln>
+        </p:spPr>
+      </p:cxnSp>
+      <p:cxnSp>
+        <p:nvCxnSpPr>
+          <p:cNvPr id="37" name="AutoShape 34">
+            <a:extLst>
+              <a:ext uri="{FF2B5EF4-FFF2-40B4-BE49-F238E27FC236}">
+                <a16:creationId xmlns:a16="http://schemas.microsoft.com/office/drawing/2014/main" id="{F8E72C80-4EE8-4409-9B11-02546C15B0CE}"/>
+              </a:ext>
+            </a:extLst>
+          </p:cNvPr>
+          <p:cNvCxnSpPr>
+            <a:cxnSpLocks noChangeShapeType="1"/>
+            <a:stCxn id="48" idx="3"/>
+            <a:endCxn id="30" idx="1"/>
+          </p:cNvCxnSpPr>
+          <p:nvPr/>
+        </p:nvCxnSpPr>
+        <p:spPr bwMode="auto">
+          <a:xfrm flipV="1">
+            <a:off x="5310188" y="4087813"/>
+            <a:ext cx="457200" cy="228600"/>
+          </a:xfrm>
+          <a:prstGeom prst="straightConnector1">
+            <a:avLst/>
+          </a:prstGeom>
+          <a:noFill/>
+          <a:ln w="9525">
+            <a:solidFill>
+              <a:schemeClr val="tx1"/>
+            </a:solidFill>
+            <a:prstDash val="lgDash"/>
+            <a:round/>
+            <a:headEnd/>
+            <a:tailEnd/>
+          </a:ln>
+        </p:spPr>
+      </p:cxnSp>
+      <p:sp>
+        <p:nvSpPr>
+          <p:cNvPr id="38" name="Rectangle 35">
+            <a:extLst>
+              <a:ext uri="{FF2B5EF4-FFF2-40B4-BE49-F238E27FC236}">
+                <a16:creationId xmlns:a16="http://schemas.microsoft.com/office/drawing/2014/main" id="{DA8AF80E-A96B-4FD7-8AC8-B48C673C13DF}"/>
+              </a:ext>
+            </a:extLst>
+          </p:cNvPr>
+          <p:cNvSpPr>
+            <a:spLocks noChangeArrowheads="1"/>
+          </p:cNvSpPr>
+          <p:nvPr/>
+        </p:nvSpPr>
+        <p:spPr bwMode="auto">
+          <a:xfrm>
+            <a:off x="4548188" y="3135313"/>
+            <a:ext cx="762000" cy="381000"/>
+          </a:xfrm>
+          <a:prstGeom prst="rect">
+            <a:avLst/>
+          </a:prstGeom>
+          <a:solidFill>
+            <a:schemeClr val="accent1"/>
+          </a:solidFill>
+          <a:ln w="9525">
+            <a:solidFill>
+              <a:schemeClr val="tx1"/>
+            </a:solidFill>
+            <a:miter lim="800000"/>
+            <a:headEnd/>
+            <a:tailEnd/>
+          </a:ln>
+        </p:spPr>
+        <p:txBody>
+          <a:bodyPr wrap="none" anchor="ctr"/>
+          <a:lstStyle/>
+          <a:p>
+            <a:pPr algn="ctr"/>
+            <a:r>
+              <a:rPr lang="en-US" altLang="ko-KR" sz="1600">
+                <a:latin typeface="Noto Sans CJK KR Regular" panose="020B0500000000000000" pitchFamily="34" charset="-127"/>
+                <a:ea typeface="Noto Sans CJK KR Regular" panose="020B0500000000000000" pitchFamily="34" charset="-127"/>
+              </a:rPr>
+              <a:t>html</a:t>
             </a:r>
           </a:p>
         </p:txBody>
       </p:sp>
       <p:sp>
         <p:nvSpPr>
-          <p:cNvPr id="14" name="Rectangle 11">
-            <a:extLst>
-              <a:ext uri="{FF2B5EF4-FFF2-40B4-BE49-F238E27FC236}">
-                <a16:creationId xmlns:a16="http://schemas.microsoft.com/office/drawing/2014/main" id="{688B9E4F-0CD0-4049-B402-E0539100D8FA}"/>
+          <p:cNvPr id="39" name="Rectangle 36">
+            <a:extLst>
+              <a:ext uri="{FF2B5EF4-FFF2-40B4-BE49-F238E27FC236}">
+                <a16:creationId xmlns:a16="http://schemas.microsoft.com/office/drawing/2014/main" id="{364DEA2B-370D-47CE-8394-0F10FB76A2CD}"/>
               </a:ext>
             </a:extLst>
           </p:cNvPr>
@@ -21674,7 +20583,265 @@
         </p:nvSpPr>
         <p:spPr bwMode="auto">
           <a:xfrm>
-            <a:off x="3278188" y="5138738"/>
+            <a:off x="4548188" y="3592513"/>
+            <a:ext cx="762000" cy="381000"/>
+          </a:xfrm>
+          <a:prstGeom prst="rect">
+            <a:avLst/>
+          </a:prstGeom>
+          <a:solidFill>
+            <a:schemeClr val="accent1"/>
+          </a:solidFill>
+          <a:ln w="9525">
+            <a:solidFill>
+              <a:schemeClr val="tx1"/>
+            </a:solidFill>
+            <a:miter lim="800000"/>
+            <a:headEnd/>
+            <a:tailEnd/>
+          </a:ln>
+        </p:spPr>
+        <p:txBody>
+          <a:bodyPr wrap="none" anchor="ctr"/>
+          <a:lstStyle/>
+          <a:p>
+            <a:pPr algn="ctr"/>
+            <a:r>
+              <a:rPr lang="en-US" altLang="ko-KR" sz="1600">
+                <a:latin typeface="Noto Sans CJK KR Regular" panose="020B0500000000000000" pitchFamily="34" charset="-127"/>
+                <a:ea typeface="Noto Sans CJK KR Regular" panose="020B0500000000000000" pitchFamily="34" charset="-127"/>
+              </a:rPr>
+              <a:t>body</a:t>
+            </a:r>
+          </a:p>
+        </p:txBody>
+      </p:sp>
+      <p:cxnSp>
+        <p:nvCxnSpPr>
+          <p:cNvPr id="40" name="AutoShape 37">
+            <a:extLst>
+              <a:ext uri="{FF2B5EF4-FFF2-40B4-BE49-F238E27FC236}">
+                <a16:creationId xmlns:a16="http://schemas.microsoft.com/office/drawing/2014/main" id="{AC42A69D-D317-4B4E-B478-82A0AA5BB5EA}"/>
+              </a:ext>
+            </a:extLst>
+          </p:cNvPr>
+          <p:cNvCxnSpPr>
+            <a:cxnSpLocks noChangeShapeType="1"/>
+            <a:stCxn id="38" idx="2"/>
+            <a:endCxn id="39" idx="0"/>
+          </p:cNvCxnSpPr>
+          <p:nvPr/>
+        </p:nvCxnSpPr>
+        <p:spPr bwMode="auto">
+          <a:xfrm>
+            <a:off x="4929188" y="3516313"/>
+            <a:ext cx="0" cy="76200"/>
+          </a:xfrm>
+          <a:prstGeom prst="straightConnector1">
+            <a:avLst/>
+          </a:prstGeom>
+          <a:noFill/>
+          <a:ln w="9525">
+            <a:solidFill>
+              <a:schemeClr val="tx1"/>
+            </a:solidFill>
+            <a:round/>
+            <a:headEnd/>
+            <a:tailEnd/>
+          </a:ln>
+        </p:spPr>
+      </p:cxnSp>
+      <p:cxnSp>
+        <p:nvCxnSpPr>
+          <p:cNvPr id="41" name="AutoShape 38">
+            <a:extLst>
+              <a:ext uri="{FF2B5EF4-FFF2-40B4-BE49-F238E27FC236}">
+                <a16:creationId xmlns:a16="http://schemas.microsoft.com/office/drawing/2014/main" id="{60091309-286E-480F-B7DC-7D84BF393B4F}"/>
+              </a:ext>
+            </a:extLst>
+          </p:cNvPr>
+          <p:cNvCxnSpPr>
+            <a:cxnSpLocks noChangeShapeType="1"/>
+            <a:stCxn id="48" idx="0"/>
+            <a:endCxn id="39" idx="2"/>
+          </p:cNvCxnSpPr>
+          <p:nvPr/>
+        </p:nvCxnSpPr>
+        <p:spPr bwMode="auto">
+          <a:xfrm flipV="1">
+            <a:off x="4929188" y="3973513"/>
+            <a:ext cx="0" cy="152400"/>
+          </a:xfrm>
+          <a:prstGeom prst="straightConnector1">
+            <a:avLst/>
+          </a:prstGeom>
+          <a:noFill/>
+          <a:ln w="9525">
+            <a:solidFill>
+              <a:schemeClr val="tx1"/>
+            </a:solidFill>
+            <a:round/>
+            <a:headEnd/>
+            <a:tailEnd/>
+          </a:ln>
+        </p:spPr>
+      </p:cxnSp>
+      <p:sp>
+        <p:nvSpPr>
+          <p:cNvPr id="42" name="Rectangle 39">
+            <a:extLst>
+              <a:ext uri="{FF2B5EF4-FFF2-40B4-BE49-F238E27FC236}">
+                <a16:creationId xmlns:a16="http://schemas.microsoft.com/office/drawing/2014/main" id="{4ABD5D92-9A8C-4736-8653-C3704830FDDA}"/>
+              </a:ext>
+            </a:extLst>
+          </p:cNvPr>
+          <p:cNvSpPr>
+            <a:spLocks noChangeArrowheads="1"/>
+          </p:cNvSpPr>
+          <p:nvPr/>
+        </p:nvSpPr>
+        <p:spPr bwMode="auto">
+          <a:xfrm>
+            <a:off x="4395788" y="2982913"/>
+            <a:ext cx="3581400" cy="2743200"/>
+          </a:xfrm>
+          <a:prstGeom prst="rect">
+            <a:avLst/>
+          </a:prstGeom>
+          <a:noFill/>
+          <a:ln w="9525">
+            <a:solidFill>
+              <a:schemeClr val="tx1"/>
+            </a:solidFill>
+            <a:miter lim="800000"/>
+            <a:headEnd/>
+            <a:tailEnd/>
+          </a:ln>
+        </p:spPr>
+        <p:txBody>
+          <a:bodyPr wrap="none" anchor="ctr"/>
+          <a:lstStyle/>
+          <a:p>
+            <a:pPr algn="ctr"/>
+            <a:endParaRPr lang="ko-KR" altLang="en-US">
+              <a:latin typeface="Noto Sans CJK KR Regular" panose="020B0500000000000000" pitchFamily="34" charset="-127"/>
+              <a:ea typeface="Noto Sans CJK KR Regular" panose="020B0500000000000000" pitchFamily="34" charset="-127"/>
+            </a:endParaRPr>
+          </a:p>
+        </p:txBody>
+      </p:sp>
+      <p:sp>
+        <p:nvSpPr>
+          <p:cNvPr id="43" name="Text Box 40">
+            <a:extLst>
+              <a:ext uri="{FF2B5EF4-FFF2-40B4-BE49-F238E27FC236}">
+                <a16:creationId xmlns:a16="http://schemas.microsoft.com/office/drawing/2014/main" id="{83CEC993-4932-49C4-8FDB-7C28E037D65D}"/>
+              </a:ext>
+            </a:extLst>
+          </p:cNvPr>
+          <p:cNvSpPr txBox="1">
+            <a:spLocks noChangeArrowheads="1"/>
+          </p:cNvSpPr>
+          <p:nvPr/>
+        </p:nvSpPr>
+        <p:spPr bwMode="auto">
+          <a:xfrm>
+            <a:off x="6132513" y="3005138"/>
+            <a:ext cx="1343638" cy="369332"/>
+          </a:xfrm>
+          <a:prstGeom prst="rect">
+            <a:avLst/>
+          </a:prstGeom>
+          <a:noFill/>
+          <a:ln w="9525">
+            <a:noFill/>
+            <a:miter lim="800000"/>
+            <a:headEnd/>
+            <a:tailEnd/>
+          </a:ln>
+        </p:spPr>
+        <p:txBody>
+          <a:bodyPr wrap="none">
+            <a:spAutoFit/>
+          </a:bodyPr>
+          <a:lstStyle/>
+          <a:p>
+            <a:r>
+              <a:rPr lang="en-US" altLang="ko-KR">
+                <a:latin typeface="Noto Sans CJK KR Regular" panose="020B0500000000000000" pitchFamily="34" charset="-127"/>
+                <a:ea typeface="Noto Sans CJK KR Regular" panose="020B0500000000000000" pitchFamily="34" charset="-127"/>
+              </a:rPr>
+              <a:t>document</a:t>
+            </a:r>
+          </a:p>
+        </p:txBody>
+      </p:sp>
+      <p:sp>
+        <p:nvSpPr>
+          <p:cNvPr id="44" name="Rectangle 41">
+            <a:extLst>
+              <a:ext uri="{FF2B5EF4-FFF2-40B4-BE49-F238E27FC236}">
+                <a16:creationId xmlns:a16="http://schemas.microsoft.com/office/drawing/2014/main" id="{BAFAD75E-FCAF-47B3-B050-381B2652FE61}"/>
+              </a:ext>
+            </a:extLst>
+          </p:cNvPr>
+          <p:cNvSpPr>
+            <a:spLocks noChangeArrowheads="1"/>
+          </p:cNvSpPr>
+          <p:nvPr/>
+        </p:nvSpPr>
+        <p:spPr bwMode="auto">
+          <a:xfrm>
+            <a:off x="4548188" y="4735513"/>
+            <a:ext cx="762000" cy="381000"/>
+          </a:xfrm>
+          <a:prstGeom prst="rect">
+            <a:avLst/>
+          </a:prstGeom>
+          <a:solidFill>
+            <a:srgbClr val="CC99FF"/>
+          </a:solidFill>
+          <a:ln w="9525">
+            <a:solidFill>
+              <a:schemeClr val="tx1"/>
+            </a:solidFill>
+            <a:miter lim="800000"/>
+            <a:headEnd/>
+            <a:tailEnd/>
+          </a:ln>
+        </p:spPr>
+        <p:txBody>
+          <a:bodyPr wrap="none" anchor="ctr"/>
+          <a:lstStyle/>
+          <a:p>
+            <a:pPr algn="ctr"/>
+            <a:r>
+              <a:rPr lang="en-US" altLang="ko-KR" sz="1600">
+                <a:latin typeface="Noto Sans CJK KR Regular" panose="020B0500000000000000" pitchFamily="34" charset="-127"/>
+                <a:ea typeface="Noto Sans CJK KR Regular" panose="020B0500000000000000" pitchFamily="34" charset="-127"/>
+              </a:rPr>
+              <a:t>li</a:t>
+            </a:r>
+          </a:p>
+        </p:txBody>
+      </p:sp>
+      <p:sp>
+        <p:nvSpPr>
+          <p:cNvPr id="45" name="Rectangle 42">
+            <a:extLst>
+              <a:ext uri="{FF2B5EF4-FFF2-40B4-BE49-F238E27FC236}">
+                <a16:creationId xmlns:a16="http://schemas.microsoft.com/office/drawing/2014/main" id="{3D8EED75-F248-4B47-BDE0-37502951212A}"/>
+              </a:ext>
+            </a:extLst>
+          </p:cNvPr>
+          <p:cNvSpPr>
+            <a:spLocks noChangeArrowheads="1"/>
+          </p:cNvSpPr>
+          <p:nvPr/>
+        </p:nvSpPr>
+        <p:spPr bwMode="auto">
+          <a:xfrm>
+            <a:off x="4548188" y="5268913"/>
             <a:ext cx="762000" cy="381000"/>
           </a:xfrm>
           <a:prstGeom prst="rect">
@@ -21709,23 +20876,23 @@
       </p:sp>
       <p:cxnSp>
         <p:nvCxnSpPr>
-          <p:cNvPr id="15" name="AutoShape 12">
-            <a:extLst>
-              <a:ext uri="{FF2B5EF4-FFF2-40B4-BE49-F238E27FC236}">
-                <a16:creationId xmlns:a16="http://schemas.microsoft.com/office/drawing/2014/main" id="{D264C27E-4983-456C-A05D-30CEBA6F47F9}"/>
+          <p:cNvPr id="46" name="AutoShape 43">
+            <a:extLst>
+              <a:ext uri="{FF2B5EF4-FFF2-40B4-BE49-F238E27FC236}">
+                <a16:creationId xmlns:a16="http://schemas.microsoft.com/office/drawing/2014/main" id="{AA82F381-746B-463C-9F2A-0C8AFECA2472}"/>
               </a:ext>
             </a:extLst>
           </p:cNvPr>
           <p:cNvCxnSpPr>
             <a:cxnSpLocks noChangeShapeType="1"/>
-            <a:stCxn id="7" idx="2"/>
-            <a:endCxn id="11" idx="0"/>
+            <a:stCxn id="45" idx="0"/>
+            <a:endCxn id="44" idx="2"/>
           </p:cNvCxnSpPr>
           <p:nvPr/>
         </p:nvCxnSpPr>
         <p:spPr bwMode="auto">
-          <a:xfrm>
-            <a:off x="1144588" y="4986338"/>
+          <a:xfrm flipV="1">
+            <a:off x="4929188" y="5116513"/>
             <a:ext cx="0" cy="152400"/>
           </a:xfrm>
           <a:prstGeom prst="straightConnector1">
@@ -21744,24 +20911,24 @@
       </p:cxnSp>
       <p:cxnSp>
         <p:nvCxnSpPr>
-          <p:cNvPr id="16" name="AutoShape 13">
-            <a:extLst>
-              <a:ext uri="{FF2B5EF4-FFF2-40B4-BE49-F238E27FC236}">
-                <a16:creationId xmlns:a16="http://schemas.microsoft.com/office/drawing/2014/main" id="{84E0E9E9-F031-4945-84DA-458AAC5ACD41}"/>
+          <p:cNvPr id="47" name="AutoShape 44">
+            <a:extLst>
+              <a:ext uri="{FF2B5EF4-FFF2-40B4-BE49-F238E27FC236}">
+                <a16:creationId xmlns:a16="http://schemas.microsoft.com/office/drawing/2014/main" id="{DE179339-9B27-4706-8717-87E5F363DACA}"/>
               </a:ext>
             </a:extLst>
           </p:cNvPr>
           <p:cNvCxnSpPr>
             <a:cxnSpLocks noChangeShapeType="1"/>
-            <a:stCxn id="8" idx="2"/>
-            <a:endCxn id="13" idx="0"/>
+            <a:stCxn id="48" idx="2"/>
+            <a:endCxn id="44" idx="0"/>
           </p:cNvCxnSpPr>
           <p:nvPr/>
         </p:nvCxnSpPr>
         <p:spPr bwMode="auto">
-          <a:xfrm>
-            <a:off x="1982788" y="4986338"/>
-            <a:ext cx="0" cy="152400"/>
+          <a:xfrm rot="5400000">
+            <a:off x="4814888" y="4621212"/>
+            <a:ext cx="228600" cy="3175"/>
           </a:xfrm>
           <a:prstGeom prst="straightConnector1">
             <a:avLst/>
@@ -21777,188 +20944,12 @@
           </a:ln>
         </p:spPr>
       </p:cxnSp>
-      <p:cxnSp>
-        <p:nvCxnSpPr>
-          <p:cNvPr id="17" name="AutoShape 14">
-            <a:extLst>
-              <a:ext uri="{FF2B5EF4-FFF2-40B4-BE49-F238E27FC236}">
-                <a16:creationId xmlns:a16="http://schemas.microsoft.com/office/drawing/2014/main" id="{7AF3F795-A149-4A23-A0AF-36331D130CF8}"/>
-              </a:ext>
-            </a:extLst>
-          </p:cNvPr>
-          <p:cNvCxnSpPr>
-            <a:cxnSpLocks noChangeShapeType="1"/>
-            <a:stCxn id="9" idx="2"/>
-            <a:endCxn id="14" idx="0"/>
-          </p:cNvCxnSpPr>
-          <p:nvPr/>
-        </p:nvCxnSpPr>
-        <p:spPr bwMode="auto">
-          <a:xfrm>
-            <a:off x="3659188" y="4986338"/>
-            <a:ext cx="0" cy="152400"/>
-          </a:xfrm>
-          <a:prstGeom prst="straightConnector1">
-            <a:avLst/>
-          </a:prstGeom>
-          <a:noFill/>
-          <a:ln w="9525">
-            <a:solidFill>
-              <a:schemeClr val="tx1"/>
-            </a:solidFill>
-            <a:round/>
-            <a:headEnd/>
-            <a:tailEnd/>
-          </a:ln>
-        </p:spPr>
-      </p:cxnSp>
-      <p:cxnSp>
-        <p:nvCxnSpPr>
-          <p:cNvPr id="18" name="AutoShape 15">
-            <a:extLst>
-              <a:ext uri="{FF2B5EF4-FFF2-40B4-BE49-F238E27FC236}">
-                <a16:creationId xmlns:a16="http://schemas.microsoft.com/office/drawing/2014/main" id="{43275B6D-42E0-4B84-9085-359D060BC9DC}"/>
-              </a:ext>
-            </a:extLst>
-          </p:cNvPr>
-          <p:cNvCxnSpPr>
-            <a:cxnSpLocks noChangeShapeType="1"/>
-            <a:stCxn id="8" idx="0"/>
-            <a:endCxn id="32" idx="2"/>
-          </p:cNvCxnSpPr>
-          <p:nvPr/>
-        </p:nvCxnSpPr>
-        <p:spPr bwMode="auto">
-          <a:xfrm flipH="1" flipV="1">
-            <a:off x="1144588" y="4376738"/>
-            <a:ext cx="838200" cy="228600"/>
-          </a:xfrm>
-          <a:prstGeom prst="straightConnector1">
-            <a:avLst/>
-          </a:prstGeom>
-          <a:noFill/>
-          <a:ln w="9525">
-            <a:solidFill>
-              <a:schemeClr val="tx1"/>
-            </a:solidFill>
-            <a:round/>
-            <a:headEnd/>
-            <a:tailEnd/>
-          </a:ln>
-        </p:spPr>
-      </p:cxnSp>
-      <p:cxnSp>
-        <p:nvCxnSpPr>
-          <p:cNvPr id="19" name="AutoShape 16">
-            <a:extLst>
-              <a:ext uri="{FF2B5EF4-FFF2-40B4-BE49-F238E27FC236}">
-                <a16:creationId xmlns:a16="http://schemas.microsoft.com/office/drawing/2014/main" id="{959F3642-9BCD-4B47-BE59-BCDE0F10170C}"/>
-              </a:ext>
-            </a:extLst>
-          </p:cNvPr>
-          <p:cNvCxnSpPr>
-            <a:cxnSpLocks noChangeShapeType="1"/>
-            <a:stCxn id="7" idx="0"/>
-            <a:endCxn id="32" idx="2"/>
-          </p:cNvCxnSpPr>
-          <p:nvPr/>
-        </p:nvCxnSpPr>
-        <p:spPr bwMode="auto">
-          <a:xfrm flipV="1">
-            <a:off x="1144588" y="4376738"/>
-            <a:ext cx="0" cy="228600"/>
-          </a:xfrm>
-          <a:prstGeom prst="straightConnector1">
-            <a:avLst/>
-          </a:prstGeom>
-          <a:noFill/>
-          <a:ln w="9525">
-            <a:solidFill>
-              <a:schemeClr val="tx1"/>
-            </a:solidFill>
-            <a:round/>
-            <a:headEnd/>
-            <a:tailEnd/>
-          </a:ln>
-        </p:spPr>
-      </p:cxnSp>
-      <p:cxnSp>
-        <p:nvCxnSpPr>
-          <p:cNvPr id="20" name="AutoShape 17">
-            <a:extLst>
-              <a:ext uri="{FF2B5EF4-FFF2-40B4-BE49-F238E27FC236}">
-                <a16:creationId xmlns:a16="http://schemas.microsoft.com/office/drawing/2014/main" id="{51F936C5-6F08-4B59-9C81-8C44E8CD98AF}"/>
-              </a:ext>
-            </a:extLst>
-          </p:cNvPr>
-          <p:cNvCxnSpPr>
-            <a:cxnSpLocks noChangeShapeType="1"/>
-            <a:stCxn id="9" idx="0"/>
-            <a:endCxn id="32" idx="2"/>
-          </p:cNvCxnSpPr>
-          <p:nvPr/>
-        </p:nvCxnSpPr>
-        <p:spPr bwMode="auto">
-          <a:xfrm flipH="1" flipV="1">
-            <a:off x="1144588" y="4376738"/>
-            <a:ext cx="2514600" cy="228600"/>
-          </a:xfrm>
-          <a:prstGeom prst="straightConnector1">
-            <a:avLst/>
-          </a:prstGeom>
-          <a:noFill/>
-          <a:ln w="9525">
-            <a:solidFill>
-              <a:schemeClr val="tx1"/>
-            </a:solidFill>
-            <a:round/>
-            <a:headEnd/>
-            <a:tailEnd/>
-          </a:ln>
-        </p:spPr>
-      </p:cxnSp>
-      <p:cxnSp>
-        <p:nvCxnSpPr>
-          <p:cNvPr id="21" name="AutoShape 18">
-            <a:extLst>
-              <a:ext uri="{FF2B5EF4-FFF2-40B4-BE49-F238E27FC236}">
-                <a16:creationId xmlns:a16="http://schemas.microsoft.com/office/drawing/2014/main" id="{6C92D96B-7753-4D4C-81E7-9EB5A1A14A78}"/>
-              </a:ext>
-            </a:extLst>
-          </p:cNvPr>
-          <p:cNvCxnSpPr>
-            <a:cxnSpLocks noChangeShapeType="1"/>
-            <a:stCxn id="32" idx="3"/>
-            <a:endCxn id="10" idx="1"/>
-          </p:cNvCxnSpPr>
-          <p:nvPr/>
-        </p:nvCxnSpPr>
-        <p:spPr bwMode="auto">
-          <a:xfrm flipV="1">
-            <a:off x="1525588" y="3957638"/>
-            <a:ext cx="457200" cy="228600"/>
-          </a:xfrm>
-          <a:prstGeom prst="straightConnector1">
-            <a:avLst/>
-          </a:prstGeom>
-          <a:noFill/>
-          <a:ln w="9525">
-            <a:solidFill>
-              <a:schemeClr val="tx1"/>
-            </a:solidFill>
-            <a:prstDash val="lgDash"/>
-            <a:round/>
-            <a:headEnd/>
-            <a:tailEnd/>
-          </a:ln>
-        </p:spPr>
-      </p:cxnSp>
       <p:sp>
         <p:nvSpPr>
-          <p:cNvPr id="22" name="Rectangle 19">
-            <a:extLst>
-              <a:ext uri="{FF2B5EF4-FFF2-40B4-BE49-F238E27FC236}">
-                <a16:creationId xmlns:a16="http://schemas.microsoft.com/office/drawing/2014/main" id="{0ECD45DC-7265-4E42-998A-28F4C3BCDBBB}"/>
+          <p:cNvPr id="48" name="Rectangle 45">
+            <a:extLst>
+              <a:ext uri="{FF2B5EF4-FFF2-40B4-BE49-F238E27FC236}">
+                <a16:creationId xmlns:a16="http://schemas.microsoft.com/office/drawing/2014/main" id="{8C03104C-E54F-4A69-A5D8-4F1B5158BBFA}"/>
               </a:ext>
             </a:extLst>
           </p:cNvPr>
@@ -21969,7 +20960,7 @@
         </p:nvSpPr>
         <p:spPr bwMode="auto">
           <a:xfrm>
-            <a:off x="763588" y="3005138"/>
+            <a:off x="4548188" y="4125913"/>
             <a:ext cx="762000" cy="381000"/>
           </a:xfrm>
           <a:prstGeom prst="rect">
@@ -21997,17 +20988,17 @@
                 <a:latin typeface="Noto Sans CJK KR Regular" panose="020B0500000000000000" pitchFamily="34" charset="-127"/>
                 <a:ea typeface="Noto Sans CJK KR Regular" panose="020B0500000000000000" pitchFamily="34" charset="-127"/>
               </a:rPr>
-              <a:t>html</a:t>
+              <a:t>ul</a:t>
             </a:r>
           </a:p>
         </p:txBody>
       </p:sp>
       <p:sp>
         <p:nvSpPr>
-          <p:cNvPr id="23" name="Rectangle 20">
-            <a:extLst>
-              <a:ext uri="{FF2B5EF4-FFF2-40B4-BE49-F238E27FC236}">
-                <a16:creationId xmlns:a16="http://schemas.microsoft.com/office/drawing/2014/main" id="{DEB96FBF-CF8A-4AF8-AA47-E8E9FA0F0801}"/>
+          <p:cNvPr id="49" name="Rectangle 46">
+            <a:extLst>
+              <a:ext uri="{FF2B5EF4-FFF2-40B4-BE49-F238E27FC236}">
+                <a16:creationId xmlns:a16="http://schemas.microsoft.com/office/drawing/2014/main" id="{8FEB3475-5223-4D97-94EB-B30B97681E45}"/>
               </a:ext>
             </a:extLst>
           </p:cNvPr>
@@ -22018,14 +21009,14 @@
         </p:nvSpPr>
         <p:spPr bwMode="auto">
           <a:xfrm>
-            <a:off x="763588" y="3462338"/>
+            <a:off x="5386388" y="4735513"/>
             <a:ext cx="762000" cy="381000"/>
           </a:xfrm>
           <a:prstGeom prst="rect">
             <a:avLst/>
           </a:prstGeom>
           <a:solidFill>
-            <a:schemeClr val="accent1"/>
+            <a:srgbClr val="FFFF99"/>
           </a:solidFill>
           <a:ln w="9525">
             <a:solidFill>
@@ -22046,177 +21037,17 @@
                 <a:latin typeface="Noto Sans CJK KR Regular" panose="020B0500000000000000" pitchFamily="34" charset="-127"/>
                 <a:ea typeface="Noto Sans CJK KR Regular" panose="020B0500000000000000" pitchFamily="34" charset="-127"/>
               </a:rPr>
-              <a:t>body</a:t>
-            </a:r>
-          </a:p>
-        </p:txBody>
-      </p:sp>
-      <p:cxnSp>
-        <p:nvCxnSpPr>
-          <p:cNvPr id="24" name="AutoShape 21">
-            <a:extLst>
-              <a:ext uri="{FF2B5EF4-FFF2-40B4-BE49-F238E27FC236}">
-                <a16:creationId xmlns:a16="http://schemas.microsoft.com/office/drawing/2014/main" id="{D4AB9588-4AD7-441A-8AD8-7F06DF063F50}"/>
-              </a:ext>
-            </a:extLst>
-          </p:cNvPr>
-          <p:cNvCxnSpPr>
-            <a:cxnSpLocks noChangeShapeType="1"/>
-            <a:stCxn id="22" idx="2"/>
-            <a:endCxn id="23" idx="0"/>
-          </p:cNvCxnSpPr>
-          <p:nvPr/>
-        </p:nvCxnSpPr>
-        <p:spPr bwMode="auto">
-          <a:xfrm>
-            <a:off x="1144588" y="3386138"/>
-            <a:ext cx="0" cy="76200"/>
-          </a:xfrm>
-          <a:prstGeom prst="straightConnector1">
-            <a:avLst/>
-          </a:prstGeom>
-          <a:noFill/>
-          <a:ln w="9525">
-            <a:solidFill>
-              <a:schemeClr val="tx1"/>
-            </a:solidFill>
-            <a:round/>
-            <a:headEnd/>
-            <a:tailEnd/>
-          </a:ln>
-        </p:spPr>
-      </p:cxnSp>
-      <p:cxnSp>
-        <p:nvCxnSpPr>
-          <p:cNvPr id="25" name="AutoShape 22">
-            <a:extLst>
-              <a:ext uri="{FF2B5EF4-FFF2-40B4-BE49-F238E27FC236}">
-                <a16:creationId xmlns:a16="http://schemas.microsoft.com/office/drawing/2014/main" id="{3DE9C61A-5FC8-43AF-821D-AF4E6F22882E}"/>
-              </a:ext>
-            </a:extLst>
-          </p:cNvPr>
-          <p:cNvCxnSpPr>
-            <a:cxnSpLocks noChangeShapeType="1"/>
-            <a:stCxn id="32" idx="0"/>
-            <a:endCxn id="23" idx="2"/>
-          </p:cNvCxnSpPr>
-          <p:nvPr/>
-        </p:nvCxnSpPr>
-        <p:spPr bwMode="auto">
-          <a:xfrm flipV="1">
-            <a:off x="1144588" y="3843338"/>
-            <a:ext cx="0" cy="152400"/>
-          </a:xfrm>
-          <a:prstGeom prst="straightConnector1">
-            <a:avLst/>
-          </a:prstGeom>
-          <a:noFill/>
-          <a:ln w="9525">
-            <a:solidFill>
-              <a:schemeClr val="tx1"/>
-            </a:solidFill>
-            <a:round/>
-            <a:headEnd/>
-            <a:tailEnd/>
-          </a:ln>
-        </p:spPr>
-      </p:cxnSp>
-      <p:sp>
-        <p:nvSpPr>
-          <p:cNvPr id="26" name="Rectangle 23">
-            <a:extLst>
-              <a:ext uri="{FF2B5EF4-FFF2-40B4-BE49-F238E27FC236}">
-                <a16:creationId xmlns:a16="http://schemas.microsoft.com/office/drawing/2014/main" id="{02855EE3-0FF2-48A3-9D59-83AC44115C92}"/>
-              </a:ext>
-            </a:extLst>
-          </p:cNvPr>
-          <p:cNvSpPr>
-            <a:spLocks noChangeArrowheads="1"/>
-          </p:cNvSpPr>
-          <p:nvPr/>
-        </p:nvSpPr>
-        <p:spPr bwMode="auto">
-          <a:xfrm>
-            <a:off x="611188" y="2852738"/>
-            <a:ext cx="3581400" cy="2743200"/>
-          </a:xfrm>
-          <a:prstGeom prst="rect">
-            <a:avLst/>
-          </a:prstGeom>
-          <a:noFill/>
-          <a:ln w="9525">
-            <a:solidFill>
-              <a:schemeClr val="tx1"/>
-            </a:solidFill>
-            <a:miter lim="800000"/>
-            <a:headEnd/>
-            <a:tailEnd/>
-          </a:ln>
-        </p:spPr>
-        <p:txBody>
-          <a:bodyPr wrap="none" anchor="ctr"/>
-          <a:lstStyle/>
-          <a:p>
-            <a:pPr algn="ctr"/>
-            <a:endParaRPr lang="ko-KR" altLang="en-US">
-              <a:latin typeface="Noto Sans CJK KR Regular" panose="020B0500000000000000" pitchFamily="34" charset="-127"/>
-              <a:ea typeface="Noto Sans CJK KR Regular" panose="020B0500000000000000" pitchFamily="34" charset="-127"/>
-            </a:endParaRPr>
+              <a:t>li</a:t>
+            </a:r>
           </a:p>
         </p:txBody>
       </p:sp>
       <p:sp>
         <p:nvSpPr>
-          <p:cNvPr id="27" name="Text Box 24">
-            <a:extLst>
-              <a:ext uri="{FF2B5EF4-FFF2-40B4-BE49-F238E27FC236}">
-                <a16:creationId xmlns:a16="http://schemas.microsoft.com/office/drawing/2014/main" id="{8D6F84F9-BE7B-415E-A901-FD3E365465F6}"/>
-              </a:ext>
-            </a:extLst>
-          </p:cNvPr>
-          <p:cNvSpPr txBox="1">
-            <a:spLocks noChangeArrowheads="1"/>
-          </p:cNvSpPr>
-          <p:nvPr/>
-        </p:nvSpPr>
-        <p:spPr bwMode="auto">
-          <a:xfrm>
-            <a:off x="2347913" y="2874963"/>
-            <a:ext cx="1343638" cy="369332"/>
-          </a:xfrm>
-          <a:prstGeom prst="rect">
-            <a:avLst/>
-          </a:prstGeom>
-          <a:noFill/>
-          <a:ln w="9525">
-            <a:noFill/>
-            <a:miter lim="800000"/>
-            <a:headEnd/>
-            <a:tailEnd/>
-          </a:ln>
-        </p:spPr>
-        <p:txBody>
-          <a:bodyPr wrap="none">
-            <a:spAutoFit/>
-          </a:bodyPr>
-          <a:lstStyle/>
-          <a:p>
-            <a:r>
-              <a:rPr lang="en-US" altLang="ko-KR">
-                <a:latin typeface="Noto Sans CJK KR Regular" panose="020B0500000000000000" pitchFamily="34" charset="-127"/>
-                <a:ea typeface="Noto Sans CJK KR Regular" panose="020B0500000000000000" pitchFamily="34" charset="-127"/>
-              </a:rPr>
-              <a:t>document</a:t>
-            </a:r>
-          </a:p>
-        </p:txBody>
-      </p:sp>
-      <p:sp>
-        <p:nvSpPr>
-          <p:cNvPr id="28" name="Rectangle 25">
-            <a:extLst>
-              <a:ext uri="{FF2B5EF4-FFF2-40B4-BE49-F238E27FC236}">
-                <a16:creationId xmlns:a16="http://schemas.microsoft.com/office/drawing/2014/main" id="{71CF9E8C-E02D-41FC-B5A5-C18423BA8B7E}"/>
+          <p:cNvPr id="50" name="Rectangle 47">
+            <a:extLst>
+              <a:ext uri="{FF2B5EF4-FFF2-40B4-BE49-F238E27FC236}">
+                <a16:creationId xmlns:a16="http://schemas.microsoft.com/office/drawing/2014/main" id="{B3706DCF-ABBE-4FA5-A1CC-FB4D6F215C8C}"/>
               </a:ext>
             </a:extLst>
           </p:cNvPr>
@@ -22227,56 +21058,7 @@
         </p:nvSpPr>
         <p:spPr bwMode="auto">
           <a:xfrm>
-            <a:off x="2439988" y="4605338"/>
-            <a:ext cx="762000" cy="381000"/>
-          </a:xfrm>
-          <a:prstGeom prst="rect">
-            <a:avLst/>
-          </a:prstGeom>
-          <a:solidFill>
-            <a:srgbClr val="CC99FF"/>
-          </a:solidFill>
-          <a:ln w="9525">
-            <a:solidFill>
-              <a:schemeClr val="tx1"/>
-            </a:solidFill>
-            <a:miter lim="800000"/>
-            <a:headEnd/>
-            <a:tailEnd/>
-          </a:ln>
-        </p:spPr>
-        <p:txBody>
-          <a:bodyPr wrap="none" anchor="ctr"/>
-          <a:lstStyle/>
-          <a:p>
-            <a:pPr algn="ctr"/>
-            <a:r>
-              <a:rPr lang="en-US" altLang="ko-KR" sz="1600">
-                <a:latin typeface="Noto Sans CJK KR Regular" panose="020B0500000000000000" pitchFamily="34" charset="-127"/>
-                <a:ea typeface="Noto Sans CJK KR Regular" panose="020B0500000000000000" pitchFamily="34" charset="-127"/>
-              </a:rPr>
-              <a:t>li</a:t>
-            </a:r>
-          </a:p>
-        </p:txBody>
-      </p:sp>
-      <p:sp>
-        <p:nvSpPr>
-          <p:cNvPr id="29" name="Rectangle 26">
-            <a:extLst>
-              <a:ext uri="{FF2B5EF4-FFF2-40B4-BE49-F238E27FC236}">
-                <a16:creationId xmlns:a16="http://schemas.microsoft.com/office/drawing/2014/main" id="{827F6149-6206-4D16-8725-0D6803CB4BE4}"/>
-              </a:ext>
-            </a:extLst>
-          </p:cNvPr>
-          <p:cNvSpPr>
-            <a:spLocks noChangeArrowheads="1"/>
-          </p:cNvSpPr>
-          <p:nvPr/>
-        </p:nvSpPr>
-        <p:spPr bwMode="auto">
-          <a:xfrm>
-            <a:off x="2439988" y="5138738"/>
+            <a:off x="5386388" y="5268913"/>
             <a:ext cx="762000" cy="381000"/>
           </a:xfrm>
           <a:prstGeom prst="rect">
@@ -22300,34 +21082,34 @@
           <a:p>
             <a:pPr algn="ctr"/>
             <a:r>
-              <a:rPr lang="ko-KR" altLang="en-US" sz="1600" dirty="0">
-                <a:latin typeface="Noto Sans CJK KR Regular" panose="020B0500000000000000" pitchFamily="34" charset="-127"/>
-                <a:ea typeface="Noto Sans CJK KR Regular" panose="020B0500000000000000" pitchFamily="34" charset="-127"/>
-              </a:rPr>
-              <a:t>라면</a:t>
+              <a:rPr lang="ko-KR" altLang="en-US" sz="1600">
+                <a:latin typeface="Noto Sans CJK KR Regular" panose="020B0500000000000000" pitchFamily="34" charset="-127"/>
+                <a:ea typeface="Noto Sans CJK KR Regular" panose="020B0500000000000000" pitchFamily="34" charset="-127"/>
+              </a:rPr>
+              <a:t>두부</a:t>
             </a:r>
           </a:p>
         </p:txBody>
       </p:sp>
       <p:cxnSp>
         <p:nvCxnSpPr>
-          <p:cNvPr id="30" name="AutoShape 27">
-            <a:extLst>
-              <a:ext uri="{FF2B5EF4-FFF2-40B4-BE49-F238E27FC236}">
-                <a16:creationId xmlns:a16="http://schemas.microsoft.com/office/drawing/2014/main" id="{699F1093-CDCE-4697-97E2-CAD26BC3D383}"/>
+          <p:cNvPr id="51" name="AutoShape 48">
+            <a:extLst>
+              <a:ext uri="{FF2B5EF4-FFF2-40B4-BE49-F238E27FC236}">
+                <a16:creationId xmlns:a16="http://schemas.microsoft.com/office/drawing/2014/main" id="{EFC4527C-479B-4D1B-8618-49215B3C72FD}"/>
               </a:ext>
             </a:extLst>
           </p:cNvPr>
           <p:cNvCxnSpPr>
             <a:cxnSpLocks noChangeShapeType="1"/>
-            <a:stCxn id="29" idx="0"/>
-            <a:endCxn id="28" idx="2"/>
+            <a:stCxn id="49" idx="2"/>
+            <a:endCxn id="50" idx="0"/>
           </p:cNvCxnSpPr>
           <p:nvPr/>
         </p:nvCxnSpPr>
         <p:spPr bwMode="auto">
-          <a:xfrm flipV="1">
-            <a:off x="2820988" y="4986338"/>
+          <a:xfrm>
+            <a:off x="5767388" y="5116513"/>
             <a:ext cx="0" cy="152400"/>
           </a:xfrm>
           <a:prstGeom prst="straightConnector1">
@@ -22346,24 +21128,24 @@
       </p:cxnSp>
       <p:cxnSp>
         <p:nvCxnSpPr>
-          <p:cNvPr id="31" name="AutoShape 28">
-            <a:extLst>
-              <a:ext uri="{FF2B5EF4-FFF2-40B4-BE49-F238E27FC236}">
-                <a16:creationId xmlns:a16="http://schemas.microsoft.com/office/drawing/2014/main" id="{AD97429E-386C-4BC7-8A8A-0D968C485071}"/>
+          <p:cNvPr id="52" name="AutoShape 49">
+            <a:extLst>
+              <a:ext uri="{FF2B5EF4-FFF2-40B4-BE49-F238E27FC236}">
+                <a16:creationId xmlns:a16="http://schemas.microsoft.com/office/drawing/2014/main" id="{4A9AA237-4C14-482E-A1A2-E9E245119D2E}"/>
               </a:ext>
             </a:extLst>
           </p:cNvPr>
           <p:cNvCxnSpPr>
             <a:cxnSpLocks noChangeShapeType="1"/>
-            <a:stCxn id="32" idx="2"/>
-            <a:endCxn id="28" idx="0"/>
+            <a:stCxn id="48" idx="2"/>
+            <a:endCxn id="49" idx="0"/>
           </p:cNvCxnSpPr>
           <p:nvPr/>
         </p:nvCxnSpPr>
         <p:spPr bwMode="auto">
-          <a:xfrm>
-            <a:off x="1144588" y="4376738"/>
-            <a:ext cx="1676400" cy="228600"/>
+          <a:xfrm rot="16200000" flipH="1">
+            <a:off x="5233988" y="4202113"/>
+            <a:ext cx="228600" cy="838200"/>
           </a:xfrm>
           <a:prstGeom prst="straightConnector1">
             <a:avLst/>
@@ -22381,10 +21163,10 @@
       </p:cxnSp>
       <p:sp>
         <p:nvSpPr>
-          <p:cNvPr id="32" name="Rectangle 29">
-            <a:extLst>
-              <a:ext uri="{FF2B5EF4-FFF2-40B4-BE49-F238E27FC236}">
-                <a16:creationId xmlns:a16="http://schemas.microsoft.com/office/drawing/2014/main" id="{55BB7649-EA0D-48FA-B543-50D4E38421A3}"/>
+          <p:cNvPr id="53" name="Rectangle 50">
+            <a:extLst>
+              <a:ext uri="{FF2B5EF4-FFF2-40B4-BE49-F238E27FC236}">
+                <a16:creationId xmlns:a16="http://schemas.microsoft.com/office/drawing/2014/main" id="{2F43BB03-F0D1-497A-9B50-3C8779DDFEBC}"/>
               </a:ext>
             </a:extLst>
           </p:cNvPr>
@@ -22395,105 +21177,7 @@
         </p:nvSpPr>
         <p:spPr bwMode="auto">
           <a:xfrm>
-            <a:off x="763588" y="3995738"/>
-            <a:ext cx="762000" cy="381000"/>
-          </a:xfrm>
-          <a:prstGeom prst="rect">
-            <a:avLst/>
-          </a:prstGeom>
-          <a:solidFill>
-            <a:schemeClr val="accent1"/>
-          </a:solidFill>
-          <a:ln w="9525">
-            <a:solidFill>
-              <a:schemeClr val="tx1"/>
-            </a:solidFill>
-            <a:miter lim="800000"/>
-            <a:headEnd/>
-            <a:tailEnd/>
-          </a:ln>
-        </p:spPr>
-        <p:txBody>
-          <a:bodyPr wrap="none" anchor="ctr"/>
-          <a:lstStyle/>
-          <a:p>
-            <a:pPr algn="ctr"/>
-            <a:r>
-              <a:rPr lang="en-US" altLang="ko-KR" sz="1600">
-                <a:latin typeface="Noto Sans CJK KR Regular" panose="020B0500000000000000" pitchFamily="34" charset="-127"/>
-                <a:ea typeface="Noto Sans CJK KR Regular" panose="020B0500000000000000" pitchFamily="34" charset="-127"/>
-              </a:rPr>
-              <a:t>ul</a:t>
-            </a:r>
-          </a:p>
-        </p:txBody>
-      </p:sp>
-      <p:sp>
-        <p:nvSpPr>
-          <p:cNvPr id="33" name="Rectangle 30">
-            <a:extLst>
-              <a:ext uri="{FF2B5EF4-FFF2-40B4-BE49-F238E27FC236}">
-                <a16:creationId xmlns:a16="http://schemas.microsoft.com/office/drawing/2014/main" id="{A080DBAB-0AB6-46A5-9887-437E66ADA7E9}"/>
-              </a:ext>
-            </a:extLst>
-          </p:cNvPr>
-          <p:cNvSpPr>
-            <a:spLocks noChangeArrowheads="1"/>
-          </p:cNvSpPr>
-          <p:nvPr/>
-        </p:nvSpPr>
-        <p:spPr bwMode="auto">
-          <a:xfrm>
-            <a:off x="5030788" y="4605338"/>
-            <a:ext cx="762000" cy="381000"/>
-          </a:xfrm>
-          <a:prstGeom prst="rect">
-            <a:avLst/>
-          </a:prstGeom>
-          <a:solidFill>
-            <a:srgbClr val="CCFFCC"/>
-          </a:solidFill>
-          <a:ln w="9525">
-            <a:solidFill>
-              <a:schemeClr val="tx1"/>
-            </a:solidFill>
-            <a:miter lim="800000"/>
-            <a:headEnd/>
-            <a:tailEnd/>
-          </a:ln>
-        </p:spPr>
-        <p:txBody>
-          <a:bodyPr wrap="none" anchor="ctr"/>
-          <a:lstStyle/>
-          <a:p>
-            <a:pPr algn="ctr"/>
-            <a:r>
-              <a:rPr lang="en-US" altLang="ko-KR" sz="1600">
-                <a:latin typeface="Noto Sans CJK KR Regular" panose="020B0500000000000000" pitchFamily="34" charset="-127"/>
-                <a:ea typeface="Noto Sans CJK KR Regular" panose="020B0500000000000000" pitchFamily="34" charset="-127"/>
-              </a:rPr>
-              <a:t>li</a:t>
-            </a:r>
-          </a:p>
-        </p:txBody>
-      </p:sp>
-      <p:sp>
-        <p:nvSpPr>
-          <p:cNvPr id="34" name="Rectangle 31">
-            <a:extLst>
-              <a:ext uri="{FF2B5EF4-FFF2-40B4-BE49-F238E27FC236}">
-                <a16:creationId xmlns:a16="http://schemas.microsoft.com/office/drawing/2014/main" id="{7C116A31-227C-45E5-8F9E-4E872085F8E5}"/>
-              </a:ext>
-            </a:extLst>
-          </p:cNvPr>
-          <p:cNvSpPr>
-            <a:spLocks noChangeArrowheads="1"/>
-          </p:cNvSpPr>
-          <p:nvPr/>
-        </p:nvSpPr>
-        <p:spPr bwMode="auto">
-          <a:xfrm>
-            <a:off x="6707188" y="4605338"/>
+            <a:off x="7062788" y="4735513"/>
             <a:ext cx="762000" cy="381000"/>
           </a:xfrm>
           <a:prstGeom prst="rect">
@@ -22528,10 +21212,10 @@
       </p:sp>
       <p:sp>
         <p:nvSpPr>
-          <p:cNvPr id="35" name="Rectangle 32">
-            <a:extLst>
-              <a:ext uri="{FF2B5EF4-FFF2-40B4-BE49-F238E27FC236}">
-                <a16:creationId xmlns:a16="http://schemas.microsoft.com/office/drawing/2014/main" id="{853D8393-B39E-4DC4-A47B-B88433D45EB0}"/>
+          <p:cNvPr id="54" name="Rectangle 51">
+            <a:extLst>
+              <a:ext uri="{FF2B5EF4-FFF2-40B4-BE49-F238E27FC236}">
+                <a16:creationId xmlns:a16="http://schemas.microsoft.com/office/drawing/2014/main" id="{CDA8941B-4D2C-4E9C-B2AF-DFCB0B0A8219}"/>
               </a:ext>
             </a:extLst>
           </p:cNvPr>
@@ -22542,79 +21226,7 @@
         </p:nvSpPr>
         <p:spPr bwMode="auto">
           <a:xfrm>
-            <a:off x="6249988" y="3767138"/>
-            <a:ext cx="1600200" cy="381000"/>
-          </a:xfrm>
-          <a:prstGeom prst="rect">
-            <a:avLst/>
-          </a:prstGeom>
-          <a:solidFill>
-            <a:srgbClr val="FFCCFF"/>
-          </a:solidFill>
-          <a:ln w="9525">
-            <a:solidFill>
-              <a:schemeClr val="tx1"/>
-            </a:solidFill>
-            <a:miter lim="800000"/>
-            <a:headEnd/>
-            <a:tailEnd/>
-          </a:ln>
-        </p:spPr>
-        <p:txBody>
-          <a:bodyPr wrap="none" anchor="ctr"/>
-          <a:lstStyle/>
-          <a:p>
-            <a:pPr algn="ctr"/>
-            <a:r>
-              <a:rPr lang="en-US" altLang="ko-KR" sz="1600">
-                <a:solidFill>
-                  <a:srgbClr val="FF0000"/>
-                </a:solidFill>
-                <a:latin typeface="Noto Sans CJK KR Regular" panose="020B0500000000000000" pitchFamily="34" charset="-127"/>
-                <a:ea typeface="Noto Sans CJK KR Regular" panose="020B0500000000000000" pitchFamily="34" charset="-127"/>
-              </a:rPr>
-              <a:t>id</a:t>
-            </a:r>
-            <a:r>
-              <a:rPr lang="en-US" altLang="ko-KR" sz="1600">
-                <a:solidFill>
-                  <a:srgbClr val="000000"/>
-                </a:solidFill>
-                <a:latin typeface="Noto Sans CJK KR Regular" panose="020B0500000000000000" pitchFamily="34" charset="-127"/>
-                <a:ea typeface="Noto Sans CJK KR Regular" panose="020B0500000000000000" pitchFamily="34" charset="-127"/>
-              </a:rPr>
-              <a:t>=</a:t>
-            </a:r>
-            <a:r>
-              <a:rPr lang="en-US" altLang="ko-KR" sz="1600">
-                <a:solidFill>
-                  <a:srgbClr val="0000FF"/>
-                </a:solidFill>
-                <a:latin typeface="Noto Sans CJK KR Regular" panose="020B0500000000000000" pitchFamily="34" charset="-127"/>
-                <a:ea typeface="Noto Sans CJK KR Regular" panose="020B0500000000000000" pitchFamily="34" charset="-127"/>
-              </a:rPr>
-              <a:t>"purchases"</a:t>
-            </a:r>
-          </a:p>
-        </p:txBody>
-      </p:sp>
-      <p:sp>
-        <p:nvSpPr>
-          <p:cNvPr id="36" name="Rectangle 33">
-            <a:extLst>
-              <a:ext uri="{FF2B5EF4-FFF2-40B4-BE49-F238E27FC236}">
-                <a16:creationId xmlns:a16="http://schemas.microsoft.com/office/drawing/2014/main" id="{D49DE4FF-BC6F-4B5D-8678-771A344337BF}"/>
-              </a:ext>
-            </a:extLst>
-          </p:cNvPr>
-          <p:cNvSpPr>
-            <a:spLocks noChangeArrowheads="1"/>
-          </p:cNvSpPr>
-          <p:nvPr/>
-        </p:nvSpPr>
-        <p:spPr bwMode="auto">
-          <a:xfrm>
-            <a:off x="5030788" y="5138738"/>
+            <a:off x="7062788" y="5268913"/>
             <a:ext cx="762000" cy="381000"/>
           </a:xfrm>
           <a:prstGeom prst="rect">
@@ -22638,83 +21250,34 @@
           <a:p>
             <a:pPr algn="ctr"/>
             <a:r>
-              <a:rPr lang="ko-KR" altLang="en-US" sz="1600" dirty="0">
-                <a:latin typeface="Noto Sans CJK KR Regular" panose="020B0500000000000000" pitchFamily="34" charset="-127"/>
-                <a:ea typeface="Noto Sans CJK KR Regular" panose="020B0500000000000000" pitchFamily="34" charset="-127"/>
-              </a:rPr>
-              <a:t>계란</a:t>
-            </a:r>
-          </a:p>
-        </p:txBody>
-      </p:sp>
-      <p:sp>
-        <p:nvSpPr>
-          <p:cNvPr id="37" name="Rectangle 34">
-            <a:extLst>
-              <a:ext uri="{FF2B5EF4-FFF2-40B4-BE49-F238E27FC236}">
-                <a16:creationId xmlns:a16="http://schemas.microsoft.com/office/drawing/2014/main" id="{2B0EEB59-FBDA-4AAA-83A2-73EA010B6373}"/>
-              </a:ext>
-            </a:extLst>
-          </p:cNvPr>
-          <p:cNvSpPr>
-            <a:spLocks noChangeArrowheads="1"/>
-          </p:cNvSpPr>
-          <p:nvPr/>
-        </p:nvSpPr>
-        <p:spPr bwMode="auto">
-          <a:xfrm>
-            <a:off x="6707188" y="5138738"/>
-            <a:ext cx="762000" cy="381000"/>
-          </a:xfrm>
-          <a:prstGeom prst="rect">
-            <a:avLst/>
-          </a:prstGeom>
-          <a:solidFill>
-            <a:srgbClr val="FFFFFF"/>
-          </a:solidFill>
-          <a:ln w="9525">
-            <a:solidFill>
-              <a:schemeClr val="tx1"/>
-            </a:solidFill>
-            <a:miter lim="800000"/>
-            <a:headEnd/>
-            <a:tailEnd/>
-          </a:ln>
-        </p:spPr>
-        <p:txBody>
-          <a:bodyPr wrap="none" anchor="ctr"/>
-          <a:lstStyle/>
-          <a:p>
-            <a:pPr algn="ctr"/>
-            <a:r>
               <a:rPr lang="ko-KR" altLang="en-US" sz="1600">
                 <a:latin typeface="Noto Sans CJK KR Regular" panose="020B0500000000000000" pitchFamily="34" charset="-127"/>
                 <a:ea typeface="Noto Sans CJK KR Regular" panose="020B0500000000000000" pitchFamily="34" charset="-127"/>
               </a:rPr>
-              <a:t>우유</a:t>
+              <a:t>라면</a:t>
             </a:r>
           </a:p>
         </p:txBody>
       </p:sp>
       <p:cxnSp>
         <p:nvCxnSpPr>
-          <p:cNvPr id="38" name="AutoShape 35">
-            <a:extLst>
-              <a:ext uri="{FF2B5EF4-FFF2-40B4-BE49-F238E27FC236}">
-                <a16:creationId xmlns:a16="http://schemas.microsoft.com/office/drawing/2014/main" id="{48C1B051-5561-46E4-8A2D-80E6B01366E0}"/>
+          <p:cNvPr id="55" name="AutoShape 52">
+            <a:extLst>
+              <a:ext uri="{FF2B5EF4-FFF2-40B4-BE49-F238E27FC236}">
+                <a16:creationId xmlns:a16="http://schemas.microsoft.com/office/drawing/2014/main" id="{28B94F00-7C1A-4783-849A-802C459B760C}"/>
               </a:ext>
             </a:extLst>
           </p:cNvPr>
           <p:cNvCxnSpPr>
             <a:cxnSpLocks noChangeShapeType="1"/>
-            <a:stCxn id="33" idx="2"/>
-            <a:endCxn id="36" idx="0"/>
+            <a:stCxn id="53" idx="2"/>
+            <a:endCxn id="54" idx="0"/>
           </p:cNvCxnSpPr>
           <p:nvPr/>
         </p:nvCxnSpPr>
         <p:spPr bwMode="auto">
           <a:xfrm>
-            <a:off x="5411788" y="4986338"/>
+            <a:off x="7443788" y="5116513"/>
             <a:ext cx="0" cy="152400"/>
           </a:xfrm>
           <a:prstGeom prst="straightConnector1">
@@ -22733,24 +21296,24 @@
       </p:cxnSp>
       <p:cxnSp>
         <p:nvCxnSpPr>
-          <p:cNvPr id="39" name="AutoShape 36">
-            <a:extLst>
-              <a:ext uri="{FF2B5EF4-FFF2-40B4-BE49-F238E27FC236}">
-                <a16:creationId xmlns:a16="http://schemas.microsoft.com/office/drawing/2014/main" id="{89528B8C-9B42-405D-B067-259C7E289407}"/>
+          <p:cNvPr id="56" name="AutoShape 53">
+            <a:extLst>
+              <a:ext uri="{FF2B5EF4-FFF2-40B4-BE49-F238E27FC236}">
+                <a16:creationId xmlns:a16="http://schemas.microsoft.com/office/drawing/2014/main" id="{259D0D18-5388-46AF-A2D1-1B17C3FBF431}"/>
               </a:ext>
             </a:extLst>
           </p:cNvPr>
           <p:cNvCxnSpPr>
             <a:cxnSpLocks noChangeShapeType="1"/>
-            <a:stCxn id="34" idx="2"/>
-            <a:endCxn id="37" idx="0"/>
+            <a:stCxn id="48" idx="2"/>
+            <a:endCxn id="53" idx="0"/>
           </p:cNvCxnSpPr>
           <p:nvPr/>
         </p:nvCxnSpPr>
         <p:spPr bwMode="auto">
           <a:xfrm>
-            <a:off x="7088188" y="4986338"/>
-            <a:ext cx="0" cy="152400"/>
+            <a:off x="4929188" y="4506913"/>
+            <a:ext cx="2514600" cy="228600"/>
           </a:xfrm>
           <a:prstGeom prst="straightConnector1">
             <a:avLst/>
@@ -22768,591 +21331,45 @@
       </p:cxnSp>
       <p:cxnSp>
         <p:nvCxnSpPr>
-          <p:cNvPr id="40" name="AutoShape 37">
-            <a:extLst>
-              <a:ext uri="{FF2B5EF4-FFF2-40B4-BE49-F238E27FC236}">
-                <a16:creationId xmlns:a16="http://schemas.microsoft.com/office/drawing/2014/main" id="{8717DE47-20EB-4E1B-87E5-451A2151DF1E}"/>
+          <p:cNvPr id="57" name="직선 화살표 연결선 56">
+            <a:extLst>
+              <a:ext uri="{FF2B5EF4-FFF2-40B4-BE49-F238E27FC236}">
+                <a16:creationId xmlns:a16="http://schemas.microsoft.com/office/drawing/2014/main" id="{BFB375C6-6689-401F-A01D-28B403492E63}"/>
               </a:ext>
             </a:extLst>
           </p:cNvPr>
           <p:cNvCxnSpPr>
             <a:cxnSpLocks noChangeShapeType="1"/>
-            <a:stCxn id="33" idx="0"/>
-            <a:endCxn id="53" idx="2"/>
+            <a:stCxn id="25" idx="3"/>
+            <a:endCxn id="42" idx="1"/>
           </p:cNvCxnSpPr>
           <p:nvPr/>
         </p:nvCxnSpPr>
         <p:spPr bwMode="auto">
-          <a:xfrm flipV="1">
-            <a:off x="5411788" y="4376738"/>
-            <a:ext cx="0" cy="228600"/>
+          <a:xfrm>
+            <a:off x="4090988" y="4354513"/>
+            <a:ext cx="304800" cy="1587"/>
           </a:xfrm>
           <a:prstGeom prst="straightConnector1">
             <a:avLst/>
           </a:prstGeom>
           <a:noFill/>
-          <a:ln w="9525">
+          <a:ln w="31750" algn="ctr">
             <a:solidFill>
               <a:schemeClr val="tx1"/>
             </a:solidFill>
             <a:round/>
             <a:headEnd/>
-            <a:tailEnd/>
+            <a:tailEnd type="arrow" w="med" len="med"/>
           </a:ln>
         </p:spPr>
       </p:cxnSp>
-      <p:cxnSp>
-        <p:nvCxnSpPr>
-          <p:cNvPr id="41" name="AutoShape 38">
-            <a:extLst>
-              <a:ext uri="{FF2B5EF4-FFF2-40B4-BE49-F238E27FC236}">
-                <a16:creationId xmlns:a16="http://schemas.microsoft.com/office/drawing/2014/main" id="{F2090D80-2E4F-4E65-9907-1A7ED5957E98}"/>
-              </a:ext>
-            </a:extLst>
-          </p:cNvPr>
-          <p:cNvCxnSpPr>
-            <a:cxnSpLocks noChangeShapeType="1"/>
-            <a:stCxn id="34" idx="0"/>
-            <a:endCxn id="53" idx="2"/>
-          </p:cNvCxnSpPr>
-          <p:nvPr/>
-        </p:nvCxnSpPr>
-        <p:spPr bwMode="auto">
-          <a:xfrm flipH="1" flipV="1">
-            <a:off x="5411788" y="4376738"/>
-            <a:ext cx="1676400" cy="228600"/>
-          </a:xfrm>
-          <a:prstGeom prst="straightConnector1">
-            <a:avLst/>
-          </a:prstGeom>
-          <a:noFill/>
-          <a:ln w="9525">
-            <a:solidFill>
-              <a:schemeClr val="tx1"/>
-            </a:solidFill>
-            <a:round/>
-            <a:headEnd/>
-            <a:tailEnd/>
-          </a:ln>
-        </p:spPr>
-      </p:cxnSp>
-      <p:cxnSp>
-        <p:nvCxnSpPr>
-          <p:cNvPr id="42" name="AutoShape 39">
-            <a:extLst>
-              <a:ext uri="{FF2B5EF4-FFF2-40B4-BE49-F238E27FC236}">
-                <a16:creationId xmlns:a16="http://schemas.microsoft.com/office/drawing/2014/main" id="{A335FE2E-0215-44C0-A77E-C9F4E0CB70A3}"/>
-              </a:ext>
-            </a:extLst>
-          </p:cNvPr>
-          <p:cNvCxnSpPr>
-            <a:cxnSpLocks noChangeShapeType="1"/>
-            <a:stCxn id="53" idx="3"/>
-            <a:endCxn id="35" idx="1"/>
-          </p:cNvCxnSpPr>
-          <p:nvPr/>
-        </p:nvCxnSpPr>
-        <p:spPr bwMode="auto">
-          <a:xfrm flipV="1">
-            <a:off x="5792788" y="3957638"/>
-            <a:ext cx="457200" cy="228600"/>
-          </a:xfrm>
-          <a:prstGeom prst="straightConnector1">
-            <a:avLst/>
-          </a:prstGeom>
-          <a:noFill/>
-          <a:ln w="9525">
-            <a:solidFill>
-              <a:schemeClr val="tx1"/>
-            </a:solidFill>
-            <a:prstDash val="lgDash"/>
-            <a:round/>
-            <a:headEnd/>
-            <a:tailEnd/>
-          </a:ln>
-        </p:spPr>
-      </p:cxnSp>
-      <p:sp>
-        <p:nvSpPr>
-          <p:cNvPr id="43" name="Rectangle 40">
-            <a:extLst>
-              <a:ext uri="{FF2B5EF4-FFF2-40B4-BE49-F238E27FC236}">
-                <a16:creationId xmlns:a16="http://schemas.microsoft.com/office/drawing/2014/main" id="{B95D2FD4-ED5C-4186-BCBD-DF4DEB007045}"/>
-              </a:ext>
-            </a:extLst>
-          </p:cNvPr>
-          <p:cNvSpPr>
-            <a:spLocks noChangeArrowheads="1"/>
-          </p:cNvSpPr>
-          <p:nvPr/>
-        </p:nvSpPr>
-        <p:spPr bwMode="auto">
-          <a:xfrm>
-            <a:off x="5030788" y="3005138"/>
-            <a:ext cx="762000" cy="381000"/>
-          </a:xfrm>
-          <a:prstGeom prst="rect">
-            <a:avLst/>
-          </a:prstGeom>
-          <a:solidFill>
-            <a:schemeClr val="accent1"/>
-          </a:solidFill>
-          <a:ln w="9525">
-            <a:solidFill>
-              <a:schemeClr val="tx1"/>
-            </a:solidFill>
-            <a:miter lim="800000"/>
-            <a:headEnd/>
-            <a:tailEnd/>
-          </a:ln>
-        </p:spPr>
-        <p:txBody>
-          <a:bodyPr wrap="none" anchor="ctr"/>
-          <a:lstStyle/>
-          <a:p>
-            <a:pPr algn="ctr"/>
-            <a:r>
-              <a:rPr lang="en-US" altLang="ko-KR" sz="1600">
-                <a:latin typeface="Noto Sans CJK KR Regular" panose="020B0500000000000000" pitchFamily="34" charset="-127"/>
-                <a:ea typeface="Noto Sans CJK KR Regular" panose="020B0500000000000000" pitchFamily="34" charset="-127"/>
-              </a:rPr>
-              <a:t>html</a:t>
-            </a:r>
-          </a:p>
-        </p:txBody>
-      </p:sp>
-      <p:sp>
-        <p:nvSpPr>
-          <p:cNvPr id="44" name="Rectangle 41">
-            <a:extLst>
-              <a:ext uri="{FF2B5EF4-FFF2-40B4-BE49-F238E27FC236}">
-                <a16:creationId xmlns:a16="http://schemas.microsoft.com/office/drawing/2014/main" id="{1B1A724D-9A10-4C19-8EC6-ED0DF853F135}"/>
-              </a:ext>
-            </a:extLst>
-          </p:cNvPr>
-          <p:cNvSpPr>
-            <a:spLocks noChangeArrowheads="1"/>
-          </p:cNvSpPr>
-          <p:nvPr/>
-        </p:nvSpPr>
-        <p:spPr bwMode="auto">
-          <a:xfrm>
-            <a:off x="5030788" y="3462338"/>
-            <a:ext cx="762000" cy="381000"/>
-          </a:xfrm>
-          <a:prstGeom prst="rect">
-            <a:avLst/>
-          </a:prstGeom>
-          <a:solidFill>
-            <a:schemeClr val="accent1"/>
-          </a:solidFill>
-          <a:ln w="9525">
-            <a:solidFill>
-              <a:schemeClr val="tx1"/>
-            </a:solidFill>
-            <a:miter lim="800000"/>
-            <a:headEnd/>
-            <a:tailEnd/>
-          </a:ln>
-        </p:spPr>
-        <p:txBody>
-          <a:bodyPr wrap="none" anchor="ctr"/>
-          <a:lstStyle/>
-          <a:p>
-            <a:pPr algn="ctr"/>
-            <a:r>
-              <a:rPr lang="en-US" altLang="ko-KR" sz="1600">
-                <a:latin typeface="Noto Sans CJK KR Regular" panose="020B0500000000000000" pitchFamily="34" charset="-127"/>
-                <a:ea typeface="Noto Sans CJK KR Regular" panose="020B0500000000000000" pitchFamily="34" charset="-127"/>
-              </a:rPr>
-              <a:t>body</a:t>
-            </a:r>
-          </a:p>
-        </p:txBody>
-      </p:sp>
-      <p:cxnSp>
-        <p:nvCxnSpPr>
-          <p:cNvPr id="45" name="AutoShape 42">
-            <a:extLst>
-              <a:ext uri="{FF2B5EF4-FFF2-40B4-BE49-F238E27FC236}">
-                <a16:creationId xmlns:a16="http://schemas.microsoft.com/office/drawing/2014/main" id="{A8245A19-B0EE-4990-845D-CF2BA433FF63}"/>
-              </a:ext>
-            </a:extLst>
-          </p:cNvPr>
-          <p:cNvCxnSpPr>
-            <a:cxnSpLocks noChangeShapeType="1"/>
-            <a:stCxn id="43" idx="2"/>
-            <a:endCxn id="44" idx="0"/>
-          </p:cNvCxnSpPr>
-          <p:nvPr/>
-        </p:nvCxnSpPr>
-        <p:spPr bwMode="auto">
-          <a:xfrm>
-            <a:off x="5411788" y="3386138"/>
-            <a:ext cx="0" cy="76200"/>
-          </a:xfrm>
-          <a:prstGeom prst="straightConnector1">
-            <a:avLst/>
-          </a:prstGeom>
-          <a:noFill/>
-          <a:ln w="9525">
-            <a:solidFill>
-              <a:schemeClr val="tx1"/>
-            </a:solidFill>
-            <a:round/>
-            <a:headEnd/>
-            <a:tailEnd/>
-          </a:ln>
-        </p:spPr>
-      </p:cxnSp>
-      <p:cxnSp>
-        <p:nvCxnSpPr>
-          <p:cNvPr id="46" name="AutoShape 43">
-            <a:extLst>
-              <a:ext uri="{FF2B5EF4-FFF2-40B4-BE49-F238E27FC236}">
-                <a16:creationId xmlns:a16="http://schemas.microsoft.com/office/drawing/2014/main" id="{76F875B0-B594-4BFF-B88A-09E7BB9F4717}"/>
-              </a:ext>
-            </a:extLst>
-          </p:cNvPr>
-          <p:cNvCxnSpPr>
-            <a:cxnSpLocks noChangeShapeType="1"/>
-            <a:stCxn id="53" idx="0"/>
-            <a:endCxn id="44" idx="2"/>
-          </p:cNvCxnSpPr>
-          <p:nvPr/>
-        </p:nvCxnSpPr>
-        <p:spPr bwMode="auto">
-          <a:xfrm flipV="1">
-            <a:off x="5411788" y="3843338"/>
-            <a:ext cx="0" cy="152400"/>
-          </a:xfrm>
-          <a:prstGeom prst="straightConnector1">
-            <a:avLst/>
-          </a:prstGeom>
-          <a:noFill/>
-          <a:ln w="9525">
-            <a:solidFill>
-              <a:schemeClr val="tx1"/>
-            </a:solidFill>
-            <a:round/>
-            <a:headEnd/>
-            <a:tailEnd/>
-          </a:ln>
-        </p:spPr>
-      </p:cxnSp>
-      <p:sp>
-        <p:nvSpPr>
-          <p:cNvPr id="47" name="Rectangle 44">
-            <a:extLst>
-              <a:ext uri="{FF2B5EF4-FFF2-40B4-BE49-F238E27FC236}">
-                <a16:creationId xmlns:a16="http://schemas.microsoft.com/office/drawing/2014/main" id="{E2B89915-4C5D-4900-ABB3-2A5F5708BDCD}"/>
-              </a:ext>
-            </a:extLst>
-          </p:cNvPr>
-          <p:cNvSpPr>
-            <a:spLocks noChangeArrowheads="1"/>
-          </p:cNvSpPr>
-          <p:nvPr/>
-        </p:nvSpPr>
-        <p:spPr bwMode="auto">
-          <a:xfrm>
-            <a:off x="4878388" y="2852738"/>
-            <a:ext cx="3429000" cy="2743200"/>
-          </a:xfrm>
-          <a:prstGeom prst="rect">
-            <a:avLst/>
-          </a:prstGeom>
-          <a:noFill/>
-          <a:ln w="9525">
-            <a:solidFill>
-              <a:schemeClr val="tx1"/>
-            </a:solidFill>
-            <a:miter lim="800000"/>
-            <a:headEnd/>
-            <a:tailEnd/>
-          </a:ln>
-        </p:spPr>
-        <p:txBody>
-          <a:bodyPr wrap="none" anchor="ctr"/>
-          <a:lstStyle/>
-          <a:p>
-            <a:pPr algn="ctr"/>
-            <a:endParaRPr lang="ko-KR" altLang="en-US">
-              <a:latin typeface="Noto Sans CJK KR Regular" panose="020B0500000000000000" pitchFamily="34" charset="-127"/>
-              <a:ea typeface="Noto Sans CJK KR Regular" panose="020B0500000000000000" pitchFamily="34" charset="-127"/>
-            </a:endParaRPr>
-          </a:p>
-        </p:txBody>
-      </p:sp>
-      <p:sp>
-        <p:nvSpPr>
-          <p:cNvPr id="48" name="Text Box 45">
-            <a:extLst>
-              <a:ext uri="{FF2B5EF4-FFF2-40B4-BE49-F238E27FC236}">
-                <a16:creationId xmlns:a16="http://schemas.microsoft.com/office/drawing/2014/main" id="{E22FB1CE-1CB9-447B-9307-92A38FD8BADF}"/>
-              </a:ext>
-            </a:extLst>
-          </p:cNvPr>
-          <p:cNvSpPr txBox="1">
-            <a:spLocks noChangeArrowheads="1"/>
-          </p:cNvSpPr>
-          <p:nvPr/>
-        </p:nvSpPr>
-        <p:spPr bwMode="auto">
-          <a:xfrm>
-            <a:off x="6615113" y="2874963"/>
-            <a:ext cx="1343638" cy="369332"/>
-          </a:xfrm>
-          <a:prstGeom prst="rect">
-            <a:avLst/>
-          </a:prstGeom>
-          <a:noFill/>
-          <a:ln w="9525">
-            <a:noFill/>
-            <a:miter lim="800000"/>
-            <a:headEnd/>
-            <a:tailEnd/>
-          </a:ln>
-        </p:spPr>
-        <p:txBody>
-          <a:bodyPr wrap="none">
-            <a:spAutoFit/>
-          </a:bodyPr>
-          <a:lstStyle/>
-          <a:p>
-            <a:r>
-              <a:rPr lang="en-US" altLang="ko-KR">
-                <a:latin typeface="Noto Sans CJK KR Regular" panose="020B0500000000000000" pitchFamily="34" charset="-127"/>
-                <a:ea typeface="Noto Sans CJK KR Regular" panose="020B0500000000000000" pitchFamily="34" charset="-127"/>
-              </a:rPr>
-              <a:t>document</a:t>
-            </a:r>
-          </a:p>
-        </p:txBody>
-      </p:sp>
-      <p:sp>
-        <p:nvSpPr>
-          <p:cNvPr id="49" name="Rectangle 46">
-            <a:extLst>
-              <a:ext uri="{FF2B5EF4-FFF2-40B4-BE49-F238E27FC236}">
-                <a16:creationId xmlns:a16="http://schemas.microsoft.com/office/drawing/2014/main" id="{512F8AE0-263B-440C-8E97-127D25E85B93}"/>
-              </a:ext>
-            </a:extLst>
-          </p:cNvPr>
-          <p:cNvSpPr>
-            <a:spLocks noChangeArrowheads="1"/>
-          </p:cNvSpPr>
-          <p:nvPr/>
-        </p:nvSpPr>
-        <p:spPr bwMode="auto">
-          <a:xfrm>
-            <a:off x="5868988" y="4605338"/>
-            <a:ext cx="762000" cy="381000"/>
-          </a:xfrm>
-          <a:prstGeom prst="rect">
-            <a:avLst/>
-          </a:prstGeom>
-          <a:solidFill>
-            <a:srgbClr val="CC99FF"/>
-          </a:solidFill>
-          <a:ln w="9525">
-            <a:solidFill>
-              <a:schemeClr val="tx1"/>
-            </a:solidFill>
-            <a:miter lim="800000"/>
-            <a:headEnd/>
-            <a:tailEnd/>
-          </a:ln>
-        </p:spPr>
-        <p:txBody>
-          <a:bodyPr wrap="none" anchor="ctr"/>
-          <a:lstStyle/>
-          <a:p>
-            <a:pPr algn="ctr"/>
-            <a:r>
-              <a:rPr lang="en-US" altLang="ko-KR" sz="1600">
-                <a:latin typeface="Noto Sans CJK KR Regular" panose="020B0500000000000000" pitchFamily="34" charset="-127"/>
-                <a:ea typeface="Noto Sans CJK KR Regular" panose="020B0500000000000000" pitchFamily="34" charset="-127"/>
-              </a:rPr>
-              <a:t>li</a:t>
-            </a:r>
-          </a:p>
-        </p:txBody>
-      </p:sp>
-      <p:sp>
-        <p:nvSpPr>
-          <p:cNvPr id="50" name="Rectangle 47">
-            <a:extLst>
-              <a:ext uri="{FF2B5EF4-FFF2-40B4-BE49-F238E27FC236}">
-                <a16:creationId xmlns:a16="http://schemas.microsoft.com/office/drawing/2014/main" id="{7618178E-FF60-4253-A5BD-130E06E5065D}"/>
-              </a:ext>
-            </a:extLst>
-          </p:cNvPr>
-          <p:cNvSpPr>
-            <a:spLocks noChangeArrowheads="1"/>
-          </p:cNvSpPr>
-          <p:nvPr/>
-        </p:nvSpPr>
-        <p:spPr bwMode="auto">
-          <a:xfrm>
-            <a:off x="5868988" y="5138738"/>
-            <a:ext cx="762000" cy="381000"/>
-          </a:xfrm>
-          <a:prstGeom prst="rect">
-            <a:avLst/>
-          </a:prstGeom>
-          <a:solidFill>
-            <a:srgbClr val="FFFFFF"/>
-          </a:solidFill>
-          <a:ln w="9525">
-            <a:solidFill>
-              <a:schemeClr val="tx1"/>
-            </a:solidFill>
-            <a:miter lim="800000"/>
-            <a:headEnd/>
-            <a:tailEnd/>
-          </a:ln>
-        </p:spPr>
-        <p:txBody>
-          <a:bodyPr wrap="none" anchor="ctr"/>
-          <a:lstStyle/>
-          <a:p>
-            <a:pPr algn="ctr"/>
-            <a:r>
-              <a:rPr lang="ko-KR" altLang="en-US" sz="1600" dirty="0">
-                <a:latin typeface="Noto Sans CJK KR Regular" panose="020B0500000000000000" pitchFamily="34" charset="-127"/>
-                <a:ea typeface="Noto Sans CJK KR Regular" panose="020B0500000000000000" pitchFamily="34" charset="-127"/>
-              </a:rPr>
-              <a:t>라면</a:t>
-            </a:r>
-          </a:p>
-        </p:txBody>
-      </p:sp>
-      <p:cxnSp>
-        <p:nvCxnSpPr>
-          <p:cNvPr id="51" name="AutoShape 48">
-            <a:extLst>
-              <a:ext uri="{FF2B5EF4-FFF2-40B4-BE49-F238E27FC236}">
-                <a16:creationId xmlns:a16="http://schemas.microsoft.com/office/drawing/2014/main" id="{CEBB3D59-4425-4D2E-B19F-B34A4E10C235}"/>
-              </a:ext>
-            </a:extLst>
-          </p:cNvPr>
-          <p:cNvCxnSpPr>
-            <a:cxnSpLocks noChangeShapeType="1"/>
-            <a:stCxn id="50" idx="0"/>
-            <a:endCxn id="49" idx="2"/>
-          </p:cNvCxnSpPr>
-          <p:nvPr/>
-        </p:nvCxnSpPr>
-        <p:spPr bwMode="auto">
-          <a:xfrm flipV="1">
-            <a:off x="6249988" y="4986338"/>
-            <a:ext cx="0" cy="152400"/>
-          </a:xfrm>
-          <a:prstGeom prst="straightConnector1">
-            <a:avLst/>
-          </a:prstGeom>
-          <a:noFill/>
-          <a:ln w="9525">
-            <a:solidFill>
-              <a:schemeClr val="tx1"/>
-            </a:solidFill>
-            <a:round/>
-            <a:headEnd/>
-            <a:tailEnd/>
-          </a:ln>
-        </p:spPr>
-      </p:cxnSp>
-      <p:cxnSp>
-        <p:nvCxnSpPr>
-          <p:cNvPr id="52" name="AutoShape 49">
-            <a:extLst>
-              <a:ext uri="{FF2B5EF4-FFF2-40B4-BE49-F238E27FC236}">
-                <a16:creationId xmlns:a16="http://schemas.microsoft.com/office/drawing/2014/main" id="{2A2093A8-499A-4141-B935-9B5DBC75ECF2}"/>
-              </a:ext>
-            </a:extLst>
-          </p:cNvPr>
-          <p:cNvCxnSpPr>
-            <a:cxnSpLocks noChangeShapeType="1"/>
-            <a:stCxn id="53" idx="2"/>
-            <a:endCxn id="49" idx="0"/>
-          </p:cNvCxnSpPr>
-          <p:nvPr/>
-        </p:nvCxnSpPr>
-        <p:spPr bwMode="auto">
-          <a:xfrm>
-            <a:off x="5411788" y="4376738"/>
-            <a:ext cx="838200" cy="228600"/>
-          </a:xfrm>
-          <a:prstGeom prst="straightConnector1">
-            <a:avLst/>
-          </a:prstGeom>
-          <a:noFill/>
-          <a:ln w="9525">
-            <a:solidFill>
-              <a:schemeClr val="tx1"/>
-            </a:solidFill>
-            <a:round/>
-            <a:headEnd/>
-            <a:tailEnd/>
-          </a:ln>
-        </p:spPr>
-      </p:cxnSp>
-      <p:sp>
-        <p:nvSpPr>
-          <p:cNvPr id="53" name="Rectangle 50">
-            <a:extLst>
-              <a:ext uri="{FF2B5EF4-FFF2-40B4-BE49-F238E27FC236}">
-                <a16:creationId xmlns:a16="http://schemas.microsoft.com/office/drawing/2014/main" id="{13D7D0E4-7D31-4495-B941-E05EC558096C}"/>
-              </a:ext>
-            </a:extLst>
-          </p:cNvPr>
-          <p:cNvSpPr>
-            <a:spLocks noChangeArrowheads="1"/>
-          </p:cNvSpPr>
-          <p:nvPr/>
-        </p:nvSpPr>
-        <p:spPr bwMode="auto">
-          <a:xfrm>
-            <a:off x="5030788" y="3995738"/>
-            <a:ext cx="762000" cy="381000"/>
-          </a:xfrm>
-          <a:prstGeom prst="rect">
-            <a:avLst/>
-          </a:prstGeom>
-          <a:solidFill>
-            <a:schemeClr val="accent1"/>
-          </a:solidFill>
-          <a:ln w="9525">
-            <a:solidFill>
-              <a:schemeClr val="tx1"/>
-            </a:solidFill>
-            <a:miter lim="800000"/>
-            <a:headEnd/>
-            <a:tailEnd/>
-          </a:ln>
-        </p:spPr>
-        <p:txBody>
-          <a:bodyPr wrap="none" anchor="ctr"/>
-          <a:lstStyle/>
-          <a:p>
-            <a:pPr algn="ctr"/>
-            <a:r>
-              <a:rPr lang="en-US" altLang="ko-KR" sz="1600">
-                <a:latin typeface="Noto Sans CJK KR Regular" panose="020B0500000000000000" pitchFamily="34" charset="-127"/>
-                <a:ea typeface="Noto Sans CJK KR Regular" panose="020B0500000000000000" pitchFamily="34" charset="-127"/>
-              </a:rPr>
-              <a:t>ul</a:t>
-            </a:r>
-          </a:p>
-        </p:txBody>
-      </p:sp>
       <p:pic>
         <p:nvPicPr>
-          <p:cNvPr id="54" name="그림 53" descr="코딩아이콘.png">
-            <a:extLst>
-              <a:ext uri="{FF2B5EF4-FFF2-40B4-BE49-F238E27FC236}">
-                <a16:creationId xmlns:a16="http://schemas.microsoft.com/office/drawing/2014/main" id="{272ED67F-2F9E-40F9-B651-FF33D9362B85}"/>
+          <p:cNvPr id="58" name="그림 57" descr="코딩아이콘.png">
+            <a:extLst>
+              <a:ext uri="{FF2B5EF4-FFF2-40B4-BE49-F238E27FC236}">
+                <a16:creationId xmlns:a16="http://schemas.microsoft.com/office/drawing/2014/main" id="{E70B5E04-D094-43FE-92C9-6D18BD6E7901}"/>
               </a:ext>
             </a:extLst>
           </p:cNvPr>
@@ -23379,10 +21396,10 @@
       </p:pic>
       <p:sp>
         <p:nvSpPr>
-          <p:cNvPr id="55" name="TextBox 54">
-            <a:extLst>
-              <a:ext uri="{FF2B5EF4-FFF2-40B4-BE49-F238E27FC236}">
-                <a16:creationId xmlns:a16="http://schemas.microsoft.com/office/drawing/2014/main" id="{6071FFB2-BC12-44E9-9DF0-4EE9F2A0CD2F}"/>
+          <p:cNvPr id="59" name="TextBox 58">
+            <a:extLst>
+              <a:ext uri="{FF2B5EF4-FFF2-40B4-BE49-F238E27FC236}">
+                <a16:creationId xmlns:a16="http://schemas.microsoft.com/office/drawing/2014/main" id="{38F3E018-06DF-44FF-A995-C3794657BFEF}"/>
               </a:ext>
             </a:extLst>
           </p:cNvPr>
@@ -23435,7 +21452,7 @@
     </p:spTree>
     <p:extLst>
       <p:ext uri="{BB962C8B-B14F-4D97-AF65-F5344CB8AC3E}">
-        <p14:creationId xmlns:p14="http://schemas.microsoft.com/office/powerpoint/2010/main" val="1758653953"/>
+        <p14:creationId xmlns:p14="http://schemas.microsoft.com/office/powerpoint/2010/main" val="2458271092"/>
       </p:ext>
     </p:extLst>
   </p:cSld>
@@ -23524,7 +21541,7 @@
                 <a:latin typeface="Noto Sans CJK KR DemiLight" panose="020B0400000000000000" pitchFamily="34" charset="-128"/>
                 <a:ea typeface="Noto Sans CJK KR DemiLight" panose="020B0400000000000000" pitchFamily="34" charset="-128"/>
               </a:rPr>
-              <a:t>  노드 복사</a:t>
+              <a:t>  노드 삭제</a:t>
             </a:r>
             <a:endParaRPr kumimoji="1" lang="ko-KR" altLang="en-US" sz="1600" spc="-60" dirty="0">
               <a:solidFill>
@@ -23593,6 +21610,2519 @@
             <a:fld id="{3D1FA427-4C48-8040-8FB9-DF0FCDFDEE83}" type="slidenum">
               <a:rPr kumimoji="1" lang="ko-KR" altLang="en-US" smtClean="0"/>
               <a:t>18</a:t>
+            </a:fld>
+            <a:endParaRPr kumimoji="1" lang="ko-KR" altLang="en-US"/>
+          </a:p>
+        </p:txBody>
+      </p:sp>
+      <p:sp>
+        <p:nvSpPr>
+          <p:cNvPr id="5" name="Text Box 15">
+            <a:extLst>
+              <a:ext uri="{FF2B5EF4-FFF2-40B4-BE49-F238E27FC236}">
+                <a16:creationId xmlns:a16="http://schemas.microsoft.com/office/drawing/2014/main" id="{C92A1410-6E6D-47DC-A391-0771D752DEA6}"/>
+              </a:ext>
+            </a:extLst>
+          </p:cNvPr>
+          <p:cNvSpPr txBox="1">
+            <a:spLocks noChangeArrowheads="1"/>
+          </p:cNvSpPr>
+          <p:nvPr/>
+        </p:nvSpPr>
+        <p:spPr bwMode="auto">
+          <a:xfrm>
+            <a:off x="395288" y="836613"/>
+            <a:ext cx="8353425" cy="946150"/>
+          </a:xfrm>
+          <a:prstGeom prst="rect">
+            <a:avLst/>
+          </a:prstGeom>
+          <a:noFill/>
+          <a:ln w="9525">
+            <a:noFill/>
+            <a:miter lim="800000"/>
+            <a:headEnd/>
+            <a:tailEnd/>
+          </a:ln>
+        </p:spPr>
+        <p:txBody>
+          <a:bodyPr>
+            <a:spAutoFit/>
+          </a:bodyPr>
+          <a:lstStyle/>
+          <a:p>
+            <a:pPr>
+              <a:buFont typeface="맑은 고딕" pitchFamily="50" charset="-127"/>
+              <a:buChar char="▶"/>
+            </a:pPr>
+            <a:r>
+              <a:rPr lang="en-US" altLang="ko-KR" sz="2000" dirty="0">
+                <a:latin typeface="Noto Sans CJK KR Regular" panose="020B0500000000000000" pitchFamily="34" charset="-127"/>
+                <a:ea typeface="Noto Sans CJK KR Regular" panose="020B0500000000000000" pitchFamily="34" charset="-127"/>
+              </a:rPr>
+              <a:t> </a:t>
+            </a:r>
+            <a:r>
+              <a:rPr lang="ko-KR" altLang="en-US" sz="2000" dirty="0" err="1">
+                <a:latin typeface="Noto Sans CJK KR Regular" panose="020B0500000000000000" pitchFamily="34" charset="-127"/>
+                <a:ea typeface="Noto Sans CJK KR Regular" panose="020B0500000000000000" pitchFamily="34" charset="-127"/>
+              </a:rPr>
+              <a:t>노드</a:t>
+            </a:r>
+            <a:r>
+              <a:rPr lang="ko-KR" altLang="en-US" sz="2000" dirty="0">
+                <a:latin typeface="Noto Sans CJK KR Regular" panose="020B0500000000000000" pitchFamily="34" charset="-127"/>
+                <a:ea typeface="Noto Sans CJK KR Regular" panose="020B0500000000000000" pitchFamily="34" charset="-127"/>
+              </a:rPr>
+              <a:t> 삭제</a:t>
+            </a:r>
+            <a:endParaRPr lang="en-US" altLang="ko-KR" sz="2000" dirty="0">
+              <a:latin typeface="Noto Sans CJK KR Regular" panose="020B0500000000000000" pitchFamily="34" charset="-127"/>
+              <a:ea typeface="Noto Sans CJK KR Regular" panose="020B0500000000000000" pitchFamily="34" charset="-127"/>
+            </a:endParaRPr>
+          </a:p>
+          <a:p>
+            <a:pPr lvl="1">
+              <a:buFontTx/>
+              <a:buChar char="•"/>
+            </a:pPr>
+            <a:r>
+              <a:rPr lang="en-US" altLang="ko-KR" b="0" dirty="0">
+                <a:latin typeface="Noto Sans CJK KR Regular" panose="020B0500000000000000" pitchFamily="34" charset="-127"/>
+                <a:ea typeface="Noto Sans CJK KR Regular" panose="020B0500000000000000" pitchFamily="34" charset="-127"/>
+              </a:rPr>
+              <a:t> </a:t>
+            </a:r>
+            <a:r>
+              <a:rPr lang="ko-KR" altLang="en-US" b="0" dirty="0" err="1">
+                <a:latin typeface="Noto Sans CJK KR Regular" panose="020B0500000000000000" pitchFamily="34" charset="-127"/>
+                <a:ea typeface="Noto Sans CJK KR Regular" panose="020B0500000000000000" pitchFamily="34" charset="-127"/>
+              </a:rPr>
+              <a:t>요소노드</a:t>
+            </a:r>
+            <a:r>
+              <a:rPr lang="en-US" altLang="ko-KR" b="0" dirty="0">
+                <a:latin typeface="Noto Sans CJK KR Regular" panose="020B0500000000000000" pitchFamily="34" charset="-127"/>
+                <a:ea typeface="Noto Sans CJK KR Regular" panose="020B0500000000000000" pitchFamily="34" charset="-127"/>
+              </a:rPr>
+              <a:t>.</a:t>
+            </a:r>
+            <a:r>
+              <a:rPr lang="en-US" altLang="ko-KR" b="0" dirty="0" err="1">
+                <a:latin typeface="Noto Sans CJK KR Regular" panose="020B0500000000000000" pitchFamily="34" charset="-127"/>
+                <a:ea typeface="Noto Sans CJK KR Regular" panose="020B0500000000000000" pitchFamily="34" charset="-127"/>
+              </a:rPr>
+              <a:t>removeChild</a:t>
+            </a:r>
+            <a:r>
+              <a:rPr lang="en-US" altLang="ko-KR" b="0" dirty="0">
+                <a:latin typeface="Noto Sans CJK KR Regular" panose="020B0500000000000000" pitchFamily="34" charset="-127"/>
+                <a:ea typeface="Noto Sans CJK KR Regular" panose="020B0500000000000000" pitchFamily="34" charset="-127"/>
+              </a:rPr>
+              <a:t>(</a:t>
+            </a:r>
+            <a:r>
+              <a:rPr lang="en-US" altLang="ko-KR" b="0" dirty="0" err="1">
+                <a:latin typeface="Noto Sans CJK KR Regular" panose="020B0500000000000000" pitchFamily="34" charset="-127"/>
+                <a:ea typeface="Noto Sans CJK KR Regular" panose="020B0500000000000000" pitchFamily="34" charset="-127"/>
+              </a:rPr>
+              <a:t>childNode</a:t>
+            </a:r>
+            <a:r>
+              <a:rPr lang="en-US" altLang="ko-KR" b="0" dirty="0">
+                <a:latin typeface="Noto Sans CJK KR Regular" panose="020B0500000000000000" pitchFamily="34" charset="-127"/>
+                <a:ea typeface="Noto Sans CJK KR Regular" panose="020B0500000000000000" pitchFamily="34" charset="-127"/>
+              </a:rPr>
+              <a:t>)</a:t>
+            </a:r>
+          </a:p>
+          <a:p>
+            <a:pPr marL="1143000" lvl="2" indent="-228600">
+              <a:buFontTx/>
+              <a:buChar char="•"/>
+            </a:pPr>
+            <a:r>
+              <a:rPr lang="ko-KR" altLang="en-US" b="0" dirty="0">
+                <a:latin typeface="Noto Sans CJK KR Regular" panose="020B0500000000000000" pitchFamily="34" charset="-127"/>
+                <a:ea typeface="Noto Sans CJK KR Regular" panose="020B0500000000000000" pitchFamily="34" charset="-127"/>
+              </a:rPr>
+              <a:t>지정한 </a:t>
+            </a:r>
+            <a:r>
+              <a:rPr lang="ko-KR" altLang="en-US" b="0" dirty="0" err="1">
+                <a:latin typeface="Noto Sans CJK KR Regular" panose="020B0500000000000000" pitchFamily="34" charset="-127"/>
+                <a:ea typeface="Noto Sans CJK KR Regular" panose="020B0500000000000000" pitchFamily="34" charset="-127"/>
+              </a:rPr>
+              <a:t>노드를</a:t>
+            </a:r>
+            <a:r>
+              <a:rPr lang="en-US" altLang="ko-KR" b="0" dirty="0">
+                <a:latin typeface="Noto Sans CJK KR Regular" panose="020B0500000000000000" pitchFamily="34" charset="-127"/>
+                <a:ea typeface="Noto Sans CJK KR Regular" panose="020B0500000000000000" pitchFamily="34" charset="-127"/>
+              </a:rPr>
+              <a:t>(</a:t>
+            </a:r>
+            <a:r>
+              <a:rPr lang="en-US" altLang="ko-KR" b="0" dirty="0" err="1">
+                <a:latin typeface="Noto Sans CJK KR Regular" panose="020B0500000000000000" pitchFamily="34" charset="-127"/>
+                <a:ea typeface="Noto Sans CJK KR Regular" panose="020B0500000000000000" pitchFamily="34" charset="-127"/>
+              </a:rPr>
+              <a:t>childNode</a:t>
+            </a:r>
+            <a:r>
+              <a:rPr lang="en-US" altLang="ko-KR" b="0" dirty="0">
+                <a:latin typeface="Noto Sans CJK KR Regular" panose="020B0500000000000000" pitchFamily="34" charset="-127"/>
+                <a:ea typeface="Noto Sans CJK KR Regular" panose="020B0500000000000000" pitchFamily="34" charset="-127"/>
+              </a:rPr>
+              <a:t>) </a:t>
+            </a:r>
+            <a:r>
+              <a:rPr lang="ko-KR" altLang="en-US" b="0" dirty="0">
+                <a:latin typeface="Noto Sans CJK KR Regular" panose="020B0500000000000000" pitchFamily="34" charset="-127"/>
+                <a:ea typeface="Noto Sans CJK KR Regular" panose="020B0500000000000000" pitchFamily="34" charset="-127"/>
+              </a:rPr>
+              <a:t>삭제한다</a:t>
+            </a:r>
+            <a:r>
+              <a:rPr lang="en-US" altLang="ko-KR" b="0" dirty="0">
+                <a:latin typeface="Noto Sans CJK KR Regular" panose="020B0500000000000000" pitchFamily="34" charset="-127"/>
+                <a:ea typeface="Noto Sans CJK KR Regular" panose="020B0500000000000000" pitchFamily="34" charset="-127"/>
+              </a:rPr>
+              <a:t>.</a:t>
+            </a:r>
+            <a:endParaRPr lang="ko-KR" altLang="en-US" b="0" dirty="0">
+              <a:latin typeface="Noto Sans CJK KR Regular" panose="020B0500000000000000" pitchFamily="34" charset="-127"/>
+              <a:ea typeface="Noto Sans CJK KR Regular" panose="020B0500000000000000" pitchFamily="34" charset="-127"/>
+            </a:endParaRPr>
+          </a:p>
+        </p:txBody>
+      </p:sp>
+      <p:sp>
+        <p:nvSpPr>
+          <p:cNvPr id="6" name="Text Box 4">
+            <a:extLst>
+              <a:ext uri="{FF2B5EF4-FFF2-40B4-BE49-F238E27FC236}">
+                <a16:creationId xmlns:a16="http://schemas.microsoft.com/office/drawing/2014/main" id="{BD3AED4F-D056-420D-9B2B-E708356DBA08}"/>
+              </a:ext>
+            </a:extLst>
+          </p:cNvPr>
+          <p:cNvSpPr txBox="1">
+            <a:spLocks noChangeArrowheads="1"/>
+          </p:cNvSpPr>
+          <p:nvPr/>
+        </p:nvSpPr>
+        <p:spPr bwMode="auto">
+          <a:xfrm>
+            <a:off x="228600" y="1989138"/>
+            <a:ext cx="8093075" cy="641350"/>
+          </a:xfrm>
+          <a:prstGeom prst="rect">
+            <a:avLst/>
+          </a:prstGeom>
+          <a:solidFill>
+            <a:schemeClr val="bg1"/>
+          </a:solidFill>
+          <a:ln w="9525">
+            <a:noFill/>
+            <a:miter lim="800000"/>
+            <a:headEnd/>
+            <a:tailEnd/>
+          </a:ln>
+        </p:spPr>
+        <p:txBody>
+          <a:bodyPr>
+            <a:spAutoFit/>
+          </a:bodyPr>
+          <a:lstStyle/>
+          <a:p>
+            <a:pPr marL="800100" lvl="1" indent="-342900">
+              <a:buFont typeface="굴림" pitchFamily="50" charset="-127"/>
+              <a:buChar char="☞"/>
+            </a:pPr>
+            <a:r>
+              <a:rPr lang="en-US" altLang="ko-KR">
+                <a:solidFill>
+                  <a:srgbClr val="0000FF"/>
+                </a:solidFill>
+                <a:latin typeface="Consolas" panose="020B0609020204030204" pitchFamily="49" charset="0"/>
+              </a:rPr>
+              <a:t>const</a:t>
+            </a:r>
+            <a:r>
+              <a:rPr lang="en-US" altLang="ko-KR">
+                <a:latin typeface="Consolas" panose="020B0609020204030204" pitchFamily="49" charset="0"/>
+                <a:ea typeface="맑은 고딕" pitchFamily="50" charset="-127"/>
+              </a:rPr>
+              <a:t> purchases = document.getElementById("purchases");</a:t>
+            </a:r>
+          </a:p>
+          <a:p>
+            <a:pPr marL="800100" lvl="1" indent="-342900">
+              <a:buFont typeface="굴림" pitchFamily="50" charset="-127"/>
+              <a:buChar char="☞"/>
+            </a:pPr>
+            <a:r>
+              <a:rPr lang="en-US" altLang="ko-KR">
+                <a:latin typeface="Consolas" panose="020B0609020204030204" pitchFamily="49" charset="0"/>
+                <a:ea typeface="맑은 고딕" pitchFamily="50" charset="-127"/>
+              </a:rPr>
+              <a:t>purchases.removeChild(purchases.firstChild);</a:t>
+            </a:r>
+          </a:p>
+        </p:txBody>
+      </p:sp>
+      <p:sp>
+        <p:nvSpPr>
+          <p:cNvPr id="7" name="Rectangle 5">
+            <a:extLst>
+              <a:ext uri="{FF2B5EF4-FFF2-40B4-BE49-F238E27FC236}">
+                <a16:creationId xmlns:a16="http://schemas.microsoft.com/office/drawing/2014/main" id="{C220F55B-8F32-4460-8C38-4F8070477937}"/>
+              </a:ext>
+            </a:extLst>
+          </p:cNvPr>
+          <p:cNvSpPr>
+            <a:spLocks noChangeArrowheads="1"/>
+          </p:cNvSpPr>
+          <p:nvPr/>
+        </p:nvSpPr>
+        <p:spPr bwMode="auto">
+          <a:xfrm>
+            <a:off x="763588" y="4605338"/>
+            <a:ext cx="762000" cy="381000"/>
+          </a:xfrm>
+          <a:prstGeom prst="rect">
+            <a:avLst/>
+          </a:prstGeom>
+          <a:solidFill>
+            <a:srgbClr val="FFFF99"/>
+          </a:solidFill>
+          <a:ln w="9525">
+            <a:solidFill>
+              <a:schemeClr val="tx1"/>
+            </a:solidFill>
+            <a:miter lim="800000"/>
+            <a:headEnd/>
+            <a:tailEnd/>
+          </a:ln>
+        </p:spPr>
+        <p:txBody>
+          <a:bodyPr wrap="none" anchor="ctr"/>
+          <a:lstStyle/>
+          <a:p>
+            <a:pPr algn="ctr"/>
+            <a:r>
+              <a:rPr lang="en-US" altLang="ko-KR" sz="1600">
+                <a:latin typeface="Noto Sans CJK KR Regular" panose="020B0500000000000000" pitchFamily="34" charset="-127"/>
+                <a:ea typeface="Noto Sans CJK KR Regular" panose="020B0500000000000000" pitchFamily="34" charset="-127"/>
+              </a:rPr>
+              <a:t>li</a:t>
+            </a:r>
+          </a:p>
+        </p:txBody>
+      </p:sp>
+      <p:sp>
+        <p:nvSpPr>
+          <p:cNvPr id="8" name="Rectangle 6">
+            <a:extLst>
+              <a:ext uri="{FF2B5EF4-FFF2-40B4-BE49-F238E27FC236}">
+                <a16:creationId xmlns:a16="http://schemas.microsoft.com/office/drawing/2014/main" id="{43E86AC2-339C-4244-9E35-B8550DB0A187}"/>
+              </a:ext>
+            </a:extLst>
+          </p:cNvPr>
+          <p:cNvSpPr>
+            <a:spLocks noChangeArrowheads="1"/>
+          </p:cNvSpPr>
+          <p:nvPr/>
+        </p:nvSpPr>
+        <p:spPr bwMode="auto">
+          <a:xfrm>
+            <a:off x="1601788" y="4605338"/>
+            <a:ext cx="762000" cy="381000"/>
+          </a:xfrm>
+          <a:prstGeom prst="rect">
+            <a:avLst/>
+          </a:prstGeom>
+          <a:solidFill>
+            <a:srgbClr val="CCFFCC"/>
+          </a:solidFill>
+          <a:ln w="9525">
+            <a:solidFill>
+              <a:schemeClr val="tx1"/>
+            </a:solidFill>
+            <a:miter lim="800000"/>
+            <a:headEnd/>
+            <a:tailEnd/>
+          </a:ln>
+        </p:spPr>
+        <p:txBody>
+          <a:bodyPr wrap="none" anchor="ctr"/>
+          <a:lstStyle/>
+          <a:p>
+            <a:pPr algn="ctr"/>
+            <a:r>
+              <a:rPr lang="en-US" altLang="ko-KR" sz="1600">
+                <a:latin typeface="Noto Sans CJK KR Regular" panose="020B0500000000000000" pitchFamily="34" charset="-127"/>
+                <a:ea typeface="Noto Sans CJK KR Regular" panose="020B0500000000000000" pitchFamily="34" charset="-127"/>
+              </a:rPr>
+              <a:t>li</a:t>
+            </a:r>
+          </a:p>
+        </p:txBody>
+      </p:sp>
+      <p:sp>
+        <p:nvSpPr>
+          <p:cNvPr id="9" name="Rectangle 7">
+            <a:extLst>
+              <a:ext uri="{FF2B5EF4-FFF2-40B4-BE49-F238E27FC236}">
+                <a16:creationId xmlns:a16="http://schemas.microsoft.com/office/drawing/2014/main" id="{62042858-ACD6-4090-AAE6-22942D017038}"/>
+              </a:ext>
+            </a:extLst>
+          </p:cNvPr>
+          <p:cNvSpPr>
+            <a:spLocks noChangeArrowheads="1"/>
+          </p:cNvSpPr>
+          <p:nvPr/>
+        </p:nvSpPr>
+        <p:spPr bwMode="auto">
+          <a:xfrm>
+            <a:off x="3278188" y="4605338"/>
+            <a:ext cx="762000" cy="381000"/>
+          </a:xfrm>
+          <a:prstGeom prst="rect">
+            <a:avLst/>
+          </a:prstGeom>
+          <a:solidFill>
+            <a:srgbClr val="C0C0C0"/>
+          </a:solidFill>
+          <a:ln w="9525">
+            <a:solidFill>
+              <a:schemeClr val="tx1"/>
+            </a:solidFill>
+            <a:miter lim="800000"/>
+            <a:headEnd/>
+            <a:tailEnd/>
+          </a:ln>
+        </p:spPr>
+        <p:txBody>
+          <a:bodyPr wrap="none" anchor="ctr"/>
+          <a:lstStyle/>
+          <a:p>
+            <a:pPr algn="ctr"/>
+            <a:r>
+              <a:rPr lang="en-US" altLang="ko-KR" sz="1600">
+                <a:latin typeface="Noto Sans CJK KR Regular" panose="020B0500000000000000" pitchFamily="34" charset="-127"/>
+                <a:ea typeface="Noto Sans CJK KR Regular" panose="020B0500000000000000" pitchFamily="34" charset="-127"/>
+              </a:rPr>
+              <a:t>li</a:t>
+            </a:r>
+          </a:p>
+        </p:txBody>
+      </p:sp>
+      <p:sp>
+        <p:nvSpPr>
+          <p:cNvPr id="10" name="Rectangle 8">
+            <a:extLst>
+              <a:ext uri="{FF2B5EF4-FFF2-40B4-BE49-F238E27FC236}">
+                <a16:creationId xmlns:a16="http://schemas.microsoft.com/office/drawing/2014/main" id="{0849E7CD-9709-4851-9C39-AC4DEFB37E2C}"/>
+              </a:ext>
+            </a:extLst>
+          </p:cNvPr>
+          <p:cNvSpPr>
+            <a:spLocks noChangeArrowheads="1"/>
+          </p:cNvSpPr>
+          <p:nvPr/>
+        </p:nvSpPr>
+        <p:spPr bwMode="auto">
+          <a:xfrm>
+            <a:off x="1982788" y="3767138"/>
+            <a:ext cx="1600200" cy="381000"/>
+          </a:xfrm>
+          <a:prstGeom prst="rect">
+            <a:avLst/>
+          </a:prstGeom>
+          <a:solidFill>
+            <a:srgbClr val="FFCCFF"/>
+          </a:solidFill>
+          <a:ln w="9525">
+            <a:solidFill>
+              <a:schemeClr val="tx1"/>
+            </a:solidFill>
+            <a:miter lim="800000"/>
+            <a:headEnd/>
+            <a:tailEnd/>
+          </a:ln>
+        </p:spPr>
+        <p:txBody>
+          <a:bodyPr wrap="none" anchor="ctr"/>
+          <a:lstStyle/>
+          <a:p>
+            <a:pPr algn="ctr"/>
+            <a:r>
+              <a:rPr lang="en-US" altLang="ko-KR" sz="1600">
+                <a:solidFill>
+                  <a:srgbClr val="FF0000"/>
+                </a:solidFill>
+                <a:latin typeface="Noto Sans CJK KR Regular" panose="020B0500000000000000" pitchFamily="34" charset="-127"/>
+                <a:ea typeface="Noto Sans CJK KR Regular" panose="020B0500000000000000" pitchFamily="34" charset="-127"/>
+              </a:rPr>
+              <a:t>id</a:t>
+            </a:r>
+            <a:r>
+              <a:rPr lang="en-US" altLang="ko-KR" sz="1600">
+                <a:solidFill>
+                  <a:srgbClr val="000000"/>
+                </a:solidFill>
+                <a:latin typeface="Noto Sans CJK KR Regular" panose="020B0500000000000000" pitchFamily="34" charset="-127"/>
+                <a:ea typeface="Noto Sans CJK KR Regular" panose="020B0500000000000000" pitchFamily="34" charset="-127"/>
+              </a:rPr>
+              <a:t>=</a:t>
+            </a:r>
+            <a:r>
+              <a:rPr lang="en-US" altLang="ko-KR" sz="1600">
+                <a:solidFill>
+                  <a:srgbClr val="0000FF"/>
+                </a:solidFill>
+                <a:latin typeface="Noto Sans CJK KR Regular" panose="020B0500000000000000" pitchFamily="34" charset="-127"/>
+                <a:ea typeface="Noto Sans CJK KR Regular" panose="020B0500000000000000" pitchFamily="34" charset="-127"/>
+              </a:rPr>
+              <a:t>"purchases"</a:t>
+            </a:r>
+          </a:p>
+        </p:txBody>
+      </p:sp>
+      <p:sp>
+        <p:nvSpPr>
+          <p:cNvPr id="11" name="Rectangle 9">
+            <a:extLst>
+              <a:ext uri="{FF2B5EF4-FFF2-40B4-BE49-F238E27FC236}">
+                <a16:creationId xmlns:a16="http://schemas.microsoft.com/office/drawing/2014/main" id="{78582557-46C5-4DA1-9F13-7D977A869732}"/>
+              </a:ext>
+            </a:extLst>
+          </p:cNvPr>
+          <p:cNvSpPr>
+            <a:spLocks noChangeArrowheads="1"/>
+          </p:cNvSpPr>
+          <p:nvPr/>
+        </p:nvSpPr>
+        <p:spPr bwMode="auto">
+          <a:xfrm>
+            <a:off x="763588" y="5138738"/>
+            <a:ext cx="762000" cy="381000"/>
+          </a:xfrm>
+          <a:prstGeom prst="rect">
+            <a:avLst/>
+          </a:prstGeom>
+          <a:solidFill>
+            <a:srgbClr val="FFFFFF"/>
+          </a:solidFill>
+          <a:ln w="9525">
+            <a:solidFill>
+              <a:schemeClr val="tx1"/>
+            </a:solidFill>
+            <a:miter lim="800000"/>
+            <a:headEnd/>
+            <a:tailEnd/>
+          </a:ln>
+        </p:spPr>
+        <p:txBody>
+          <a:bodyPr wrap="none" anchor="ctr"/>
+          <a:lstStyle/>
+          <a:p>
+            <a:pPr algn="ctr"/>
+            <a:r>
+              <a:rPr lang="ko-KR" altLang="en-US" sz="1600" dirty="0">
+                <a:latin typeface="Noto Sans CJK KR Regular" panose="020B0500000000000000" pitchFamily="34" charset="-127"/>
+                <a:ea typeface="Noto Sans CJK KR Regular" panose="020B0500000000000000" pitchFamily="34" charset="-127"/>
+              </a:rPr>
+              <a:t>두부</a:t>
+            </a:r>
+          </a:p>
+        </p:txBody>
+      </p:sp>
+      <p:sp>
+        <p:nvSpPr>
+          <p:cNvPr id="13" name="Rectangle 10">
+            <a:extLst>
+              <a:ext uri="{FF2B5EF4-FFF2-40B4-BE49-F238E27FC236}">
+                <a16:creationId xmlns:a16="http://schemas.microsoft.com/office/drawing/2014/main" id="{39C492DE-D988-4796-95F1-087A8E04BBC6}"/>
+              </a:ext>
+            </a:extLst>
+          </p:cNvPr>
+          <p:cNvSpPr>
+            <a:spLocks noChangeArrowheads="1"/>
+          </p:cNvSpPr>
+          <p:nvPr/>
+        </p:nvSpPr>
+        <p:spPr bwMode="auto">
+          <a:xfrm>
+            <a:off x="1601788" y="5138738"/>
+            <a:ext cx="762000" cy="381000"/>
+          </a:xfrm>
+          <a:prstGeom prst="rect">
+            <a:avLst/>
+          </a:prstGeom>
+          <a:solidFill>
+            <a:srgbClr val="FFFFFF"/>
+          </a:solidFill>
+          <a:ln w="9525">
+            <a:solidFill>
+              <a:schemeClr val="tx1"/>
+            </a:solidFill>
+            <a:miter lim="800000"/>
+            <a:headEnd/>
+            <a:tailEnd/>
+          </a:ln>
+        </p:spPr>
+        <p:txBody>
+          <a:bodyPr wrap="none" anchor="ctr"/>
+          <a:lstStyle/>
+          <a:p>
+            <a:pPr algn="ctr"/>
+            <a:r>
+              <a:rPr lang="ko-KR" altLang="en-US" sz="1600" dirty="0">
+                <a:latin typeface="Noto Sans CJK KR Regular" panose="020B0500000000000000" pitchFamily="34" charset="-127"/>
+                <a:ea typeface="Noto Sans CJK KR Regular" panose="020B0500000000000000" pitchFamily="34" charset="-127"/>
+              </a:rPr>
+              <a:t>계란</a:t>
+            </a:r>
+          </a:p>
+        </p:txBody>
+      </p:sp>
+      <p:sp>
+        <p:nvSpPr>
+          <p:cNvPr id="14" name="Rectangle 11">
+            <a:extLst>
+              <a:ext uri="{FF2B5EF4-FFF2-40B4-BE49-F238E27FC236}">
+                <a16:creationId xmlns:a16="http://schemas.microsoft.com/office/drawing/2014/main" id="{688B9E4F-0CD0-4049-B402-E0539100D8FA}"/>
+              </a:ext>
+            </a:extLst>
+          </p:cNvPr>
+          <p:cNvSpPr>
+            <a:spLocks noChangeArrowheads="1"/>
+          </p:cNvSpPr>
+          <p:nvPr/>
+        </p:nvSpPr>
+        <p:spPr bwMode="auto">
+          <a:xfrm>
+            <a:off x="3278188" y="5138738"/>
+            <a:ext cx="762000" cy="381000"/>
+          </a:xfrm>
+          <a:prstGeom prst="rect">
+            <a:avLst/>
+          </a:prstGeom>
+          <a:solidFill>
+            <a:srgbClr val="FFFFFF"/>
+          </a:solidFill>
+          <a:ln w="9525">
+            <a:solidFill>
+              <a:schemeClr val="tx1"/>
+            </a:solidFill>
+            <a:miter lim="800000"/>
+            <a:headEnd/>
+            <a:tailEnd/>
+          </a:ln>
+        </p:spPr>
+        <p:txBody>
+          <a:bodyPr wrap="none" anchor="ctr"/>
+          <a:lstStyle/>
+          <a:p>
+            <a:pPr algn="ctr"/>
+            <a:r>
+              <a:rPr lang="ko-KR" altLang="en-US" sz="1600">
+                <a:latin typeface="Noto Sans CJK KR Regular" panose="020B0500000000000000" pitchFamily="34" charset="-127"/>
+                <a:ea typeface="Noto Sans CJK KR Regular" panose="020B0500000000000000" pitchFamily="34" charset="-127"/>
+              </a:rPr>
+              <a:t>우유</a:t>
+            </a:r>
+          </a:p>
+        </p:txBody>
+      </p:sp>
+      <p:cxnSp>
+        <p:nvCxnSpPr>
+          <p:cNvPr id="15" name="AutoShape 12">
+            <a:extLst>
+              <a:ext uri="{FF2B5EF4-FFF2-40B4-BE49-F238E27FC236}">
+                <a16:creationId xmlns:a16="http://schemas.microsoft.com/office/drawing/2014/main" id="{D264C27E-4983-456C-A05D-30CEBA6F47F9}"/>
+              </a:ext>
+            </a:extLst>
+          </p:cNvPr>
+          <p:cNvCxnSpPr>
+            <a:cxnSpLocks noChangeShapeType="1"/>
+            <a:stCxn id="7" idx="2"/>
+            <a:endCxn id="11" idx="0"/>
+          </p:cNvCxnSpPr>
+          <p:nvPr/>
+        </p:nvCxnSpPr>
+        <p:spPr bwMode="auto">
+          <a:xfrm>
+            <a:off x="1144588" y="4986338"/>
+            <a:ext cx="0" cy="152400"/>
+          </a:xfrm>
+          <a:prstGeom prst="straightConnector1">
+            <a:avLst/>
+          </a:prstGeom>
+          <a:noFill/>
+          <a:ln w="9525">
+            <a:solidFill>
+              <a:schemeClr val="tx1"/>
+            </a:solidFill>
+            <a:round/>
+            <a:headEnd/>
+            <a:tailEnd/>
+          </a:ln>
+        </p:spPr>
+      </p:cxnSp>
+      <p:cxnSp>
+        <p:nvCxnSpPr>
+          <p:cNvPr id="16" name="AutoShape 13">
+            <a:extLst>
+              <a:ext uri="{FF2B5EF4-FFF2-40B4-BE49-F238E27FC236}">
+                <a16:creationId xmlns:a16="http://schemas.microsoft.com/office/drawing/2014/main" id="{84E0E9E9-F031-4945-84DA-458AAC5ACD41}"/>
+              </a:ext>
+            </a:extLst>
+          </p:cNvPr>
+          <p:cNvCxnSpPr>
+            <a:cxnSpLocks noChangeShapeType="1"/>
+            <a:stCxn id="8" idx="2"/>
+            <a:endCxn id="13" idx="0"/>
+          </p:cNvCxnSpPr>
+          <p:nvPr/>
+        </p:nvCxnSpPr>
+        <p:spPr bwMode="auto">
+          <a:xfrm>
+            <a:off x="1982788" y="4986338"/>
+            <a:ext cx="0" cy="152400"/>
+          </a:xfrm>
+          <a:prstGeom prst="straightConnector1">
+            <a:avLst/>
+          </a:prstGeom>
+          <a:noFill/>
+          <a:ln w="9525">
+            <a:solidFill>
+              <a:schemeClr val="tx1"/>
+            </a:solidFill>
+            <a:round/>
+            <a:headEnd/>
+            <a:tailEnd/>
+          </a:ln>
+        </p:spPr>
+      </p:cxnSp>
+      <p:cxnSp>
+        <p:nvCxnSpPr>
+          <p:cNvPr id="17" name="AutoShape 14">
+            <a:extLst>
+              <a:ext uri="{FF2B5EF4-FFF2-40B4-BE49-F238E27FC236}">
+                <a16:creationId xmlns:a16="http://schemas.microsoft.com/office/drawing/2014/main" id="{7AF3F795-A149-4A23-A0AF-36331D130CF8}"/>
+              </a:ext>
+            </a:extLst>
+          </p:cNvPr>
+          <p:cNvCxnSpPr>
+            <a:cxnSpLocks noChangeShapeType="1"/>
+            <a:stCxn id="9" idx="2"/>
+            <a:endCxn id="14" idx="0"/>
+          </p:cNvCxnSpPr>
+          <p:nvPr/>
+        </p:nvCxnSpPr>
+        <p:spPr bwMode="auto">
+          <a:xfrm>
+            <a:off x="3659188" y="4986338"/>
+            <a:ext cx="0" cy="152400"/>
+          </a:xfrm>
+          <a:prstGeom prst="straightConnector1">
+            <a:avLst/>
+          </a:prstGeom>
+          <a:noFill/>
+          <a:ln w="9525">
+            <a:solidFill>
+              <a:schemeClr val="tx1"/>
+            </a:solidFill>
+            <a:round/>
+            <a:headEnd/>
+            <a:tailEnd/>
+          </a:ln>
+        </p:spPr>
+      </p:cxnSp>
+      <p:cxnSp>
+        <p:nvCxnSpPr>
+          <p:cNvPr id="18" name="AutoShape 15">
+            <a:extLst>
+              <a:ext uri="{FF2B5EF4-FFF2-40B4-BE49-F238E27FC236}">
+                <a16:creationId xmlns:a16="http://schemas.microsoft.com/office/drawing/2014/main" id="{43275B6D-42E0-4B84-9085-359D060BC9DC}"/>
+              </a:ext>
+            </a:extLst>
+          </p:cNvPr>
+          <p:cNvCxnSpPr>
+            <a:cxnSpLocks noChangeShapeType="1"/>
+            <a:stCxn id="8" idx="0"/>
+            <a:endCxn id="32" idx="2"/>
+          </p:cNvCxnSpPr>
+          <p:nvPr/>
+        </p:nvCxnSpPr>
+        <p:spPr bwMode="auto">
+          <a:xfrm flipH="1" flipV="1">
+            <a:off x="1144588" y="4376738"/>
+            <a:ext cx="838200" cy="228600"/>
+          </a:xfrm>
+          <a:prstGeom prst="straightConnector1">
+            <a:avLst/>
+          </a:prstGeom>
+          <a:noFill/>
+          <a:ln w="9525">
+            <a:solidFill>
+              <a:schemeClr val="tx1"/>
+            </a:solidFill>
+            <a:round/>
+            <a:headEnd/>
+            <a:tailEnd/>
+          </a:ln>
+        </p:spPr>
+      </p:cxnSp>
+      <p:cxnSp>
+        <p:nvCxnSpPr>
+          <p:cNvPr id="19" name="AutoShape 16">
+            <a:extLst>
+              <a:ext uri="{FF2B5EF4-FFF2-40B4-BE49-F238E27FC236}">
+                <a16:creationId xmlns:a16="http://schemas.microsoft.com/office/drawing/2014/main" id="{959F3642-9BCD-4B47-BE59-BCDE0F10170C}"/>
+              </a:ext>
+            </a:extLst>
+          </p:cNvPr>
+          <p:cNvCxnSpPr>
+            <a:cxnSpLocks noChangeShapeType="1"/>
+            <a:stCxn id="7" idx="0"/>
+            <a:endCxn id="32" idx="2"/>
+          </p:cNvCxnSpPr>
+          <p:nvPr/>
+        </p:nvCxnSpPr>
+        <p:spPr bwMode="auto">
+          <a:xfrm flipV="1">
+            <a:off x="1144588" y="4376738"/>
+            <a:ext cx="0" cy="228600"/>
+          </a:xfrm>
+          <a:prstGeom prst="straightConnector1">
+            <a:avLst/>
+          </a:prstGeom>
+          <a:noFill/>
+          <a:ln w="9525">
+            <a:solidFill>
+              <a:schemeClr val="tx1"/>
+            </a:solidFill>
+            <a:round/>
+            <a:headEnd/>
+            <a:tailEnd/>
+          </a:ln>
+        </p:spPr>
+      </p:cxnSp>
+      <p:cxnSp>
+        <p:nvCxnSpPr>
+          <p:cNvPr id="20" name="AutoShape 17">
+            <a:extLst>
+              <a:ext uri="{FF2B5EF4-FFF2-40B4-BE49-F238E27FC236}">
+                <a16:creationId xmlns:a16="http://schemas.microsoft.com/office/drawing/2014/main" id="{51F936C5-6F08-4B59-9C81-8C44E8CD98AF}"/>
+              </a:ext>
+            </a:extLst>
+          </p:cNvPr>
+          <p:cNvCxnSpPr>
+            <a:cxnSpLocks noChangeShapeType="1"/>
+            <a:stCxn id="9" idx="0"/>
+            <a:endCxn id="32" idx="2"/>
+          </p:cNvCxnSpPr>
+          <p:nvPr/>
+        </p:nvCxnSpPr>
+        <p:spPr bwMode="auto">
+          <a:xfrm flipH="1" flipV="1">
+            <a:off x="1144588" y="4376738"/>
+            <a:ext cx="2514600" cy="228600"/>
+          </a:xfrm>
+          <a:prstGeom prst="straightConnector1">
+            <a:avLst/>
+          </a:prstGeom>
+          <a:noFill/>
+          <a:ln w="9525">
+            <a:solidFill>
+              <a:schemeClr val="tx1"/>
+            </a:solidFill>
+            <a:round/>
+            <a:headEnd/>
+            <a:tailEnd/>
+          </a:ln>
+        </p:spPr>
+      </p:cxnSp>
+      <p:cxnSp>
+        <p:nvCxnSpPr>
+          <p:cNvPr id="21" name="AutoShape 18">
+            <a:extLst>
+              <a:ext uri="{FF2B5EF4-FFF2-40B4-BE49-F238E27FC236}">
+                <a16:creationId xmlns:a16="http://schemas.microsoft.com/office/drawing/2014/main" id="{6C92D96B-7753-4D4C-81E7-9EB5A1A14A78}"/>
+              </a:ext>
+            </a:extLst>
+          </p:cNvPr>
+          <p:cNvCxnSpPr>
+            <a:cxnSpLocks noChangeShapeType="1"/>
+            <a:stCxn id="32" idx="3"/>
+            <a:endCxn id="10" idx="1"/>
+          </p:cNvCxnSpPr>
+          <p:nvPr/>
+        </p:nvCxnSpPr>
+        <p:spPr bwMode="auto">
+          <a:xfrm flipV="1">
+            <a:off x="1525588" y="3957638"/>
+            <a:ext cx="457200" cy="228600"/>
+          </a:xfrm>
+          <a:prstGeom prst="straightConnector1">
+            <a:avLst/>
+          </a:prstGeom>
+          <a:noFill/>
+          <a:ln w="9525">
+            <a:solidFill>
+              <a:schemeClr val="tx1"/>
+            </a:solidFill>
+            <a:prstDash val="lgDash"/>
+            <a:round/>
+            <a:headEnd/>
+            <a:tailEnd/>
+          </a:ln>
+        </p:spPr>
+      </p:cxnSp>
+      <p:sp>
+        <p:nvSpPr>
+          <p:cNvPr id="22" name="Rectangle 19">
+            <a:extLst>
+              <a:ext uri="{FF2B5EF4-FFF2-40B4-BE49-F238E27FC236}">
+                <a16:creationId xmlns:a16="http://schemas.microsoft.com/office/drawing/2014/main" id="{0ECD45DC-7265-4E42-998A-28F4C3BCDBBB}"/>
+              </a:ext>
+            </a:extLst>
+          </p:cNvPr>
+          <p:cNvSpPr>
+            <a:spLocks noChangeArrowheads="1"/>
+          </p:cNvSpPr>
+          <p:nvPr/>
+        </p:nvSpPr>
+        <p:spPr bwMode="auto">
+          <a:xfrm>
+            <a:off x="763588" y="3005138"/>
+            <a:ext cx="762000" cy="381000"/>
+          </a:xfrm>
+          <a:prstGeom prst="rect">
+            <a:avLst/>
+          </a:prstGeom>
+          <a:solidFill>
+            <a:schemeClr val="accent1"/>
+          </a:solidFill>
+          <a:ln w="9525">
+            <a:solidFill>
+              <a:schemeClr val="tx1"/>
+            </a:solidFill>
+            <a:miter lim="800000"/>
+            <a:headEnd/>
+            <a:tailEnd/>
+          </a:ln>
+        </p:spPr>
+        <p:txBody>
+          <a:bodyPr wrap="none" anchor="ctr"/>
+          <a:lstStyle/>
+          <a:p>
+            <a:pPr algn="ctr"/>
+            <a:r>
+              <a:rPr lang="en-US" altLang="ko-KR" sz="1600">
+                <a:latin typeface="Noto Sans CJK KR Regular" panose="020B0500000000000000" pitchFamily="34" charset="-127"/>
+                <a:ea typeface="Noto Sans CJK KR Regular" panose="020B0500000000000000" pitchFamily="34" charset="-127"/>
+              </a:rPr>
+              <a:t>html</a:t>
+            </a:r>
+          </a:p>
+        </p:txBody>
+      </p:sp>
+      <p:sp>
+        <p:nvSpPr>
+          <p:cNvPr id="23" name="Rectangle 20">
+            <a:extLst>
+              <a:ext uri="{FF2B5EF4-FFF2-40B4-BE49-F238E27FC236}">
+                <a16:creationId xmlns:a16="http://schemas.microsoft.com/office/drawing/2014/main" id="{DEB96FBF-CF8A-4AF8-AA47-E8E9FA0F0801}"/>
+              </a:ext>
+            </a:extLst>
+          </p:cNvPr>
+          <p:cNvSpPr>
+            <a:spLocks noChangeArrowheads="1"/>
+          </p:cNvSpPr>
+          <p:nvPr/>
+        </p:nvSpPr>
+        <p:spPr bwMode="auto">
+          <a:xfrm>
+            <a:off x="763588" y="3462338"/>
+            <a:ext cx="762000" cy="381000"/>
+          </a:xfrm>
+          <a:prstGeom prst="rect">
+            <a:avLst/>
+          </a:prstGeom>
+          <a:solidFill>
+            <a:schemeClr val="accent1"/>
+          </a:solidFill>
+          <a:ln w="9525">
+            <a:solidFill>
+              <a:schemeClr val="tx1"/>
+            </a:solidFill>
+            <a:miter lim="800000"/>
+            <a:headEnd/>
+            <a:tailEnd/>
+          </a:ln>
+        </p:spPr>
+        <p:txBody>
+          <a:bodyPr wrap="none" anchor="ctr"/>
+          <a:lstStyle/>
+          <a:p>
+            <a:pPr algn="ctr"/>
+            <a:r>
+              <a:rPr lang="en-US" altLang="ko-KR" sz="1600">
+                <a:latin typeface="Noto Sans CJK KR Regular" panose="020B0500000000000000" pitchFamily="34" charset="-127"/>
+                <a:ea typeface="Noto Sans CJK KR Regular" panose="020B0500000000000000" pitchFamily="34" charset="-127"/>
+              </a:rPr>
+              <a:t>body</a:t>
+            </a:r>
+          </a:p>
+        </p:txBody>
+      </p:sp>
+      <p:cxnSp>
+        <p:nvCxnSpPr>
+          <p:cNvPr id="24" name="AutoShape 21">
+            <a:extLst>
+              <a:ext uri="{FF2B5EF4-FFF2-40B4-BE49-F238E27FC236}">
+                <a16:creationId xmlns:a16="http://schemas.microsoft.com/office/drawing/2014/main" id="{D4AB9588-4AD7-441A-8AD8-7F06DF063F50}"/>
+              </a:ext>
+            </a:extLst>
+          </p:cNvPr>
+          <p:cNvCxnSpPr>
+            <a:cxnSpLocks noChangeShapeType="1"/>
+            <a:stCxn id="22" idx="2"/>
+            <a:endCxn id="23" idx="0"/>
+          </p:cNvCxnSpPr>
+          <p:nvPr/>
+        </p:nvCxnSpPr>
+        <p:spPr bwMode="auto">
+          <a:xfrm>
+            <a:off x="1144588" y="3386138"/>
+            <a:ext cx="0" cy="76200"/>
+          </a:xfrm>
+          <a:prstGeom prst="straightConnector1">
+            <a:avLst/>
+          </a:prstGeom>
+          <a:noFill/>
+          <a:ln w="9525">
+            <a:solidFill>
+              <a:schemeClr val="tx1"/>
+            </a:solidFill>
+            <a:round/>
+            <a:headEnd/>
+            <a:tailEnd/>
+          </a:ln>
+        </p:spPr>
+      </p:cxnSp>
+      <p:cxnSp>
+        <p:nvCxnSpPr>
+          <p:cNvPr id="25" name="AutoShape 22">
+            <a:extLst>
+              <a:ext uri="{FF2B5EF4-FFF2-40B4-BE49-F238E27FC236}">
+                <a16:creationId xmlns:a16="http://schemas.microsoft.com/office/drawing/2014/main" id="{3DE9C61A-5FC8-43AF-821D-AF4E6F22882E}"/>
+              </a:ext>
+            </a:extLst>
+          </p:cNvPr>
+          <p:cNvCxnSpPr>
+            <a:cxnSpLocks noChangeShapeType="1"/>
+            <a:stCxn id="32" idx="0"/>
+            <a:endCxn id="23" idx="2"/>
+          </p:cNvCxnSpPr>
+          <p:nvPr/>
+        </p:nvCxnSpPr>
+        <p:spPr bwMode="auto">
+          <a:xfrm flipV="1">
+            <a:off x="1144588" y="3843338"/>
+            <a:ext cx="0" cy="152400"/>
+          </a:xfrm>
+          <a:prstGeom prst="straightConnector1">
+            <a:avLst/>
+          </a:prstGeom>
+          <a:noFill/>
+          <a:ln w="9525">
+            <a:solidFill>
+              <a:schemeClr val="tx1"/>
+            </a:solidFill>
+            <a:round/>
+            <a:headEnd/>
+            <a:tailEnd/>
+          </a:ln>
+        </p:spPr>
+      </p:cxnSp>
+      <p:sp>
+        <p:nvSpPr>
+          <p:cNvPr id="26" name="Rectangle 23">
+            <a:extLst>
+              <a:ext uri="{FF2B5EF4-FFF2-40B4-BE49-F238E27FC236}">
+                <a16:creationId xmlns:a16="http://schemas.microsoft.com/office/drawing/2014/main" id="{02855EE3-0FF2-48A3-9D59-83AC44115C92}"/>
+              </a:ext>
+            </a:extLst>
+          </p:cNvPr>
+          <p:cNvSpPr>
+            <a:spLocks noChangeArrowheads="1"/>
+          </p:cNvSpPr>
+          <p:nvPr/>
+        </p:nvSpPr>
+        <p:spPr bwMode="auto">
+          <a:xfrm>
+            <a:off x="611188" y="2852738"/>
+            <a:ext cx="3581400" cy="2743200"/>
+          </a:xfrm>
+          <a:prstGeom prst="rect">
+            <a:avLst/>
+          </a:prstGeom>
+          <a:noFill/>
+          <a:ln w="9525">
+            <a:solidFill>
+              <a:schemeClr val="tx1"/>
+            </a:solidFill>
+            <a:miter lim="800000"/>
+            <a:headEnd/>
+            <a:tailEnd/>
+          </a:ln>
+        </p:spPr>
+        <p:txBody>
+          <a:bodyPr wrap="none" anchor="ctr"/>
+          <a:lstStyle/>
+          <a:p>
+            <a:pPr algn="ctr"/>
+            <a:endParaRPr lang="ko-KR" altLang="en-US">
+              <a:latin typeface="Noto Sans CJK KR Regular" panose="020B0500000000000000" pitchFamily="34" charset="-127"/>
+              <a:ea typeface="Noto Sans CJK KR Regular" panose="020B0500000000000000" pitchFamily="34" charset="-127"/>
+            </a:endParaRPr>
+          </a:p>
+        </p:txBody>
+      </p:sp>
+      <p:sp>
+        <p:nvSpPr>
+          <p:cNvPr id="27" name="Text Box 24">
+            <a:extLst>
+              <a:ext uri="{FF2B5EF4-FFF2-40B4-BE49-F238E27FC236}">
+                <a16:creationId xmlns:a16="http://schemas.microsoft.com/office/drawing/2014/main" id="{8D6F84F9-BE7B-415E-A901-FD3E365465F6}"/>
+              </a:ext>
+            </a:extLst>
+          </p:cNvPr>
+          <p:cNvSpPr txBox="1">
+            <a:spLocks noChangeArrowheads="1"/>
+          </p:cNvSpPr>
+          <p:nvPr/>
+        </p:nvSpPr>
+        <p:spPr bwMode="auto">
+          <a:xfrm>
+            <a:off x="2347913" y="2874963"/>
+            <a:ext cx="1343638" cy="369332"/>
+          </a:xfrm>
+          <a:prstGeom prst="rect">
+            <a:avLst/>
+          </a:prstGeom>
+          <a:noFill/>
+          <a:ln w="9525">
+            <a:noFill/>
+            <a:miter lim="800000"/>
+            <a:headEnd/>
+            <a:tailEnd/>
+          </a:ln>
+        </p:spPr>
+        <p:txBody>
+          <a:bodyPr wrap="none">
+            <a:spAutoFit/>
+          </a:bodyPr>
+          <a:lstStyle/>
+          <a:p>
+            <a:r>
+              <a:rPr lang="en-US" altLang="ko-KR">
+                <a:latin typeface="Noto Sans CJK KR Regular" panose="020B0500000000000000" pitchFamily="34" charset="-127"/>
+                <a:ea typeface="Noto Sans CJK KR Regular" panose="020B0500000000000000" pitchFamily="34" charset="-127"/>
+              </a:rPr>
+              <a:t>document</a:t>
+            </a:r>
+          </a:p>
+        </p:txBody>
+      </p:sp>
+      <p:sp>
+        <p:nvSpPr>
+          <p:cNvPr id="28" name="Rectangle 25">
+            <a:extLst>
+              <a:ext uri="{FF2B5EF4-FFF2-40B4-BE49-F238E27FC236}">
+                <a16:creationId xmlns:a16="http://schemas.microsoft.com/office/drawing/2014/main" id="{71CF9E8C-E02D-41FC-B5A5-C18423BA8B7E}"/>
+              </a:ext>
+            </a:extLst>
+          </p:cNvPr>
+          <p:cNvSpPr>
+            <a:spLocks noChangeArrowheads="1"/>
+          </p:cNvSpPr>
+          <p:nvPr/>
+        </p:nvSpPr>
+        <p:spPr bwMode="auto">
+          <a:xfrm>
+            <a:off x="2439988" y="4605338"/>
+            <a:ext cx="762000" cy="381000"/>
+          </a:xfrm>
+          <a:prstGeom prst="rect">
+            <a:avLst/>
+          </a:prstGeom>
+          <a:solidFill>
+            <a:srgbClr val="CC99FF"/>
+          </a:solidFill>
+          <a:ln w="9525">
+            <a:solidFill>
+              <a:schemeClr val="tx1"/>
+            </a:solidFill>
+            <a:miter lim="800000"/>
+            <a:headEnd/>
+            <a:tailEnd/>
+          </a:ln>
+        </p:spPr>
+        <p:txBody>
+          <a:bodyPr wrap="none" anchor="ctr"/>
+          <a:lstStyle/>
+          <a:p>
+            <a:pPr algn="ctr"/>
+            <a:r>
+              <a:rPr lang="en-US" altLang="ko-KR" sz="1600">
+                <a:latin typeface="Noto Sans CJK KR Regular" panose="020B0500000000000000" pitchFamily="34" charset="-127"/>
+                <a:ea typeface="Noto Sans CJK KR Regular" panose="020B0500000000000000" pitchFamily="34" charset="-127"/>
+              </a:rPr>
+              <a:t>li</a:t>
+            </a:r>
+          </a:p>
+        </p:txBody>
+      </p:sp>
+      <p:sp>
+        <p:nvSpPr>
+          <p:cNvPr id="29" name="Rectangle 26">
+            <a:extLst>
+              <a:ext uri="{FF2B5EF4-FFF2-40B4-BE49-F238E27FC236}">
+                <a16:creationId xmlns:a16="http://schemas.microsoft.com/office/drawing/2014/main" id="{827F6149-6206-4D16-8725-0D6803CB4BE4}"/>
+              </a:ext>
+            </a:extLst>
+          </p:cNvPr>
+          <p:cNvSpPr>
+            <a:spLocks noChangeArrowheads="1"/>
+          </p:cNvSpPr>
+          <p:nvPr/>
+        </p:nvSpPr>
+        <p:spPr bwMode="auto">
+          <a:xfrm>
+            <a:off x="2439988" y="5138738"/>
+            <a:ext cx="762000" cy="381000"/>
+          </a:xfrm>
+          <a:prstGeom prst="rect">
+            <a:avLst/>
+          </a:prstGeom>
+          <a:solidFill>
+            <a:srgbClr val="FFFFFF"/>
+          </a:solidFill>
+          <a:ln w="9525">
+            <a:solidFill>
+              <a:schemeClr val="tx1"/>
+            </a:solidFill>
+            <a:miter lim="800000"/>
+            <a:headEnd/>
+            <a:tailEnd/>
+          </a:ln>
+        </p:spPr>
+        <p:txBody>
+          <a:bodyPr wrap="none" anchor="ctr"/>
+          <a:lstStyle/>
+          <a:p>
+            <a:pPr algn="ctr"/>
+            <a:r>
+              <a:rPr lang="ko-KR" altLang="en-US" sz="1600" dirty="0">
+                <a:latin typeface="Noto Sans CJK KR Regular" panose="020B0500000000000000" pitchFamily="34" charset="-127"/>
+                <a:ea typeface="Noto Sans CJK KR Regular" panose="020B0500000000000000" pitchFamily="34" charset="-127"/>
+              </a:rPr>
+              <a:t>라면</a:t>
+            </a:r>
+          </a:p>
+        </p:txBody>
+      </p:sp>
+      <p:cxnSp>
+        <p:nvCxnSpPr>
+          <p:cNvPr id="30" name="AutoShape 27">
+            <a:extLst>
+              <a:ext uri="{FF2B5EF4-FFF2-40B4-BE49-F238E27FC236}">
+                <a16:creationId xmlns:a16="http://schemas.microsoft.com/office/drawing/2014/main" id="{699F1093-CDCE-4697-97E2-CAD26BC3D383}"/>
+              </a:ext>
+            </a:extLst>
+          </p:cNvPr>
+          <p:cNvCxnSpPr>
+            <a:cxnSpLocks noChangeShapeType="1"/>
+            <a:stCxn id="29" idx="0"/>
+            <a:endCxn id="28" idx="2"/>
+          </p:cNvCxnSpPr>
+          <p:nvPr/>
+        </p:nvCxnSpPr>
+        <p:spPr bwMode="auto">
+          <a:xfrm flipV="1">
+            <a:off x="2820988" y="4986338"/>
+            <a:ext cx="0" cy="152400"/>
+          </a:xfrm>
+          <a:prstGeom prst="straightConnector1">
+            <a:avLst/>
+          </a:prstGeom>
+          <a:noFill/>
+          <a:ln w="9525">
+            <a:solidFill>
+              <a:schemeClr val="tx1"/>
+            </a:solidFill>
+            <a:round/>
+            <a:headEnd/>
+            <a:tailEnd/>
+          </a:ln>
+        </p:spPr>
+      </p:cxnSp>
+      <p:cxnSp>
+        <p:nvCxnSpPr>
+          <p:cNvPr id="31" name="AutoShape 28">
+            <a:extLst>
+              <a:ext uri="{FF2B5EF4-FFF2-40B4-BE49-F238E27FC236}">
+                <a16:creationId xmlns:a16="http://schemas.microsoft.com/office/drawing/2014/main" id="{AD97429E-386C-4BC7-8A8A-0D968C485071}"/>
+              </a:ext>
+            </a:extLst>
+          </p:cNvPr>
+          <p:cNvCxnSpPr>
+            <a:cxnSpLocks noChangeShapeType="1"/>
+            <a:stCxn id="32" idx="2"/>
+            <a:endCxn id="28" idx="0"/>
+          </p:cNvCxnSpPr>
+          <p:nvPr/>
+        </p:nvCxnSpPr>
+        <p:spPr bwMode="auto">
+          <a:xfrm>
+            <a:off x="1144588" y="4376738"/>
+            <a:ext cx="1676400" cy="228600"/>
+          </a:xfrm>
+          <a:prstGeom prst="straightConnector1">
+            <a:avLst/>
+          </a:prstGeom>
+          <a:noFill/>
+          <a:ln w="9525">
+            <a:solidFill>
+              <a:schemeClr val="tx1"/>
+            </a:solidFill>
+            <a:round/>
+            <a:headEnd/>
+            <a:tailEnd/>
+          </a:ln>
+        </p:spPr>
+      </p:cxnSp>
+      <p:sp>
+        <p:nvSpPr>
+          <p:cNvPr id="32" name="Rectangle 29">
+            <a:extLst>
+              <a:ext uri="{FF2B5EF4-FFF2-40B4-BE49-F238E27FC236}">
+                <a16:creationId xmlns:a16="http://schemas.microsoft.com/office/drawing/2014/main" id="{55BB7649-EA0D-48FA-B543-50D4E38421A3}"/>
+              </a:ext>
+            </a:extLst>
+          </p:cNvPr>
+          <p:cNvSpPr>
+            <a:spLocks noChangeArrowheads="1"/>
+          </p:cNvSpPr>
+          <p:nvPr/>
+        </p:nvSpPr>
+        <p:spPr bwMode="auto">
+          <a:xfrm>
+            <a:off x="763588" y="3995738"/>
+            <a:ext cx="762000" cy="381000"/>
+          </a:xfrm>
+          <a:prstGeom prst="rect">
+            <a:avLst/>
+          </a:prstGeom>
+          <a:solidFill>
+            <a:schemeClr val="accent1"/>
+          </a:solidFill>
+          <a:ln w="9525">
+            <a:solidFill>
+              <a:schemeClr val="tx1"/>
+            </a:solidFill>
+            <a:miter lim="800000"/>
+            <a:headEnd/>
+            <a:tailEnd/>
+          </a:ln>
+        </p:spPr>
+        <p:txBody>
+          <a:bodyPr wrap="none" anchor="ctr"/>
+          <a:lstStyle/>
+          <a:p>
+            <a:pPr algn="ctr"/>
+            <a:r>
+              <a:rPr lang="en-US" altLang="ko-KR" sz="1600">
+                <a:latin typeface="Noto Sans CJK KR Regular" panose="020B0500000000000000" pitchFamily="34" charset="-127"/>
+                <a:ea typeface="Noto Sans CJK KR Regular" panose="020B0500000000000000" pitchFamily="34" charset="-127"/>
+              </a:rPr>
+              <a:t>ul</a:t>
+            </a:r>
+          </a:p>
+        </p:txBody>
+      </p:sp>
+      <p:sp>
+        <p:nvSpPr>
+          <p:cNvPr id="33" name="Rectangle 30">
+            <a:extLst>
+              <a:ext uri="{FF2B5EF4-FFF2-40B4-BE49-F238E27FC236}">
+                <a16:creationId xmlns:a16="http://schemas.microsoft.com/office/drawing/2014/main" id="{A080DBAB-0AB6-46A5-9887-437E66ADA7E9}"/>
+              </a:ext>
+            </a:extLst>
+          </p:cNvPr>
+          <p:cNvSpPr>
+            <a:spLocks noChangeArrowheads="1"/>
+          </p:cNvSpPr>
+          <p:nvPr/>
+        </p:nvSpPr>
+        <p:spPr bwMode="auto">
+          <a:xfrm>
+            <a:off x="5030788" y="4605338"/>
+            <a:ext cx="762000" cy="381000"/>
+          </a:xfrm>
+          <a:prstGeom prst="rect">
+            <a:avLst/>
+          </a:prstGeom>
+          <a:solidFill>
+            <a:srgbClr val="CCFFCC"/>
+          </a:solidFill>
+          <a:ln w="9525">
+            <a:solidFill>
+              <a:schemeClr val="tx1"/>
+            </a:solidFill>
+            <a:miter lim="800000"/>
+            <a:headEnd/>
+            <a:tailEnd/>
+          </a:ln>
+        </p:spPr>
+        <p:txBody>
+          <a:bodyPr wrap="none" anchor="ctr"/>
+          <a:lstStyle/>
+          <a:p>
+            <a:pPr algn="ctr"/>
+            <a:r>
+              <a:rPr lang="en-US" altLang="ko-KR" sz="1600">
+                <a:latin typeface="Noto Sans CJK KR Regular" panose="020B0500000000000000" pitchFamily="34" charset="-127"/>
+                <a:ea typeface="Noto Sans CJK KR Regular" panose="020B0500000000000000" pitchFamily="34" charset="-127"/>
+              </a:rPr>
+              <a:t>li</a:t>
+            </a:r>
+          </a:p>
+        </p:txBody>
+      </p:sp>
+      <p:sp>
+        <p:nvSpPr>
+          <p:cNvPr id="34" name="Rectangle 31">
+            <a:extLst>
+              <a:ext uri="{FF2B5EF4-FFF2-40B4-BE49-F238E27FC236}">
+                <a16:creationId xmlns:a16="http://schemas.microsoft.com/office/drawing/2014/main" id="{7C116A31-227C-45E5-8F9E-4E872085F8E5}"/>
+              </a:ext>
+            </a:extLst>
+          </p:cNvPr>
+          <p:cNvSpPr>
+            <a:spLocks noChangeArrowheads="1"/>
+          </p:cNvSpPr>
+          <p:nvPr/>
+        </p:nvSpPr>
+        <p:spPr bwMode="auto">
+          <a:xfrm>
+            <a:off x="6707188" y="4605338"/>
+            <a:ext cx="762000" cy="381000"/>
+          </a:xfrm>
+          <a:prstGeom prst="rect">
+            <a:avLst/>
+          </a:prstGeom>
+          <a:solidFill>
+            <a:srgbClr val="C0C0C0"/>
+          </a:solidFill>
+          <a:ln w="9525">
+            <a:solidFill>
+              <a:schemeClr val="tx1"/>
+            </a:solidFill>
+            <a:miter lim="800000"/>
+            <a:headEnd/>
+            <a:tailEnd/>
+          </a:ln>
+        </p:spPr>
+        <p:txBody>
+          <a:bodyPr wrap="none" anchor="ctr"/>
+          <a:lstStyle/>
+          <a:p>
+            <a:pPr algn="ctr"/>
+            <a:r>
+              <a:rPr lang="en-US" altLang="ko-KR" sz="1600">
+                <a:latin typeface="Noto Sans CJK KR Regular" panose="020B0500000000000000" pitchFamily="34" charset="-127"/>
+                <a:ea typeface="Noto Sans CJK KR Regular" panose="020B0500000000000000" pitchFamily="34" charset="-127"/>
+              </a:rPr>
+              <a:t>li</a:t>
+            </a:r>
+          </a:p>
+        </p:txBody>
+      </p:sp>
+      <p:sp>
+        <p:nvSpPr>
+          <p:cNvPr id="35" name="Rectangle 32">
+            <a:extLst>
+              <a:ext uri="{FF2B5EF4-FFF2-40B4-BE49-F238E27FC236}">
+                <a16:creationId xmlns:a16="http://schemas.microsoft.com/office/drawing/2014/main" id="{853D8393-B39E-4DC4-A47B-B88433D45EB0}"/>
+              </a:ext>
+            </a:extLst>
+          </p:cNvPr>
+          <p:cNvSpPr>
+            <a:spLocks noChangeArrowheads="1"/>
+          </p:cNvSpPr>
+          <p:nvPr/>
+        </p:nvSpPr>
+        <p:spPr bwMode="auto">
+          <a:xfrm>
+            <a:off x="6249988" y="3767138"/>
+            <a:ext cx="1600200" cy="381000"/>
+          </a:xfrm>
+          <a:prstGeom prst="rect">
+            <a:avLst/>
+          </a:prstGeom>
+          <a:solidFill>
+            <a:srgbClr val="FFCCFF"/>
+          </a:solidFill>
+          <a:ln w="9525">
+            <a:solidFill>
+              <a:schemeClr val="tx1"/>
+            </a:solidFill>
+            <a:miter lim="800000"/>
+            <a:headEnd/>
+            <a:tailEnd/>
+          </a:ln>
+        </p:spPr>
+        <p:txBody>
+          <a:bodyPr wrap="none" anchor="ctr"/>
+          <a:lstStyle/>
+          <a:p>
+            <a:pPr algn="ctr"/>
+            <a:r>
+              <a:rPr lang="en-US" altLang="ko-KR" sz="1600">
+                <a:solidFill>
+                  <a:srgbClr val="FF0000"/>
+                </a:solidFill>
+                <a:latin typeface="Noto Sans CJK KR Regular" panose="020B0500000000000000" pitchFamily="34" charset="-127"/>
+                <a:ea typeface="Noto Sans CJK KR Regular" panose="020B0500000000000000" pitchFamily="34" charset="-127"/>
+              </a:rPr>
+              <a:t>id</a:t>
+            </a:r>
+            <a:r>
+              <a:rPr lang="en-US" altLang="ko-KR" sz="1600">
+                <a:solidFill>
+                  <a:srgbClr val="000000"/>
+                </a:solidFill>
+                <a:latin typeface="Noto Sans CJK KR Regular" panose="020B0500000000000000" pitchFamily="34" charset="-127"/>
+                <a:ea typeface="Noto Sans CJK KR Regular" panose="020B0500000000000000" pitchFamily="34" charset="-127"/>
+              </a:rPr>
+              <a:t>=</a:t>
+            </a:r>
+            <a:r>
+              <a:rPr lang="en-US" altLang="ko-KR" sz="1600">
+                <a:solidFill>
+                  <a:srgbClr val="0000FF"/>
+                </a:solidFill>
+                <a:latin typeface="Noto Sans CJK KR Regular" panose="020B0500000000000000" pitchFamily="34" charset="-127"/>
+                <a:ea typeface="Noto Sans CJK KR Regular" panose="020B0500000000000000" pitchFamily="34" charset="-127"/>
+              </a:rPr>
+              <a:t>"purchases"</a:t>
+            </a:r>
+          </a:p>
+        </p:txBody>
+      </p:sp>
+      <p:sp>
+        <p:nvSpPr>
+          <p:cNvPr id="36" name="Rectangle 33">
+            <a:extLst>
+              <a:ext uri="{FF2B5EF4-FFF2-40B4-BE49-F238E27FC236}">
+                <a16:creationId xmlns:a16="http://schemas.microsoft.com/office/drawing/2014/main" id="{D49DE4FF-BC6F-4B5D-8678-771A344337BF}"/>
+              </a:ext>
+            </a:extLst>
+          </p:cNvPr>
+          <p:cNvSpPr>
+            <a:spLocks noChangeArrowheads="1"/>
+          </p:cNvSpPr>
+          <p:nvPr/>
+        </p:nvSpPr>
+        <p:spPr bwMode="auto">
+          <a:xfrm>
+            <a:off x="5030788" y="5138738"/>
+            <a:ext cx="762000" cy="381000"/>
+          </a:xfrm>
+          <a:prstGeom prst="rect">
+            <a:avLst/>
+          </a:prstGeom>
+          <a:solidFill>
+            <a:srgbClr val="FFFFFF"/>
+          </a:solidFill>
+          <a:ln w="9525">
+            <a:solidFill>
+              <a:schemeClr val="tx1"/>
+            </a:solidFill>
+            <a:miter lim="800000"/>
+            <a:headEnd/>
+            <a:tailEnd/>
+          </a:ln>
+        </p:spPr>
+        <p:txBody>
+          <a:bodyPr wrap="none" anchor="ctr"/>
+          <a:lstStyle/>
+          <a:p>
+            <a:pPr algn="ctr"/>
+            <a:r>
+              <a:rPr lang="ko-KR" altLang="en-US" sz="1600" dirty="0">
+                <a:latin typeface="Noto Sans CJK KR Regular" panose="020B0500000000000000" pitchFamily="34" charset="-127"/>
+                <a:ea typeface="Noto Sans CJK KR Regular" panose="020B0500000000000000" pitchFamily="34" charset="-127"/>
+              </a:rPr>
+              <a:t>계란</a:t>
+            </a:r>
+          </a:p>
+        </p:txBody>
+      </p:sp>
+      <p:sp>
+        <p:nvSpPr>
+          <p:cNvPr id="37" name="Rectangle 34">
+            <a:extLst>
+              <a:ext uri="{FF2B5EF4-FFF2-40B4-BE49-F238E27FC236}">
+                <a16:creationId xmlns:a16="http://schemas.microsoft.com/office/drawing/2014/main" id="{2B0EEB59-FBDA-4AAA-83A2-73EA010B6373}"/>
+              </a:ext>
+            </a:extLst>
+          </p:cNvPr>
+          <p:cNvSpPr>
+            <a:spLocks noChangeArrowheads="1"/>
+          </p:cNvSpPr>
+          <p:nvPr/>
+        </p:nvSpPr>
+        <p:spPr bwMode="auto">
+          <a:xfrm>
+            <a:off x="6707188" y="5138738"/>
+            <a:ext cx="762000" cy="381000"/>
+          </a:xfrm>
+          <a:prstGeom prst="rect">
+            <a:avLst/>
+          </a:prstGeom>
+          <a:solidFill>
+            <a:srgbClr val="FFFFFF"/>
+          </a:solidFill>
+          <a:ln w="9525">
+            <a:solidFill>
+              <a:schemeClr val="tx1"/>
+            </a:solidFill>
+            <a:miter lim="800000"/>
+            <a:headEnd/>
+            <a:tailEnd/>
+          </a:ln>
+        </p:spPr>
+        <p:txBody>
+          <a:bodyPr wrap="none" anchor="ctr"/>
+          <a:lstStyle/>
+          <a:p>
+            <a:pPr algn="ctr"/>
+            <a:r>
+              <a:rPr lang="ko-KR" altLang="en-US" sz="1600">
+                <a:latin typeface="Noto Sans CJK KR Regular" panose="020B0500000000000000" pitchFamily="34" charset="-127"/>
+                <a:ea typeface="Noto Sans CJK KR Regular" panose="020B0500000000000000" pitchFamily="34" charset="-127"/>
+              </a:rPr>
+              <a:t>우유</a:t>
+            </a:r>
+          </a:p>
+        </p:txBody>
+      </p:sp>
+      <p:cxnSp>
+        <p:nvCxnSpPr>
+          <p:cNvPr id="38" name="AutoShape 35">
+            <a:extLst>
+              <a:ext uri="{FF2B5EF4-FFF2-40B4-BE49-F238E27FC236}">
+                <a16:creationId xmlns:a16="http://schemas.microsoft.com/office/drawing/2014/main" id="{48C1B051-5561-46E4-8A2D-80E6B01366E0}"/>
+              </a:ext>
+            </a:extLst>
+          </p:cNvPr>
+          <p:cNvCxnSpPr>
+            <a:cxnSpLocks noChangeShapeType="1"/>
+            <a:stCxn id="33" idx="2"/>
+            <a:endCxn id="36" idx="0"/>
+          </p:cNvCxnSpPr>
+          <p:nvPr/>
+        </p:nvCxnSpPr>
+        <p:spPr bwMode="auto">
+          <a:xfrm>
+            <a:off x="5411788" y="4986338"/>
+            <a:ext cx="0" cy="152400"/>
+          </a:xfrm>
+          <a:prstGeom prst="straightConnector1">
+            <a:avLst/>
+          </a:prstGeom>
+          <a:noFill/>
+          <a:ln w="9525">
+            <a:solidFill>
+              <a:schemeClr val="tx1"/>
+            </a:solidFill>
+            <a:round/>
+            <a:headEnd/>
+            <a:tailEnd/>
+          </a:ln>
+        </p:spPr>
+      </p:cxnSp>
+      <p:cxnSp>
+        <p:nvCxnSpPr>
+          <p:cNvPr id="39" name="AutoShape 36">
+            <a:extLst>
+              <a:ext uri="{FF2B5EF4-FFF2-40B4-BE49-F238E27FC236}">
+                <a16:creationId xmlns:a16="http://schemas.microsoft.com/office/drawing/2014/main" id="{89528B8C-9B42-405D-B067-259C7E289407}"/>
+              </a:ext>
+            </a:extLst>
+          </p:cNvPr>
+          <p:cNvCxnSpPr>
+            <a:cxnSpLocks noChangeShapeType="1"/>
+            <a:stCxn id="34" idx="2"/>
+            <a:endCxn id="37" idx="0"/>
+          </p:cNvCxnSpPr>
+          <p:nvPr/>
+        </p:nvCxnSpPr>
+        <p:spPr bwMode="auto">
+          <a:xfrm>
+            <a:off x="7088188" y="4986338"/>
+            <a:ext cx="0" cy="152400"/>
+          </a:xfrm>
+          <a:prstGeom prst="straightConnector1">
+            <a:avLst/>
+          </a:prstGeom>
+          <a:noFill/>
+          <a:ln w="9525">
+            <a:solidFill>
+              <a:schemeClr val="tx1"/>
+            </a:solidFill>
+            <a:round/>
+            <a:headEnd/>
+            <a:tailEnd/>
+          </a:ln>
+        </p:spPr>
+      </p:cxnSp>
+      <p:cxnSp>
+        <p:nvCxnSpPr>
+          <p:cNvPr id="40" name="AutoShape 37">
+            <a:extLst>
+              <a:ext uri="{FF2B5EF4-FFF2-40B4-BE49-F238E27FC236}">
+                <a16:creationId xmlns:a16="http://schemas.microsoft.com/office/drawing/2014/main" id="{8717DE47-20EB-4E1B-87E5-451A2151DF1E}"/>
+              </a:ext>
+            </a:extLst>
+          </p:cNvPr>
+          <p:cNvCxnSpPr>
+            <a:cxnSpLocks noChangeShapeType="1"/>
+            <a:stCxn id="33" idx="0"/>
+            <a:endCxn id="53" idx="2"/>
+          </p:cNvCxnSpPr>
+          <p:nvPr/>
+        </p:nvCxnSpPr>
+        <p:spPr bwMode="auto">
+          <a:xfrm flipV="1">
+            <a:off x="5411788" y="4376738"/>
+            <a:ext cx="0" cy="228600"/>
+          </a:xfrm>
+          <a:prstGeom prst="straightConnector1">
+            <a:avLst/>
+          </a:prstGeom>
+          <a:noFill/>
+          <a:ln w="9525">
+            <a:solidFill>
+              <a:schemeClr val="tx1"/>
+            </a:solidFill>
+            <a:round/>
+            <a:headEnd/>
+            <a:tailEnd/>
+          </a:ln>
+        </p:spPr>
+      </p:cxnSp>
+      <p:cxnSp>
+        <p:nvCxnSpPr>
+          <p:cNvPr id="41" name="AutoShape 38">
+            <a:extLst>
+              <a:ext uri="{FF2B5EF4-FFF2-40B4-BE49-F238E27FC236}">
+                <a16:creationId xmlns:a16="http://schemas.microsoft.com/office/drawing/2014/main" id="{F2090D80-2E4F-4E65-9907-1A7ED5957E98}"/>
+              </a:ext>
+            </a:extLst>
+          </p:cNvPr>
+          <p:cNvCxnSpPr>
+            <a:cxnSpLocks noChangeShapeType="1"/>
+            <a:stCxn id="34" idx="0"/>
+            <a:endCxn id="53" idx="2"/>
+          </p:cNvCxnSpPr>
+          <p:nvPr/>
+        </p:nvCxnSpPr>
+        <p:spPr bwMode="auto">
+          <a:xfrm flipH="1" flipV="1">
+            <a:off x="5411788" y="4376738"/>
+            <a:ext cx="1676400" cy="228600"/>
+          </a:xfrm>
+          <a:prstGeom prst="straightConnector1">
+            <a:avLst/>
+          </a:prstGeom>
+          <a:noFill/>
+          <a:ln w="9525">
+            <a:solidFill>
+              <a:schemeClr val="tx1"/>
+            </a:solidFill>
+            <a:round/>
+            <a:headEnd/>
+            <a:tailEnd/>
+          </a:ln>
+        </p:spPr>
+      </p:cxnSp>
+      <p:cxnSp>
+        <p:nvCxnSpPr>
+          <p:cNvPr id="42" name="AutoShape 39">
+            <a:extLst>
+              <a:ext uri="{FF2B5EF4-FFF2-40B4-BE49-F238E27FC236}">
+                <a16:creationId xmlns:a16="http://schemas.microsoft.com/office/drawing/2014/main" id="{A335FE2E-0215-44C0-A77E-C9F4E0CB70A3}"/>
+              </a:ext>
+            </a:extLst>
+          </p:cNvPr>
+          <p:cNvCxnSpPr>
+            <a:cxnSpLocks noChangeShapeType="1"/>
+            <a:stCxn id="53" idx="3"/>
+            <a:endCxn id="35" idx="1"/>
+          </p:cNvCxnSpPr>
+          <p:nvPr/>
+        </p:nvCxnSpPr>
+        <p:spPr bwMode="auto">
+          <a:xfrm flipV="1">
+            <a:off x="5792788" y="3957638"/>
+            <a:ext cx="457200" cy="228600"/>
+          </a:xfrm>
+          <a:prstGeom prst="straightConnector1">
+            <a:avLst/>
+          </a:prstGeom>
+          <a:noFill/>
+          <a:ln w="9525">
+            <a:solidFill>
+              <a:schemeClr val="tx1"/>
+            </a:solidFill>
+            <a:prstDash val="lgDash"/>
+            <a:round/>
+            <a:headEnd/>
+            <a:tailEnd/>
+          </a:ln>
+        </p:spPr>
+      </p:cxnSp>
+      <p:sp>
+        <p:nvSpPr>
+          <p:cNvPr id="43" name="Rectangle 40">
+            <a:extLst>
+              <a:ext uri="{FF2B5EF4-FFF2-40B4-BE49-F238E27FC236}">
+                <a16:creationId xmlns:a16="http://schemas.microsoft.com/office/drawing/2014/main" id="{B95D2FD4-ED5C-4186-BCBD-DF4DEB007045}"/>
+              </a:ext>
+            </a:extLst>
+          </p:cNvPr>
+          <p:cNvSpPr>
+            <a:spLocks noChangeArrowheads="1"/>
+          </p:cNvSpPr>
+          <p:nvPr/>
+        </p:nvSpPr>
+        <p:spPr bwMode="auto">
+          <a:xfrm>
+            <a:off x="5030788" y="3005138"/>
+            <a:ext cx="762000" cy="381000"/>
+          </a:xfrm>
+          <a:prstGeom prst="rect">
+            <a:avLst/>
+          </a:prstGeom>
+          <a:solidFill>
+            <a:schemeClr val="accent1"/>
+          </a:solidFill>
+          <a:ln w="9525">
+            <a:solidFill>
+              <a:schemeClr val="tx1"/>
+            </a:solidFill>
+            <a:miter lim="800000"/>
+            <a:headEnd/>
+            <a:tailEnd/>
+          </a:ln>
+        </p:spPr>
+        <p:txBody>
+          <a:bodyPr wrap="none" anchor="ctr"/>
+          <a:lstStyle/>
+          <a:p>
+            <a:pPr algn="ctr"/>
+            <a:r>
+              <a:rPr lang="en-US" altLang="ko-KR" sz="1600">
+                <a:latin typeface="Noto Sans CJK KR Regular" panose="020B0500000000000000" pitchFamily="34" charset="-127"/>
+                <a:ea typeface="Noto Sans CJK KR Regular" panose="020B0500000000000000" pitchFamily="34" charset="-127"/>
+              </a:rPr>
+              <a:t>html</a:t>
+            </a:r>
+          </a:p>
+        </p:txBody>
+      </p:sp>
+      <p:sp>
+        <p:nvSpPr>
+          <p:cNvPr id="44" name="Rectangle 41">
+            <a:extLst>
+              <a:ext uri="{FF2B5EF4-FFF2-40B4-BE49-F238E27FC236}">
+                <a16:creationId xmlns:a16="http://schemas.microsoft.com/office/drawing/2014/main" id="{1B1A724D-9A10-4C19-8EC6-ED0DF853F135}"/>
+              </a:ext>
+            </a:extLst>
+          </p:cNvPr>
+          <p:cNvSpPr>
+            <a:spLocks noChangeArrowheads="1"/>
+          </p:cNvSpPr>
+          <p:nvPr/>
+        </p:nvSpPr>
+        <p:spPr bwMode="auto">
+          <a:xfrm>
+            <a:off x="5030788" y="3462338"/>
+            <a:ext cx="762000" cy="381000"/>
+          </a:xfrm>
+          <a:prstGeom prst="rect">
+            <a:avLst/>
+          </a:prstGeom>
+          <a:solidFill>
+            <a:schemeClr val="accent1"/>
+          </a:solidFill>
+          <a:ln w="9525">
+            <a:solidFill>
+              <a:schemeClr val="tx1"/>
+            </a:solidFill>
+            <a:miter lim="800000"/>
+            <a:headEnd/>
+            <a:tailEnd/>
+          </a:ln>
+        </p:spPr>
+        <p:txBody>
+          <a:bodyPr wrap="none" anchor="ctr"/>
+          <a:lstStyle/>
+          <a:p>
+            <a:pPr algn="ctr"/>
+            <a:r>
+              <a:rPr lang="en-US" altLang="ko-KR" sz="1600">
+                <a:latin typeface="Noto Sans CJK KR Regular" panose="020B0500000000000000" pitchFamily="34" charset="-127"/>
+                <a:ea typeface="Noto Sans CJK KR Regular" panose="020B0500000000000000" pitchFamily="34" charset="-127"/>
+              </a:rPr>
+              <a:t>body</a:t>
+            </a:r>
+          </a:p>
+        </p:txBody>
+      </p:sp>
+      <p:cxnSp>
+        <p:nvCxnSpPr>
+          <p:cNvPr id="45" name="AutoShape 42">
+            <a:extLst>
+              <a:ext uri="{FF2B5EF4-FFF2-40B4-BE49-F238E27FC236}">
+                <a16:creationId xmlns:a16="http://schemas.microsoft.com/office/drawing/2014/main" id="{A8245A19-B0EE-4990-845D-CF2BA433FF63}"/>
+              </a:ext>
+            </a:extLst>
+          </p:cNvPr>
+          <p:cNvCxnSpPr>
+            <a:cxnSpLocks noChangeShapeType="1"/>
+            <a:stCxn id="43" idx="2"/>
+            <a:endCxn id="44" idx="0"/>
+          </p:cNvCxnSpPr>
+          <p:nvPr/>
+        </p:nvCxnSpPr>
+        <p:spPr bwMode="auto">
+          <a:xfrm>
+            <a:off x="5411788" y="3386138"/>
+            <a:ext cx="0" cy="76200"/>
+          </a:xfrm>
+          <a:prstGeom prst="straightConnector1">
+            <a:avLst/>
+          </a:prstGeom>
+          <a:noFill/>
+          <a:ln w="9525">
+            <a:solidFill>
+              <a:schemeClr val="tx1"/>
+            </a:solidFill>
+            <a:round/>
+            <a:headEnd/>
+            <a:tailEnd/>
+          </a:ln>
+        </p:spPr>
+      </p:cxnSp>
+      <p:cxnSp>
+        <p:nvCxnSpPr>
+          <p:cNvPr id="46" name="AutoShape 43">
+            <a:extLst>
+              <a:ext uri="{FF2B5EF4-FFF2-40B4-BE49-F238E27FC236}">
+                <a16:creationId xmlns:a16="http://schemas.microsoft.com/office/drawing/2014/main" id="{76F875B0-B594-4BFF-B88A-09E7BB9F4717}"/>
+              </a:ext>
+            </a:extLst>
+          </p:cNvPr>
+          <p:cNvCxnSpPr>
+            <a:cxnSpLocks noChangeShapeType="1"/>
+            <a:stCxn id="53" idx="0"/>
+            <a:endCxn id="44" idx="2"/>
+          </p:cNvCxnSpPr>
+          <p:nvPr/>
+        </p:nvCxnSpPr>
+        <p:spPr bwMode="auto">
+          <a:xfrm flipV="1">
+            <a:off x="5411788" y="3843338"/>
+            <a:ext cx="0" cy="152400"/>
+          </a:xfrm>
+          <a:prstGeom prst="straightConnector1">
+            <a:avLst/>
+          </a:prstGeom>
+          <a:noFill/>
+          <a:ln w="9525">
+            <a:solidFill>
+              <a:schemeClr val="tx1"/>
+            </a:solidFill>
+            <a:round/>
+            <a:headEnd/>
+            <a:tailEnd/>
+          </a:ln>
+        </p:spPr>
+      </p:cxnSp>
+      <p:sp>
+        <p:nvSpPr>
+          <p:cNvPr id="47" name="Rectangle 44">
+            <a:extLst>
+              <a:ext uri="{FF2B5EF4-FFF2-40B4-BE49-F238E27FC236}">
+                <a16:creationId xmlns:a16="http://schemas.microsoft.com/office/drawing/2014/main" id="{E2B89915-4C5D-4900-ABB3-2A5F5708BDCD}"/>
+              </a:ext>
+            </a:extLst>
+          </p:cNvPr>
+          <p:cNvSpPr>
+            <a:spLocks noChangeArrowheads="1"/>
+          </p:cNvSpPr>
+          <p:nvPr/>
+        </p:nvSpPr>
+        <p:spPr bwMode="auto">
+          <a:xfrm>
+            <a:off x="4878388" y="2852738"/>
+            <a:ext cx="3429000" cy="2743200"/>
+          </a:xfrm>
+          <a:prstGeom prst="rect">
+            <a:avLst/>
+          </a:prstGeom>
+          <a:noFill/>
+          <a:ln w="9525">
+            <a:solidFill>
+              <a:schemeClr val="tx1"/>
+            </a:solidFill>
+            <a:miter lim="800000"/>
+            <a:headEnd/>
+            <a:tailEnd/>
+          </a:ln>
+        </p:spPr>
+        <p:txBody>
+          <a:bodyPr wrap="none" anchor="ctr"/>
+          <a:lstStyle/>
+          <a:p>
+            <a:pPr algn="ctr"/>
+            <a:endParaRPr lang="ko-KR" altLang="en-US">
+              <a:latin typeface="Noto Sans CJK KR Regular" panose="020B0500000000000000" pitchFamily="34" charset="-127"/>
+              <a:ea typeface="Noto Sans CJK KR Regular" panose="020B0500000000000000" pitchFamily="34" charset="-127"/>
+            </a:endParaRPr>
+          </a:p>
+        </p:txBody>
+      </p:sp>
+      <p:sp>
+        <p:nvSpPr>
+          <p:cNvPr id="48" name="Text Box 45">
+            <a:extLst>
+              <a:ext uri="{FF2B5EF4-FFF2-40B4-BE49-F238E27FC236}">
+                <a16:creationId xmlns:a16="http://schemas.microsoft.com/office/drawing/2014/main" id="{E22FB1CE-1CB9-447B-9307-92A38FD8BADF}"/>
+              </a:ext>
+            </a:extLst>
+          </p:cNvPr>
+          <p:cNvSpPr txBox="1">
+            <a:spLocks noChangeArrowheads="1"/>
+          </p:cNvSpPr>
+          <p:nvPr/>
+        </p:nvSpPr>
+        <p:spPr bwMode="auto">
+          <a:xfrm>
+            <a:off x="6615113" y="2874963"/>
+            <a:ext cx="1343638" cy="369332"/>
+          </a:xfrm>
+          <a:prstGeom prst="rect">
+            <a:avLst/>
+          </a:prstGeom>
+          <a:noFill/>
+          <a:ln w="9525">
+            <a:noFill/>
+            <a:miter lim="800000"/>
+            <a:headEnd/>
+            <a:tailEnd/>
+          </a:ln>
+        </p:spPr>
+        <p:txBody>
+          <a:bodyPr wrap="none">
+            <a:spAutoFit/>
+          </a:bodyPr>
+          <a:lstStyle/>
+          <a:p>
+            <a:r>
+              <a:rPr lang="en-US" altLang="ko-KR">
+                <a:latin typeface="Noto Sans CJK KR Regular" panose="020B0500000000000000" pitchFamily="34" charset="-127"/>
+                <a:ea typeface="Noto Sans CJK KR Regular" panose="020B0500000000000000" pitchFamily="34" charset="-127"/>
+              </a:rPr>
+              <a:t>document</a:t>
+            </a:r>
+          </a:p>
+        </p:txBody>
+      </p:sp>
+      <p:sp>
+        <p:nvSpPr>
+          <p:cNvPr id="49" name="Rectangle 46">
+            <a:extLst>
+              <a:ext uri="{FF2B5EF4-FFF2-40B4-BE49-F238E27FC236}">
+                <a16:creationId xmlns:a16="http://schemas.microsoft.com/office/drawing/2014/main" id="{512F8AE0-263B-440C-8E97-127D25E85B93}"/>
+              </a:ext>
+            </a:extLst>
+          </p:cNvPr>
+          <p:cNvSpPr>
+            <a:spLocks noChangeArrowheads="1"/>
+          </p:cNvSpPr>
+          <p:nvPr/>
+        </p:nvSpPr>
+        <p:spPr bwMode="auto">
+          <a:xfrm>
+            <a:off x="5868988" y="4605338"/>
+            <a:ext cx="762000" cy="381000"/>
+          </a:xfrm>
+          <a:prstGeom prst="rect">
+            <a:avLst/>
+          </a:prstGeom>
+          <a:solidFill>
+            <a:srgbClr val="CC99FF"/>
+          </a:solidFill>
+          <a:ln w="9525">
+            <a:solidFill>
+              <a:schemeClr val="tx1"/>
+            </a:solidFill>
+            <a:miter lim="800000"/>
+            <a:headEnd/>
+            <a:tailEnd/>
+          </a:ln>
+        </p:spPr>
+        <p:txBody>
+          <a:bodyPr wrap="none" anchor="ctr"/>
+          <a:lstStyle/>
+          <a:p>
+            <a:pPr algn="ctr"/>
+            <a:r>
+              <a:rPr lang="en-US" altLang="ko-KR" sz="1600">
+                <a:latin typeface="Noto Sans CJK KR Regular" panose="020B0500000000000000" pitchFamily="34" charset="-127"/>
+                <a:ea typeface="Noto Sans CJK KR Regular" panose="020B0500000000000000" pitchFamily="34" charset="-127"/>
+              </a:rPr>
+              <a:t>li</a:t>
+            </a:r>
+          </a:p>
+        </p:txBody>
+      </p:sp>
+      <p:sp>
+        <p:nvSpPr>
+          <p:cNvPr id="50" name="Rectangle 47">
+            <a:extLst>
+              <a:ext uri="{FF2B5EF4-FFF2-40B4-BE49-F238E27FC236}">
+                <a16:creationId xmlns:a16="http://schemas.microsoft.com/office/drawing/2014/main" id="{7618178E-FF60-4253-A5BD-130E06E5065D}"/>
+              </a:ext>
+            </a:extLst>
+          </p:cNvPr>
+          <p:cNvSpPr>
+            <a:spLocks noChangeArrowheads="1"/>
+          </p:cNvSpPr>
+          <p:nvPr/>
+        </p:nvSpPr>
+        <p:spPr bwMode="auto">
+          <a:xfrm>
+            <a:off x="5868988" y="5138738"/>
+            <a:ext cx="762000" cy="381000"/>
+          </a:xfrm>
+          <a:prstGeom prst="rect">
+            <a:avLst/>
+          </a:prstGeom>
+          <a:solidFill>
+            <a:srgbClr val="FFFFFF"/>
+          </a:solidFill>
+          <a:ln w="9525">
+            <a:solidFill>
+              <a:schemeClr val="tx1"/>
+            </a:solidFill>
+            <a:miter lim="800000"/>
+            <a:headEnd/>
+            <a:tailEnd/>
+          </a:ln>
+        </p:spPr>
+        <p:txBody>
+          <a:bodyPr wrap="none" anchor="ctr"/>
+          <a:lstStyle/>
+          <a:p>
+            <a:pPr algn="ctr"/>
+            <a:r>
+              <a:rPr lang="ko-KR" altLang="en-US" sz="1600" dirty="0">
+                <a:latin typeface="Noto Sans CJK KR Regular" panose="020B0500000000000000" pitchFamily="34" charset="-127"/>
+                <a:ea typeface="Noto Sans CJK KR Regular" panose="020B0500000000000000" pitchFamily="34" charset="-127"/>
+              </a:rPr>
+              <a:t>라면</a:t>
+            </a:r>
+          </a:p>
+        </p:txBody>
+      </p:sp>
+      <p:cxnSp>
+        <p:nvCxnSpPr>
+          <p:cNvPr id="51" name="AutoShape 48">
+            <a:extLst>
+              <a:ext uri="{FF2B5EF4-FFF2-40B4-BE49-F238E27FC236}">
+                <a16:creationId xmlns:a16="http://schemas.microsoft.com/office/drawing/2014/main" id="{CEBB3D59-4425-4D2E-B19F-B34A4E10C235}"/>
+              </a:ext>
+            </a:extLst>
+          </p:cNvPr>
+          <p:cNvCxnSpPr>
+            <a:cxnSpLocks noChangeShapeType="1"/>
+            <a:stCxn id="50" idx="0"/>
+            <a:endCxn id="49" idx="2"/>
+          </p:cNvCxnSpPr>
+          <p:nvPr/>
+        </p:nvCxnSpPr>
+        <p:spPr bwMode="auto">
+          <a:xfrm flipV="1">
+            <a:off x="6249988" y="4986338"/>
+            <a:ext cx="0" cy="152400"/>
+          </a:xfrm>
+          <a:prstGeom prst="straightConnector1">
+            <a:avLst/>
+          </a:prstGeom>
+          <a:noFill/>
+          <a:ln w="9525">
+            <a:solidFill>
+              <a:schemeClr val="tx1"/>
+            </a:solidFill>
+            <a:round/>
+            <a:headEnd/>
+            <a:tailEnd/>
+          </a:ln>
+        </p:spPr>
+      </p:cxnSp>
+      <p:cxnSp>
+        <p:nvCxnSpPr>
+          <p:cNvPr id="52" name="AutoShape 49">
+            <a:extLst>
+              <a:ext uri="{FF2B5EF4-FFF2-40B4-BE49-F238E27FC236}">
+                <a16:creationId xmlns:a16="http://schemas.microsoft.com/office/drawing/2014/main" id="{2A2093A8-499A-4141-B935-9B5DBC75ECF2}"/>
+              </a:ext>
+            </a:extLst>
+          </p:cNvPr>
+          <p:cNvCxnSpPr>
+            <a:cxnSpLocks noChangeShapeType="1"/>
+            <a:stCxn id="53" idx="2"/>
+            <a:endCxn id="49" idx="0"/>
+          </p:cNvCxnSpPr>
+          <p:nvPr/>
+        </p:nvCxnSpPr>
+        <p:spPr bwMode="auto">
+          <a:xfrm>
+            <a:off x="5411788" y="4376738"/>
+            <a:ext cx="838200" cy="228600"/>
+          </a:xfrm>
+          <a:prstGeom prst="straightConnector1">
+            <a:avLst/>
+          </a:prstGeom>
+          <a:noFill/>
+          <a:ln w="9525">
+            <a:solidFill>
+              <a:schemeClr val="tx1"/>
+            </a:solidFill>
+            <a:round/>
+            <a:headEnd/>
+            <a:tailEnd/>
+          </a:ln>
+        </p:spPr>
+      </p:cxnSp>
+      <p:sp>
+        <p:nvSpPr>
+          <p:cNvPr id="53" name="Rectangle 50">
+            <a:extLst>
+              <a:ext uri="{FF2B5EF4-FFF2-40B4-BE49-F238E27FC236}">
+                <a16:creationId xmlns:a16="http://schemas.microsoft.com/office/drawing/2014/main" id="{13D7D0E4-7D31-4495-B941-E05EC558096C}"/>
+              </a:ext>
+            </a:extLst>
+          </p:cNvPr>
+          <p:cNvSpPr>
+            <a:spLocks noChangeArrowheads="1"/>
+          </p:cNvSpPr>
+          <p:nvPr/>
+        </p:nvSpPr>
+        <p:spPr bwMode="auto">
+          <a:xfrm>
+            <a:off x="5030788" y="3995738"/>
+            <a:ext cx="762000" cy="381000"/>
+          </a:xfrm>
+          <a:prstGeom prst="rect">
+            <a:avLst/>
+          </a:prstGeom>
+          <a:solidFill>
+            <a:schemeClr val="accent1"/>
+          </a:solidFill>
+          <a:ln w="9525">
+            <a:solidFill>
+              <a:schemeClr val="tx1"/>
+            </a:solidFill>
+            <a:miter lim="800000"/>
+            <a:headEnd/>
+            <a:tailEnd/>
+          </a:ln>
+        </p:spPr>
+        <p:txBody>
+          <a:bodyPr wrap="none" anchor="ctr"/>
+          <a:lstStyle/>
+          <a:p>
+            <a:pPr algn="ctr"/>
+            <a:r>
+              <a:rPr lang="en-US" altLang="ko-KR" sz="1600">
+                <a:latin typeface="Noto Sans CJK KR Regular" panose="020B0500000000000000" pitchFamily="34" charset="-127"/>
+                <a:ea typeface="Noto Sans CJK KR Regular" panose="020B0500000000000000" pitchFamily="34" charset="-127"/>
+              </a:rPr>
+              <a:t>ul</a:t>
+            </a:r>
+          </a:p>
+        </p:txBody>
+      </p:sp>
+      <p:pic>
+        <p:nvPicPr>
+          <p:cNvPr id="54" name="그림 53" descr="코딩아이콘.png">
+            <a:extLst>
+              <a:ext uri="{FF2B5EF4-FFF2-40B4-BE49-F238E27FC236}">
+                <a16:creationId xmlns:a16="http://schemas.microsoft.com/office/drawing/2014/main" id="{272ED67F-2F9E-40F9-B651-FF33D9362B85}"/>
+              </a:ext>
+            </a:extLst>
+          </p:cNvPr>
+          <p:cNvPicPr>
+            <a:picLocks noChangeAspect="1"/>
+          </p:cNvPicPr>
+          <p:nvPr/>
+        </p:nvPicPr>
+        <p:blipFill>
+          <a:blip r:embed="rId3" cstate="print"/>
+          <a:stretch>
+            <a:fillRect/>
+          </a:stretch>
+        </p:blipFill>
+        <p:spPr>
+          <a:xfrm flipH="1">
+            <a:off x="11062105" y="692696"/>
+            <a:ext cx="504056" cy="440660"/>
+          </a:xfrm>
+          <a:prstGeom prst="rect">
+            <a:avLst/>
+          </a:prstGeom>
+        </p:spPr>
+      </p:pic>
+      <p:sp>
+        <p:nvSpPr>
+          <p:cNvPr id="55" name="TextBox 54">
+            <a:extLst>
+              <a:ext uri="{FF2B5EF4-FFF2-40B4-BE49-F238E27FC236}">
+                <a16:creationId xmlns:a16="http://schemas.microsoft.com/office/drawing/2014/main" id="{6071FFB2-BC12-44E9-9DF0-4EE9F2A0CD2F}"/>
+              </a:ext>
+            </a:extLst>
+          </p:cNvPr>
+          <p:cNvSpPr txBox="1"/>
+          <p:nvPr/>
+        </p:nvSpPr>
+        <p:spPr>
+          <a:xfrm>
+            <a:off x="7389697" y="764704"/>
+            <a:ext cx="3657003" cy="369332"/>
+          </a:xfrm>
+          <a:prstGeom prst="rect">
+            <a:avLst/>
+          </a:prstGeom>
+          <a:noFill/>
+        </p:spPr>
+        <p:txBody>
+          <a:bodyPr wrap="square" rtlCol="0">
+            <a:spAutoFit/>
+          </a:bodyPr>
+          <a:lstStyle/>
+          <a:p>
+            <a:pPr algn="r"/>
+            <a:r>
+              <a:rPr lang="en-US" altLang="ko-KR">
+                <a:solidFill>
+                  <a:schemeClr val="tx1">
+                    <a:lumMod val="65000"/>
+                    <a:lumOff val="35000"/>
+                  </a:schemeClr>
+                </a:solidFill>
+                <a:latin typeface="Noto Sans CJK KR Regular" panose="020B0500000000000000" pitchFamily="34" charset="-127"/>
+                <a:ea typeface="Noto Sans CJK KR Regular" panose="020B0500000000000000" pitchFamily="34" charset="-127"/>
+              </a:rPr>
+              <a:t>ex05-01.html</a:t>
+            </a:r>
+            <a:endParaRPr lang="ko-KR" altLang="en-US" dirty="0">
+              <a:solidFill>
+                <a:schemeClr val="tx1">
+                  <a:lumMod val="65000"/>
+                  <a:lumOff val="35000"/>
+                </a:schemeClr>
+              </a:solidFill>
+              <a:latin typeface="Noto Sans CJK KR Regular" panose="020B0500000000000000" pitchFamily="34" charset="-127"/>
+              <a:ea typeface="Noto Sans CJK KR Regular" panose="020B0500000000000000" pitchFamily="34" charset="-127"/>
+            </a:endParaRPr>
+          </a:p>
+        </p:txBody>
+      </p:sp>
+    </p:spTree>
+    <p:extLst>
+      <p:ext uri="{BB962C8B-B14F-4D97-AF65-F5344CB8AC3E}">
+        <p14:creationId xmlns:p14="http://schemas.microsoft.com/office/powerpoint/2010/main" val="1758653953"/>
+      </p:ext>
+    </p:extLst>
+  </p:cSld>
+  <p:clrMapOvr>
+    <a:masterClrMapping/>
+  </p:clrMapOvr>
+</p:sld>
+</file>
+
+<file path=ppt/slides/slide19.xml><?xml version="1.0" encoding="utf-8"?>
+<p:sld xmlns:a="http://schemas.openxmlformats.org/drawingml/2006/main" xmlns:r="http://schemas.openxmlformats.org/officeDocument/2006/relationships" xmlns:p="http://schemas.openxmlformats.org/presentationml/2006/main">
+  <p:cSld>
+    <p:spTree>
+      <p:nvGrpSpPr>
+        <p:cNvPr id="1" name=""/>
+        <p:cNvGrpSpPr/>
+        <p:nvPr/>
+      </p:nvGrpSpPr>
+      <p:grpSpPr>
+        <a:xfrm>
+          <a:off x="0" y="0"/>
+          <a:ext cx="0" cy="0"/>
+          <a:chOff x="0" y="0"/>
+          <a:chExt cx="0" cy="0"/>
+        </a:xfrm>
+      </p:grpSpPr>
+      <p:sp>
+        <p:nvSpPr>
+          <p:cNvPr id="12" name="TextBox 11">
+            <a:extLst>
+              <a:ext uri="{FF2B5EF4-FFF2-40B4-BE49-F238E27FC236}">
+                <a16:creationId xmlns:a16="http://schemas.microsoft.com/office/drawing/2014/main" id="{10ACD4E5-1FFB-574E-8F99-C84FF7F7144F}"/>
+              </a:ext>
+            </a:extLst>
+          </p:cNvPr>
+          <p:cNvSpPr txBox="1"/>
+          <p:nvPr/>
+        </p:nvSpPr>
+        <p:spPr>
+          <a:xfrm>
+            <a:off x="563667" y="443389"/>
+            <a:ext cx="4713514" cy="338554"/>
+          </a:xfrm>
+          <a:prstGeom prst="rect">
+            <a:avLst/>
+          </a:prstGeom>
+          <a:noFill/>
+        </p:spPr>
+        <p:txBody>
+          <a:bodyPr wrap="square" rtlCol="0">
+            <a:spAutoFit/>
+          </a:bodyPr>
+          <a:lstStyle/>
+          <a:p>
+            <a:r>
+              <a:rPr kumimoji="1" lang="ko-KR" altLang="en-US" sz="1600" spc="-60">
+                <a:solidFill>
+                  <a:srgbClr val="FF9E1B"/>
+                </a:solidFill>
+                <a:latin typeface="Noto Sans CJK KR Medium" panose="020B0500000000000000" pitchFamily="34" charset="-128"/>
+                <a:ea typeface="Noto Sans CJK KR Medium" panose="020B0500000000000000" pitchFamily="34" charset="-128"/>
+              </a:rPr>
+              <a:t>강의  </a:t>
+            </a:r>
+            <a:r>
+              <a:rPr kumimoji="1" lang="en-US" altLang="ko-KR" sz="1600" spc="-60">
+                <a:solidFill>
+                  <a:schemeClr val="tx1">
+                    <a:lumMod val="75000"/>
+                    <a:lumOff val="25000"/>
+                  </a:schemeClr>
+                </a:solidFill>
+                <a:latin typeface="Noto Sans CJK KR DemiLight" panose="020B0400000000000000" pitchFamily="34" charset="-128"/>
+                <a:ea typeface="Noto Sans CJK KR DemiLight" panose="020B0400000000000000" pitchFamily="34" charset="-128"/>
+              </a:rPr>
+              <a:t>|</a:t>
+            </a:r>
+            <a:r>
+              <a:rPr kumimoji="1" lang="ko-KR" altLang="en-US" sz="1600" spc="-60">
+                <a:solidFill>
+                  <a:schemeClr val="tx1">
+                    <a:lumMod val="75000"/>
+                    <a:lumOff val="25000"/>
+                  </a:schemeClr>
+                </a:solidFill>
+                <a:latin typeface="Noto Sans CJK KR DemiLight" panose="020B0400000000000000" pitchFamily="34" charset="-128"/>
+                <a:ea typeface="Noto Sans CJK KR DemiLight" panose="020B0400000000000000" pitchFamily="34" charset="-128"/>
+              </a:rPr>
+              <a:t>  노드 복사</a:t>
+            </a:r>
+            <a:endParaRPr kumimoji="1" lang="ko-KR" altLang="en-US" sz="1600" spc="-60" dirty="0">
+              <a:solidFill>
+                <a:schemeClr val="tx1">
+                  <a:lumMod val="75000"/>
+                  <a:lumOff val="25000"/>
+                </a:schemeClr>
+              </a:solidFill>
+              <a:latin typeface="Noto Sans CJK KR DemiLight" panose="020B0400000000000000" pitchFamily="34" charset="-128"/>
+              <a:ea typeface="Noto Sans CJK KR DemiLight" panose="020B0400000000000000" pitchFamily="34" charset="-128"/>
+            </a:endParaRPr>
+          </a:p>
+        </p:txBody>
+      </p:sp>
+      <p:pic>
+        <p:nvPicPr>
+          <p:cNvPr id="4" name="그림 3" descr="모니터, 앉아있는, 컴퓨터, 노트북이(가) 표시된 사진&#10;&#10;자동 생성된 설명">
+            <a:extLst>
+              <a:ext uri="{FF2B5EF4-FFF2-40B4-BE49-F238E27FC236}">
+                <a16:creationId xmlns:a16="http://schemas.microsoft.com/office/drawing/2014/main" id="{11B22562-0242-7846-B4EF-7B0B4FAA194A}"/>
+              </a:ext>
+            </a:extLst>
+          </p:cNvPr>
+          <p:cNvPicPr>
+            <a:picLocks noChangeAspect="1"/>
+          </p:cNvPicPr>
+          <p:nvPr/>
+        </p:nvPicPr>
+        <p:blipFill>
+          <a:blip r:embed="rId2"/>
+          <a:stretch>
+            <a:fillRect/>
+          </a:stretch>
+        </p:blipFill>
+        <p:spPr>
+          <a:xfrm>
+            <a:off x="10478767" y="491271"/>
+            <a:ext cx="1087394" cy="170709"/>
+          </a:xfrm>
+          <a:prstGeom prst="rect">
+            <a:avLst/>
+          </a:prstGeom>
+        </p:spPr>
+      </p:pic>
+      <p:sp>
+        <p:nvSpPr>
+          <p:cNvPr id="2" name="슬라이드 번호 개체 틀 1">
+            <a:extLst>
+              <a:ext uri="{FF2B5EF4-FFF2-40B4-BE49-F238E27FC236}">
+                <a16:creationId xmlns:a16="http://schemas.microsoft.com/office/drawing/2014/main" id="{C903C940-4878-447B-88DC-FCEAD9FA9392}"/>
+              </a:ext>
+            </a:extLst>
+          </p:cNvPr>
+          <p:cNvSpPr>
+            <a:spLocks noGrp="1"/>
+          </p:cNvSpPr>
+          <p:nvPr>
+            <p:ph type="sldNum" sz="quarter" idx="12"/>
+          </p:nvPr>
+        </p:nvSpPr>
+        <p:spPr/>
+        <p:txBody>
+          <a:bodyPr/>
+          <a:lstStyle/>
+          <a:p>
+            <a:fld id="{3D1FA427-4C48-8040-8FB9-DF0FCDFDEE83}" type="slidenum">
+              <a:rPr kumimoji="1" lang="ko-KR" altLang="en-US" smtClean="0"/>
+              <a:t>19</a:t>
             </a:fld>
             <a:endParaRPr kumimoji="1" lang="ko-KR" altLang="en-US"/>
           </a:p>

--- a/PPT/05.자바스크립트 - 클라이언트 사이드(Event, DOM, Ajax, Web APIs).pptx
+++ b/PPT/05.자바스크립트 - 클라이언트 사이드(Event, DOM, Ajax, Web APIs).pptx
@@ -13216,10 +13216,10 @@
       </p:pic>
       <p:sp>
         <p:nvSpPr>
-          <p:cNvPr id="21" name="TextBox 20">
-            <a:extLst>
-              <a:ext uri="{FF2B5EF4-FFF2-40B4-BE49-F238E27FC236}">
-                <a16:creationId xmlns:a16="http://schemas.microsoft.com/office/drawing/2014/main" id="{B1263EA2-3AAA-41B9-A829-7891DA042EF4}"/>
+          <p:cNvPr id="22" name="TextBox 21">
+            <a:extLst>
+              <a:ext uri="{FF2B5EF4-FFF2-40B4-BE49-F238E27FC236}">
+                <a16:creationId xmlns:a16="http://schemas.microsoft.com/office/drawing/2014/main" id="{AD94C355-2868-4758-8ECC-292A5890750F}"/>
               </a:ext>
             </a:extLst>
           </p:cNvPr>
@@ -13228,8 +13228,8 @@
         </p:nvSpPr>
         <p:spPr>
           <a:xfrm>
-            <a:off x="6021545" y="764704"/>
-            <a:ext cx="5025155" cy="369332"/>
+            <a:off x="7389697" y="764704"/>
+            <a:ext cx="3657003" cy="369332"/>
           </a:xfrm>
           <a:prstGeom prst="rect">
             <a:avLst/>
@@ -13251,8 +13251,10 @@
                     <a:lumOff val="35000"/>
                   </a:schemeClr>
                 </a:solidFill>
-              </a:rPr>
-              <a:t>05-01.html</a:t>
+                <a:latin typeface="Noto Sans CJK KR Regular" panose="020B0500000000000000" pitchFamily="34" charset="-127"/>
+                <a:ea typeface="Noto Sans CJK KR Regular" panose="020B0500000000000000" pitchFamily="34" charset="-127"/>
+              </a:rPr>
+              <a:t>ex05-01.html</a:t>
             </a:r>
             <a:endParaRPr lang="ko-KR" altLang="en-US" dirty="0">
               <a:solidFill>
@@ -13261,6 +13263,8 @@
                   <a:lumOff val="35000"/>
                 </a:schemeClr>
               </a:solidFill>
+              <a:latin typeface="Noto Sans CJK KR Regular" panose="020B0500000000000000" pitchFamily="34" charset="-127"/>
+              <a:ea typeface="Noto Sans CJK KR Regular" panose="020B0500000000000000" pitchFamily="34" charset="-127"/>
             </a:endParaRPr>
           </a:p>
         </p:txBody>
@@ -13745,10 +13749,10 @@
       </p:pic>
       <p:sp>
         <p:nvSpPr>
-          <p:cNvPr id="7" name="TextBox 6">
-            <a:extLst>
-              <a:ext uri="{FF2B5EF4-FFF2-40B4-BE49-F238E27FC236}">
-                <a16:creationId xmlns:a16="http://schemas.microsoft.com/office/drawing/2014/main" id="{7F605C33-39E1-4C23-B23D-38762CB6112E}"/>
+          <p:cNvPr id="8" name="TextBox 7">
+            <a:extLst>
+              <a:ext uri="{FF2B5EF4-FFF2-40B4-BE49-F238E27FC236}">
+                <a16:creationId xmlns:a16="http://schemas.microsoft.com/office/drawing/2014/main" id="{80F005D7-8F7D-497D-A765-86DC02884F10}"/>
               </a:ext>
             </a:extLst>
           </p:cNvPr>
@@ -13757,8 +13761,8 @@
         </p:nvSpPr>
         <p:spPr>
           <a:xfrm>
-            <a:off x="6021545" y="764704"/>
-            <a:ext cx="5025155" cy="369332"/>
+            <a:off x="7389697" y="764704"/>
+            <a:ext cx="3657003" cy="369332"/>
           </a:xfrm>
           <a:prstGeom prst="rect">
             <a:avLst/>
@@ -13780,8 +13784,10 @@
                     <a:lumOff val="35000"/>
                   </a:schemeClr>
                 </a:solidFill>
-              </a:rPr>
-              <a:t>05-01.html</a:t>
+                <a:latin typeface="Noto Sans CJK KR Regular" panose="020B0500000000000000" pitchFamily="34" charset="-127"/>
+                <a:ea typeface="Noto Sans CJK KR Regular" panose="020B0500000000000000" pitchFamily="34" charset="-127"/>
+              </a:rPr>
+              <a:t>ex05-01.html</a:t>
             </a:r>
             <a:endParaRPr lang="ko-KR" altLang="en-US" dirty="0">
               <a:solidFill>
@@ -13790,6 +13796,8 @@
                   <a:lumOff val="35000"/>
                 </a:schemeClr>
               </a:solidFill>
+              <a:latin typeface="Noto Sans CJK KR Regular" panose="020B0500000000000000" pitchFamily="34" charset="-127"/>
+              <a:ea typeface="Noto Sans CJK KR Regular" panose="020B0500000000000000" pitchFamily="34" charset="-127"/>
             </a:endParaRPr>
           </a:p>
         </p:txBody>

--- a/PPT/05.자바스크립트 - 클라이언트 사이드(Event, DOM, Ajax, Web APIs).pptx
+++ b/PPT/05.자바스크립트 - 클라이언트 사이드(Event, DOM, Ajax, Web APIs).pptx
@@ -16559,13 +16559,7 @@
           <p:cNvGraphicFramePr>
             <a:graphicFrameLocks/>
           </p:cNvGraphicFramePr>
-          <p:nvPr>
-            <p:extLst>
-              <p:ext uri="{D42A27DB-BD31-4B8C-83A1-F6EECF244321}">
-                <p14:modId xmlns:p14="http://schemas.microsoft.com/office/powerpoint/2010/main" val="1964101898"/>
-              </p:ext>
-            </p:extLst>
-          </p:nvPr>
+          <p:nvPr/>
         </p:nvGraphicFramePr>
         <p:xfrm>
           <a:off x="1066800" y="1773238"/>
@@ -17313,8 +17307,8 @@
         </p:nvSpPr>
         <p:spPr>
           <a:xfrm>
-            <a:off x="770467" y="3516610"/>
-            <a:ext cx="6578600" cy="923330"/>
+            <a:off x="1066800" y="3516610"/>
+            <a:ext cx="7010400" cy="923330"/>
           </a:xfrm>
           <a:prstGeom prst="rect">
             <a:avLst/>
@@ -17460,7 +17454,7 @@
         </p:nvSpPr>
         <p:spPr bwMode="auto">
           <a:xfrm>
-            <a:off x="7544966" y="3521648"/>
+            <a:off x="9088016" y="3521648"/>
             <a:ext cx="762000" cy="381000"/>
           </a:xfrm>
           <a:prstGeom prst="rect">
@@ -17509,7 +17503,7 @@
         </p:nvSpPr>
         <p:spPr bwMode="auto">
           <a:xfrm>
-            <a:off x="7544966" y="4058940"/>
+            <a:off x="9088016" y="4058940"/>
             <a:ext cx="762000" cy="381000"/>
           </a:xfrm>
           <a:prstGeom prst="rect">
@@ -18018,7 +18012,7 @@
         </p:nvSpPr>
         <p:spPr bwMode="auto">
           <a:xfrm>
-            <a:off x="7669294" y="2065338"/>
+            <a:off x="7788259" y="2065338"/>
             <a:ext cx="762000" cy="381000"/>
           </a:xfrm>
           <a:prstGeom prst="rect">
@@ -18067,7 +18061,7 @@
         </p:nvSpPr>
         <p:spPr bwMode="auto">
           <a:xfrm>
-            <a:off x="7669294" y="2616200"/>
+            <a:off x="7788259" y="2616200"/>
             <a:ext cx="762000" cy="381000"/>
           </a:xfrm>
           <a:prstGeom prst="rect">
@@ -18118,7 +18112,7 @@
         </p:nvCxnSpPr>
         <p:spPr bwMode="auto">
           <a:xfrm flipV="1">
-            <a:off x="8050294" y="2446338"/>
+            <a:off x="8169259" y="2446338"/>
             <a:ext cx="0" cy="169862"/>
           </a:xfrm>
           <a:prstGeom prst="straightConnector1">
@@ -20042,276 +20036,6 @@
           </a:ln>
         </p:spPr>
       </p:cxnSp>
-      <p:sp>
-        <p:nvSpPr>
-          <p:cNvPr id="54" name="Text Box 4">
-            <a:extLst>
-              <a:ext uri="{FF2B5EF4-FFF2-40B4-BE49-F238E27FC236}">
-                <a16:creationId xmlns:a16="http://schemas.microsoft.com/office/drawing/2014/main" id="{7806D0D0-2CED-45FF-9742-4F5339F69E4D}"/>
-              </a:ext>
-            </a:extLst>
-          </p:cNvPr>
-          <p:cNvSpPr txBox="1">
-            <a:spLocks noChangeArrowheads="1"/>
-          </p:cNvSpPr>
-          <p:nvPr/>
-        </p:nvSpPr>
-        <p:spPr bwMode="auto">
-          <a:xfrm>
-            <a:off x="228600" y="1717675"/>
-            <a:ext cx="6781800" cy="366713"/>
-          </a:xfrm>
-          <a:prstGeom prst="rect">
-            <a:avLst/>
-          </a:prstGeom>
-          <a:solidFill>
-            <a:schemeClr val="bg1"/>
-          </a:solidFill>
-          <a:ln w="9525">
-            <a:noFill/>
-            <a:miter lim="800000"/>
-            <a:headEnd/>
-            <a:tailEnd/>
-          </a:ln>
-        </p:spPr>
-        <p:txBody>
-          <a:bodyPr>
-            <a:spAutoFit/>
-          </a:bodyPr>
-          <a:lstStyle/>
-          <a:p>
-            <a:pPr marL="800100" lvl="1" indent="-342900">
-              <a:buFont typeface="굴림" pitchFamily="50" charset="-127"/>
-              <a:buChar char="☞"/>
-            </a:pPr>
-            <a:r>
-              <a:rPr lang="en-US" altLang="ko-KR">
-                <a:solidFill>
-                  <a:srgbClr val="0000FF"/>
-                </a:solidFill>
-                <a:latin typeface="Consolas" panose="020B0609020204030204" pitchFamily="49" charset="0"/>
-                <a:ea typeface="Noto Sans CJK KR Regular" panose="020B0500000000000000" pitchFamily="34" charset="-127"/>
-              </a:rPr>
-              <a:t>const</a:t>
-            </a:r>
-            <a:r>
-              <a:rPr lang="en-US" altLang="ko-KR">
-                <a:latin typeface="Consolas" panose="020B0609020204030204" pitchFamily="49" charset="0"/>
-                <a:ea typeface="Noto Sans CJK KR Regular" panose="020B0500000000000000" pitchFamily="34" charset="-127"/>
-              </a:rPr>
-              <a:t> newLiNode = document.createElement("li");</a:t>
-            </a:r>
-          </a:p>
-        </p:txBody>
-      </p:sp>
-      <p:sp>
-        <p:nvSpPr>
-          <p:cNvPr id="55" name="Text Box 8">
-            <a:extLst>
-              <a:ext uri="{FF2B5EF4-FFF2-40B4-BE49-F238E27FC236}">
-                <a16:creationId xmlns:a16="http://schemas.microsoft.com/office/drawing/2014/main" id="{46AB5FAC-0898-42E0-89B0-3060D00D8879}"/>
-              </a:ext>
-            </a:extLst>
-          </p:cNvPr>
-          <p:cNvSpPr txBox="1">
-            <a:spLocks noChangeArrowheads="1"/>
-          </p:cNvSpPr>
-          <p:nvPr/>
-        </p:nvSpPr>
-        <p:spPr bwMode="auto">
-          <a:xfrm>
-            <a:off x="228599" y="2022475"/>
-            <a:ext cx="7391401" cy="369332"/>
-          </a:xfrm>
-          <a:prstGeom prst="rect">
-            <a:avLst/>
-          </a:prstGeom>
-          <a:solidFill>
-            <a:schemeClr val="bg1"/>
-          </a:solidFill>
-          <a:ln w="9525">
-            <a:noFill/>
-            <a:miter lim="800000"/>
-            <a:headEnd/>
-            <a:tailEnd/>
-          </a:ln>
-        </p:spPr>
-        <p:txBody>
-          <a:bodyPr wrap="square">
-            <a:spAutoFit/>
-          </a:bodyPr>
-          <a:lstStyle/>
-          <a:p>
-            <a:pPr marL="800100" lvl="1" indent="-342900">
-              <a:buFont typeface="굴림" pitchFamily="50" charset="-127"/>
-              <a:buChar char="☞"/>
-            </a:pPr>
-            <a:r>
-              <a:rPr lang="en-US" altLang="ko-KR">
-                <a:solidFill>
-                  <a:srgbClr val="0000FF"/>
-                </a:solidFill>
-                <a:latin typeface="Consolas" panose="020B0609020204030204" pitchFamily="49" charset="0"/>
-                <a:ea typeface="Noto Sans CJK KR Regular" panose="020B0500000000000000" pitchFamily="34" charset="-127"/>
-              </a:rPr>
-              <a:t>const</a:t>
-            </a:r>
-            <a:r>
-              <a:rPr lang="en-US" altLang="ko-KR">
-                <a:latin typeface="Consolas" panose="020B0609020204030204" pitchFamily="49" charset="0"/>
-                <a:ea typeface="Noto Sans CJK KR Regular" panose="020B0500000000000000" pitchFamily="34" charset="-127"/>
-              </a:rPr>
-              <a:t> </a:t>
-            </a:r>
-            <a:r>
-              <a:rPr lang="en-US" altLang="ko-KR" dirty="0" err="1">
-                <a:latin typeface="Consolas" panose="020B0609020204030204" pitchFamily="49" charset="0"/>
-                <a:ea typeface="Noto Sans CJK KR Regular" panose="020B0500000000000000" pitchFamily="34" charset="-127"/>
-              </a:rPr>
-              <a:t>newTextNode</a:t>
-            </a:r>
-            <a:r>
-              <a:rPr lang="en-US" altLang="ko-KR" dirty="0">
-                <a:latin typeface="Consolas" panose="020B0609020204030204" pitchFamily="49" charset="0"/>
-                <a:ea typeface="Noto Sans CJK KR Regular" panose="020B0500000000000000" pitchFamily="34" charset="-127"/>
-              </a:rPr>
-              <a:t> = </a:t>
-            </a:r>
-            <a:r>
-              <a:rPr lang="en-US" altLang="ko-KR" dirty="0" err="1">
-                <a:latin typeface="Consolas" panose="020B0609020204030204" pitchFamily="49" charset="0"/>
-                <a:ea typeface="Noto Sans CJK KR Regular" panose="020B0500000000000000" pitchFamily="34" charset="-127"/>
-              </a:rPr>
-              <a:t>document.createTextNode</a:t>
-            </a:r>
-            <a:r>
-              <a:rPr lang="en-US" altLang="ko-KR" dirty="0">
-                <a:latin typeface="Consolas" panose="020B0609020204030204" pitchFamily="49" charset="0"/>
-                <a:ea typeface="Noto Sans CJK KR Regular" panose="020B0500000000000000" pitchFamily="34" charset="-127"/>
-              </a:rPr>
-              <a:t>("</a:t>
-            </a:r>
-            <a:r>
-              <a:rPr lang="ko-KR" altLang="en-US" dirty="0">
-                <a:latin typeface="Consolas" panose="020B0609020204030204" pitchFamily="49" charset="0"/>
-                <a:ea typeface="Noto Sans CJK KR Regular" panose="020B0500000000000000" pitchFamily="34" charset="-127"/>
-              </a:rPr>
-              <a:t>우유</a:t>
-            </a:r>
-            <a:r>
-              <a:rPr lang="en-US" altLang="ko-KR" dirty="0">
-                <a:latin typeface="Consolas" panose="020B0609020204030204" pitchFamily="49" charset="0"/>
-                <a:ea typeface="Noto Sans CJK KR Regular" panose="020B0500000000000000" pitchFamily="34" charset="-127"/>
-              </a:rPr>
-              <a:t>");</a:t>
-            </a:r>
-          </a:p>
-        </p:txBody>
-      </p:sp>
-      <p:sp>
-        <p:nvSpPr>
-          <p:cNvPr id="56" name="Text Box 9">
-            <a:extLst>
-              <a:ext uri="{FF2B5EF4-FFF2-40B4-BE49-F238E27FC236}">
-                <a16:creationId xmlns:a16="http://schemas.microsoft.com/office/drawing/2014/main" id="{4137237F-A53A-469F-8608-08349E2F07E8}"/>
-              </a:ext>
-            </a:extLst>
-          </p:cNvPr>
-          <p:cNvSpPr txBox="1">
-            <a:spLocks noChangeArrowheads="1"/>
-          </p:cNvSpPr>
-          <p:nvPr/>
-        </p:nvSpPr>
-        <p:spPr bwMode="auto">
-          <a:xfrm>
-            <a:off x="228600" y="2341563"/>
-            <a:ext cx="5791200" cy="366712"/>
-          </a:xfrm>
-          <a:prstGeom prst="rect">
-            <a:avLst/>
-          </a:prstGeom>
-          <a:solidFill>
-            <a:schemeClr val="bg1"/>
-          </a:solidFill>
-          <a:ln w="9525">
-            <a:noFill/>
-            <a:miter lim="800000"/>
-            <a:headEnd/>
-            <a:tailEnd/>
-          </a:ln>
-        </p:spPr>
-        <p:txBody>
-          <a:bodyPr>
-            <a:spAutoFit/>
-          </a:bodyPr>
-          <a:lstStyle/>
-          <a:p>
-            <a:pPr marL="800100" lvl="1" indent="-342900">
-              <a:buFont typeface="굴림" pitchFamily="50" charset="-127"/>
-              <a:buChar char="☞"/>
-            </a:pPr>
-            <a:r>
-              <a:rPr lang="en-US" altLang="ko-KR">
-                <a:latin typeface="Consolas" panose="020B0609020204030204" pitchFamily="49" charset="0"/>
-                <a:ea typeface="Noto Sans CJK KR Regular" panose="020B0500000000000000" pitchFamily="34" charset="-127"/>
-              </a:rPr>
-              <a:t>newLiNode.appendChild(newTextNode);</a:t>
-            </a:r>
-          </a:p>
-        </p:txBody>
-      </p:sp>
-      <p:sp>
-        <p:nvSpPr>
-          <p:cNvPr id="57" name="Text Box 9">
-            <a:extLst>
-              <a:ext uri="{FF2B5EF4-FFF2-40B4-BE49-F238E27FC236}">
-                <a16:creationId xmlns:a16="http://schemas.microsoft.com/office/drawing/2014/main" id="{0B865C12-44E8-417A-98FF-A5A69D61D43A}"/>
-              </a:ext>
-            </a:extLst>
-          </p:cNvPr>
-          <p:cNvSpPr txBox="1">
-            <a:spLocks noChangeArrowheads="1"/>
-          </p:cNvSpPr>
-          <p:nvPr/>
-        </p:nvSpPr>
-        <p:spPr bwMode="auto">
-          <a:xfrm>
-            <a:off x="228600" y="2636838"/>
-            <a:ext cx="5791200" cy="366712"/>
-          </a:xfrm>
-          <a:prstGeom prst="rect">
-            <a:avLst/>
-          </a:prstGeom>
-          <a:solidFill>
-            <a:schemeClr val="bg1"/>
-          </a:solidFill>
-          <a:ln w="9525">
-            <a:noFill/>
-            <a:miter lim="800000"/>
-            <a:headEnd/>
-            <a:tailEnd/>
-          </a:ln>
-        </p:spPr>
-        <p:txBody>
-          <a:bodyPr>
-            <a:spAutoFit/>
-          </a:bodyPr>
-          <a:lstStyle/>
-          <a:p>
-            <a:pPr marL="800100" lvl="1" indent="-342900">
-              <a:buFont typeface="굴림" pitchFamily="50" charset="-127"/>
-              <a:buChar char="☞"/>
-            </a:pPr>
-            <a:r>
-              <a:rPr lang="en-US" altLang="ko-KR">
-                <a:latin typeface="Consolas" panose="020B0609020204030204" pitchFamily="49" charset="0"/>
-                <a:ea typeface="Noto Sans CJK KR Regular" panose="020B0500000000000000" pitchFamily="34" charset="-127"/>
-              </a:rPr>
-              <a:t>purchases.appendChild(newLiNode);</a:t>
-            </a:r>
-          </a:p>
-        </p:txBody>
-      </p:sp>
       <p:pic>
         <p:nvPicPr>
           <p:cNvPr id="58" name="그림 57" descr="코딩아이콘.png">
@@ -20394,6 +20118,522 @@
               <a:latin typeface="Noto Sans CJK KR Regular" panose="020B0500000000000000" pitchFamily="34" charset="-127"/>
               <a:ea typeface="Noto Sans CJK KR Regular" panose="020B0500000000000000" pitchFamily="34" charset="-127"/>
             </a:endParaRPr>
+          </a:p>
+        </p:txBody>
+      </p:sp>
+      <p:sp>
+        <p:nvSpPr>
+          <p:cNvPr id="60" name="TextBox 59">
+            <a:extLst>
+              <a:ext uri="{FF2B5EF4-FFF2-40B4-BE49-F238E27FC236}">
+                <a16:creationId xmlns:a16="http://schemas.microsoft.com/office/drawing/2014/main" id="{EE2598A2-22C9-4D82-94CB-21FFE006886C}"/>
+              </a:ext>
+            </a:extLst>
+          </p:cNvPr>
+          <p:cNvSpPr txBox="1"/>
+          <p:nvPr/>
+        </p:nvSpPr>
+        <p:spPr>
+          <a:xfrm>
+            <a:off x="1140342" y="1684249"/>
+            <a:ext cx="6238841" cy="369332"/>
+          </a:xfrm>
+          <a:prstGeom prst="rect">
+            <a:avLst/>
+          </a:prstGeom>
+          <a:noFill/>
+          <a:ln>
+            <a:noFill/>
+          </a:ln>
+        </p:spPr>
+        <p:txBody>
+          <a:bodyPr wrap="square">
+            <a:spAutoFit/>
+          </a:bodyPr>
+          <a:lstStyle/>
+          <a:p>
+            <a:r>
+              <a:rPr lang="en-US" altLang="ko-KR" b="0">
+                <a:solidFill>
+                  <a:srgbClr val="0000FF"/>
+                </a:solidFill>
+                <a:effectLst/>
+                <a:latin typeface="Consolas" panose="020B0609020204030204" pitchFamily="49" charset="0"/>
+              </a:rPr>
+              <a:t>const</a:t>
+            </a:r>
+            <a:r>
+              <a:rPr lang="en-US" altLang="ko-KR" b="0">
+                <a:solidFill>
+                  <a:srgbClr val="3B3B3B"/>
+                </a:solidFill>
+                <a:effectLst/>
+                <a:latin typeface="Consolas" panose="020B0609020204030204" pitchFamily="49" charset="0"/>
+              </a:rPr>
+              <a:t> </a:t>
+            </a:r>
+            <a:r>
+              <a:rPr lang="en-US" altLang="ko-KR" b="0">
+                <a:solidFill>
+                  <a:srgbClr val="0070C1"/>
+                </a:solidFill>
+                <a:effectLst/>
+                <a:latin typeface="Consolas" panose="020B0609020204030204" pitchFamily="49" charset="0"/>
+              </a:rPr>
+              <a:t>newLiNode</a:t>
+            </a:r>
+            <a:r>
+              <a:rPr lang="en-US" altLang="ko-KR" b="0">
+                <a:solidFill>
+                  <a:srgbClr val="3B3B3B"/>
+                </a:solidFill>
+                <a:effectLst/>
+                <a:latin typeface="Consolas" panose="020B0609020204030204" pitchFamily="49" charset="0"/>
+              </a:rPr>
+              <a:t> </a:t>
+            </a:r>
+            <a:r>
+              <a:rPr lang="en-US" altLang="ko-KR" b="0">
+                <a:solidFill>
+                  <a:srgbClr val="000000"/>
+                </a:solidFill>
+                <a:effectLst/>
+                <a:latin typeface="Consolas" panose="020B0609020204030204" pitchFamily="49" charset="0"/>
+              </a:rPr>
+              <a:t>=</a:t>
+            </a:r>
+            <a:r>
+              <a:rPr lang="en-US" altLang="ko-KR" b="0">
+                <a:solidFill>
+                  <a:srgbClr val="3B3B3B"/>
+                </a:solidFill>
+                <a:effectLst/>
+                <a:latin typeface="Consolas" panose="020B0609020204030204" pitchFamily="49" charset="0"/>
+              </a:rPr>
+              <a:t> </a:t>
+            </a:r>
+            <a:r>
+              <a:rPr lang="en-US" altLang="ko-KR" b="0">
+                <a:solidFill>
+                  <a:srgbClr val="001080"/>
+                </a:solidFill>
+                <a:effectLst/>
+                <a:latin typeface="Consolas" panose="020B0609020204030204" pitchFamily="49" charset="0"/>
+              </a:rPr>
+              <a:t>document</a:t>
+            </a:r>
+            <a:r>
+              <a:rPr lang="en-US" altLang="ko-KR" b="0">
+                <a:solidFill>
+                  <a:srgbClr val="3B3B3B"/>
+                </a:solidFill>
+                <a:effectLst/>
+                <a:latin typeface="Consolas" panose="020B0609020204030204" pitchFamily="49" charset="0"/>
+              </a:rPr>
+              <a:t>.</a:t>
+            </a:r>
+            <a:r>
+              <a:rPr lang="en-US" altLang="ko-KR" b="0">
+                <a:solidFill>
+                  <a:srgbClr val="795E26"/>
+                </a:solidFill>
+                <a:effectLst/>
+                <a:latin typeface="Consolas" panose="020B0609020204030204" pitchFamily="49" charset="0"/>
+              </a:rPr>
+              <a:t>createElement</a:t>
+            </a:r>
+            <a:r>
+              <a:rPr lang="en-US" altLang="ko-KR" b="0">
+                <a:solidFill>
+                  <a:srgbClr val="3B3B3B"/>
+                </a:solidFill>
+                <a:effectLst/>
+                <a:latin typeface="Consolas" panose="020B0609020204030204" pitchFamily="49" charset="0"/>
+              </a:rPr>
+              <a:t>(</a:t>
+            </a:r>
+            <a:r>
+              <a:rPr lang="en-US" altLang="ko-KR" b="0">
+                <a:solidFill>
+                  <a:srgbClr val="A31515"/>
+                </a:solidFill>
+                <a:effectLst/>
+                <a:latin typeface="Consolas" panose="020B0609020204030204" pitchFamily="49" charset="0"/>
+              </a:rPr>
+              <a:t>"li"</a:t>
+            </a:r>
+            <a:r>
+              <a:rPr lang="en-US" altLang="ko-KR" b="0">
+                <a:solidFill>
+                  <a:srgbClr val="3B3B3B"/>
+                </a:solidFill>
+                <a:effectLst/>
+                <a:latin typeface="Consolas" panose="020B0609020204030204" pitchFamily="49" charset="0"/>
+              </a:rPr>
+              <a:t>);</a:t>
+            </a:r>
+          </a:p>
+        </p:txBody>
+      </p:sp>
+      <p:sp>
+        <p:nvSpPr>
+          <p:cNvPr id="61" name="TextBox 60">
+            <a:extLst>
+              <a:ext uri="{FF2B5EF4-FFF2-40B4-BE49-F238E27FC236}">
+                <a16:creationId xmlns:a16="http://schemas.microsoft.com/office/drawing/2014/main" id="{9C565B7F-F945-4A1C-A00E-61547C2F8A98}"/>
+              </a:ext>
+            </a:extLst>
+          </p:cNvPr>
+          <p:cNvSpPr txBox="1"/>
+          <p:nvPr/>
+        </p:nvSpPr>
+        <p:spPr>
+          <a:xfrm>
+            <a:off x="1140344" y="1974891"/>
+            <a:ext cx="6647915" cy="369332"/>
+          </a:xfrm>
+          <a:prstGeom prst="rect">
+            <a:avLst/>
+          </a:prstGeom>
+          <a:noFill/>
+          <a:ln>
+            <a:noFill/>
+          </a:ln>
+        </p:spPr>
+        <p:txBody>
+          <a:bodyPr wrap="square">
+            <a:spAutoFit/>
+          </a:bodyPr>
+          <a:lstStyle/>
+          <a:p>
+            <a:r>
+              <a:rPr lang="en-US" altLang="ko-KR" b="0">
+                <a:solidFill>
+                  <a:srgbClr val="0000FF"/>
+                </a:solidFill>
+                <a:effectLst/>
+                <a:latin typeface="Consolas" panose="020B0609020204030204" pitchFamily="49" charset="0"/>
+              </a:rPr>
+              <a:t>const</a:t>
+            </a:r>
+            <a:r>
+              <a:rPr lang="en-US" altLang="ko-KR" b="0">
+                <a:solidFill>
+                  <a:srgbClr val="3B3B3B"/>
+                </a:solidFill>
+                <a:effectLst/>
+                <a:latin typeface="Consolas" panose="020B0609020204030204" pitchFamily="49" charset="0"/>
+              </a:rPr>
+              <a:t> </a:t>
+            </a:r>
+            <a:r>
+              <a:rPr lang="en-US" altLang="ko-KR" b="0">
+                <a:solidFill>
+                  <a:srgbClr val="0070C1"/>
+                </a:solidFill>
+                <a:effectLst/>
+                <a:latin typeface="Consolas" panose="020B0609020204030204" pitchFamily="49" charset="0"/>
+              </a:rPr>
+              <a:t>newTextNode</a:t>
+            </a:r>
+            <a:r>
+              <a:rPr lang="en-US" altLang="ko-KR" b="0">
+                <a:solidFill>
+                  <a:srgbClr val="3B3B3B"/>
+                </a:solidFill>
+                <a:effectLst/>
+                <a:latin typeface="Consolas" panose="020B0609020204030204" pitchFamily="49" charset="0"/>
+              </a:rPr>
+              <a:t> </a:t>
+            </a:r>
+            <a:r>
+              <a:rPr lang="en-US" altLang="ko-KR" b="0">
+                <a:solidFill>
+                  <a:srgbClr val="000000"/>
+                </a:solidFill>
+                <a:effectLst/>
+                <a:latin typeface="Consolas" panose="020B0609020204030204" pitchFamily="49" charset="0"/>
+              </a:rPr>
+              <a:t>=</a:t>
+            </a:r>
+            <a:r>
+              <a:rPr lang="en-US" altLang="ko-KR" b="0">
+                <a:solidFill>
+                  <a:srgbClr val="3B3B3B"/>
+                </a:solidFill>
+                <a:effectLst/>
+                <a:latin typeface="Consolas" panose="020B0609020204030204" pitchFamily="49" charset="0"/>
+              </a:rPr>
+              <a:t> </a:t>
+            </a:r>
+            <a:r>
+              <a:rPr lang="en-US" altLang="ko-KR" b="0">
+                <a:solidFill>
+                  <a:srgbClr val="001080"/>
+                </a:solidFill>
+                <a:effectLst/>
+                <a:latin typeface="Consolas" panose="020B0609020204030204" pitchFamily="49" charset="0"/>
+              </a:rPr>
+              <a:t>document</a:t>
+            </a:r>
+            <a:r>
+              <a:rPr lang="en-US" altLang="ko-KR" b="0">
+                <a:solidFill>
+                  <a:srgbClr val="3B3B3B"/>
+                </a:solidFill>
+                <a:effectLst/>
+                <a:latin typeface="Consolas" panose="020B0609020204030204" pitchFamily="49" charset="0"/>
+              </a:rPr>
+              <a:t>.</a:t>
+            </a:r>
+            <a:r>
+              <a:rPr lang="en-US" altLang="ko-KR" b="0">
+                <a:solidFill>
+                  <a:srgbClr val="795E26"/>
+                </a:solidFill>
+                <a:effectLst/>
+                <a:latin typeface="Consolas" panose="020B0609020204030204" pitchFamily="49" charset="0"/>
+              </a:rPr>
+              <a:t>createTextNode</a:t>
+            </a:r>
+            <a:r>
+              <a:rPr lang="en-US" altLang="ko-KR" b="0">
+                <a:solidFill>
+                  <a:srgbClr val="3B3B3B"/>
+                </a:solidFill>
+                <a:effectLst/>
+                <a:latin typeface="Consolas" panose="020B0609020204030204" pitchFamily="49" charset="0"/>
+              </a:rPr>
+              <a:t>(</a:t>
+            </a:r>
+            <a:r>
+              <a:rPr lang="en-US" altLang="ko-KR" b="0">
+                <a:solidFill>
+                  <a:srgbClr val="A31515"/>
+                </a:solidFill>
+                <a:effectLst/>
+                <a:latin typeface="Consolas" panose="020B0609020204030204" pitchFamily="49" charset="0"/>
+              </a:rPr>
+              <a:t>"</a:t>
+            </a:r>
+            <a:r>
+              <a:rPr lang="ko-KR" altLang="en-US" b="0">
+                <a:solidFill>
+                  <a:srgbClr val="A31515"/>
+                </a:solidFill>
+                <a:effectLst/>
+                <a:latin typeface="Consolas" panose="020B0609020204030204" pitchFamily="49" charset="0"/>
+              </a:rPr>
+              <a:t>우유</a:t>
+            </a:r>
+            <a:r>
+              <a:rPr lang="en-US" altLang="ko-KR" b="0">
+                <a:solidFill>
+                  <a:srgbClr val="A31515"/>
+                </a:solidFill>
+                <a:effectLst/>
+                <a:latin typeface="Consolas" panose="020B0609020204030204" pitchFamily="49" charset="0"/>
+              </a:rPr>
+              <a:t>"</a:t>
+            </a:r>
+            <a:r>
+              <a:rPr lang="en-US" altLang="ko-KR" b="0">
+                <a:solidFill>
+                  <a:srgbClr val="3B3B3B"/>
+                </a:solidFill>
+                <a:effectLst/>
+                <a:latin typeface="Consolas" panose="020B0609020204030204" pitchFamily="49" charset="0"/>
+              </a:rPr>
+              <a:t>);</a:t>
+            </a:r>
+          </a:p>
+        </p:txBody>
+      </p:sp>
+      <p:sp>
+        <p:nvSpPr>
+          <p:cNvPr id="62" name="TextBox 61">
+            <a:extLst>
+              <a:ext uri="{FF2B5EF4-FFF2-40B4-BE49-F238E27FC236}">
+                <a16:creationId xmlns:a16="http://schemas.microsoft.com/office/drawing/2014/main" id="{001349F9-A41F-4E39-926A-EB7F57FFC092}"/>
+              </a:ext>
+            </a:extLst>
+          </p:cNvPr>
+          <p:cNvSpPr txBox="1"/>
+          <p:nvPr/>
+        </p:nvSpPr>
+        <p:spPr>
+          <a:xfrm>
+            <a:off x="1140344" y="2257466"/>
+            <a:ext cx="6238841" cy="369332"/>
+          </a:xfrm>
+          <a:prstGeom prst="rect">
+            <a:avLst/>
+          </a:prstGeom>
+          <a:noFill/>
+          <a:ln>
+            <a:noFill/>
+          </a:ln>
+        </p:spPr>
+        <p:txBody>
+          <a:bodyPr wrap="square">
+            <a:spAutoFit/>
+          </a:bodyPr>
+          <a:lstStyle/>
+          <a:p>
+            <a:r>
+              <a:rPr lang="en-US" altLang="ko-KR" b="0">
+                <a:solidFill>
+                  <a:srgbClr val="0070C1"/>
+                </a:solidFill>
+                <a:effectLst/>
+                <a:latin typeface="Consolas" panose="020B0609020204030204" pitchFamily="49" charset="0"/>
+              </a:rPr>
+              <a:t>newLiNode</a:t>
+            </a:r>
+            <a:r>
+              <a:rPr lang="en-US" altLang="ko-KR" b="0">
+                <a:solidFill>
+                  <a:srgbClr val="3B3B3B"/>
+                </a:solidFill>
+                <a:effectLst/>
+                <a:latin typeface="Consolas" panose="020B0609020204030204" pitchFamily="49" charset="0"/>
+              </a:rPr>
+              <a:t>.</a:t>
+            </a:r>
+            <a:r>
+              <a:rPr lang="en-US" altLang="ko-KR" b="0">
+                <a:solidFill>
+                  <a:srgbClr val="795E26"/>
+                </a:solidFill>
+                <a:effectLst/>
+                <a:latin typeface="Consolas" panose="020B0609020204030204" pitchFamily="49" charset="0"/>
+              </a:rPr>
+              <a:t>appendChild</a:t>
+            </a:r>
+            <a:r>
+              <a:rPr lang="en-US" altLang="ko-KR" b="0">
+                <a:solidFill>
+                  <a:srgbClr val="3B3B3B"/>
+                </a:solidFill>
+                <a:effectLst/>
+                <a:latin typeface="Consolas" panose="020B0609020204030204" pitchFamily="49" charset="0"/>
+              </a:rPr>
+              <a:t>(</a:t>
+            </a:r>
+            <a:r>
+              <a:rPr lang="en-US" altLang="ko-KR" b="0">
+                <a:solidFill>
+                  <a:srgbClr val="0070C1"/>
+                </a:solidFill>
+                <a:effectLst/>
+                <a:latin typeface="Consolas" panose="020B0609020204030204" pitchFamily="49" charset="0"/>
+              </a:rPr>
+              <a:t>newTextNode</a:t>
+            </a:r>
+            <a:r>
+              <a:rPr lang="en-US" altLang="ko-KR" b="0">
+                <a:solidFill>
+                  <a:srgbClr val="3B3B3B"/>
+                </a:solidFill>
+                <a:effectLst/>
+                <a:latin typeface="Consolas" panose="020B0609020204030204" pitchFamily="49" charset="0"/>
+              </a:rPr>
+              <a:t>);</a:t>
+            </a:r>
+          </a:p>
+        </p:txBody>
+      </p:sp>
+      <p:sp>
+        <p:nvSpPr>
+          <p:cNvPr id="63" name="TextBox 62">
+            <a:extLst>
+              <a:ext uri="{FF2B5EF4-FFF2-40B4-BE49-F238E27FC236}">
+                <a16:creationId xmlns:a16="http://schemas.microsoft.com/office/drawing/2014/main" id="{8074D394-1250-44E6-928A-65DDAD91A703}"/>
+              </a:ext>
+            </a:extLst>
+          </p:cNvPr>
+          <p:cNvSpPr txBox="1"/>
+          <p:nvPr/>
+        </p:nvSpPr>
+        <p:spPr>
+          <a:xfrm>
+            <a:off x="1140343" y="2529682"/>
+            <a:ext cx="6238841" cy="369332"/>
+          </a:xfrm>
+          <a:prstGeom prst="rect">
+            <a:avLst/>
+          </a:prstGeom>
+          <a:noFill/>
+          <a:ln>
+            <a:noFill/>
+          </a:ln>
+        </p:spPr>
+        <p:txBody>
+          <a:bodyPr wrap="square">
+            <a:spAutoFit/>
+          </a:bodyPr>
+          <a:lstStyle/>
+          <a:p>
+            <a:r>
+              <a:rPr lang="en-US" altLang="ko-KR" b="0">
+                <a:solidFill>
+                  <a:srgbClr val="001080"/>
+                </a:solidFill>
+                <a:effectLst/>
+                <a:latin typeface="Consolas" panose="020B0609020204030204" pitchFamily="49" charset="0"/>
+              </a:rPr>
+              <a:t>purchases</a:t>
+            </a:r>
+            <a:r>
+              <a:rPr lang="en-US" altLang="ko-KR" b="0">
+                <a:solidFill>
+                  <a:srgbClr val="3B3B3B"/>
+                </a:solidFill>
+                <a:effectLst/>
+                <a:latin typeface="Consolas" panose="020B0609020204030204" pitchFamily="49" charset="0"/>
+              </a:rPr>
+              <a:t>.</a:t>
+            </a:r>
+            <a:r>
+              <a:rPr lang="en-US" altLang="ko-KR" b="0">
+                <a:solidFill>
+                  <a:srgbClr val="795E26"/>
+                </a:solidFill>
+                <a:effectLst/>
+                <a:latin typeface="Consolas" panose="020B0609020204030204" pitchFamily="49" charset="0"/>
+              </a:rPr>
+              <a:t>appendChild</a:t>
+            </a:r>
+            <a:r>
+              <a:rPr lang="en-US" altLang="ko-KR" b="0">
+                <a:solidFill>
+                  <a:srgbClr val="3B3B3B"/>
+                </a:solidFill>
+                <a:effectLst/>
+                <a:latin typeface="Consolas" panose="020B0609020204030204" pitchFamily="49" charset="0"/>
+              </a:rPr>
+              <a:t>(</a:t>
+            </a:r>
+            <a:r>
+              <a:rPr lang="en-US" altLang="ko-KR" b="0">
+                <a:solidFill>
+                  <a:srgbClr val="0070C1"/>
+                </a:solidFill>
+                <a:effectLst/>
+                <a:latin typeface="Consolas" panose="020B0609020204030204" pitchFamily="49" charset="0"/>
+              </a:rPr>
+              <a:t>newLiNode</a:t>
+            </a:r>
+            <a:r>
+              <a:rPr lang="en-US" altLang="ko-KR" b="0">
+                <a:solidFill>
+                  <a:srgbClr val="3B3B3B"/>
+                </a:solidFill>
+                <a:effectLst/>
+                <a:latin typeface="Consolas" panose="020B0609020204030204" pitchFamily="49" charset="0"/>
+              </a:rPr>
+              <a:t>);</a:t>
+            </a:r>
           </a:p>
         </p:txBody>
       </p:sp>
@@ -20441,7 +20681,7 @@
                                           </p:stCondLst>
                                         </p:cTn>
                                         <p:tgtEl>
-                                          <p:spTgt spid="54"/>
+                                          <p:spTgt spid="60"/>
                                         </p:tgtEl>
                                         <p:attrNameLst>
                                           <p:attrName>style.visibility</p:attrName>
@@ -20455,7 +20695,7 @@
                                       <p:cBhvr additive="base">
                                         <p:cTn id="7" dur="500" fill="hold"/>
                                         <p:tgtEl>
-                                          <p:spTgt spid="54"/>
+                                          <p:spTgt spid="60"/>
                                         </p:tgtEl>
                                         <p:attrNameLst>
                                           <p:attrName>ppt_x</p:attrName>
@@ -20478,7 +20718,7 @@
                                       <p:cBhvr additive="base">
                                         <p:cTn id="8" dur="500" fill="hold"/>
                                         <p:tgtEl>
-                                          <p:spTgt spid="54"/>
+                                          <p:spTgt spid="60"/>
                                         </p:tgtEl>
                                         <p:attrNameLst>
                                           <p:attrName>ppt_y</p:attrName>
@@ -20623,7 +20863,7 @@
                                           </p:stCondLst>
                                         </p:cTn>
                                         <p:tgtEl>
-                                          <p:spTgt spid="55"/>
+                                          <p:spTgt spid="61"/>
                                         </p:tgtEl>
                                         <p:attrNameLst>
                                           <p:attrName>style.visibility</p:attrName>
@@ -20637,7 +20877,7 @@
                                       <p:cBhvr additive="base">
                                         <p:cTn id="19" dur="500" fill="hold"/>
                                         <p:tgtEl>
-                                          <p:spTgt spid="55"/>
+                                          <p:spTgt spid="61"/>
                                         </p:tgtEl>
                                         <p:attrNameLst>
                                           <p:attrName>ppt_x</p:attrName>
@@ -20660,7 +20900,7 @@
                                       <p:cBhvr additive="base">
                                         <p:cTn id="20" dur="500" fill="hold"/>
                                         <p:tgtEl>
-                                          <p:spTgt spid="55"/>
+                                          <p:spTgt spid="61"/>
                                         </p:tgtEl>
                                         <p:attrNameLst>
                                           <p:attrName>ppt_y</p:attrName>
@@ -20805,7 +21045,7 @@
                                           </p:stCondLst>
                                         </p:cTn>
                                         <p:tgtEl>
-                                          <p:spTgt spid="56"/>
+                                          <p:spTgt spid="62"/>
                                         </p:tgtEl>
                                         <p:attrNameLst>
                                           <p:attrName>style.visibility</p:attrName>
@@ -20819,7 +21059,7 @@
                                       <p:cBhvr additive="base">
                                         <p:cTn id="31" dur="500" fill="hold"/>
                                         <p:tgtEl>
-                                          <p:spTgt spid="56"/>
+                                          <p:spTgt spid="62"/>
                                         </p:tgtEl>
                                         <p:attrNameLst>
                                           <p:attrName>ppt_x</p:attrName>
@@ -20842,7 +21082,7 @@
                                       <p:cBhvr additive="base">
                                         <p:cTn id="32" dur="500" fill="hold"/>
                                         <p:tgtEl>
-                                          <p:spTgt spid="56"/>
+                                          <p:spTgt spid="62"/>
                                         </p:tgtEl>
                                         <p:attrNameLst>
                                           <p:attrName>ppt_y</p:attrName>
@@ -20949,7 +21189,7 @@
                                           </p:stCondLst>
                                         </p:cTn>
                                         <p:tgtEl>
-                                          <p:spTgt spid="57"/>
+                                          <p:spTgt spid="63"/>
                                         </p:tgtEl>
                                         <p:attrNameLst>
                                           <p:attrName>style.visibility</p:attrName>
@@ -20963,7 +21203,7 @@
                                       <p:cBhvr additive="base">
                                         <p:cTn id="42" dur="500" fill="hold"/>
                                         <p:tgtEl>
-                                          <p:spTgt spid="57"/>
+                                          <p:spTgt spid="63"/>
                                         </p:tgtEl>
                                         <p:attrNameLst>
                                           <p:attrName>ppt_x</p:attrName>
@@ -20986,7 +21226,7 @@
                                       <p:cBhvr additive="base">
                                         <p:cTn id="43" dur="500" fill="hold"/>
                                         <p:tgtEl>
-                                          <p:spTgt spid="57"/>
+                                          <p:spTgt spid="63"/>
                                         </p:tgtEl>
                                         <p:attrNameLst>
                                           <p:attrName>ppt_y</p:attrName>
@@ -21177,10 +21417,10 @@
       <p:bldP spid="6" grpId="1" animBg="1"/>
       <p:bldP spid="7" grpId="0" animBg="1"/>
       <p:bldP spid="7" grpId="1" animBg="1"/>
-      <p:bldP spid="54" grpId="0" animBg="1"/>
-      <p:bldP spid="55" grpId="0" animBg="1"/>
-      <p:bldP spid="56" grpId="0" animBg="1"/>
-      <p:bldP spid="57" grpId="0" animBg="1"/>
+      <p:bldP spid="60" grpId="0"/>
+      <p:bldP spid="61" grpId="0"/>
+      <p:bldP spid="62" grpId="0"/>
+      <p:bldP spid="63" grpId="0"/>
     </p:bldLst>
   </p:timing>
 </p:sld>
@@ -21540,144 +21780,21 @@
       </p:sp>
       <p:sp>
         <p:nvSpPr>
-          <p:cNvPr id="6" name="Text Box 4">
-            <a:extLst>
-              <a:ext uri="{FF2B5EF4-FFF2-40B4-BE49-F238E27FC236}">
-                <a16:creationId xmlns:a16="http://schemas.microsoft.com/office/drawing/2014/main" id="{9017E5F1-8C70-47B3-B21B-AFA1BE3D6CD2}"/>
-              </a:ext>
-            </a:extLst>
-          </p:cNvPr>
-          <p:cNvSpPr txBox="1">
+          <p:cNvPr id="7" name="Rectangle 5">
+            <a:extLst>
+              <a:ext uri="{FF2B5EF4-FFF2-40B4-BE49-F238E27FC236}">
+                <a16:creationId xmlns:a16="http://schemas.microsoft.com/office/drawing/2014/main" id="{9F6454EC-D51C-43CA-B916-D3DDEDF0D8DC}"/>
+              </a:ext>
+            </a:extLst>
+          </p:cNvPr>
+          <p:cNvSpPr>
             <a:spLocks noChangeArrowheads="1"/>
           </p:cNvSpPr>
           <p:nvPr/>
         </p:nvSpPr>
         <p:spPr bwMode="auto">
           <a:xfrm>
-            <a:off x="228600" y="2068513"/>
-            <a:ext cx="8093075" cy="641350"/>
-          </a:xfrm>
-          <a:prstGeom prst="rect">
-            <a:avLst/>
-          </a:prstGeom>
-          <a:solidFill>
-            <a:schemeClr val="bg1"/>
-          </a:solidFill>
-          <a:ln w="9525">
-            <a:noFill/>
-            <a:miter lim="800000"/>
-            <a:headEnd/>
-            <a:tailEnd/>
-          </a:ln>
-        </p:spPr>
-        <p:txBody>
-          <a:bodyPr>
-            <a:spAutoFit/>
-          </a:bodyPr>
-          <a:lstStyle/>
-          <a:p>
-            <a:pPr marL="800100" lvl="1" indent="-342900">
-              <a:buFont typeface="굴림" pitchFamily="50" charset="-127"/>
-              <a:buChar char="☞"/>
-            </a:pPr>
-            <a:r>
-              <a:rPr lang="en-US" altLang="ko-KR">
-                <a:solidFill>
-                  <a:srgbClr val="0000FF"/>
-                </a:solidFill>
-                <a:latin typeface="Consolas" panose="020B0609020204030204" pitchFamily="49" charset="0"/>
-              </a:rPr>
-              <a:t>const</a:t>
-            </a:r>
-            <a:r>
-              <a:rPr lang="en-US" altLang="ko-KR">
-                <a:latin typeface="Consolas" panose="020B0609020204030204" pitchFamily="49" charset="0"/>
-                <a:ea typeface="맑은 고딕" pitchFamily="50" charset="-127"/>
-              </a:rPr>
-              <a:t> </a:t>
-            </a:r>
-            <a:r>
-              <a:rPr lang="en-US" altLang="ko-KR" dirty="0">
-                <a:latin typeface="Consolas" panose="020B0609020204030204" pitchFamily="49" charset="0"/>
-                <a:ea typeface="맑은 고딕" pitchFamily="50" charset="-127"/>
-              </a:rPr>
-              <a:t>purchases = </a:t>
-            </a:r>
-            <a:r>
-              <a:rPr lang="en-US" altLang="ko-KR" dirty="0" err="1">
-                <a:latin typeface="Consolas" panose="020B0609020204030204" pitchFamily="49" charset="0"/>
-                <a:ea typeface="맑은 고딕" pitchFamily="50" charset="-127"/>
-              </a:rPr>
-              <a:t>document.getElementById</a:t>
-            </a:r>
-            <a:r>
-              <a:rPr lang="en-US" altLang="ko-KR" dirty="0">
-                <a:latin typeface="Consolas" panose="020B0609020204030204" pitchFamily="49" charset="0"/>
-                <a:ea typeface="맑은 고딕" pitchFamily="50" charset="-127"/>
-              </a:rPr>
-              <a:t>("purchases");</a:t>
-            </a:r>
-          </a:p>
-          <a:p>
-            <a:pPr marL="800100" lvl="1" indent="-342900">
-              <a:buFont typeface="굴림" pitchFamily="50" charset="-127"/>
-              <a:buChar char="☞"/>
-            </a:pPr>
-            <a:r>
-              <a:rPr lang="en-US" altLang="ko-KR" dirty="0" err="1">
-                <a:latin typeface="Consolas" panose="020B0609020204030204" pitchFamily="49" charset="0"/>
-                <a:ea typeface="맑은 고딕" pitchFamily="50" charset="-127"/>
-              </a:rPr>
-              <a:t>purchases.insertBefore</a:t>
-            </a:r>
-            <a:r>
-              <a:rPr lang="en-US" altLang="ko-KR" dirty="0">
-                <a:latin typeface="Consolas" panose="020B0609020204030204" pitchFamily="49" charset="0"/>
-                <a:ea typeface="맑은 고딕" pitchFamily="50" charset="-127"/>
-              </a:rPr>
-              <a:t>(</a:t>
-            </a:r>
-            <a:r>
-              <a:rPr lang="en-US" altLang="ko-KR" dirty="0" err="1">
-                <a:latin typeface="Consolas" panose="020B0609020204030204" pitchFamily="49" charset="0"/>
-                <a:ea typeface="맑은 고딕" pitchFamily="50" charset="-127"/>
-              </a:rPr>
-              <a:t>newLiNode</a:t>
-            </a:r>
-            <a:r>
-              <a:rPr lang="en-US" altLang="ko-KR" dirty="0">
-                <a:latin typeface="Consolas" panose="020B0609020204030204" pitchFamily="49" charset="0"/>
-                <a:ea typeface="맑은 고딕" pitchFamily="50" charset="-127"/>
-              </a:rPr>
-              <a:t>, </a:t>
-            </a:r>
-            <a:r>
-              <a:rPr lang="en-US" altLang="ko-KR">
-                <a:latin typeface="Consolas" panose="020B0609020204030204" pitchFamily="49" charset="0"/>
-                <a:ea typeface="맑은 고딕" pitchFamily="50" charset="-127"/>
-              </a:rPr>
-              <a:t>purchases.firstChild);</a:t>
-            </a:r>
-          </a:p>
-        </p:txBody>
-      </p:sp>
-      <p:sp>
-        <p:nvSpPr>
-          <p:cNvPr id="7" name="Rectangle 5">
-            <a:extLst>
-              <a:ext uri="{FF2B5EF4-FFF2-40B4-BE49-F238E27FC236}">
-                <a16:creationId xmlns:a16="http://schemas.microsoft.com/office/drawing/2014/main" id="{9F6454EC-D51C-43CA-B916-D3DDEDF0D8DC}"/>
-              </a:ext>
-            </a:extLst>
-          </p:cNvPr>
-          <p:cNvSpPr>
-            <a:spLocks noChangeArrowheads="1"/>
-          </p:cNvSpPr>
-          <p:nvPr/>
-        </p:nvSpPr>
-        <p:spPr bwMode="auto">
-          <a:xfrm>
-            <a:off x="8153400" y="1989138"/>
+            <a:off x="9448801" y="1989138"/>
             <a:ext cx="762000" cy="381000"/>
           </a:xfrm>
           <a:prstGeom prst="rect">
@@ -21726,7 +21843,7 @@
         </p:nvSpPr>
         <p:spPr bwMode="auto">
           <a:xfrm>
-            <a:off x="8153400" y="2522538"/>
+            <a:off x="9448801" y="2522538"/>
             <a:ext cx="762000" cy="381000"/>
           </a:xfrm>
           <a:prstGeom prst="rect">
@@ -21777,7 +21894,7 @@
         </p:nvCxnSpPr>
         <p:spPr bwMode="auto">
           <a:xfrm flipV="1">
-            <a:off x="8534400" y="2370138"/>
+            <a:off x="9829801" y="2370138"/>
             <a:ext cx="0" cy="152400"/>
           </a:xfrm>
           <a:prstGeom prst="straightConnector1">
@@ -23917,6 +24034,264 @@
               <a:latin typeface="Noto Sans CJK KR Regular" panose="020B0500000000000000" pitchFamily="34" charset="-127"/>
               <a:ea typeface="Noto Sans CJK KR Regular" panose="020B0500000000000000" pitchFamily="34" charset="-127"/>
             </a:endParaRPr>
+          </a:p>
+        </p:txBody>
+      </p:sp>
+      <p:sp>
+        <p:nvSpPr>
+          <p:cNvPr id="61" name="TextBox 60">
+            <a:extLst>
+              <a:ext uri="{FF2B5EF4-FFF2-40B4-BE49-F238E27FC236}">
+                <a16:creationId xmlns:a16="http://schemas.microsoft.com/office/drawing/2014/main" id="{EC433C19-8625-41A5-ADF7-043350AF3826}"/>
+              </a:ext>
+            </a:extLst>
+          </p:cNvPr>
+          <p:cNvSpPr txBox="1"/>
+          <p:nvPr/>
+        </p:nvSpPr>
+        <p:spPr>
+          <a:xfrm>
+            <a:off x="1022966" y="1991361"/>
+            <a:ext cx="7311409" cy="646331"/>
+          </a:xfrm>
+          <a:prstGeom prst="rect">
+            <a:avLst/>
+          </a:prstGeom>
+          <a:noFill/>
+          <a:ln>
+            <a:solidFill>
+              <a:schemeClr val="tx1"/>
+            </a:solidFill>
+          </a:ln>
+        </p:spPr>
+        <p:txBody>
+          <a:bodyPr wrap="square">
+            <a:spAutoFit/>
+          </a:bodyPr>
+          <a:lstStyle/>
+          <a:p>
+            <a:r>
+              <a:rPr lang="en-US" altLang="ko-KR" b="0">
+                <a:solidFill>
+                  <a:srgbClr val="0000FF"/>
+                </a:solidFill>
+                <a:effectLst/>
+                <a:latin typeface="Consolas" panose="020B0609020204030204" pitchFamily="49" charset="0"/>
+              </a:rPr>
+              <a:t>const</a:t>
+            </a:r>
+            <a:r>
+              <a:rPr lang="en-US" altLang="ko-KR" b="0">
+                <a:solidFill>
+                  <a:srgbClr val="3B3B3B"/>
+                </a:solidFill>
+                <a:effectLst/>
+                <a:latin typeface="Consolas" panose="020B0609020204030204" pitchFamily="49" charset="0"/>
+              </a:rPr>
+              <a:t> </a:t>
+            </a:r>
+            <a:r>
+              <a:rPr lang="en-US" altLang="ko-KR" b="0">
+                <a:solidFill>
+                  <a:srgbClr val="0070C1"/>
+                </a:solidFill>
+                <a:effectLst/>
+                <a:latin typeface="Consolas" panose="020B0609020204030204" pitchFamily="49" charset="0"/>
+              </a:rPr>
+              <a:t>purchases</a:t>
+            </a:r>
+            <a:r>
+              <a:rPr lang="en-US" altLang="ko-KR" b="0">
+                <a:solidFill>
+                  <a:srgbClr val="3B3B3B"/>
+                </a:solidFill>
+                <a:effectLst/>
+                <a:latin typeface="Consolas" panose="020B0609020204030204" pitchFamily="49" charset="0"/>
+              </a:rPr>
+              <a:t> </a:t>
+            </a:r>
+            <a:r>
+              <a:rPr lang="en-US" altLang="ko-KR" b="0">
+                <a:solidFill>
+                  <a:srgbClr val="000000"/>
+                </a:solidFill>
+                <a:effectLst/>
+                <a:latin typeface="Consolas" panose="020B0609020204030204" pitchFamily="49" charset="0"/>
+              </a:rPr>
+              <a:t>=</a:t>
+            </a:r>
+            <a:r>
+              <a:rPr lang="en-US" altLang="ko-KR" b="0">
+                <a:solidFill>
+                  <a:srgbClr val="3B3B3B"/>
+                </a:solidFill>
+                <a:effectLst/>
+                <a:latin typeface="Consolas" panose="020B0609020204030204" pitchFamily="49" charset="0"/>
+              </a:rPr>
+              <a:t> </a:t>
+            </a:r>
+            <a:r>
+              <a:rPr lang="en-US" altLang="ko-KR" b="0">
+                <a:solidFill>
+                  <a:srgbClr val="001080"/>
+                </a:solidFill>
+                <a:effectLst/>
+                <a:latin typeface="Consolas" panose="020B0609020204030204" pitchFamily="49" charset="0"/>
+              </a:rPr>
+              <a:t>document</a:t>
+            </a:r>
+            <a:r>
+              <a:rPr lang="en-US" altLang="ko-KR" b="0">
+                <a:solidFill>
+                  <a:srgbClr val="3B3B3B"/>
+                </a:solidFill>
+                <a:effectLst/>
+                <a:latin typeface="Consolas" panose="020B0609020204030204" pitchFamily="49" charset="0"/>
+              </a:rPr>
+              <a:t>.</a:t>
+            </a:r>
+            <a:r>
+              <a:rPr lang="en-US" altLang="ko-KR" b="0">
+                <a:solidFill>
+                  <a:srgbClr val="795E26"/>
+                </a:solidFill>
+                <a:effectLst/>
+                <a:latin typeface="Consolas" panose="020B0609020204030204" pitchFamily="49" charset="0"/>
+              </a:rPr>
+              <a:t>getElementById</a:t>
+            </a:r>
+            <a:r>
+              <a:rPr lang="en-US" altLang="ko-KR" b="0">
+                <a:solidFill>
+                  <a:srgbClr val="3B3B3B"/>
+                </a:solidFill>
+                <a:effectLst/>
+                <a:latin typeface="Consolas" panose="020B0609020204030204" pitchFamily="49" charset="0"/>
+              </a:rPr>
+              <a:t>(</a:t>
+            </a:r>
+            <a:r>
+              <a:rPr lang="en-US" altLang="ko-KR" b="0">
+                <a:solidFill>
+                  <a:srgbClr val="A31515"/>
+                </a:solidFill>
+                <a:effectLst/>
+                <a:latin typeface="Consolas" panose="020B0609020204030204" pitchFamily="49" charset="0"/>
+              </a:rPr>
+              <a:t>"purchases"</a:t>
+            </a:r>
+            <a:r>
+              <a:rPr lang="en-US" altLang="ko-KR" b="0">
+                <a:solidFill>
+                  <a:srgbClr val="3B3B3B"/>
+                </a:solidFill>
+                <a:effectLst/>
+                <a:latin typeface="Consolas" panose="020B0609020204030204" pitchFamily="49" charset="0"/>
+              </a:rPr>
+              <a:t>);</a:t>
+            </a:r>
+          </a:p>
+          <a:p>
+            <a:r>
+              <a:rPr lang="en-US" altLang="ko-KR" b="0">
+                <a:solidFill>
+                  <a:srgbClr val="0070C1"/>
+                </a:solidFill>
+                <a:effectLst/>
+                <a:latin typeface="Consolas" panose="020B0609020204030204" pitchFamily="49" charset="0"/>
+              </a:rPr>
+              <a:t>purchases</a:t>
+            </a:r>
+            <a:r>
+              <a:rPr lang="en-US" altLang="ko-KR" b="0">
+                <a:solidFill>
+                  <a:srgbClr val="3B3B3B"/>
+                </a:solidFill>
+                <a:effectLst/>
+                <a:latin typeface="Consolas" panose="020B0609020204030204" pitchFamily="49" charset="0"/>
+              </a:rPr>
+              <a:t>.</a:t>
+            </a:r>
+            <a:r>
+              <a:rPr lang="en-US" altLang="ko-KR" b="0">
+                <a:solidFill>
+                  <a:srgbClr val="795E26"/>
+                </a:solidFill>
+                <a:effectLst/>
+                <a:latin typeface="Consolas" panose="020B0609020204030204" pitchFamily="49" charset="0"/>
+              </a:rPr>
+              <a:t>insertBefore</a:t>
+            </a:r>
+            <a:r>
+              <a:rPr lang="en-US" altLang="ko-KR" b="0">
+                <a:solidFill>
+                  <a:srgbClr val="3B3B3B"/>
+                </a:solidFill>
+                <a:effectLst/>
+                <a:latin typeface="Consolas" panose="020B0609020204030204" pitchFamily="49" charset="0"/>
+              </a:rPr>
+              <a:t>(</a:t>
+            </a:r>
+            <a:r>
+              <a:rPr lang="en-US" altLang="ko-KR" b="0">
+                <a:solidFill>
+                  <a:srgbClr val="001080"/>
+                </a:solidFill>
+                <a:effectLst/>
+                <a:latin typeface="Consolas" panose="020B0609020204030204" pitchFamily="49" charset="0"/>
+              </a:rPr>
+              <a:t>newLiNode</a:t>
+            </a:r>
+            <a:r>
+              <a:rPr lang="en-US" altLang="ko-KR" b="0">
+                <a:solidFill>
+                  <a:srgbClr val="3B3B3B"/>
+                </a:solidFill>
+                <a:effectLst/>
+                <a:latin typeface="Consolas" panose="020B0609020204030204" pitchFamily="49" charset="0"/>
+              </a:rPr>
+              <a:t>, </a:t>
+            </a:r>
+            <a:r>
+              <a:rPr lang="en-US" altLang="ko-KR" b="0">
+                <a:solidFill>
+                  <a:srgbClr val="0070C1"/>
+                </a:solidFill>
+                <a:effectLst/>
+                <a:latin typeface="Consolas" panose="020B0609020204030204" pitchFamily="49" charset="0"/>
+              </a:rPr>
+              <a:t>purchases</a:t>
+            </a:r>
+            <a:r>
+              <a:rPr lang="en-US" altLang="ko-KR" b="0">
+                <a:solidFill>
+                  <a:srgbClr val="3B3B3B"/>
+                </a:solidFill>
+                <a:effectLst/>
+                <a:latin typeface="Consolas" panose="020B0609020204030204" pitchFamily="49" charset="0"/>
+              </a:rPr>
+              <a:t>.</a:t>
+            </a:r>
+            <a:r>
+              <a:rPr lang="en-US" altLang="ko-KR" b="0">
+                <a:solidFill>
+                  <a:srgbClr val="0070C1"/>
+                </a:solidFill>
+                <a:effectLst/>
+                <a:latin typeface="Consolas" panose="020B0609020204030204" pitchFamily="49" charset="0"/>
+              </a:rPr>
+              <a:t>firstChild</a:t>
+            </a:r>
+            <a:r>
+              <a:rPr lang="en-US" altLang="ko-KR" b="0">
+                <a:solidFill>
+                  <a:srgbClr val="3B3B3B"/>
+                </a:solidFill>
+                <a:effectLst/>
+                <a:latin typeface="Consolas" panose="020B0609020204030204" pitchFamily="49" charset="0"/>
+              </a:rPr>
+              <a:t>);</a:t>
+            </a:r>
           </a:p>
         </p:txBody>
       </p:sp>
@@ -24073,7 +24448,12 @@
             <p:ph type="sldNum" sz="quarter" idx="12"/>
           </p:nvPr>
         </p:nvSpPr>
-        <p:spPr/>
+        <p:spPr>
+          <a:xfrm>
+            <a:off x="10344150" y="6356350"/>
+            <a:ext cx="1009650" cy="365125"/>
+          </a:xfrm>
+        </p:spPr>
         <p:txBody>
           <a:bodyPr/>
           <a:lstStyle/>
@@ -24103,7 +24483,7 @@
         <p:spPr bwMode="auto">
           <a:xfrm>
             <a:off x="395288" y="836613"/>
-            <a:ext cx="8353425" cy="946150"/>
+            <a:ext cx="8353425" cy="1508105"/>
           </a:xfrm>
           <a:prstGeom prst="rect">
             <a:avLst/>
@@ -24158,14 +24538,14 @@
               <a:buChar char="•"/>
             </a:pPr>
             <a:r>
-              <a:rPr lang="en-US" altLang="ko-KR" b="0" dirty="0">
+              <a:rPr lang="en-US" altLang="ko-KR" b="0">
                 <a:latin typeface="Noto Sans CJK KR Regular" panose="020B0500000000000000" pitchFamily="34" charset="-127"/>
                 <a:ea typeface="Noto Sans CJK KR Regular" panose="020B0500000000000000" pitchFamily="34" charset="-127"/>
               </a:rPr>
               <a:t> </a:t>
             </a:r>
             <a:r>
-              <a:rPr lang="ko-KR" altLang="en-US" b="0" dirty="0" err="1">
+              <a:rPr lang="ko-KR" altLang="en-US" b="0">
                 <a:latin typeface="Noto Sans CJK KR Regular" panose="020B0500000000000000" pitchFamily="34" charset="-127"/>
                 <a:ea typeface="Noto Sans CJK KR Regular" panose="020B0500000000000000" pitchFamily="34" charset="-127"/>
               </a:rPr>
@@ -24213,18 +24593,11 @@
               <a:buChar char="•"/>
             </a:pPr>
             <a:r>
-              <a:rPr lang="ko-KR" altLang="en-US" b="0" dirty="0">
-                <a:latin typeface="Noto Sans CJK KR Regular" panose="020B0500000000000000" pitchFamily="34" charset="-127"/>
-                <a:ea typeface="Noto Sans CJK KR Regular" panose="020B0500000000000000" pitchFamily="34" charset="-127"/>
-              </a:rPr>
-              <a:t>지정한 </a:t>
-            </a:r>
-            <a:r>
-              <a:rPr lang="ko-KR" altLang="en-US" b="0" dirty="0" err="1">
-                <a:latin typeface="Noto Sans CJK KR Regular" panose="020B0500000000000000" pitchFamily="34" charset="-127"/>
-                <a:ea typeface="Noto Sans CJK KR Regular" panose="020B0500000000000000" pitchFamily="34" charset="-127"/>
-              </a:rPr>
-              <a:t>노드를</a:t>
+              <a:rPr lang="ko-KR" altLang="en-US" b="0">
+                <a:latin typeface="Noto Sans CJK KR Regular" panose="020B0500000000000000" pitchFamily="34" charset="-127"/>
+                <a:ea typeface="Noto Sans CJK KR Regular" panose="020B0500000000000000" pitchFamily="34" charset="-127"/>
+              </a:rPr>
+              <a:t>지정한 자식 노드를</a:t>
             </a:r>
             <a:r>
               <a:rPr lang="en-US" altLang="ko-KR" b="0" dirty="0">
@@ -24248,14 +24621,61 @@
               <a:t>) </a:t>
             </a:r>
             <a:r>
-              <a:rPr lang="ko-KR" altLang="en-US" b="0" dirty="0">
+              <a:rPr lang="ko-KR" altLang="en-US" b="0">
                 <a:latin typeface="Noto Sans CJK KR Regular" panose="020B0500000000000000" pitchFamily="34" charset="-127"/>
                 <a:ea typeface="Noto Sans CJK KR Regular" panose="020B0500000000000000" pitchFamily="34" charset="-127"/>
               </a:rPr>
               <a:t>삭제한다</a:t>
             </a:r>
             <a:r>
-              <a:rPr lang="en-US" altLang="ko-KR" b="0" dirty="0">
+              <a:rPr lang="en-US" altLang="ko-KR" b="0">
+                <a:latin typeface="Noto Sans CJK KR Regular" panose="020B0500000000000000" pitchFamily="34" charset="-127"/>
+                <a:ea typeface="Noto Sans CJK KR Regular" panose="020B0500000000000000" pitchFamily="34" charset="-127"/>
+              </a:rPr>
+              <a:t>.</a:t>
+            </a:r>
+          </a:p>
+          <a:p>
+            <a:pPr lvl="1">
+              <a:buFontTx/>
+              <a:buChar char="•"/>
+            </a:pPr>
+            <a:r>
+              <a:rPr lang="en-US" altLang="ko-KR" b="0">
+                <a:latin typeface="Noto Sans CJK KR Regular" panose="020B0500000000000000" pitchFamily="34" charset="-127"/>
+                <a:ea typeface="Noto Sans CJK KR Regular" panose="020B0500000000000000" pitchFamily="34" charset="-127"/>
+              </a:rPr>
+              <a:t> </a:t>
+            </a:r>
+            <a:r>
+              <a:rPr lang="ko-KR" altLang="en-US" b="0">
+                <a:latin typeface="Noto Sans CJK KR Regular" panose="020B0500000000000000" pitchFamily="34" charset="-127"/>
+                <a:ea typeface="Noto Sans CJK KR Regular" panose="020B0500000000000000" pitchFamily="34" charset="-127"/>
+              </a:rPr>
+              <a:t>요소노드</a:t>
+            </a:r>
+            <a:r>
+              <a:rPr lang="en-US" altLang="ko-KR" b="0">
+                <a:latin typeface="Noto Sans CJK KR Regular" panose="020B0500000000000000" pitchFamily="34" charset="-127"/>
+                <a:ea typeface="Noto Sans CJK KR Regular" panose="020B0500000000000000" pitchFamily="34" charset="-127"/>
+              </a:rPr>
+              <a:t>.remove()</a:t>
+            </a:r>
+          </a:p>
+          <a:p>
+            <a:pPr marL="1143000" lvl="2" indent="-228600">
+              <a:buFontTx/>
+              <a:buChar char="•"/>
+            </a:pPr>
+            <a:r>
+              <a:rPr lang="ko-KR" altLang="en-US">
+                <a:latin typeface="Noto Sans CJK KR Regular" panose="020B0500000000000000" pitchFamily="34" charset="-127"/>
+                <a:ea typeface="Noto Sans CJK KR Regular" panose="020B0500000000000000" pitchFamily="34" charset="-127"/>
+              </a:rPr>
+              <a:t>자신을 삭제한다</a:t>
+            </a:r>
+            <a:r>
+              <a:rPr lang="en-US" altLang="ko-KR">
                 <a:latin typeface="Noto Sans CJK KR Regular" panose="020B0500000000000000" pitchFamily="34" charset="-127"/>
                 <a:ea typeface="Noto Sans CJK KR Regular" panose="020B0500000000000000" pitchFamily="34" charset="-127"/>
               </a:rPr>
@@ -24284,8 +24704,8 @@
         </p:nvSpPr>
         <p:spPr bwMode="auto">
           <a:xfrm>
-            <a:off x="228600" y="1989138"/>
-            <a:ext cx="8093075" cy="641350"/>
+            <a:off x="763588" y="2400956"/>
+            <a:ext cx="7305675" cy="923330"/>
           </a:xfrm>
           <a:prstGeom prst="rect">
             <a:avLst/>
@@ -24294,51 +24714,288 @@
             <a:schemeClr val="bg1"/>
           </a:solidFill>
           <a:ln w="9525">
-            <a:noFill/>
+            <a:solidFill>
+              <a:schemeClr val="tx1"/>
+            </a:solidFill>
             <a:miter lim="800000"/>
             <a:headEnd/>
             <a:tailEnd/>
           </a:ln>
         </p:spPr>
         <p:txBody>
-          <a:bodyPr>
+          <a:bodyPr wrap="square">
             <a:spAutoFit/>
           </a:bodyPr>
           <a:lstStyle/>
           <a:p>
-            <a:pPr marL="800100" lvl="1" indent="-342900">
-              <a:buFont typeface="굴림" pitchFamily="50" charset="-127"/>
-              <a:buChar char="☞"/>
-            </a:pPr>
-            <a:r>
-              <a:rPr lang="en-US" altLang="ko-KR">
+            <a:r>
+              <a:rPr lang="en-US" altLang="ko-KR" b="0">
                 <a:solidFill>
                   <a:srgbClr val="0000FF"/>
                 </a:solidFill>
+                <a:effectLst/>
                 <a:latin typeface="Consolas" panose="020B0609020204030204" pitchFamily="49" charset="0"/>
               </a:rPr>
               <a:t>const</a:t>
             </a:r>
             <a:r>
-              <a:rPr lang="en-US" altLang="ko-KR">
+              <a:rPr lang="en-US" altLang="ko-KR" b="0">
+                <a:solidFill>
+                  <a:srgbClr val="3B3B3B"/>
+                </a:solidFill>
+                <a:effectLst/>
                 <a:latin typeface="Consolas" panose="020B0609020204030204" pitchFamily="49" charset="0"/>
-                <a:ea typeface="맑은 고딕" pitchFamily="50" charset="-127"/>
-              </a:rPr>
-              <a:t> purchases = document.getElementById("purchases");</a:t>
-            </a:r>
-          </a:p>
-          <a:p>
-            <a:pPr marL="800100" lvl="1" indent="-342900">
-              <a:buFont typeface="굴림" pitchFamily="50" charset="-127"/>
-              <a:buChar char="☞"/>
-            </a:pPr>
-            <a:r>
-              <a:rPr lang="en-US" altLang="ko-KR">
+              </a:rPr>
+              <a:t> </a:t>
+            </a:r>
+            <a:r>
+              <a:rPr lang="en-US" altLang="ko-KR" b="0">
+                <a:solidFill>
+                  <a:srgbClr val="0070C1"/>
+                </a:solidFill>
+                <a:effectLst/>
                 <a:latin typeface="Consolas" panose="020B0609020204030204" pitchFamily="49" charset="0"/>
-                <a:ea typeface="맑은 고딕" pitchFamily="50" charset="-127"/>
-              </a:rPr>
-              <a:t>purchases.removeChild(purchases.firstChild);</a:t>
-            </a:r>
+              </a:rPr>
+              <a:t>purchases</a:t>
+            </a:r>
+            <a:r>
+              <a:rPr lang="en-US" altLang="ko-KR" b="0">
+                <a:solidFill>
+                  <a:srgbClr val="3B3B3B"/>
+                </a:solidFill>
+                <a:effectLst/>
+                <a:latin typeface="Consolas" panose="020B0609020204030204" pitchFamily="49" charset="0"/>
+              </a:rPr>
+              <a:t> </a:t>
+            </a:r>
+            <a:r>
+              <a:rPr lang="en-US" altLang="ko-KR" b="0">
+                <a:solidFill>
+                  <a:srgbClr val="000000"/>
+                </a:solidFill>
+                <a:effectLst/>
+                <a:latin typeface="Consolas" panose="020B0609020204030204" pitchFamily="49" charset="0"/>
+              </a:rPr>
+              <a:t>=</a:t>
+            </a:r>
+            <a:r>
+              <a:rPr lang="en-US" altLang="ko-KR" b="0">
+                <a:solidFill>
+                  <a:srgbClr val="3B3B3B"/>
+                </a:solidFill>
+                <a:effectLst/>
+                <a:latin typeface="Consolas" panose="020B0609020204030204" pitchFamily="49" charset="0"/>
+              </a:rPr>
+              <a:t> </a:t>
+            </a:r>
+            <a:r>
+              <a:rPr lang="en-US" altLang="ko-KR" b="0">
+                <a:solidFill>
+                  <a:srgbClr val="001080"/>
+                </a:solidFill>
+                <a:effectLst/>
+                <a:latin typeface="Consolas" panose="020B0609020204030204" pitchFamily="49" charset="0"/>
+              </a:rPr>
+              <a:t>document</a:t>
+            </a:r>
+            <a:r>
+              <a:rPr lang="en-US" altLang="ko-KR" b="0">
+                <a:solidFill>
+                  <a:srgbClr val="3B3B3B"/>
+                </a:solidFill>
+                <a:effectLst/>
+                <a:latin typeface="Consolas" panose="020B0609020204030204" pitchFamily="49" charset="0"/>
+              </a:rPr>
+              <a:t>.</a:t>
+            </a:r>
+            <a:r>
+              <a:rPr lang="en-US" altLang="ko-KR" b="0">
+                <a:solidFill>
+                  <a:srgbClr val="795E26"/>
+                </a:solidFill>
+                <a:effectLst/>
+                <a:latin typeface="Consolas" panose="020B0609020204030204" pitchFamily="49" charset="0"/>
+              </a:rPr>
+              <a:t>getElementById</a:t>
+            </a:r>
+            <a:r>
+              <a:rPr lang="en-US" altLang="ko-KR" b="0">
+                <a:solidFill>
+                  <a:srgbClr val="3B3B3B"/>
+                </a:solidFill>
+                <a:effectLst/>
+                <a:latin typeface="Consolas" panose="020B0609020204030204" pitchFamily="49" charset="0"/>
+              </a:rPr>
+              <a:t>(</a:t>
+            </a:r>
+            <a:r>
+              <a:rPr lang="en-US" altLang="ko-KR" b="0">
+                <a:solidFill>
+                  <a:srgbClr val="A31515"/>
+                </a:solidFill>
+                <a:effectLst/>
+                <a:latin typeface="Consolas" panose="020B0609020204030204" pitchFamily="49" charset="0"/>
+              </a:rPr>
+              <a:t>"purchases"</a:t>
+            </a:r>
+            <a:r>
+              <a:rPr lang="en-US" altLang="ko-KR" b="0">
+                <a:solidFill>
+                  <a:srgbClr val="3B3B3B"/>
+                </a:solidFill>
+                <a:effectLst/>
+                <a:latin typeface="Consolas" panose="020B0609020204030204" pitchFamily="49" charset="0"/>
+              </a:rPr>
+              <a:t>);</a:t>
+            </a:r>
+          </a:p>
+          <a:p>
+            <a:r>
+              <a:rPr lang="en-US" altLang="ko-KR" b="0">
+                <a:solidFill>
+                  <a:srgbClr val="0070C1"/>
+                </a:solidFill>
+                <a:effectLst/>
+                <a:latin typeface="Consolas" panose="020B0609020204030204" pitchFamily="49" charset="0"/>
+              </a:rPr>
+              <a:t>purchases</a:t>
+            </a:r>
+            <a:r>
+              <a:rPr lang="en-US" altLang="ko-KR" b="0">
+                <a:solidFill>
+                  <a:srgbClr val="3B3B3B"/>
+                </a:solidFill>
+                <a:effectLst/>
+                <a:latin typeface="Consolas" panose="020B0609020204030204" pitchFamily="49" charset="0"/>
+              </a:rPr>
+              <a:t>.</a:t>
+            </a:r>
+            <a:r>
+              <a:rPr lang="en-US" altLang="ko-KR" b="0">
+                <a:solidFill>
+                  <a:srgbClr val="795E26"/>
+                </a:solidFill>
+                <a:effectLst/>
+                <a:latin typeface="Consolas" panose="020B0609020204030204" pitchFamily="49" charset="0"/>
+              </a:rPr>
+              <a:t>removeChild</a:t>
+            </a:r>
+            <a:r>
+              <a:rPr lang="en-US" altLang="ko-KR" b="0">
+                <a:solidFill>
+                  <a:srgbClr val="3B3B3B"/>
+                </a:solidFill>
+                <a:effectLst/>
+                <a:latin typeface="Consolas" panose="020B0609020204030204" pitchFamily="49" charset="0"/>
+              </a:rPr>
+              <a:t>(</a:t>
+            </a:r>
+            <a:r>
+              <a:rPr lang="en-US" altLang="ko-KR" b="0">
+                <a:solidFill>
+                  <a:srgbClr val="0070C1"/>
+                </a:solidFill>
+                <a:effectLst/>
+                <a:latin typeface="Consolas" panose="020B0609020204030204" pitchFamily="49" charset="0"/>
+              </a:rPr>
+              <a:t>purchases</a:t>
+            </a:r>
+            <a:r>
+              <a:rPr lang="en-US" altLang="ko-KR" b="0">
+                <a:solidFill>
+                  <a:srgbClr val="3B3B3B"/>
+                </a:solidFill>
+                <a:effectLst/>
+                <a:latin typeface="Consolas" panose="020B0609020204030204" pitchFamily="49" charset="0"/>
+              </a:rPr>
+              <a:t>.</a:t>
+            </a:r>
+            <a:r>
+              <a:rPr lang="en-US" altLang="ko-KR" b="0">
+                <a:solidFill>
+                  <a:srgbClr val="0070C1"/>
+                </a:solidFill>
+                <a:effectLst/>
+                <a:latin typeface="Consolas" panose="020B0609020204030204" pitchFamily="49" charset="0"/>
+              </a:rPr>
+              <a:t>firstElementChild</a:t>
+            </a:r>
+            <a:r>
+              <a:rPr lang="en-US" altLang="ko-KR" b="0">
+                <a:solidFill>
+                  <a:srgbClr val="3B3B3B"/>
+                </a:solidFill>
+                <a:effectLst/>
+                <a:latin typeface="Consolas" panose="020B0609020204030204" pitchFamily="49" charset="0"/>
+              </a:rPr>
+              <a:t>);</a:t>
+            </a:r>
+          </a:p>
+          <a:p>
+            <a:r>
+              <a:rPr lang="en-US" altLang="ko-KR" b="0">
+                <a:solidFill>
+                  <a:srgbClr val="0070C1"/>
+                </a:solidFill>
+                <a:effectLst/>
+                <a:latin typeface="Consolas" panose="020B0609020204030204" pitchFamily="49" charset="0"/>
+              </a:rPr>
+              <a:t>purchases</a:t>
+            </a:r>
+            <a:r>
+              <a:rPr lang="en-US" altLang="ko-KR" b="0">
+                <a:solidFill>
+                  <a:srgbClr val="3B3B3B"/>
+                </a:solidFill>
+                <a:effectLst/>
+                <a:latin typeface="Consolas" panose="020B0609020204030204" pitchFamily="49" charset="0"/>
+              </a:rPr>
+              <a:t>.</a:t>
+            </a:r>
+            <a:r>
+              <a:rPr lang="en-US" altLang="ko-KR" b="0">
+                <a:solidFill>
+                  <a:srgbClr val="0070C1"/>
+                </a:solidFill>
+                <a:effectLst/>
+                <a:latin typeface="Consolas" panose="020B0609020204030204" pitchFamily="49" charset="0"/>
+              </a:rPr>
+              <a:t>firstElementChild</a:t>
+            </a:r>
+            <a:r>
+              <a:rPr lang="en-US" altLang="ko-KR" b="0">
+                <a:solidFill>
+                  <a:srgbClr val="3B3B3B"/>
+                </a:solidFill>
+                <a:effectLst/>
+                <a:latin typeface="Consolas" panose="020B0609020204030204" pitchFamily="49" charset="0"/>
+              </a:rPr>
+              <a:t>.</a:t>
+            </a:r>
+            <a:r>
+              <a:rPr lang="en-US" altLang="ko-KR" b="0">
+                <a:solidFill>
+                  <a:srgbClr val="795E26"/>
+                </a:solidFill>
+                <a:effectLst/>
+                <a:latin typeface="Consolas" panose="020B0609020204030204" pitchFamily="49" charset="0"/>
+              </a:rPr>
+              <a:t>remove</a:t>
+            </a:r>
+            <a:r>
+              <a:rPr lang="en-US" altLang="ko-KR" b="0">
+                <a:solidFill>
+                  <a:srgbClr val="3B3B3B"/>
+                </a:solidFill>
+                <a:effectLst/>
+                <a:latin typeface="Consolas" panose="020B0609020204030204" pitchFamily="49" charset="0"/>
+              </a:rPr>
+              <a:t>();</a:t>
+            </a:r>
+            <a:endParaRPr lang="en-US" altLang="ko-KR">
+              <a:latin typeface="Consolas" panose="020B0609020204030204" pitchFamily="49" charset="0"/>
+              <a:ea typeface="맑은 고딕" pitchFamily="50" charset="-127"/>
+            </a:endParaRPr>
           </a:p>
         </p:txBody>
       </p:sp>
@@ -24358,7 +25015,7 @@
         </p:nvSpPr>
         <p:spPr bwMode="auto">
           <a:xfrm>
-            <a:off x="763588" y="4605338"/>
+            <a:off x="763588" y="5376863"/>
             <a:ext cx="762000" cy="381000"/>
           </a:xfrm>
           <a:prstGeom prst="rect">
@@ -24407,7 +25064,7 @@
         </p:nvSpPr>
         <p:spPr bwMode="auto">
           <a:xfrm>
-            <a:off x="1601788" y="4605338"/>
+            <a:off x="1601788" y="5376863"/>
             <a:ext cx="762000" cy="381000"/>
           </a:xfrm>
           <a:prstGeom prst="rect">
@@ -24456,7 +25113,7 @@
         </p:nvSpPr>
         <p:spPr bwMode="auto">
           <a:xfrm>
-            <a:off x="3278188" y="4605338"/>
+            <a:off x="3278188" y="5376863"/>
             <a:ext cx="762000" cy="381000"/>
           </a:xfrm>
           <a:prstGeom prst="rect">
@@ -24505,7 +25162,7 @@
         </p:nvSpPr>
         <p:spPr bwMode="auto">
           <a:xfrm>
-            <a:off x="1982788" y="3767138"/>
+            <a:off x="1982788" y="4538663"/>
             <a:ext cx="1600200" cy="381000"/>
           </a:xfrm>
           <a:prstGeom prst="rect">
@@ -24577,7 +25234,7 @@
         </p:nvSpPr>
         <p:spPr bwMode="auto">
           <a:xfrm>
-            <a:off x="763588" y="5138738"/>
+            <a:off x="763588" y="5910263"/>
             <a:ext cx="762000" cy="381000"/>
           </a:xfrm>
           <a:prstGeom prst="rect">
@@ -24626,7 +25283,7 @@
         </p:nvSpPr>
         <p:spPr bwMode="auto">
           <a:xfrm>
-            <a:off x="1601788" y="5138738"/>
+            <a:off x="1601788" y="5910263"/>
             <a:ext cx="762000" cy="381000"/>
           </a:xfrm>
           <a:prstGeom prst="rect">
@@ -24675,7 +25332,7 @@
         </p:nvSpPr>
         <p:spPr bwMode="auto">
           <a:xfrm>
-            <a:off x="3278188" y="5138738"/>
+            <a:off x="3278188" y="5910263"/>
             <a:ext cx="762000" cy="381000"/>
           </a:xfrm>
           <a:prstGeom prst="rect">
@@ -24726,7 +25383,7 @@
         </p:nvCxnSpPr>
         <p:spPr bwMode="auto">
           <a:xfrm>
-            <a:off x="1144588" y="4986338"/>
+            <a:off x="1144588" y="5757863"/>
             <a:ext cx="0" cy="152400"/>
           </a:xfrm>
           <a:prstGeom prst="straightConnector1">
@@ -24761,7 +25418,7 @@
         </p:nvCxnSpPr>
         <p:spPr bwMode="auto">
           <a:xfrm>
-            <a:off x="1982788" y="4986338"/>
+            <a:off x="1982788" y="5757863"/>
             <a:ext cx="0" cy="152400"/>
           </a:xfrm>
           <a:prstGeom prst="straightConnector1">
@@ -24796,7 +25453,7 @@
         </p:nvCxnSpPr>
         <p:spPr bwMode="auto">
           <a:xfrm>
-            <a:off x="3659188" y="4986338"/>
+            <a:off x="3659188" y="5757863"/>
             <a:ext cx="0" cy="152400"/>
           </a:xfrm>
           <a:prstGeom prst="straightConnector1">
@@ -24831,7 +25488,7 @@
         </p:nvCxnSpPr>
         <p:spPr bwMode="auto">
           <a:xfrm flipH="1" flipV="1">
-            <a:off x="1144588" y="4376738"/>
+            <a:off x="1144588" y="5148263"/>
             <a:ext cx="838200" cy="228600"/>
           </a:xfrm>
           <a:prstGeom prst="straightConnector1">
@@ -24866,7 +25523,7 @@
         </p:nvCxnSpPr>
         <p:spPr bwMode="auto">
           <a:xfrm flipV="1">
-            <a:off x="1144588" y="4376738"/>
+            <a:off x="1144588" y="5148263"/>
             <a:ext cx="0" cy="228600"/>
           </a:xfrm>
           <a:prstGeom prst="straightConnector1">
@@ -24901,7 +25558,7 @@
         </p:nvCxnSpPr>
         <p:spPr bwMode="auto">
           <a:xfrm flipH="1" flipV="1">
-            <a:off x="1144588" y="4376738"/>
+            <a:off x="1144588" y="5148263"/>
             <a:ext cx="2514600" cy="228600"/>
           </a:xfrm>
           <a:prstGeom prst="straightConnector1">
@@ -24936,7 +25593,7 @@
         </p:nvCxnSpPr>
         <p:spPr bwMode="auto">
           <a:xfrm flipV="1">
-            <a:off x="1525588" y="3957638"/>
+            <a:off x="1525588" y="4729163"/>
             <a:ext cx="457200" cy="228600"/>
           </a:xfrm>
           <a:prstGeom prst="straightConnector1">
@@ -24970,7 +25627,7 @@
         </p:nvSpPr>
         <p:spPr bwMode="auto">
           <a:xfrm>
-            <a:off x="763588" y="3005138"/>
+            <a:off x="763588" y="3776663"/>
             <a:ext cx="762000" cy="381000"/>
           </a:xfrm>
           <a:prstGeom prst="rect">
@@ -25019,7 +25676,7 @@
         </p:nvSpPr>
         <p:spPr bwMode="auto">
           <a:xfrm>
-            <a:off x="763588" y="3462338"/>
+            <a:off x="763588" y="4233863"/>
             <a:ext cx="762000" cy="381000"/>
           </a:xfrm>
           <a:prstGeom prst="rect">
@@ -25070,7 +25727,7 @@
         </p:nvCxnSpPr>
         <p:spPr bwMode="auto">
           <a:xfrm>
-            <a:off x="1144588" y="3386138"/>
+            <a:off x="1144588" y="4157663"/>
             <a:ext cx="0" cy="76200"/>
           </a:xfrm>
           <a:prstGeom prst="straightConnector1">
@@ -25105,7 +25762,7 @@
         </p:nvCxnSpPr>
         <p:spPr bwMode="auto">
           <a:xfrm flipV="1">
-            <a:off x="1144588" y="3843338"/>
+            <a:off x="1144588" y="4614863"/>
             <a:ext cx="0" cy="152400"/>
           </a:xfrm>
           <a:prstGeom prst="straightConnector1">
@@ -25138,7 +25795,7 @@
         </p:nvSpPr>
         <p:spPr bwMode="auto">
           <a:xfrm>
-            <a:off x="611188" y="2852738"/>
+            <a:off x="611188" y="3624263"/>
             <a:ext cx="3581400" cy="2743200"/>
           </a:xfrm>
           <a:prstGeom prst="rect">
@@ -25182,7 +25839,7 @@
         </p:nvSpPr>
         <p:spPr bwMode="auto">
           <a:xfrm>
-            <a:off x="2347913" y="2874963"/>
+            <a:off x="2347913" y="3646488"/>
             <a:ext cx="1343638" cy="369332"/>
           </a:xfrm>
           <a:prstGeom prst="rect">
@@ -25228,7 +25885,7 @@
         </p:nvSpPr>
         <p:spPr bwMode="auto">
           <a:xfrm>
-            <a:off x="2439988" y="4605338"/>
+            <a:off x="2439988" y="5376863"/>
             <a:ext cx="762000" cy="381000"/>
           </a:xfrm>
           <a:prstGeom prst="rect">
@@ -25277,7 +25934,7 @@
         </p:nvSpPr>
         <p:spPr bwMode="auto">
           <a:xfrm>
-            <a:off x="2439988" y="5138738"/>
+            <a:off x="2439988" y="5910263"/>
             <a:ext cx="762000" cy="381000"/>
           </a:xfrm>
           <a:prstGeom prst="rect">
@@ -25328,7 +25985,7 @@
         </p:nvCxnSpPr>
         <p:spPr bwMode="auto">
           <a:xfrm flipV="1">
-            <a:off x="2820988" y="4986338"/>
+            <a:off x="2820988" y="5757863"/>
             <a:ext cx="0" cy="152400"/>
           </a:xfrm>
           <a:prstGeom prst="straightConnector1">
@@ -25363,7 +26020,7 @@
         </p:nvCxnSpPr>
         <p:spPr bwMode="auto">
           <a:xfrm>
-            <a:off x="1144588" y="4376738"/>
+            <a:off x="1144588" y="5148263"/>
             <a:ext cx="1676400" cy="228600"/>
           </a:xfrm>
           <a:prstGeom prst="straightConnector1">
@@ -25396,7 +26053,7 @@
         </p:nvSpPr>
         <p:spPr bwMode="auto">
           <a:xfrm>
-            <a:off x="763588" y="3995738"/>
+            <a:off x="763588" y="4767263"/>
             <a:ext cx="762000" cy="381000"/>
           </a:xfrm>
           <a:prstGeom prst="rect">
@@ -25445,7 +26102,7 @@
         </p:nvSpPr>
         <p:spPr bwMode="auto">
           <a:xfrm>
-            <a:off x="5030788" y="4605338"/>
+            <a:off x="4533900" y="5376863"/>
             <a:ext cx="762000" cy="381000"/>
           </a:xfrm>
           <a:prstGeom prst="rect">
@@ -25494,7 +26151,7 @@
         </p:nvSpPr>
         <p:spPr bwMode="auto">
           <a:xfrm>
-            <a:off x="6707188" y="4605338"/>
+            <a:off x="6210300" y="5376863"/>
             <a:ext cx="762000" cy="381000"/>
           </a:xfrm>
           <a:prstGeom prst="rect">
@@ -25543,7 +26200,7 @@
         </p:nvSpPr>
         <p:spPr bwMode="auto">
           <a:xfrm>
-            <a:off x="6249988" y="3767138"/>
+            <a:off x="5753100" y="4538663"/>
             <a:ext cx="1600200" cy="381000"/>
           </a:xfrm>
           <a:prstGeom prst="rect">
@@ -25615,7 +26272,7 @@
         </p:nvSpPr>
         <p:spPr bwMode="auto">
           <a:xfrm>
-            <a:off x="5030788" y="5138738"/>
+            <a:off x="4533900" y="5910263"/>
             <a:ext cx="762000" cy="381000"/>
           </a:xfrm>
           <a:prstGeom prst="rect">
@@ -25664,7 +26321,7 @@
         </p:nvSpPr>
         <p:spPr bwMode="auto">
           <a:xfrm>
-            <a:off x="6707188" y="5138738"/>
+            <a:off x="6210300" y="5910263"/>
             <a:ext cx="762000" cy="381000"/>
           </a:xfrm>
           <a:prstGeom prst="rect">
@@ -25715,7 +26372,7 @@
         </p:nvCxnSpPr>
         <p:spPr bwMode="auto">
           <a:xfrm>
-            <a:off x="5411788" y="4986338"/>
+            <a:off x="4914900" y="5757863"/>
             <a:ext cx="0" cy="152400"/>
           </a:xfrm>
           <a:prstGeom prst="straightConnector1">
@@ -25750,7 +26407,7 @@
         </p:nvCxnSpPr>
         <p:spPr bwMode="auto">
           <a:xfrm>
-            <a:off x="7088188" y="4986338"/>
+            <a:off x="6591300" y="5757863"/>
             <a:ext cx="0" cy="152400"/>
           </a:xfrm>
           <a:prstGeom prst="straightConnector1">
@@ -25785,7 +26442,7 @@
         </p:nvCxnSpPr>
         <p:spPr bwMode="auto">
           <a:xfrm flipV="1">
-            <a:off x="5411788" y="4376738"/>
+            <a:off x="4914900" y="5148263"/>
             <a:ext cx="0" cy="228600"/>
           </a:xfrm>
           <a:prstGeom prst="straightConnector1">
@@ -25820,7 +26477,7 @@
         </p:nvCxnSpPr>
         <p:spPr bwMode="auto">
           <a:xfrm flipH="1" flipV="1">
-            <a:off x="5411788" y="4376738"/>
+            <a:off x="4914900" y="5148263"/>
             <a:ext cx="1676400" cy="228600"/>
           </a:xfrm>
           <a:prstGeom prst="straightConnector1">
@@ -25855,7 +26512,7 @@
         </p:nvCxnSpPr>
         <p:spPr bwMode="auto">
           <a:xfrm flipV="1">
-            <a:off x="5792788" y="3957638"/>
+            <a:off x="5295900" y="4729163"/>
             <a:ext cx="457200" cy="228600"/>
           </a:xfrm>
           <a:prstGeom prst="straightConnector1">
@@ -25889,7 +26546,7 @@
         </p:nvSpPr>
         <p:spPr bwMode="auto">
           <a:xfrm>
-            <a:off x="5030788" y="3005138"/>
+            <a:off x="4533900" y="3776663"/>
             <a:ext cx="762000" cy="381000"/>
           </a:xfrm>
           <a:prstGeom prst="rect">
@@ -25938,7 +26595,7 @@
         </p:nvSpPr>
         <p:spPr bwMode="auto">
           <a:xfrm>
-            <a:off x="5030788" y="3462338"/>
+            <a:off x="4533900" y="4233863"/>
             <a:ext cx="762000" cy="381000"/>
           </a:xfrm>
           <a:prstGeom prst="rect">
@@ -25989,7 +26646,7 @@
         </p:nvCxnSpPr>
         <p:spPr bwMode="auto">
           <a:xfrm>
-            <a:off x="5411788" y="3386138"/>
+            <a:off x="4914900" y="4157663"/>
             <a:ext cx="0" cy="76200"/>
           </a:xfrm>
           <a:prstGeom prst="straightConnector1">
@@ -26024,7 +26681,7 @@
         </p:nvCxnSpPr>
         <p:spPr bwMode="auto">
           <a:xfrm flipV="1">
-            <a:off x="5411788" y="3843338"/>
+            <a:off x="4914900" y="4614863"/>
             <a:ext cx="0" cy="152400"/>
           </a:xfrm>
           <a:prstGeom prst="straightConnector1">
@@ -26057,7 +26714,7 @@
         </p:nvSpPr>
         <p:spPr bwMode="auto">
           <a:xfrm>
-            <a:off x="4878388" y="2852738"/>
+            <a:off x="4381500" y="3624263"/>
             <a:ext cx="3429000" cy="2743200"/>
           </a:xfrm>
           <a:prstGeom prst="rect">
@@ -26101,7 +26758,7 @@
         </p:nvSpPr>
         <p:spPr bwMode="auto">
           <a:xfrm>
-            <a:off x="6615113" y="2874963"/>
+            <a:off x="6118225" y="3646488"/>
             <a:ext cx="1343638" cy="369332"/>
           </a:xfrm>
           <a:prstGeom prst="rect">
@@ -26147,7 +26804,7 @@
         </p:nvSpPr>
         <p:spPr bwMode="auto">
           <a:xfrm>
-            <a:off x="5868988" y="4605338"/>
+            <a:off x="5372100" y="5376863"/>
             <a:ext cx="762000" cy="381000"/>
           </a:xfrm>
           <a:prstGeom prst="rect">
@@ -26196,7 +26853,7 @@
         </p:nvSpPr>
         <p:spPr bwMode="auto">
           <a:xfrm>
-            <a:off x="5868988" y="5138738"/>
+            <a:off x="5372100" y="5910263"/>
             <a:ext cx="762000" cy="381000"/>
           </a:xfrm>
           <a:prstGeom prst="rect">
@@ -26247,7 +26904,7 @@
         </p:nvCxnSpPr>
         <p:spPr bwMode="auto">
           <a:xfrm flipV="1">
-            <a:off x="6249988" y="4986338"/>
+            <a:off x="5753100" y="5757863"/>
             <a:ext cx="0" cy="152400"/>
           </a:xfrm>
           <a:prstGeom prst="straightConnector1">
@@ -26282,7 +26939,7 @@
         </p:nvCxnSpPr>
         <p:spPr bwMode="auto">
           <a:xfrm>
-            <a:off x="5411788" y="4376738"/>
+            <a:off x="4914900" y="5148263"/>
             <a:ext cx="838200" cy="228600"/>
           </a:xfrm>
           <a:prstGeom prst="straightConnector1">
@@ -26315,7 +26972,7 @@
         </p:nvSpPr>
         <p:spPr bwMode="auto">
           <a:xfrm>
-            <a:off x="5030788" y="3995738"/>
+            <a:off x="4533900" y="4767263"/>
             <a:ext cx="762000" cy="381000"/>
           </a:xfrm>
           <a:prstGeom prst="rect">
@@ -26430,6 +27087,757 @@
               <a:latin typeface="Noto Sans CJK KR Regular" panose="020B0500000000000000" pitchFamily="34" charset="-127"/>
               <a:ea typeface="Noto Sans CJK KR Regular" panose="020B0500000000000000" pitchFamily="34" charset="-127"/>
             </a:endParaRPr>
+          </a:p>
+        </p:txBody>
+      </p:sp>
+      <p:sp>
+        <p:nvSpPr>
+          <p:cNvPr id="58" name="Rectangle 31">
+            <a:extLst>
+              <a:ext uri="{FF2B5EF4-FFF2-40B4-BE49-F238E27FC236}">
+                <a16:creationId xmlns:a16="http://schemas.microsoft.com/office/drawing/2014/main" id="{615ABE04-080D-4581-8E1D-1295D12686B5}"/>
+              </a:ext>
+            </a:extLst>
+          </p:cNvPr>
+          <p:cNvSpPr>
+            <a:spLocks noChangeArrowheads="1"/>
+          </p:cNvSpPr>
+          <p:nvPr/>
+        </p:nvSpPr>
+        <p:spPr bwMode="auto">
+          <a:xfrm>
+            <a:off x="8991600" y="5376863"/>
+            <a:ext cx="762000" cy="381000"/>
+          </a:xfrm>
+          <a:prstGeom prst="rect">
+            <a:avLst/>
+          </a:prstGeom>
+          <a:solidFill>
+            <a:srgbClr val="C0C0C0"/>
+          </a:solidFill>
+          <a:ln w="9525">
+            <a:solidFill>
+              <a:schemeClr val="tx1"/>
+            </a:solidFill>
+            <a:miter lim="800000"/>
+            <a:headEnd/>
+            <a:tailEnd/>
+          </a:ln>
+        </p:spPr>
+        <p:txBody>
+          <a:bodyPr wrap="none" anchor="ctr"/>
+          <a:lstStyle/>
+          <a:p>
+            <a:pPr algn="ctr"/>
+            <a:r>
+              <a:rPr lang="en-US" altLang="ko-KR" sz="1600">
+                <a:latin typeface="Noto Sans CJK KR Regular" panose="020B0500000000000000" pitchFamily="34" charset="-127"/>
+                <a:ea typeface="Noto Sans CJK KR Regular" panose="020B0500000000000000" pitchFamily="34" charset="-127"/>
+              </a:rPr>
+              <a:t>li</a:t>
+            </a:r>
+          </a:p>
+        </p:txBody>
+      </p:sp>
+      <p:sp>
+        <p:nvSpPr>
+          <p:cNvPr id="59" name="Rectangle 32">
+            <a:extLst>
+              <a:ext uri="{FF2B5EF4-FFF2-40B4-BE49-F238E27FC236}">
+                <a16:creationId xmlns:a16="http://schemas.microsoft.com/office/drawing/2014/main" id="{2FCEB41A-5A3A-4A4F-B038-8CCAC8308AB2}"/>
+              </a:ext>
+            </a:extLst>
+          </p:cNvPr>
+          <p:cNvSpPr>
+            <a:spLocks noChangeArrowheads="1"/>
+          </p:cNvSpPr>
+          <p:nvPr/>
+        </p:nvSpPr>
+        <p:spPr bwMode="auto">
+          <a:xfrm>
+            <a:off x="9372600" y="4538663"/>
+            <a:ext cx="1600200" cy="381000"/>
+          </a:xfrm>
+          <a:prstGeom prst="rect">
+            <a:avLst/>
+          </a:prstGeom>
+          <a:solidFill>
+            <a:srgbClr val="FFCCFF"/>
+          </a:solidFill>
+          <a:ln w="9525">
+            <a:solidFill>
+              <a:schemeClr val="tx1"/>
+            </a:solidFill>
+            <a:miter lim="800000"/>
+            <a:headEnd/>
+            <a:tailEnd/>
+          </a:ln>
+        </p:spPr>
+        <p:txBody>
+          <a:bodyPr wrap="none" anchor="ctr"/>
+          <a:lstStyle/>
+          <a:p>
+            <a:pPr algn="ctr"/>
+            <a:r>
+              <a:rPr lang="en-US" altLang="ko-KR" sz="1600">
+                <a:solidFill>
+                  <a:srgbClr val="FF0000"/>
+                </a:solidFill>
+                <a:latin typeface="Noto Sans CJK KR Regular" panose="020B0500000000000000" pitchFamily="34" charset="-127"/>
+                <a:ea typeface="Noto Sans CJK KR Regular" panose="020B0500000000000000" pitchFamily="34" charset="-127"/>
+              </a:rPr>
+              <a:t>id</a:t>
+            </a:r>
+            <a:r>
+              <a:rPr lang="en-US" altLang="ko-KR" sz="1600">
+                <a:solidFill>
+                  <a:srgbClr val="000000"/>
+                </a:solidFill>
+                <a:latin typeface="Noto Sans CJK KR Regular" panose="020B0500000000000000" pitchFamily="34" charset="-127"/>
+                <a:ea typeface="Noto Sans CJK KR Regular" panose="020B0500000000000000" pitchFamily="34" charset="-127"/>
+              </a:rPr>
+              <a:t>=</a:t>
+            </a:r>
+            <a:r>
+              <a:rPr lang="en-US" altLang="ko-KR" sz="1600">
+                <a:solidFill>
+                  <a:srgbClr val="0000FF"/>
+                </a:solidFill>
+                <a:latin typeface="Noto Sans CJK KR Regular" panose="020B0500000000000000" pitchFamily="34" charset="-127"/>
+                <a:ea typeface="Noto Sans CJK KR Regular" panose="020B0500000000000000" pitchFamily="34" charset="-127"/>
+              </a:rPr>
+              <a:t>"purchases"</a:t>
+            </a:r>
+          </a:p>
+        </p:txBody>
+      </p:sp>
+      <p:sp>
+        <p:nvSpPr>
+          <p:cNvPr id="61" name="Rectangle 34">
+            <a:extLst>
+              <a:ext uri="{FF2B5EF4-FFF2-40B4-BE49-F238E27FC236}">
+                <a16:creationId xmlns:a16="http://schemas.microsoft.com/office/drawing/2014/main" id="{7424825F-27D4-4E5D-B86F-A0BEB4C52079}"/>
+              </a:ext>
+            </a:extLst>
+          </p:cNvPr>
+          <p:cNvSpPr>
+            <a:spLocks noChangeArrowheads="1"/>
+          </p:cNvSpPr>
+          <p:nvPr/>
+        </p:nvSpPr>
+        <p:spPr bwMode="auto">
+          <a:xfrm>
+            <a:off x="8991600" y="5910263"/>
+            <a:ext cx="762000" cy="381000"/>
+          </a:xfrm>
+          <a:prstGeom prst="rect">
+            <a:avLst/>
+          </a:prstGeom>
+          <a:solidFill>
+            <a:srgbClr val="FFFFFF"/>
+          </a:solidFill>
+          <a:ln w="9525">
+            <a:solidFill>
+              <a:schemeClr val="tx1"/>
+            </a:solidFill>
+            <a:miter lim="800000"/>
+            <a:headEnd/>
+            <a:tailEnd/>
+          </a:ln>
+        </p:spPr>
+        <p:txBody>
+          <a:bodyPr wrap="none" anchor="ctr"/>
+          <a:lstStyle/>
+          <a:p>
+            <a:pPr algn="ctr"/>
+            <a:r>
+              <a:rPr lang="ko-KR" altLang="en-US" sz="1600">
+                <a:latin typeface="Noto Sans CJK KR Regular" panose="020B0500000000000000" pitchFamily="34" charset="-127"/>
+                <a:ea typeface="Noto Sans CJK KR Regular" panose="020B0500000000000000" pitchFamily="34" charset="-127"/>
+              </a:rPr>
+              <a:t>우유</a:t>
+            </a:r>
+          </a:p>
+        </p:txBody>
+      </p:sp>
+      <p:cxnSp>
+        <p:nvCxnSpPr>
+          <p:cNvPr id="63" name="AutoShape 36">
+            <a:extLst>
+              <a:ext uri="{FF2B5EF4-FFF2-40B4-BE49-F238E27FC236}">
+                <a16:creationId xmlns:a16="http://schemas.microsoft.com/office/drawing/2014/main" id="{64E9A030-546C-43CD-8D5E-C37564969D65}"/>
+              </a:ext>
+            </a:extLst>
+          </p:cNvPr>
+          <p:cNvCxnSpPr>
+            <a:cxnSpLocks noChangeShapeType="1"/>
+            <a:stCxn id="58" idx="2"/>
+            <a:endCxn id="61" idx="0"/>
+          </p:cNvCxnSpPr>
+          <p:nvPr/>
+        </p:nvCxnSpPr>
+        <p:spPr bwMode="auto">
+          <a:xfrm>
+            <a:off x="9372600" y="5757863"/>
+            <a:ext cx="0" cy="152400"/>
+          </a:xfrm>
+          <a:prstGeom prst="straightConnector1">
+            <a:avLst/>
+          </a:prstGeom>
+          <a:noFill/>
+          <a:ln w="9525">
+            <a:solidFill>
+              <a:schemeClr val="tx1"/>
+            </a:solidFill>
+            <a:round/>
+            <a:headEnd/>
+            <a:tailEnd/>
+          </a:ln>
+        </p:spPr>
+      </p:cxnSp>
+      <p:cxnSp>
+        <p:nvCxnSpPr>
+          <p:cNvPr id="65" name="AutoShape 38">
+            <a:extLst>
+              <a:ext uri="{FF2B5EF4-FFF2-40B4-BE49-F238E27FC236}">
+                <a16:creationId xmlns:a16="http://schemas.microsoft.com/office/drawing/2014/main" id="{A6EB116F-7FA3-494F-949A-CAF78D03B9E2}"/>
+              </a:ext>
+            </a:extLst>
+          </p:cNvPr>
+          <p:cNvCxnSpPr>
+            <a:cxnSpLocks noChangeShapeType="1"/>
+            <a:stCxn id="58" idx="0"/>
+            <a:endCxn id="77" idx="2"/>
+          </p:cNvCxnSpPr>
+          <p:nvPr/>
+        </p:nvCxnSpPr>
+        <p:spPr bwMode="auto">
+          <a:xfrm flipH="1" flipV="1">
+            <a:off x="8534400" y="5148263"/>
+            <a:ext cx="838200" cy="228600"/>
+          </a:xfrm>
+          <a:prstGeom prst="straightConnector1">
+            <a:avLst/>
+          </a:prstGeom>
+          <a:noFill/>
+          <a:ln w="9525">
+            <a:solidFill>
+              <a:schemeClr val="tx1"/>
+            </a:solidFill>
+            <a:round/>
+            <a:headEnd/>
+            <a:tailEnd/>
+          </a:ln>
+        </p:spPr>
+      </p:cxnSp>
+      <p:cxnSp>
+        <p:nvCxnSpPr>
+          <p:cNvPr id="66" name="AutoShape 39">
+            <a:extLst>
+              <a:ext uri="{FF2B5EF4-FFF2-40B4-BE49-F238E27FC236}">
+                <a16:creationId xmlns:a16="http://schemas.microsoft.com/office/drawing/2014/main" id="{6C06FAD0-828C-440B-961E-A100727683CF}"/>
+              </a:ext>
+            </a:extLst>
+          </p:cNvPr>
+          <p:cNvCxnSpPr>
+            <a:cxnSpLocks noChangeShapeType="1"/>
+            <a:stCxn id="77" idx="3"/>
+            <a:endCxn id="59" idx="1"/>
+          </p:cNvCxnSpPr>
+          <p:nvPr/>
+        </p:nvCxnSpPr>
+        <p:spPr bwMode="auto">
+          <a:xfrm flipV="1">
+            <a:off x="8915400" y="4729163"/>
+            <a:ext cx="457200" cy="228600"/>
+          </a:xfrm>
+          <a:prstGeom prst="straightConnector1">
+            <a:avLst/>
+          </a:prstGeom>
+          <a:noFill/>
+          <a:ln w="9525">
+            <a:solidFill>
+              <a:schemeClr val="tx1"/>
+            </a:solidFill>
+            <a:prstDash val="lgDash"/>
+            <a:round/>
+            <a:headEnd/>
+            <a:tailEnd/>
+          </a:ln>
+        </p:spPr>
+      </p:cxnSp>
+      <p:sp>
+        <p:nvSpPr>
+          <p:cNvPr id="67" name="Rectangle 40">
+            <a:extLst>
+              <a:ext uri="{FF2B5EF4-FFF2-40B4-BE49-F238E27FC236}">
+                <a16:creationId xmlns:a16="http://schemas.microsoft.com/office/drawing/2014/main" id="{3FD0EE3A-3911-4FD8-8C2B-E91FC2B437DF}"/>
+              </a:ext>
+            </a:extLst>
+          </p:cNvPr>
+          <p:cNvSpPr>
+            <a:spLocks noChangeArrowheads="1"/>
+          </p:cNvSpPr>
+          <p:nvPr/>
+        </p:nvSpPr>
+        <p:spPr bwMode="auto">
+          <a:xfrm>
+            <a:off x="8153400" y="3776663"/>
+            <a:ext cx="762000" cy="381000"/>
+          </a:xfrm>
+          <a:prstGeom prst="rect">
+            <a:avLst/>
+          </a:prstGeom>
+          <a:solidFill>
+            <a:schemeClr val="accent1"/>
+          </a:solidFill>
+          <a:ln w="9525">
+            <a:solidFill>
+              <a:schemeClr val="tx1"/>
+            </a:solidFill>
+            <a:miter lim="800000"/>
+            <a:headEnd/>
+            <a:tailEnd/>
+          </a:ln>
+        </p:spPr>
+        <p:txBody>
+          <a:bodyPr wrap="none" anchor="ctr"/>
+          <a:lstStyle/>
+          <a:p>
+            <a:pPr algn="ctr"/>
+            <a:r>
+              <a:rPr lang="en-US" altLang="ko-KR" sz="1600">
+                <a:latin typeface="Noto Sans CJK KR Regular" panose="020B0500000000000000" pitchFamily="34" charset="-127"/>
+                <a:ea typeface="Noto Sans CJK KR Regular" panose="020B0500000000000000" pitchFamily="34" charset="-127"/>
+              </a:rPr>
+              <a:t>html</a:t>
+            </a:r>
+          </a:p>
+        </p:txBody>
+      </p:sp>
+      <p:sp>
+        <p:nvSpPr>
+          <p:cNvPr id="68" name="Rectangle 41">
+            <a:extLst>
+              <a:ext uri="{FF2B5EF4-FFF2-40B4-BE49-F238E27FC236}">
+                <a16:creationId xmlns:a16="http://schemas.microsoft.com/office/drawing/2014/main" id="{1E4D6932-2EBD-4E9A-819E-49D48C4BC5D1}"/>
+              </a:ext>
+            </a:extLst>
+          </p:cNvPr>
+          <p:cNvSpPr>
+            <a:spLocks noChangeArrowheads="1"/>
+          </p:cNvSpPr>
+          <p:nvPr/>
+        </p:nvSpPr>
+        <p:spPr bwMode="auto">
+          <a:xfrm>
+            <a:off x="8153400" y="4233863"/>
+            <a:ext cx="762000" cy="381000"/>
+          </a:xfrm>
+          <a:prstGeom prst="rect">
+            <a:avLst/>
+          </a:prstGeom>
+          <a:solidFill>
+            <a:schemeClr val="accent1"/>
+          </a:solidFill>
+          <a:ln w="9525">
+            <a:solidFill>
+              <a:schemeClr val="tx1"/>
+            </a:solidFill>
+            <a:miter lim="800000"/>
+            <a:headEnd/>
+            <a:tailEnd/>
+          </a:ln>
+        </p:spPr>
+        <p:txBody>
+          <a:bodyPr wrap="none" anchor="ctr"/>
+          <a:lstStyle/>
+          <a:p>
+            <a:pPr algn="ctr"/>
+            <a:r>
+              <a:rPr lang="en-US" altLang="ko-KR" sz="1600">
+                <a:latin typeface="Noto Sans CJK KR Regular" panose="020B0500000000000000" pitchFamily="34" charset="-127"/>
+                <a:ea typeface="Noto Sans CJK KR Regular" panose="020B0500000000000000" pitchFamily="34" charset="-127"/>
+              </a:rPr>
+              <a:t>body</a:t>
+            </a:r>
+          </a:p>
+        </p:txBody>
+      </p:sp>
+      <p:cxnSp>
+        <p:nvCxnSpPr>
+          <p:cNvPr id="69" name="AutoShape 42">
+            <a:extLst>
+              <a:ext uri="{FF2B5EF4-FFF2-40B4-BE49-F238E27FC236}">
+                <a16:creationId xmlns:a16="http://schemas.microsoft.com/office/drawing/2014/main" id="{49CAA6B9-5754-4129-A061-F07FDDC943A3}"/>
+              </a:ext>
+            </a:extLst>
+          </p:cNvPr>
+          <p:cNvCxnSpPr>
+            <a:cxnSpLocks noChangeShapeType="1"/>
+            <a:stCxn id="67" idx="2"/>
+            <a:endCxn id="68" idx="0"/>
+          </p:cNvCxnSpPr>
+          <p:nvPr/>
+        </p:nvCxnSpPr>
+        <p:spPr bwMode="auto">
+          <a:xfrm>
+            <a:off x="8534400" y="4157663"/>
+            <a:ext cx="0" cy="76200"/>
+          </a:xfrm>
+          <a:prstGeom prst="straightConnector1">
+            <a:avLst/>
+          </a:prstGeom>
+          <a:noFill/>
+          <a:ln w="9525">
+            <a:solidFill>
+              <a:schemeClr val="tx1"/>
+            </a:solidFill>
+            <a:round/>
+            <a:headEnd/>
+            <a:tailEnd/>
+          </a:ln>
+        </p:spPr>
+      </p:cxnSp>
+      <p:cxnSp>
+        <p:nvCxnSpPr>
+          <p:cNvPr id="70" name="AutoShape 43">
+            <a:extLst>
+              <a:ext uri="{FF2B5EF4-FFF2-40B4-BE49-F238E27FC236}">
+                <a16:creationId xmlns:a16="http://schemas.microsoft.com/office/drawing/2014/main" id="{2B6BB8D8-E77A-41BA-ABB8-7E56E501CD56}"/>
+              </a:ext>
+            </a:extLst>
+          </p:cNvPr>
+          <p:cNvCxnSpPr>
+            <a:cxnSpLocks noChangeShapeType="1"/>
+            <a:stCxn id="77" idx="0"/>
+            <a:endCxn id="68" idx="2"/>
+          </p:cNvCxnSpPr>
+          <p:nvPr/>
+        </p:nvCxnSpPr>
+        <p:spPr bwMode="auto">
+          <a:xfrm flipV="1">
+            <a:off x="8534400" y="4614863"/>
+            <a:ext cx="0" cy="152400"/>
+          </a:xfrm>
+          <a:prstGeom prst="straightConnector1">
+            <a:avLst/>
+          </a:prstGeom>
+          <a:noFill/>
+          <a:ln w="9525">
+            <a:solidFill>
+              <a:schemeClr val="tx1"/>
+            </a:solidFill>
+            <a:round/>
+            <a:headEnd/>
+            <a:tailEnd/>
+          </a:ln>
+        </p:spPr>
+      </p:cxnSp>
+      <p:sp>
+        <p:nvSpPr>
+          <p:cNvPr id="71" name="Rectangle 44">
+            <a:extLst>
+              <a:ext uri="{FF2B5EF4-FFF2-40B4-BE49-F238E27FC236}">
+                <a16:creationId xmlns:a16="http://schemas.microsoft.com/office/drawing/2014/main" id="{2630E109-CBF4-437B-9E29-9DF4328BB0D3}"/>
+              </a:ext>
+            </a:extLst>
+          </p:cNvPr>
+          <p:cNvSpPr>
+            <a:spLocks noChangeArrowheads="1"/>
+          </p:cNvSpPr>
+          <p:nvPr/>
+        </p:nvSpPr>
+        <p:spPr bwMode="auto">
+          <a:xfrm>
+            <a:off x="8001000" y="3624263"/>
+            <a:ext cx="3429000" cy="2743200"/>
+          </a:xfrm>
+          <a:prstGeom prst="rect">
+            <a:avLst/>
+          </a:prstGeom>
+          <a:noFill/>
+          <a:ln w="9525">
+            <a:solidFill>
+              <a:schemeClr val="tx1"/>
+            </a:solidFill>
+            <a:miter lim="800000"/>
+            <a:headEnd/>
+            <a:tailEnd/>
+          </a:ln>
+        </p:spPr>
+        <p:txBody>
+          <a:bodyPr wrap="none" anchor="ctr"/>
+          <a:lstStyle/>
+          <a:p>
+            <a:pPr algn="ctr"/>
+            <a:endParaRPr lang="ko-KR" altLang="en-US">
+              <a:latin typeface="Noto Sans CJK KR Regular" panose="020B0500000000000000" pitchFamily="34" charset="-127"/>
+              <a:ea typeface="Noto Sans CJK KR Regular" panose="020B0500000000000000" pitchFamily="34" charset="-127"/>
+            </a:endParaRPr>
+          </a:p>
+        </p:txBody>
+      </p:sp>
+      <p:sp>
+        <p:nvSpPr>
+          <p:cNvPr id="72" name="Text Box 45">
+            <a:extLst>
+              <a:ext uri="{FF2B5EF4-FFF2-40B4-BE49-F238E27FC236}">
+                <a16:creationId xmlns:a16="http://schemas.microsoft.com/office/drawing/2014/main" id="{FD581370-6452-4120-AA16-52895EDC4E5B}"/>
+              </a:ext>
+            </a:extLst>
+          </p:cNvPr>
+          <p:cNvSpPr txBox="1">
+            <a:spLocks noChangeArrowheads="1"/>
+          </p:cNvSpPr>
+          <p:nvPr/>
+        </p:nvSpPr>
+        <p:spPr bwMode="auto">
+          <a:xfrm>
+            <a:off x="9737725" y="3646488"/>
+            <a:ext cx="1343638" cy="369332"/>
+          </a:xfrm>
+          <a:prstGeom prst="rect">
+            <a:avLst/>
+          </a:prstGeom>
+          <a:noFill/>
+          <a:ln w="9525">
+            <a:noFill/>
+            <a:miter lim="800000"/>
+            <a:headEnd/>
+            <a:tailEnd/>
+          </a:ln>
+        </p:spPr>
+        <p:txBody>
+          <a:bodyPr wrap="none">
+            <a:spAutoFit/>
+          </a:bodyPr>
+          <a:lstStyle/>
+          <a:p>
+            <a:r>
+              <a:rPr lang="en-US" altLang="ko-KR">
+                <a:latin typeface="Noto Sans CJK KR Regular" panose="020B0500000000000000" pitchFamily="34" charset="-127"/>
+                <a:ea typeface="Noto Sans CJK KR Regular" panose="020B0500000000000000" pitchFamily="34" charset="-127"/>
+              </a:rPr>
+              <a:t>document</a:t>
+            </a:r>
+          </a:p>
+        </p:txBody>
+      </p:sp>
+      <p:sp>
+        <p:nvSpPr>
+          <p:cNvPr id="73" name="Rectangle 46">
+            <a:extLst>
+              <a:ext uri="{FF2B5EF4-FFF2-40B4-BE49-F238E27FC236}">
+                <a16:creationId xmlns:a16="http://schemas.microsoft.com/office/drawing/2014/main" id="{4E9DD0EF-D8F2-48AF-BB94-6148CD0A1917}"/>
+              </a:ext>
+            </a:extLst>
+          </p:cNvPr>
+          <p:cNvSpPr>
+            <a:spLocks noChangeArrowheads="1"/>
+          </p:cNvSpPr>
+          <p:nvPr/>
+        </p:nvSpPr>
+        <p:spPr bwMode="auto">
+          <a:xfrm>
+            <a:off x="8153400" y="5376863"/>
+            <a:ext cx="762000" cy="381000"/>
+          </a:xfrm>
+          <a:prstGeom prst="rect">
+            <a:avLst/>
+          </a:prstGeom>
+          <a:solidFill>
+            <a:srgbClr val="CC99FF"/>
+          </a:solidFill>
+          <a:ln w="9525">
+            <a:solidFill>
+              <a:schemeClr val="tx1"/>
+            </a:solidFill>
+            <a:miter lim="800000"/>
+            <a:headEnd/>
+            <a:tailEnd/>
+          </a:ln>
+        </p:spPr>
+        <p:txBody>
+          <a:bodyPr wrap="none" anchor="ctr"/>
+          <a:lstStyle/>
+          <a:p>
+            <a:pPr algn="ctr"/>
+            <a:r>
+              <a:rPr lang="en-US" altLang="ko-KR" sz="1600">
+                <a:latin typeface="Noto Sans CJK KR Regular" panose="020B0500000000000000" pitchFamily="34" charset="-127"/>
+                <a:ea typeface="Noto Sans CJK KR Regular" panose="020B0500000000000000" pitchFamily="34" charset="-127"/>
+              </a:rPr>
+              <a:t>li</a:t>
+            </a:r>
+          </a:p>
+        </p:txBody>
+      </p:sp>
+      <p:sp>
+        <p:nvSpPr>
+          <p:cNvPr id="74" name="Rectangle 47">
+            <a:extLst>
+              <a:ext uri="{FF2B5EF4-FFF2-40B4-BE49-F238E27FC236}">
+                <a16:creationId xmlns:a16="http://schemas.microsoft.com/office/drawing/2014/main" id="{18992F72-04C6-4488-9560-7F72B29062EA}"/>
+              </a:ext>
+            </a:extLst>
+          </p:cNvPr>
+          <p:cNvSpPr>
+            <a:spLocks noChangeArrowheads="1"/>
+          </p:cNvSpPr>
+          <p:nvPr/>
+        </p:nvSpPr>
+        <p:spPr bwMode="auto">
+          <a:xfrm>
+            <a:off x="8153400" y="5910263"/>
+            <a:ext cx="762000" cy="381000"/>
+          </a:xfrm>
+          <a:prstGeom prst="rect">
+            <a:avLst/>
+          </a:prstGeom>
+          <a:solidFill>
+            <a:srgbClr val="FFFFFF"/>
+          </a:solidFill>
+          <a:ln w="9525">
+            <a:solidFill>
+              <a:schemeClr val="tx1"/>
+            </a:solidFill>
+            <a:miter lim="800000"/>
+            <a:headEnd/>
+            <a:tailEnd/>
+          </a:ln>
+        </p:spPr>
+        <p:txBody>
+          <a:bodyPr wrap="none" anchor="ctr"/>
+          <a:lstStyle/>
+          <a:p>
+            <a:pPr algn="ctr"/>
+            <a:r>
+              <a:rPr lang="ko-KR" altLang="en-US" sz="1600" dirty="0">
+                <a:latin typeface="Noto Sans CJK KR Regular" panose="020B0500000000000000" pitchFamily="34" charset="-127"/>
+                <a:ea typeface="Noto Sans CJK KR Regular" panose="020B0500000000000000" pitchFamily="34" charset="-127"/>
+              </a:rPr>
+              <a:t>라면</a:t>
+            </a:r>
+          </a:p>
+        </p:txBody>
+      </p:sp>
+      <p:cxnSp>
+        <p:nvCxnSpPr>
+          <p:cNvPr id="75" name="AutoShape 48">
+            <a:extLst>
+              <a:ext uri="{FF2B5EF4-FFF2-40B4-BE49-F238E27FC236}">
+                <a16:creationId xmlns:a16="http://schemas.microsoft.com/office/drawing/2014/main" id="{9A64A9D4-E460-4F25-90FF-F85ADB8551B3}"/>
+              </a:ext>
+            </a:extLst>
+          </p:cNvPr>
+          <p:cNvCxnSpPr>
+            <a:cxnSpLocks noChangeShapeType="1"/>
+            <a:stCxn id="74" idx="0"/>
+            <a:endCxn id="73" idx="2"/>
+          </p:cNvCxnSpPr>
+          <p:nvPr/>
+        </p:nvCxnSpPr>
+        <p:spPr bwMode="auto">
+          <a:xfrm flipV="1">
+            <a:off x="8534400" y="5757863"/>
+            <a:ext cx="0" cy="152400"/>
+          </a:xfrm>
+          <a:prstGeom prst="straightConnector1">
+            <a:avLst/>
+          </a:prstGeom>
+          <a:noFill/>
+          <a:ln w="9525">
+            <a:solidFill>
+              <a:schemeClr val="tx1"/>
+            </a:solidFill>
+            <a:round/>
+            <a:headEnd/>
+            <a:tailEnd/>
+          </a:ln>
+        </p:spPr>
+      </p:cxnSp>
+      <p:cxnSp>
+        <p:nvCxnSpPr>
+          <p:cNvPr id="76" name="AutoShape 49">
+            <a:extLst>
+              <a:ext uri="{FF2B5EF4-FFF2-40B4-BE49-F238E27FC236}">
+                <a16:creationId xmlns:a16="http://schemas.microsoft.com/office/drawing/2014/main" id="{C9FF3057-9DCC-46E9-B07C-3919E85C3704}"/>
+              </a:ext>
+            </a:extLst>
+          </p:cNvPr>
+          <p:cNvCxnSpPr>
+            <a:cxnSpLocks noChangeShapeType="1"/>
+            <a:stCxn id="77" idx="2"/>
+            <a:endCxn id="73" idx="0"/>
+          </p:cNvCxnSpPr>
+          <p:nvPr/>
+        </p:nvCxnSpPr>
+        <p:spPr bwMode="auto">
+          <a:xfrm>
+            <a:off x="8534400" y="5148263"/>
+            <a:ext cx="0" cy="228600"/>
+          </a:xfrm>
+          <a:prstGeom prst="straightConnector1">
+            <a:avLst/>
+          </a:prstGeom>
+          <a:noFill/>
+          <a:ln w="9525">
+            <a:solidFill>
+              <a:schemeClr val="tx1"/>
+            </a:solidFill>
+            <a:round/>
+            <a:headEnd/>
+            <a:tailEnd/>
+          </a:ln>
+        </p:spPr>
+      </p:cxnSp>
+      <p:sp>
+        <p:nvSpPr>
+          <p:cNvPr id="77" name="Rectangle 50">
+            <a:extLst>
+              <a:ext uri="{FF2B5EF4-FFF2-40B4-BE49-F238E27FC236}">
+                <a16:creationId xmlns:a16="http://schemas.microsoft.com/office/drawing/2014/main" id="{836A161B-E420-44A2-BA51-7E34AA5BCB8B}"/>
+              </a:ext>
+            </a:extLst>
+          </p:cNvPr>
+          <p:cNvSpPr>
+            <a:spLocks noChangeArrowheads="1"/>
+          </p:cNvSpPr>
+          <p:nvPr/>
+        </p:nvSpPr>
+        <p:spPr bwMode="auto">
+          <a:xfrm>
+            <a:off x="8153400" y="4767263"/>
+            <a:ext cx="762000" cy="381000"/>
+          </a:xfrm>
+          <a:prstGeom prst="rect">
+            <a:avLst/>
+          </a:prstGeom>
+          <a:solidFill>
+            <a:schemeClr val="accent1"/>
+          </a:solidFill>
+          <a:ln w="9525">
+            <a:solidFill>
+              <a:schemeClr val="tx1"/>
+            </a:solidFill>
+            <a:miter lim="800000"/>
+            <a:headEnd/>
+            <a:tailEnd/>
+          </a:ln>
+        </p:spPr>
+        <p:txBody>
+          <a:bodyPr wrap="none" anchor="ctr"/>
+          <a:lstStyle/>
+          <a:p>
+            <a:pPr algn="ctr"/>
+            <a:r>
+              <a:rPr lang="en-US" altLang="ko-KR" sz="1600">
+                <a:latin typeface="Noto Sans CJK KR Regular" panose="020B0500000000000000" pitchFamily="34" charset="-127"/>
+                <a:ea typeface="Noto Sans CJK KR Regular" panose="020B0500000000000000" pitchFamily="34" charset="-127"/>
+              </a:rPr>
+              <a:t>ul</a:t>
+            </a:r>
           </a:p>
         </p:txBody>
       </p:sp>
@@ -27224,21 +28632,49 @@
                 <a:latin typeface="Noto Sans CJK KR Regular" panose="020B0500000000000000" pitchFamily="34" charset="-127"/>
                 <a:ea typeface="Noto Sans CJK KR Regular" panose="020B0500000000000000" pitchFamily="34" charset="-127"/>
               </a:rPr>
-              <a:t>이면 하위 모든 노드를 같이 복사하고 </a:t>
-            </a:r>
-            <a:r>
-              <a:rPr lang="en-US" altLang="ko-KR" b="0" dirty="0">
-                <a:latin typeface="Noto Sans CJK KR Regular" panose="020B0500000000000000" pitchFamily="34" charset="-127"/>
-                <a:ea typeface="Noto Sans CJK KR Regular" panose="020B0500000000000000" pitchFamily="34" charset="-127"/>
-              </a:rPr>
-              <a:t>false</a:t>
+              <a:t>이면 하위 모든 노드를 같이 </a:t>
+            </a:r>
+            <a:r>
+              <a:rPr lang="ko-KR" altLang="en-US" b="0">
+                <a:latin typeface="Noto Sans CJK KR Regular" panose="020B0500000000000000" pitchFamily="34" charset="-127"/>
+                <a:ea typeface="Noto Sans CJK KR Regular" panose="020B0500000000000000" pitchFamily="34" charset="-127"/>
+              </a:rPr>
+              <a:t>복사하고 </a:t>
+            </a:r>
+            <a:r>
+              <a:rPr lang="en-US" altLang="ko-KR" b="0">
+                <a:latin typeface="Noto Sans CJK KR Regular" panose="020B0500000000000000" pitchFamily="34" charset="-127"/>
+                <a:ea typeface="Noto Sans CJK KR Regular" panose="020B0500000000000000" pitchFamily="34" charset="-127"/>
+              </a:rPr>
+              <a:t>false(</a:t>
+            </a:r>
+            <a:r>
+              <a:rPr lang="ko-KR" altLang="en-US" b="0">
+                <a:latin typeface="Noto Sans CJK KR Regular" panose="020B0500000000000000" pitchFamily="34" charset="-127"/>
+                <a:ea typeface="Noto Sans CJK KR Regular" panose="020B0500000000000000" pitchFamily="34" charset="-127"/>
+              </a:rPr>
+              <a:t>기본값</a:t>
+            </a:r>
+            <a:r>
+              <a:rPr lang="en-US" altLang="ko-KR" b="0">
+                <a:latin typeface="Noto Sans CJK KR Regular" panose="020B0500000000000000" pitchFamily="34" charset="-127"/>
+                <a:ea typeface="Noto Sans CJK KR Regular" panose="020B0500000000000000" pitchFamily="34" charset="-127"/>
+              </a:rPr>
+              <a:t>)</a:t>
+            </a:r>
+            <a:r>
+              <a:rPr lang="ko-KR" altLang="en-US" b="0">
+                <a:latin typeface="Noto Sans CJK KR Regular" panose="020B0500000000000000" pitchFamily="34" charset="-127"/>
+                <a:ea typeface="Noto Sans CJK KR Regular" panose="020B0500000000000000" pitchFamily="34" charset="-127"/>
+              </a:rPr>
+              <a:t>이면 </a:t>
             </a:r>
             <a:r>
               <a:rPr lang="ko-KR" altLang="en-US" b="0" dirty="0">
                 <a:latin typeface="Noto Sans CJK KR Regular" panose="020B0500000000000000" pitchFamily="34" charset="-127"/>
                 <a:ea typeface="Noto Sans CJK KR Regular" panose="020B0500000000000000" pitchFamily="34" charset="-127"/>
               </a:rPr>
-              <a:t>이면 지정한 노드만 복사한다</a:t>
+              <a:t>지정한 노드만 복사한다</a:t>
             </a:r>
             <a:r>
               <a:rPr lang="en-US" altLang="ko-KR" b="0" dirty="0">
@@ -28134,7 +29570,7 @@
         </p:nvSpPr>
         <p:spPr bwMode="auto">
           <a:xfrm>
-            <a:off x="8160814" y="2227263"/>
+            <a:off x="9503839" y="2227263"/>
             <a:ext cx="762000" cy="381000"/>
           </a:xfrm>
           <a:prstGeom prst="rect">
@@ -28183,7 +29619,7 @@
         </p:nvSpPr>
         <p:spPr bwMode="auto">
           <a:xfrm>
-            <a:off x="8160814" y="2760663"/>
+            <a:off x="9503839" y="2760663"/>
             <a:ext cx="762000" cy="381000"/>
           </a:xfrm>
           <a:prstGeom prst="rect">
@@ -28232,7 +29668,7 @@
         </p:nvCxnSpPr>
         <p:spPr bwMode="auto">
           <a:xfrm>
-            <a:off x="8541814" y="2608263"/>
+            <a:off x="9884839" y="2608263"/>
             <a:ext cx="0" cy="152400"/>
           </a:xfrm>
           <a:prstGeom prst="straightConnector1">
@@ -28265,7 +29701,7 @@
         </p:nvSpPr>
         <p:spPr bwMode="auto">
           <a:xfrm>
-            <a:off x="4724400" y="5102225"/>
+            <a:off x="5038725" y="5102225"/>
             <a:ext cx="762000" cy="381000"/>
           </a:xfrm>
           <a:prstGeom prst="rect">
@@ -28314,7 +29750,7 @@
         </p:nvSpPr>
         <p:spPr bwMode="auto">
           <a:xfrm>
-            <a:off x="5562600" y="5102225"/>
+            <a:off x="5876925" y="5102225"/>
             <a:ext cx="762000" cy="381000"/>
           </a:xfrm>
           <a:prstGeom prst="rect">
@@ -28363,7 +29799,7 @@
         </p:nvSpPr>
         <p:spPr bwMode="auto">
           <a:xfrm>
-            <a:off x="5943600" y="4264025"/>
+            <a:off x="6257925" y="4264025"/>
             <a:ext cx="1600200" cy="381000"/>
           </a:xfrm>
           <a:prstGeom prst="rect">
@@ -28435,7 +29871,7 @@
         </p:nvSpPr>
         <p:spPr bwMode="auto">
           <a:xfrm>
-            <a:off x="4724400" y="5635625"/>
+            <a:off x="5038725" y="5635625"/>
             <a:ext cx="762000" cy="381000"/>
           </a:xfrm>
           <a:prstGeom prst="rect">
@@ -28484,7 +29920,7 @@
         </p:nvSpPr>
         <p:spPr bwMode="auto">
           <a:xfrm>
-            <a:off x="5562600" y="5635625"/>
+            <a:off x="5876925" y="5635625"/>
             <a:ext cx="762000" cy="381000"/>
           </a:xfrm>
           <a:prstGeom prst="rect">
@@ -28535,7 +29971,7 @@
         </p:nvCxnSpPr>
         <p:spPr bwMode="auto">
           <a:xfrm>
-            <a:off x="5105400" y="5483225"/>
+            <a:off x="5419725" y="5483225"/>
             <a:ext cx="0" cy="152400"/>
           </a:xfrm>
           <a:prstGeom prst="straightConnector1">
@@ -28570,7 +30006,7 @@
         </p:nvCxnSpPr>
         <p:spPr bwMode="auto">
           <a:xfrm>
-            <a:off x="5943600" y="5483225"/>
+            <a:off x="6257925" y="5483225"/>
             <a:ext cx="0" cy="152400"/>
           </a:xfrm>
           <a:prstGeom prst="straightConnector1">
@@ -28605,7 +30041,7 @@
         </p:nvCxnSpPr>
         <p:spPr bwMode="auto">
           <a:xfrm flipH="1" flipV="1">
-            <a:off x="5105400" y="4873625"/>
+            <a:off x="5419725" y="4873625"/>
             <a:ext cx="838200" cy="228600"/>
           </a:xfrm>
           <a:prstGeom prst="straightConnector1">
@@ -28640,7 +30076,7 @@
         </p:nvCxnSpPr>
         <p:spPr bwMode="auto">
           <a:xfrm flipV="1">
-            <a:off x="5105400" y="4873625"/>
+            <a:off x="5419725" y="4873625"/>
             <a:ext cx="0" cy="228600"/>
           </a:xfrm>
           <a:prstGeom prst="straightConnector1">
@@ -28674,7 +30110,7 @@
         </p:nvCxnSpPr>
         <p:spPr bwMode="auto">
           <a:xfrm flipH="1" flipV="1">
-            <a:off x="5105400" y="4873625"/>
+            <a:off x="5419725" y="4873625"/>
             <a:ext cx="2514600" cy="228600"/>
           </a:xfrm>
           <a:prstGeom prst="straightConnector1">
@@ -28709,7 +30145,7 @@
         </p:nvCxnSpPr>
         <p:spPr bwMode="auto">
           <a:xfrm flipV="1">
-            <a:off x="5486400" y="4454525"/>
+            <a:off x="5800725" y="4454525"/>
             <a:ext cx="457200" cy="228600"/>
           </a:xfrm>
           <a:prstGeom prst="straightConnector1">
@@ -28743,7 +30179,7 @@
         </p:nvSpPr>
         <p:spPr bwMode="auto">
           <a:xfrm>
-            <a:off x="4724400" y="3502025"/>
+            <a:off x="5038725" y="3502025"/>
             <a:ext cx="762000" cy="381000"/>
           </a:xfrm>
           <a:prstGeom prst="rect">
@@ -28792,7 +30228,7 @@
         </p:nvSpPr>
         <p:spPr bwMode="auto">
           <a:xfrm>
-            <a:off x="4724400" y="3959225"/>
+            <a:off x="5038725" y="3959225"/>
             <a:ext cx="762000" cy="381000"/>
           </a:xfrm>
           <a:prstGeom prst="rect">
@@ -28843,7 +30279,7 @@
         </p:nvCxnSpPr>
         <p:spPr bwMode="auto">
           <a:xfrm>
-            <a:off x="5105400" y="3883025"/>
+            <a:off x="5419725" y="3883025"/>
             <a:ext cx="0" cy="76200"/>
           </a:xfrm>
           <a:prstGeom prst="straightConnector1">
@@ -28878,7 +30314,7 @@
         </p:nvCxnSpPr>
         <p:spPr bwMode="auto">
           <a:xfrm flipV="1">
-            <a:off x="5105400" y="4340225"/>
+            <a:off x="5419725" y="4340225"/>
             <a:ext cx="0" cy="152400"/>
           </a:xfrm>
           <a:prstGeom prst="straightConnector1">
@@ -28911,7 +30347,7 @@
         </p:nvSpPr>
         <p:spPr bwMode="auto">
           <a:xfrm>
-            <a:off x="4572000" y="3349625"/>
+            <a:off x="4886325" y="3349625"/>
             <a:ext cx="3581400" cy="2743200"/>
           </a:xfrm>
           <a:prstGeom prst="rect">
@@ -28955,7 +30391,7 @@
         </p:nvSpPr>
         <p:spPr bwMode="auto">
           <a:xfrm>
-            <a:off x="6308725" y="3371850"/>
+            <a:off x="6623050" y="3371850"/>
             <a:ext cx="1343638" cy="369332"/>
           </a:xfrm>
           <a:prstGeom prst="rect">
@@ -29001,7 +30437,7 @@
         </p:nvSpPr>
         <p:spPr bwMode="auto">
           <a:xfrm>
-            <a:off x="6400800" y="5102225"/>
+            <a:off x="6715125" y="5102225"/>
             <a:ext cx="762000" cy="381000"/>
           </a:xfrm>
           <a:prstGeom prst="rect">
@@ -29050,7 +30486,7 @@
         </p:nvSpPr>
         <p:spPr bwMode="auto">
           <a:xfrm>
-            <a:off x="6400800" y="5635625"/>
+            <a:off x="6715125" y="5635625"/>
             <a:ext cx="762000" cy="381000"/>
           </a:xfrm>
           <a:prstGeom prst="rect">
@@ -29101,7 +30537,7 @@
         </p:nvCxnSpPr>
         <p:spPr bwMode="auto">
           <a:xfrm flipV="1">
-            <a:off x="6781800" y="5483225"/>
+            <a:off x="7096125" y="5483225"/>
             <a:ext cx="0" cy="152400"/>
           </a:xfrm>
           <a:prstGeom prst="straightConnector1">
@@ -29136,7 +30572,7 @@
         </p:nvCxnSpPr>
         <p:spPr bwMode="auto">
           <a:xfrm>
-            <a:off x="5105400" y="4873625"/>
+            <a:off x="5419725" y="4873625"/>
             <a:ext cx="1676400" cy="228600"/>
           </a:xfrm>
           <a:prstGeom prst="straightConnector1">
@@ -29169,7 +30605,7 @@
         </p:nvSpPr>
         <p:spPr bwMode="auto">
           <a:xfrm>
-            <a:off x="4724400" y="4492625"/>
+            <a:off x="5038725" y="4492625"/>
             <a:ext cx="762000" cy="381000"/>
           </a:xfrm>
           <a:prstGeom prst="rect">
@@ -29218,7 +30654,7 @@
         </p:nvSpPr>
         <p:spPr bwMode="auto">
           <a:xfrm>
-            <a:off x="7239000" y="5102225"/>
+            <a:off x="7553325" y="5102225"/>
             <a:ext cx="762000" cy="381000"/>
           </a:xfrm>
           <a:prstGeom prst="rect">
@@ -29267,7 +30703,7 @@
         </p:nvSpPr>
         <p:spPr bwMode="auto">
           <a:xfrm>
-            <a:off x="7239000" y="5635625"/>
+            <a:off x="7553325" y="5635625"/>
             <a:ext cx="762000" cy="381000"/>
           </a:xfrm>
           <a:prstGeom prst="rect">
@@ -29316,7 +30752,7 @@
         </p:nvCxnSpPr>
         <p:spPr bwMode="auto">
           <a:xfrm>
-            <a:off x="7620000" y="5483225"/>
+            <a:off x="7934325" y="5483225"/>
             <a:ext cx="0" cy="152400"/>
           </a:xfrm>
           <a:prstGeom prst="straightConnector1">
@@ -29398,8 +30834,8 @@
         </p:nvSpPr>
         <p:spPr bwMode="auto">
           <a:xfrm>
-            <a:off x="228600" y="2212975"/>
-            <a:ext cx="7823201" cy="923330"/>
+            <a:off x="1092200" y="2193230"/>
+            <a:ext cx="7391400" cy="923330"/>
           </a:xfrm>
           <a:prstGeom prst="rect">
             <a:avLst/>
@@ -29408,7 +30844,9 @@
             <a:schemeClr val="bg1"/>
           </a:solidFill>
           <a:ln w="9525">
-            <a:noFill/>
+            <a:solidFill>
+              <a:schemeClr val="tx1"/>
+            </a:solidFill>
             <a:miter lim="800000"/>
             <a:headEnd/>
             <a:tailEnd/>
@@ -29420,60 +30858,329 @@
           </a:bodyPr>
           <a:lstStyle/>
           <a:p>
-            <a:pPr marL="800100" lvl="1" indent="-342900">
-              <a:buFont typeface="굴림" pitchFamily="50" charset="-127"/>
-              <a:buChar char="☞"/>
-            </a:pPr>
-            <a:r>
-              <a:rPr lang="en-US" altLang="ko-KR">
+            <a:r>
+              <a:rPr lang="en-US" altLang="ko-KR" b="0">
                 <a:solidFill>
                   <a:srgbClr val="0000FF"/>
                 </a:solidFill>
+                <a:effectLst/>
                 <a:latin typeface="Consolas" panose="020B0609020204030204" pitchFamily="49" charset="0"/>
               </a:rPr>
               <a:t>const</a:t>
             </a:r>
             <a:r>
-              <a:rPr lang="en-US" altLang="ko-KR">
+              <a:rPr lang="en-US" altLang="ko-KR" b="0">
+                <a:solidFill>
+                  <a:srgbClr val="3B3B3B"/>
+                </a:solidFill>
+                <a:effectLst/>
                 <a:latin typeface="Consolas" panose="020B0609020204030204" pitchFamily="49" charset="0"/>
-                <a:ea typeface="맑은 고딕" pitchFamily="50" charset="-127"/>
-              </a:rPr>
-              <a:t> purchases = document.getElementById("purchases");</a:t>
-            </a:r>
-          </a:p>
-          <a:p>
-            <a:pPr marL="800100" lvl="1" indent="-342900">
-              <a:buFont typeface="굴림" pitchFamily="50" charset="-127"/>
-              <a:buChar char="☞"/>
-            </a:pPr>
-            <a:r>
-              <a:rPr lang="en-US" altLang="ko-KR">
+              </a:rPr>
+              <a:t> </a:t>
+            </a:r>
+            <a:r>
+              <a:rPr lang="en-US" altLang="ko-KR" b="0">
+                <a:solidFill>
+                  <a:srgbClr val="0070C1"/>
+                </a:solidFill>
+                <a:effectLst/>
+                <a:latin typeface="Consolas" panose="020B0609020204030204" pitchFamily="49" charset="0"/>
+              </a:rPr>
+              <a:t>purchases</a:t>
+            </a:r>
+            <a:r>
+              <a:rPr lang="en-US" altLang="ko-KR" b="0">
+                <a:solidFill>
+                  <a:srgbClr val="3B3B3B"/>
+                </a:solidFill>
+                <a:effectLst/>
+                <a:latin typeface="Consolas" panose="020B0609020204030204" pitchFamily="49" charset="0"/>
+              </a:rPr>
+              <a:t> </a:t>
+            </a:r>
+            <a:r>
+              <a:rPr lang="en-US" altLang="ko-KR" b="0">
+                <a:solidFill>
+                  <a:srgbClr val="000000"/>
+                </a:solidFill>
+                <a:effectLst/>
+                <a:latin typeface="Consolas" panose="020B0609020204030204" pitchFamily="49" charset="0"/>
+              </a:rPr>
+              <a:t>=</a:t>
+            </a:r>
+            <a:r>
+              <a:rPr lang="en-US" altLang="ko-KR" b="0">
+                <a:solidFill>
+                  <a:srgbClr val="3B3B3B"/>
+                </a:solidFill>
+                <a:effectLst/>
+                <a:latin typeface="Consolas" panose="020B0609020204030204" pitchFamily="49" charset="0"/>
+              </a:rPr>
+              <a:t> </a:t>
+            </a:r>
+            <a:r>
+              <a:rPr lang="en-US" altLang="ko-KR" b="0">
+                <a:solidFill>
+                  <a:srgbClr val="001080"/>
+                </a:solidFill>
+                <a:effectLst/>
+                <a:latin typeface="Consolas" panose="020B0609020204030204" pitchFamily="49" charset="0"/>
+              </a:rPr>
+              <a:t>document</a:t>
+            </a:r>
+            <a:r>
+              <a:rPr lang="en-US" altLang="ko-KR" b="0">
+                <a:solidFill>
+                  <a:srgbClr val="3B3B3B"/>
+                </a:solidFill>
+                <a:effectLst/>
+                <a:latin typeface="Consolas" panose="020B0609020204030204" pitchFamily="49" charset="0"/>
+              </a:rPr>
+              <a:t>.</a:t>
+            </a:r>
+            <a:r>
+              <a:rPr lang="en-US" altLang="ko-KR" b="0">
+                <a:solidFill>
+                  <a:srgbClr val="795E26"/>
+                </a:solidFill>
+                <a:effectLst/>
+                <a:latin typeface="Consolas" panose="020B0609020204030204" pitchFamily="49" charset="0"/>
+              </a:rPr>
+              <a:t>getElementById</a:t>
+            </a:r>
+            <a:r>
+              <a:rPr lang="en-US" altLang="ko-KR" b="0">
+                <a:solidFill>
+                  <a:srgbClr val="3B3B3B"/>
+                </a:solidFill>
+                <a:effectLst/>
+                <a:latin typeface="Consolas" panose="020B0609020204030204" pitchFamily="49" charset="0"/>
+              </a:rPr>
+              <a:t>(</a:t>
+            </a:r>
+            <a:r>
+              <a:rPr lang="en-US" altLang="ko-KR" b="0">
+                <a:solidFill>
+                  <a:srgbClr val="A31515"/>
+                </a:solidFill>
+                <a:effectLst/>
+                <a:latin typeface="Consolas" panose="020B0609020204030204" pitchFamily="49" charset="0"/>
+              </a:rPr>
+              <a:t>"purchases"</a:t>
+            </a:r>
+            <a:r>
+              <a:rPr lang="en-US" altLang="ko-KR" b="0">
+                <a:solidFill>
+                  <a:srgbClr val="3B3B3B"/>
+                </a:solidFill>
+                <a:effectLst/>
+                <a:latin typeface="Consolas" panose="020B0609020204030204" pitchFamily="49" charset="0"/>
+              </a:rPr>
+              <a:t>);</a:t>
+            </a:r>
+          </a:p>
+          <a:p>
+            <a:r>
+              <a:rPr lang="en-US" altLang="ko-KR" b="0">
                 <a:solidFill>
                   <a:srgbClr val="0000FF"/>
                 </a:solidFill>
+                <a:effectLst/>
                 <a:latin typeface="Consolas" panose="020B0609020204030204" pitchFamily="49" charset="0"/>
               </a:rPr>
               <a:t>const</a:t>
             </a:r>
             <a:r>
-              <a:rPr lang="en-US" altLang="ko-KR">
+              <a:rPr lang="en-US" altLang="ko-KR" b="0">
+                <a:solidFill>
+                  <a:srgbClr val="3B3B3B"/>
+                </a:solidFill>
+                <a:effectLst/>
                 <a:latin typeface="Consolas" panose="020B0609020204030204" pitchFamily="49" charset="0"/>
-                <a:ea typeface="맑은 고딕" pitchFamily="50" charset="-127"/>
-              </a:rPr>
-              <a:t> cloneLi = purchases.firstChild.cloneNode(true);</a:t>
-            </a:r>
-          </a:p>
-          <a:p>
-            <a:pPr marL="800100" lvl="1" indent="-342900">
-              <a:buFont typeface="굴림" pitchFamily="50" charset="-127"/>
-              <a:buChar char="☞"/>
-            </a:pPr>
-            <a:r>
-              <a:rPr lang="en-US" altLang="ko-KR">
+              </a:rPr>
+              <a:t> </a:t>
+            </a:r>
+            <a:r>
+              <a:rPr lang="en-US" altLang="ko-KR" b="0">
+                <a:solidFill>
+                  <a:srgbClr val="0070C1"/>
+                </a:solidFill>
+                <a:effectLst/>
                 <a:latin typeface="Consolas" panose="020B0609020204030204" pitchFamily="49" charset="0"/>
-                <a:ea typeface="맑은 고딕" pitchFamily="50" charset="-127"/>
-              </a:rPr>
-              <a:t>purchases.appendChild(cloneLi);</a:t>
+              </a:rPr>
+              <a:t>cloneLi</a:t>
+            </a:r>
+            <a:r>
+              <a:rPr lang="en-US" altLang="ko-KR" b="0">
+                <a:solidFill>
+                  <a:srgbClr val="3B3B3B"/>
+                </a:solidFill>
+                <a:effectLst/>
+                <a:latin typeface="Consolas" panose="020B0609020204030204" pitchFamily="49" charset="0"/>
+              </a:rPr>
+              <a:t> </a:t>
+            </a:r>
+            <a:r>
+              <a:rPr lang="en-US" altLang="ko-KR" b="0">
+                <a:solidFill>
+                  <a:srgbClr val="000000"/>
+                </a:solidFill>
+                <a:effectLst/>
+                <a:latin typeface="Consolas" panose="020B0609020204030204" pitchFamily="49" charset="0"/>
+              </a:rPr>
+              <a:t>=</a:t>
+            </a:r>
+            <a:r>
+              <a:rPr lang="en-US" altLang="ko-KR" b="0">
+                <a:solidFill>
+                  <a:srgbClr val="3B3B3B"/>
+                </a:solidFill>
+                <a:effectLst/>
+                <a:latin typeface="Consolas" panose="020B0609020204030204" pitchFamily="49" charset="0"/>
+              </a:rPr>
+              <a:t> </a:t>
+            </a:r>
+            <a:r>
+              <a:rPr lang="en-US" altLang="ko-KR" b="0">
+                <a:solidFill>
+                  <a:srgbClr val="0070C1"/>
+                </a:solidFill>
+                <a:effectLst/>
+                <a:latin typeface="Consolas" panose="020B0609020204030204" pitchFamily="49" charset="0"/>
+              </a:rPr>
+              <a:t>purchases</a:t>
+            </a:r>
+            <a:r>
+              <a:rPr lang="en-US" altLang="ko-KR" b="0">
+                <a:solidFill>
+                  <a:srgbClr val="3B3B3B"/>
+                </a:solidFill>
+                <a:effectLst/>
+                <a:latin typeface="Consolas" panose="020B0609020204030204" pitchFamily="49" charset="0"/>
+              </a:rPr>
+              <a:t>.</a:t>
+            </a:r>
+            <a:r>
+              <a:rPr lang="en-US" altLang="ko-KR" b="0">
+                <a:solidFill>
+                  <a:srgbClr val="0070C1"/>
+                </a:solidFill>
+                <a:effectLst/>
+                <a:latin typeface="Consolas" panose="020B0609020204030204" pitchFamily="49" charset="0"/>
+              </a:rPr>
+              <a:t>firstChild</a:t>
+            </a:r>
+            <a:r>
+              <a:rPr lang="en-US" altLang="ko-KR" b="0">
+                <a:solidFill>
+                  <a:srgbClr val="3B3B3B"/>
+                </a:solidFill>
+                <a:effectLst/>
+                <a:latin typeface="Consolas" panose="020B0609020204030204" pitchFamily="49" charset="0"/>
+              </a:rPr>
+              <a:t>.</a:t>
+            </a:r>
+            <a:r>
+              <a:rPr lang="en-US" altLang="ko-KR" b="0">
+                <a:solidFill>
+                  <a:srgbClr val="795E26"/>
+                </a:solidFill>
+                <a:effectLst/>
+                <a:latin typeface="Consolas" panose="020B0609020204030204" pitchFamily="49" charset="0"/>
+              </a:rPr>
+              <a:t>cloneNode</a:t>
+            </a:r>
+            <a:r>
+              <a:rPr lang="en-US" altLang="ko-KR" b="0">
+                <a:solidFill>
+                  <a:srgbClr val="3B3B3B"/>
+                </a:solidFill>
+                <a:effectLst/>
+                <a:latin typeface="Consolas" panose="020B0609020204030204" pitchFamily="49" charset="0"/>
+              </a:rPr>
+              <a:t>(</a:t>
+            </a:r>
+            <a:r>
+              <a:rPr lang="en-US" altLang="ko-KR" b="0">
+                <a:solidFill>
+                  <a:srgbClr val="0000FF"/>
+                </a:solidFill>
+                <a:effectLst/>
+                <a:latin typeface="Consolas" panose="020B0609020204030204" pitchFamily="49" charset="0"/>
+              </a:rPr>
+              <a:t>true</a:t>
+            </a:r>
+            <a:r>
+              <a:rPr lang="en-US" altLang="ko-KR" b="0">
+                <a:solidFill>
+                  <a:srgbClr val="3B3B3B"/>
+                </a:solidFill>
+                <a:effectLst/>
+                <a:latin typeface="Consolas" panose="020B0609020204030204" pitchFamily="49" charset="0"/>
+              </a:rPr>
+              <a:t>);</a:t>
+            </a:r>
+          </a:p>
+          <a:p>
+            <a:r>
+              <a:rPr lang="en-US" altLang="ko-KR" b="0">
+                <a:solidFill>
+                  <a:srgbClr val="0070C1"/>
+                </a:solidFill>
+                <a:effectLst/>
+                <a:latin typeface="Consolas" panose="020B0609020204030204" pitchFamily="49" charset="0"/>
+              </a:rPr>
+              <a:t>purchases</a:t>
+            </a:r>
+            <a:r>
+              <a:rPr lang="en-US" altLang="ko-KR" b="0">
+                <a:solidFill>
+                  <a:srgbClr val="3B3B3B"/>
+                </a:solidFill>
+                <a:effectLst/>
+                <a:latin typeface="Consolas" panose="020B0609020204030204" pitchFamily="49" charset="0"/>
+              </a:rPr>
+              <a:t>.</a:t>
+            </a:r>
+            <a:r>
+              <a:rPr lang="en-US" altLang="ko-KR" b="0">
+                <a:solidFill>
+                  <a:srgbClr val="795E26"/>
+                </a:solidFill>
+                <a:effectLst/>
+                <a:latin typeface="Consolas" panose="020B0609020204030204" pitchFamily="49" charset="0"/>
+              </a:rPr>
+              <a:t>appendChild</a:t>
+            </a:r>
+            <a:r>
+              <a:rPr lang="en-US" altLang="ko-KR" b="0">
+                <a:solidFill>
+                  <a:srgbClr val="3B3B3B"/>
+                </a:solidFill>
+                <a:effectLst/>
+                <a:latin typeface="Consolas" panose="020B0609020204030204" pitchFamily="49" charset="0"/>
+              </a:rPr>
+              <a:t>(</a:t>
+            </a:r>
+            <a:r>
+              <a:rPr lang="en-US" altLang="ko-KR" b="0">
+                <a:solidFill>
+                  <a:srgbClr val="0070C1"/>
+                </a:solidFill>
+                <a:effectLst/>
+                <a:latin typeface="Consolas" panose="020B0609020204030204" pitchFamily="49" charset="0"/>
+              </a:rPr>
+              <a:t>cloneLi</a:t>
+            </a:r>
+            <a:r>
+              <a:rPr lang="en-US" altLang="ko-KR" b="0">
+                <a:solidFill>
+                  <a:srgbClr val="3B3B3B"/>
+                </a:solidFill>
+                <a:effectLst/>
+                <a:latin typeface="Consolas" panose="020B0609020204030204" pitchFamily="49" charset="0"/>
+              </a:rPr>
+              <a:t>);</a:t>
             </a:r>
           </a:p>
         </p:txBody>

--- a/PPT/05.자바스크립트 - 클라이언트 사이드(Event, DOM, Ajax, Web APIs).pptx
+++ b/PPT/05.자바스크립트 - 클라이언트 사이드(Event, DOM, Ajax, Web APIs).pptx
@@ -21,8 +21,8 @@
     <p:sldId id="343" r:id="rId12"/>
     <p:sldId id="344" r:id="rId13"/>
     <p:sldId id="345" r:id="rId14"/>
-    <p:sldId id="368" r:id="rId15"/>
-    <p:sldId id="369" r:id="rId16"/>
+    <p:sldId id="367" r:id="rId15"/>
+    <p:sldId id="368" r:id="rId16"/>
     <p:sldId id="346" r:id="rId17"/>
     <p:sldId id="347" r:id="rId18"/>
     <p:sldId id="348" r:id="rId19"/>
@@ -13812,7 +13812,7 @@
                 <a:latin typeface="Noto Sans CJK KR Regular" panose="020B0500000000000000" pitchFamily="34" charset="-127"/>
                 <a:ea typeface="Noto Sans CJK KR Regular" panose="020B0500000000000000" pitchFamily="34" charset="-127"/>
               </a:rPr>
-              <a:t>ex05-01.html</a:t>
+              <a:t>ex05-03.html</a:t>
             </a:r>
             <a:endParaRPr lang="ko-KR" altLang="en-US" dirty="0">
               <a:solidFill>
@@ -14715,7 +14715,7 @@
     </p:spTree>
     <p:extLst>
       <p:ext uri="{BB962C8B-B14F-4D97-AF65-F5344CB8AC3E}">
-        <p14:creationId xmlns:p14="http://schemas.microsoft.com/office/powerpoint/2010/main" val="781039387"/>
+        <p14:creationId xmlns:p14="http://schemas.microsoft.com/office/powerpoint/2010/main" val="2690705161"/>
       </p:ext>
     </p:extLst>
   </p:cSld>
@@ -15247,7 +15247,7 @@
                 <a:latin typeface="Noto Sans CJK KR Regular" panose="020B0500000000000000" pitchFamily="34" charset="-127"/>
                 <a:ea typeface="Noto Sans CJK KR Regular" panose="020B0500000000000000" pitchFamily="34" charset="-127"/>
               </a:rPr>
-              <a:t>ex05-01.html</a:t>
+              <a:t>ex05-03.html</a:t>
             </a:r>
             <a:endParaRPr lang="ko-KR" altLang="en-US" dirty="0">
               <a:solidFill>
@@ -17606,7 +17606,7 @@
                 <a:latin typeface="Noto Sans CJK KR Regular" panose="020B0500000000000000" pitchFamily="34" charset="-127"/>
                 <a:ea typeface="Noto Sans CJK KR Regular" panose="020B0500000000000000" pitchFamily="34" charset="-127"/>
               </a:rPr>
-              <a:t>ex05-01.html</a:t>
+              <a:t>ex05-03.html</a:t>
             </a:r>
             <a:endParaRPr lang="ko-KR" altLang="en-US" dirty="0">
               <a:solidFill>
@@ -20106,7 +20106,7 @@
                 <a:latin typeface="Noto Sans CJK KR Regular" panose="020B0500000000000000" pitchFamily="34" charset="-127"/>
                 <a:ea typeface="Noto Sans CJK KR Regular" panose="020B0500000000000000" pitchFamily="34" charset="-127"/>
               </a:rPr>
-              <a:t>ex05-01.html</a:t>
+              <a:t>ex05-03.html</a:t>
             </a:r>
             <a:endParaRPr lang="ko-KR" altLang="en-US" dirty="0">
               <a:solidFill>
@@ -23984,10 +23984,268 @@
       </p:pic>
       <p:sp>
         <p:nvSpPr>
-          <p:cNvPr id="59" name="TextBox 58">
-            <a:extLst>
-              <a:ext uri="{FF2B5EF4-FFF2-40B4-BE49-F238E27FC236}">
-                <a16:creationId xmlns:a16="http://schemas.microsoft.com/office/drawing/2014/main" id="{38F3E018-06DF-44FF-A995-C3794657BFEF}"/>
+          <p:cNvPr id="61" name="TextBox 60">
+            <a:extLst>
+              <a:ext uri="{FF2B5EF4-FFF2-40B4-BE49-F238E27FC236}">
+                <a16:creationId xmlns:a16="http://schemas.microsoft.com/office/drawing/2014/main" id="{EC433C19-8625-41A5-ADF7-043350AF3826}"/>
+              </a:ext>
+            </a:extLst>
+          </p:cNvPr>
+          <p:cNvSpPr txBox="1"/>
+          <p:nvPr/>
+        </p:nvSpPr>
+        <p:spPr>
+          <a:xfrm>
+            <a:off x="1022966" y="1991361"/>
+            <a:ext cx="7311409" cy="646331"/>
+          </a:xfrm>
+          <a:prstGeom prst="rect">
+            <a:avLst/>
+          </a:prstGeom>
+          <a:noFill/>
+          <a:ln>
+            <a:solidFill>
+              <a:schemeClr val="tx1"/>
+            </a:solidFill>
+          </a:ln>
+        </p:spPr>
+        <p:txBody>
+          <a:bodyPr wrap="square">
+            <a:spAutoFit/>
+          </a:bodyPr>
+          <a:lstStyle/>
+          <a:p>
+            <a:r>
+              <a:rPr lang="en-US" altLang="ko-KR" b="0">
+                <a:solidFill>
+                  <a:srgbClr val="0000FF"/>
+                </a:solidFill>
+                <a:effectLst/>
+                <a:latin typeface="Consolas" panose="020B0609020204030204" pitchFamily="49" charset="0"/>
+              </a:rPr>
+              <a:t>const</a:t>
+            </a:r>
+            <a:r>
+              <a:rPr lang="en-US" altLang="ko-KR" b="0">
+                <a:solidFill>
+                  <a:srgbClr val="3B3B3B"/>
+                </a:solidFill>
+                <a:effectLst/>
+                <a:latin typeface="Consolas" panose="020B0609020204030204" pitchFamily="49" charset="0"/>
+              </a:rPr>
+              <a:t> </a:t>
+            </a:r>
+            <a:r>
+              <a:rPr lang="en-US" altLang="ko-KR" b="0">
+                <a:solidFill>
+                  <a:srgbClr val="0070C1"/>
+                </a:solidFill>
+                <a:effectLst/>
+                <a:latin typeface="Consolas" panose="020B0609020204030204" pitchFamily="49" charset="0"/>
+              </a:rPr>
+              <a:t>purchases</a:t>
+            </a:r>
+            <a:r>
+              <a:rPr lang="en-US" altLang="ko-KR" b="0">
+                <a:solidFill>
+                  <a:srgbClr val="3B3B3B"/>
+                </a:solidFill>
+                <a:effectLst/>
+                <a:latin typeface="Consolas" panose="020B0609020204030204" pitchFamily="49" charset="0"/>
+              </a:rPr>
+              <a:t> </a:t>
+            </a:r>
+            <a:r>
+              <a:rPr lang="en-US" altLang="ko-KR" b="0">
+                <a:solidFill>
+                  <a:srgbClr val="000000"/>
+                </a:solidFill>
+                <a:effectLst/>
+                <a:latin typeface="Consolas" panose="020B0609020204030204" pitchFamily="49" charset="0"/>
+              </a:rPr>
+              <a:t>=</a:t>
+            </a:r>
+            <a:r>
+              <a:rPr lang="en-US" altLang="ko-KR" b="0">
+                <a:solidFill>
+                  <a:srgbClr val="3B3B3B"/>
+                </a:solidFill>
+                <a:effectLst/>
+                <a:latin typeface="Consolas" panose="020B0609020204030204" pitchFamily="49" charset="0"/>
+              </a:rPr>
+              <a:t> </a:t>
+            </a:r>
+            <a:r>
+              <a:rPr lang="en-US" altLang="ko-KR" b="0">
+                <a:solidFill>
+                  <a:srgbClr val="001080"/>
+                </a:solidFill>
+                <a:effectLst/>
+                <a:latin typeface="Consolas" panose="020B0609020204030204" pitchFamily="49" charset="0"/>
+              </a:rPr>
+              <a:t>document</a:t>
+            </a:r>
+            <a:r>
+              <a:rPr lang="en-US" altLang="ko-KR" b="0">
+                <a:solidFill>
+                  <a:srgbClr val="3B3B3B"/>
+                </a:solidFill>
+                <a:effectLst/>
+                <a:latin typeface="Consolas" panose="020B0609020204030204" pitchFamily="49" charset="0"/>
+              </a:rPr>
+              <a:t>.</a:t>
+            </a:r>
+            <a:r>
+              <a:rPr lang="en-US" altLang="ko-KR" b="0">
+                <a:solidFill>
+                  <a:srgbClr val="795E26"/>
+                </a:solidFill>
+                <a:effectLst/>
+                <a:latin typeface="Consolas" panose="020B0609020204030204" pitchFamily="49" charset="0"/>
+              </a:rPr>
+              <a:t>getElementById</a:t>
+            </a:r>
+            <a:r>
+              <a:rPr lang="en-US" altLang="ko-KR" b="0">
+                <a:solidFill>
+                  <a:srgbClr val="3B3B3B"/>
+                </a:solidFill>
+                <a:effectLst/>
+                <a:latin typeface="Consolas" panose="020B0609020204030204" pitchFamily="49" charset="0"/>
+              </a:rPr>
+              <a:t>(</a:t>
+            </a:r>
+            <a:r>
+              <a:rPr lang="en-US" altLang="ko-KR" b="0">
+                <a:solidFill>
+                  <a:srgbClr val="A31515"/>
+                </a:solidFill>
+                <a:effectLst/>
+                <a:latin typeface="Consolas" panose="020B0609020204030204" pitchFamily="49" charset="0"/>
+              </a:rPr>
+              <a:t>"purchases"</a:t>
+            </a:r>
+            <a:r>
+              <a:rPr lang="en-US" altLang="ko-KR" b="0">
+                <a:solidFill>
+                  <a:srgbClr val="3B3B3B"/>
+                </a:solidFill>
+                <a:effectLst/>
+                <a:latin typeface="Consolas" panose="020B0609020204030204" pitchFamily="49" charset="0"/>
+              </a:rPr>
+              <a:t>);</a:t>
+            </a:r>
+          </a:p>
+          <a:p>
+            <a:r>
+              <a:rPr lang="en-US" altLang="ko-KR" b="0">
+                <a:solidFill>
+                  <a:srgbClr val="0070C1"/>
+                </a:solidFill>
+                <a:effectLst/>
+                <a:latin typeface="Consolas" panose="020B0609020204030204" pitchFamily="49" charset="0"/>
+              </a:rPr>
+              <a:t>purchases</a:t>
+            </a:r>
+            <a:r>
+              <a:rPr lang="en-US" altLang="ko-KR" b="0">
+                <a:solidFill>
+                  <a:srgbClr val="3B3B3B"/>
+                </a:solidFill>
+                <a:effectLst/>
+                <a:latin typeface="Consolas" panose="020B0609020204030204" pitchFamily="49" charset="0"/>
+              </a:rPr>
+              <a:t>.</a:t>
+            </a:r>
+            <a:r>
+              <a:rPr lang="en-US" altLang="ko-KR" b="0">
+                <a:solidFill>
+                  <a:srgbClr val="795E26"/>
+                </a:solidFill>
+                <a:effectLst/>
+                <a:latin typeface="Consolas" panose="020B0609020204030204" pitchFamily="49" charset="0"/>
+              </a:rPr>
+              <a:t>insertBefore</a:t>
+            </a:r>
+            <a:r>
+              <a:rPr lang="en-US" altLang="ko-KR" b="0">
+                <a:solidFill>
+                  <a:srgbClr val="3B3B3B"/>
+                </a:solidFill>
+                <a:effectLst/>
+                <a:latin typeface="Consolas" panose="020B0609020204030204" pitchFamily="49" charset="0"/>
+              </a:rPr>
+              <a:t>(</a:t>
+            </a:r>
+            <a:r>
+              <a:rPr lang="en-US" altLang="ko-KR" b="0">
+                <a:solidFill>
+                  <a:srgbClr val="001080"/>
+                </a:solidFill>
+                <a:effectLst/>
+                <a:latin typeface="Consolas" panose="020B0609020204030204" pitchFamily="49" charset="0"/>
+              </a:rPr>
+              <a:t>newLiNode</a:t>
+            </a:r>
+            <a:r>
+              <a:rPr lang="en-US" altLang="ko-KR" b="0">
+                <a:solidFill>
+                  <a:srgbClr val="3B3B3B"/>
+                </a:solidFill>
+                <a:effectLst/>
+                <a:latin typeface="Consolas" panose="020B0609020204030204" pitchFamily="49" charset="0"/>
+              </a:rPr>
+              <a:t>, </a:t>
+            </a:r>
+            <a:r>
+              <a:rPr lang="en-US" altLang="ko-KR" b="0">
+                <a:solidFill>
+                  <a:srgbClr val="0070C1"/>
+                </a:solidFill>
+                <a:effectLst/>
+                <a:latin typeface="Consolas" panose="020B0609020204030204" pitchFamily="49" charset="0"/>
+              </a:rPr>
+              <a:t>purchases</a:t>
+            </a:r>
+            <a:r>
+              <a:rPr lang="en-US" altLang="ko-KR" b="0">
+                <a:solidFill>
+                  <a:srgbClr val="3B3B3B"/>
+                </a:solidFill>
+                <a:effectLst/>
+                <a:latin typeface="Consolas" panose="020B0609020204030204" pitchFamily="49" charset="0"/>
+              </a:rPr>
+              <a:t>.</a:t>
+            </a:r>
+            <a:r>
+              <a:rPr lang="en-US" altLang="ko-KR" b="0">
+                <a:solidFill>
+                  <a:srgbClr val="0070C1"/>
+                </a:solidFill>
+                <a:effectLst/>
+                <a:latin typeface="Consolas" panose="020B0609020204030204" pitchFamily="49" charset="0"/>
+              </a:rPr>
+              <a:t>firstChild</a:t>
+            </a:r>
+            <a:r>
+              <a:rPr lang="en-US" altLang="ko-KR" b="0">
+                <a:solidFill>
+                  <a:srgbClr val="3B3B3B"/>
+                </a:solidFill>
+                <a:effectLst/>
+                <a:latin typeface="Consolas" panose="020B0609020204030204" pitchFamily="49" charset="0"/>
+              </a:rPr>
+              <a:t>);</a:t>
+            </a:r>
+          </a:p>
+        </p:txBody>
+      </p:sp>
+      <p:sp>
+        <p:nvSpPr>
+          <p:cNvPr id="60" name="TextBox 59">
+            <a:extLst>
+              <a:ext uri="{FF2B5EF4-FFF2-40B4-BE49-F238E27FC236}">
+                <a16:creationId xmlns:a16="http://schemas.microsoft.com/office/drawing/2014/main" id="{B9C0D62D-0F31-42E0-BA55-D27BC285D687}"/>
               </a:ext>
             </a:extLst>
           </p:cNvPr>
@@ -24022,7 +24280,7 @@
                 <a:latin typeface="Noto Sans CJK KR Regular" panose="020B0500000000000000" pitchFamily="34" charset="-127"/>
                 <a:ea typeface="Noto Sans CJK KR Regular" panose="020B0500000000000000" pitchFamily="34" charset="-127"/>
               </a:rPr>
-              <a:t>ex05-01.html</a:t>
+              <a:t>ex05-03.html</a:t>
             </a:r>
             <a:endParaRPr lang="ko-KR" altLang="en-US" dirty="0">
               <a:solidFill>
@@ -24034,264 +24292,6 @@
               <a:latin typeface="Noto Sans CJK KR Regular" panose="020B0500000000000000" pitchFamily="34" charset="-127"/>
               <a:ea typeface="Noto Sans CJK KR Regular" panose="020B0500000000000000" pitchFamily="34" charset="-127"/>
             </a:endParaRPr>
-          </a:p>
-        </p:txBody>
-      </p:sp>
-      <p:sp>
-        <p:nvSpPr>
-          <p:cNvPr id="61" name="TextBox 60">
-            <a:extLst>
-              <a:ext uri="{FF2B5EF4-FFF2-40B4-BE49-F238E27FC236}">
-                <a16:creationId xmlns:a16="http://schemas.microsoft.com/office/drawing/2014/main" id="{EC433C19-8625-41A5-ADF7-043350AF3826}"/>
-              </a:ext>
-            </a:extLst>
-          </p:cNvPr>
-          <p:cNvSpPr txBox="1"/>
-          <p:nvPr/>
-        </p:nvSpPr>
-        <p:spPr>
-          <a:xfrm>
-            <a:off x="1022966" y="1991361"/>
-            <a:ext cx="7311409" cy="646331"/>
-          </a:xfrm>
-          <a:prstGeom prst="rect">
-            <a:avLst/>
-          </a:prstGeom>
-          <a:noFill/>
-          <a:ln>
-            <a:solidFill>
-              <a:schemeClr val="tx1"/>
-            </a:solidFill>
-          </a:ln>
-        </p:spPr>
-        <p:txBody>
-          <a:bodyPr wrap="square">
-            <a:spAutoFit/>
-          </a:bodyPr>
-          <a:lstStyle/>
-          <a:p>
-            <a:r>
-              <a:rPr lang="en-US" altLang="ko-KR" b="0">
-                <a:solidFill>
-                  <a:srgbClr val="0000FF"/>
-                </a:solidFill>
-                <a:effectLst/>
-                <a:latin typeface="Consolas" panose="020B0609020204030204" pitchFamily="49" charset="0"/>
-              </a:rPr>
-              <a:t>const</a:t>
-            </a:r>
-            <a:r>
-              <a:rPr lang="en-US" altLang="ko-KR" b="0">
-                <a:solidFill>
-                  <a:srgbClr val="3B3B3B"/>
-                </a:solidFill>
-                <a:effectLst/>
-                <a:latin typeface="Consolas" panose="020B0609020204030204" pitchFamily="49" charset="0"/>
-              </a:rPr>
-              <a:t> </a:t>
-            </a:r>
-            <a:r>
-              <a:rPr lang="en-US" altLang="ko-KR" b="0">
-                <a:solidFill>
-                  <a:srgbClr val="0070C1"/>
-                </a:solidFill>
-                <a:effectLst/>
-                <a:latin typeface="Consolas" panose="020B0609020204030204" pitchFamily="49" charset="0"/>
-              </a:rPr>
-              <a:t>purchases</a:t>
-            </a:r>
-            <a:r>
-              <a:rPr lang="en-US" altLang="ko-KR" b="0">
-                <a:solidFill>
-                  <a:srgbClr val="3B3B3B"/>
-                </a:solidFill>
-                <a:effectLst/>
-                <a:latin typeface="Consolas" panose="020B0609020204030204" pitchFamily="49" charset="0"/>
-              </a:rPr>
-              <a:t> </a:t>
-            </a:r>
-            <a:r>
-              <a:rPr lang="en-US" altLang="ko-KR" b="0">
-                <a:solidFill>
-                  <a:srgbClr val="000000"/>
-                </a:solidFill>
-                <a:effectLst/>
-                <a:latin typeface="Consolas" panose="020B0609020204030204" pitchFamily="49" charset="0"/>
-              </a:rPr>
-              <a:t>=</a:t>
-            </a:r>
-            <a:r>
-              <a:rPr lang="en-US" altLang="ko-KR" b="0">
-                <a:solidFill>
-                  <a:srgbClr val="3B3B3B"/>
-                </a:solidFill>
-                <a:effectLst/>
-                <a:latin typeface="Consolas" panose="020B0609020204030204" pitchFamily="49" charset="0"/>
-              </a:rPr>
-              <a:t> </a:t>
-            </a:r>
-            <a:r>
-              <a:rPr lang="en-US" altLang="ko-KR" b="0">
-                <a:solidFill>
-                  <a:srgbClr val="001080"/>
-                </a:solidFill>
-                <a:effectLst/>
-                <a:latin typeface="Consolas" panose="020B0609020204030204" pitchFamily="49" charset="0"/>
-              </a:rPr>
-              <a:t>document</a:t>
-            </a:r>
-            <a:r>
-              <a:rPr lang="en-US" altLang="ko-KR" b="0">
-                <a:solidFill>
-                  <a:srgbClr val="3B3B3B"/>
-                </a:solidFill>
-                <a:effectLst/>
-                <a:latin typeface="Consolas" panose="020B0609020204030204" pitchFamily="49" charset="0"/>
-              </a:rPr>
-              <a:t>.</a:t>
-            </a:r>
-            <a:r>
-              <a:rPr lang="en-US" altLang="ko-KR" b="0">
-                <a:solidFill>
-                  <a:srgbClr val="795E26"/>
-                </a:solidFill>
-                <a:effectLst/>
-                <a:latin typeface="Consolas" panose="020B0609020204030204" pitchFamily="49" charset="0"/>
-              </a:rPr>
-              <a:t>getElementById</a:t>
-            </a:r>
-            <a:r>
-              <a:rPr lang="en-US" altLang="ko-KR" b="0">
-                <a:solidFill>
-                  <a:srgbClr val="3B3B3B"/>
-                </a:solidFill>
-                <a:effectLst/>
-                <a:latin typeface="Consolas" panose="020B0609020204030204" pitchFamily="49" charset="0"/>
-              </a:rPr>
-              <a:t>(</a:t>
-            </a:r>
-            <a:r>
-              <a:rPr lang="en-US" altLang="ko-KR" b="0">
-                <a:solidFill>
-                  <a:srgbClr val="A31515"/>
-                </a:solidFill>
-                <a:effectLst/>
-                <a:latin typeface="Consolas" panose="020B0609020204030204" pitchFamily="49" charset="0"/>
-              </a:rPr>
-              <a:t>"purchases"</a:t>
-            </a:r>
-            <a:r>
-              <a:rPr lang="en-US" altLang="ko-KR" b="0">
-                <a:solidFill>
-                  <a:srgbClr val="3B3B3B"/>
-                </a:solidFill>
-                <a:effectLst/>
-                <a:latin typeface="Consolas" panose="020B0609020204030204" pitchFamily="49" charset="0"/>
-              </a:rPr>
-              <a:t>);</a:t>
-            </a:r>
-          </a:p>
-          <a:p>
-            <a:r>
-              <a:rPr lang="en-US" altLang="ko-KR" b="0">
-                <a:solidFill>
-                  <a:srgbClr val="0070C1"/>
-                </a:solidFill>
-                <a:effectLst/>
-                <a:latin typeface="Consolas" panose="020B0609020204030204" pitchFamily="49" charset="0"/>
-              </a:rPr>
-              <a:t>purchases</a:t>
-            </a:r>
-            <a:r>
-              <a:rPr lang="en-US" altLang="ko-KR" b="0">
-                <a:solidFill>
-                  <a:srgbClr val="3B3B3B"/>
-                </a:solidFill>
-                <a:effectLst/>
-                <a:latin typeface="Consolas" panose="020B0609020204030204" pitchFamily="49" charset="0"/>
-              </a:rPr>
-              <a:t>.</a:t>
-            </a:r>
-            <a:r>
-              <a:rPr lang="en-US" altLang="ko-KR" b="0">
-                <a:solidFill>
-                  <a:srgbClr val="795E26"/>
-                </a:solidFill>
-                <a:effectLst/>
-                <a:latin typeface="Consolas" panose="020B0609020204030204" pitchFamily="49" charset="0"/>
-              </a:rPr>
-              <a:t>insertBefore</a:t>
-            </a:r>
-            <a:r>
-              <a:rPr lang="en-US" altLang="ko-KR" b="0">
-                <a:solidFill>
-                  <a:srgbClr val="3B3B3B"/>
-                </a:solidFill>
-                <a:effectLst/>
-                <a:latin typeface="Consolas" panose="020B0609020204030204" pitchFamily="49" charset="0"/>
-              </a:rPr>
-              <a:t>(</a:t>
-            </a:r>
-            <a:r>
-              <a:rPr lang="en-US" altLang="ko-KR" b="0">
-                <a:solidFill>
-                  <a:srgbClr val="001080"/>
-                </a:solidFill>
-                <a:effectLst/>
-                <a:latin typeface="Consolas" panose="020B0609020204030204" pitchFamily="49" charset="0"/>
-              </a:rPr>
-              <a:t>newLiNode</a:t>
-            </a:r>
-            <a:r>
-              <a:rPr lang="en-US" altLang="ko-KR" b="0">
-                <a:solidFill>
-                  <a:srgbClr val="3B3B3B"/>
-                </a:solidFill>
-                <a:effectLst/>
-                <a:latin typeface="Consolas" panose="020B0609020204030204" pitchFamily="49" charset="0"/>
-              </a:rPr>
-              <a:t>, </a:t>
-            </a:r>
-            <a:r>
-              <a:rPr lang="en-US" altLang="ko-KR" b="0">
-                <a:solidFill>
-                  <a:srgbClr val="0070C1"/>
-                </a:solidFill>
-                <a:effectLst/>
-                <a:latin typeface="Consolas" panose="020B0609020204030204" pitchFamily="49" charset="0"/>
-              </a:rPr>
-              <a:t>purchases</a:t>
-            </a:r>
-            <a:r>
-              <a:rPr lang="en-US" altLang="ko-KR" b="0">
-                <a:solidFill>
-                  <a:srgbClr val="3B3B3B"/>
-                </a:solidFill>
-                <a:effectLst/>
-                <a:latin typeface="Consolas" panose="020B0609020204030204" pitchFamily="49" charset="0"/>
-              </a:rPr>
-              <a:t>.</a:t>
-            </a:r>
-            <a:r>
-              <a:rPr lang="en-US" altLang="ko-KR" b="0">
-                <a:solidFill>
-                  <a:srgbClr val="0070C1"/>
-                </a:solidFill>
-                <a:effectLst/>
-                <a:latin typeface="Consolas" panose="020B0609020204030204" pitchFamily="49" charset="0"/>
-              </a:rPr>
-              <a:t>firstChild</a:t>
-            </a:r>
-            <a:r>
-              <a:rPr lang="en-US" altLang="ko-KR" b="0">
-                <a:solidFill>
-                  <a:srgbClr val="3B3B3B"/>
-                </a:solidFill>
-                <a:effectLst/>
-                <a:latin typeface="Consolas" panose="020B0609020204030204" pitchFamily="49" charset="0"/>
-              </a:rPr>
-              <a:t>);</a:t>
-            </a:r>
           </a:p>
         </p:txBody>
       </p:sp>
@@ -27037,61 +27037,6 @@
       </p:pic>
       <p:sp>
         <p:nvSpPr>
-          <p:cNvPr id="55" name="TextBox 54">
-            <a:extLst>
-              <a:ext uri="{FF2B5EF4-FFF2-40B4-BE49-F238E27FC236}">
-                <a16:creationId xmlns:a16="http://schemas.microsoft.com/office/drawing/2014/main" id="{6071FFB2-BC12-44E9-9DF0-4EE9F2A0CD2F}"/>
-              </a:ext>
-            </a:extLst>
-          </p:cNvPr>
-          <p:cNvSpPr txBox="1"/>
-          <p:nvPr/>
-        </p:nvSpPr>
-        <p:spPr>
-          <a:xfrm>
-            <a:off x="7389697" y="764704"/>
-            <a:ext cx="3657003" cy="369332"/>
-          </a:xfrm>
-          <a:prstGeom prst="rect">
-            <a:avLst/>
-          </a:prstGeom>
-          <a:noFill/>
-        </p:spPr>
-        <p:txBody>
-          <a:bodyPr wrap="square" rtlCol="0">
-            <a:spAutoFit/>
-          </a:bodyPr>
-          <a:lstStyle/>
-          <a:p>
-            <a:pPr algn="r"/>
-            <a:r>
-              <a:rPr lang="en-US" altLang="ko-KR">
-                <a:solidFill>
-                  <a:schemeClr val="tx1">
-                    <a:lumMod val="65000"/>
-                    <a:lumOff val="35000"/>
-                  </a:schemeClr>
-                </a:solidFill>
-                <a:latin typeface="Noto Sans CJK KR Regular" panose="020B0500000000000000" pitchFamily="34" charset="-127"/>
-                <a:ea typeface="Noto Sans CJK KR Regular" panose="020B0500000000000000" pitchFamily="34" charset="-127"/>
-              </a:rPr>
-              <a:t>ex05-01.html</a:t>
-            </a:r>
-            <a:endParaRPr lang="ko-KR" altLang="en-US" dirty="0">
-              <a:solidFill>
-                <a:schemeClr val="tx1">
-                  <a:lumMod val="65000"/>
-                  <a:lumOff val="35000"/>
-                </a:schemeClr>
-              </a:solidFill>
-              <a:latin typeface="Noto Sans CJK KR Regular" panose="020B0500000000000000" pitchFamily="34" charset="-127"/>
-              <a:ea typeface="Noto Sans CJK KR Regular" panose="020B0500000000000000" pitchFamily="34" charset="-127"/>
-            </a:endParaRPr>
-          </a:p>
-        </p:txBody>
-      </p:sp>
-      <p:sp>
-        <p:nvSpPr>
           <p:cNvPr id="58" name="Rectangle 31">
             <a:extLst>
               <a:ext uri="{FF2B5EF4-FFF2-40B4-BE49-F238E27FC236}">
@@ -27838,6 +27783,61 @@
               </a:rPr>
               <a:t>ul</a:t>
             </a:r>
+          </a:p>
+        </p:txBody>
+      </p:sp>
+      <p:sp>
+        <p:nvSpPr>
+          <p:cNvPr id="78" name="TextBox 77">
+            <a:extLst>
+              <a:ext uri="{FF2B5EF4-FFF2-40B4-BE49-F238E27FC236}">
+                <a16:creationId xmlns:a16="http://schemas.microsoft.com/office/drawing/2014/main" id="{B35AC4B3-1D45-4CB9-B1F3-2E1C33C11E44}"/>
+              </a:ext>
+            </a:extLst>
+          </p:cNvPr>
+          <p:cNvSpPr txBox="1"/>
+          <p:nvPr/>
+        </p:nvSpPr>
+        <p:spPr>
+          <a:xfrm>
+            <a:off x="7389697" y="764704"/>
+            <a:ext cx="3657003" cy="369332"/>
+          </a:xfrm>
+          <a:prstGeom prst="rect">
+            <a:avLst/>
+          </a:prstGeom>
+          <a:noFill/>
+        </p:spPr>
+        <p:txBody>
+          <a:bodyPr wrap="square" rtlCol="0">
+            <a:spAutoFit/>
+          </a:bodyPr>
+          <a:lstStyle/>
+          <a:p>
+            <a:pPr algn="r"/>
+            <a:r>
+              <a:rPr lang="en-US" altLang="ko-KR">
+                <a:solidFill>
+                  <a:schemeClr val="tx1">
+                    <a:lumMod val="65000"/>
+                    <a:lumOff val="35000"/>
+                  </a:schemeClr>
+                </a:solidFill>
+                <a:latin typeface="Noto Sans CJK KR Regular" panose="020B0500000000000000" pitchFamily="34" charset="-127"/>
+                <a:ea typeface="Noto Sans CJK KR Regular" panose="020B0500000000000000" pitchFamily="34" charset="-127"/>
+              </a:rPr>
+              <a:t>ex05-03.html</a:t>
+            </a:r>
+            <a:endParaRPr lang="ko-KR" altLang="en-US" dirty="0">
+              <a:solidFill>
+                <a:schemeClr val="tx1">
+                  <a:lumMod val="65000"/>
+                  <a:lumOff val="35000"/>
+                </a:schemeClr>
+              </a:solidFill>
+              <a:latin typeface="Noto Sans CJK KR Regular" panose="020B0500000000000000" pitchFamily="34" charset="-127"/>
+              <a:ea typeface="Noto Sans CJK KR Regular" panose="020B0500000000000000" pitchFamily="34" charset="-127"/>
+            </a:endParaRPr>
           </a:p>
         </p:txBody>
       </p:sp>
@@ -31217,10 +31217,10 @@
       </p:pic>
       <p:sp>
         <p:nvSpPr>
-          <p:cNvPr id="58" name="TextBox 57">
-            <a:extLst>
-              <a:ext uri="{FF2B5EF4-FFF2-40B4-BE49-F238E27FC236}">
-                <a16:creationId xmlns:a16="http://schemas.microsoft.com/office/drawing/2014/main" id="{CB732CBB-EA35-468B-A8B8-7CED466920E5}"/>
+          <p:cNvPr id="59" name="TextBox 58">
+            <a:extLst>
+              <a:ext uri="{FF2B5EF4-FFF2-40B4-BE49-F238E27FC236}">
+                <a16:creationId xmlns:a16="http://schemas.microsoft.com/office/drawing/2014/main" id="{7E82AF18-B200-4BE7-BF42-763283D30686}"/>
               </a:ext>
             </a:extLst>
           </p:cNvPr>
@@ -31255,7 +31255,7 @@
                 <a:latin typeface="Noto Sans CJK KR Regular" panose="020B0500000000000000" pitchFamily="34" charset="-127"/>
                 <a:ea typeface="Noto Sans CJK KR Regular" panose="020B0500000000000000" pitchFamily="34" charset="-127"/>
               </a:rPr>
-              <a:t>ex05-01.html</a:t>
+              <a:t>ex05-03.html</a:t>
             </a:r>
             <a:endParaRPr lang="ko-KR" altLang="en-US" dirty="0">
               <a:solidFill>

--- a/PPT/05.자바스크립트 - 클라이언트 사이드(Event, DOM, Ajax, Web APIs).pptx
+++ b/PPT/05.자바스크립트 - 클라이언트 사이드(Event, DOM, Ajax, Web APIs).pptx
@@ -30835,7 +30835,7 @@
         <p:spPr bwMode="auto">
           <a:xfrm>
             <a:off x="1092200" y="2193230"/>
-            <a:ext cx="7391400" cy="923330"/>
+            <a:ext cx="7811168" cy="923330"/>
           </a:xfrm>
           <a:prstGeom prst="rect">
             <a:avLst/>
@@ -31068,7 +31068,26 @@
                 <a:effectLst/>
                 <a:latin typeface="Consolas" panose="020B0609020204030204" pitchFamily="49" charset="0"/>
               </a:rPr>
-              <a:t>firstChild</a:t>
+              <a:t>first</a:t>
+            </a:r>
+            <a:r>
+              <a:rPr lang="en-US" altLang="ko-KR">
+                <a:solidFill>
+                  <a:srgbClr val="0070C1"/>
+                </a:solidFill>
+                <a:latin typeface="Consolas" panose="020B0609020204030204" pitchFamily="49" charset="0"/>
+              </a:rPr>
+              <a:t>Element</a:t>
+            </a:r>
+            <a:r>
+              <a:rPr lang="en-US" altLang="ko-KR" b="0">
+                <a:solidFill>
+                  <a:srgbClr val="0070C1"/>
+                </a:solidFill>
+                <a:effectLst/>
+                <a:latin typeface="Consolas" panose="020B0609020204030204" pitchFamily="49" charset="0"/>
+              </a:rPr>
+              <a:t>Child</a:t>
             </a:r>
             <a:r>
               <a:rPr lang="en-US" altLang="ko-KR" b="0">
